--- a/Week7/w7.pptx
+++ b/Week7/w7.pptx
@@ -7,6 +7,21 @@
   <p:sldIdLst>
     <p:sldId id="256" r:id="rId2"/>
     <p:sldId id="257" r:id="rId3"/>
+    <p:sldId id="258" r:id="rId4"/>
+    <p:sldId id="259" r:id="rId5"/>
+    <p:sldId id="260" r:id="rId6"/>
+    <p:sldId id="261" r:id="rId7"/>
+    <p:sldId id="262" r:id="rId8"/>
+    <p:sldId id="263" r:id="rId9"/>
+    <p:sldId id="264" r:id="rId10"/>
+    <p:sldId id="267" r:id="rId11"/>
+    <p:sldId id="269" r:id="rId12"/>
+    <p:sldId id="270" r:id="rId13"/>
+    <p:sldId id="265" r:id="rId14"/>
+    <p:sldId id="266" r:id="rId15"/>
+    <p:sldId id="268" r:id="rId16"/>
+    <p:sldId id="271" r:id="rId17"/>
+    <p:sldId id="272" r:id="rId18"/>
   </p:sldIdLst>
   <p:sldSz cx="12192000" cy="6858000"/>
   <p:notesSz cx="6858000" cy="9144000"/>
@@ -105,6 +120,11 @@
       </a:defRPr>
     </a:lvl9pPr>
   </p:defaultTextStyle>
+  <p:extLst>
+    <p:ext uri="{EFAFB233-063F-42B5-8137-9DF3F51BA10A}">
+      <p15:sldGuideLst xmlns:p15="http://schemas.microsoft.com/office/powerpoint/2012/main"/>
+    </p:ext>
+  </p:extLst>
 </p:presentation>
 </file>
 
@@ -255,7 +275,7 @@
           <a:p>
             <a:fld id="{89CD658C-5BA3-4CAE-A097-38A65857127A}" type="datetimeFigureOut">
               <a:rPr lang="en-US" smtClean="0"/>
-              <a:t>12/22/2020</a:t>
+              <a:t>12/23/2020</a:t>
             </a:fld>
             <a:endParaRPr lang="en-US"/>
           </a:p>
@@ -453,7 +473,7 @@
           <a:p>
             <a:fld id="{89CD658C-5BA3-4CAE-A097-38A65857127A}" type="datetimeFigureOut">
               <a:rPr lang="en-US" smtClean="0"/>
-              <a:t>12/22/2020</a:t>
+              <a:t>12/23/2020</a:t>
             </a:fld>
             <a:endParaRPr lang="en-US"/>
           </a:p>
@@ -661,7 +681,7 @@
           <a:p>
             <a:fld id="{89CD658C-5BA3-4CAE-A097-38A65857127A}" type="datetimeFigureOut">
               <a:rPr lang="en-US" smtClean="0"/>
-              <a:t>12/22/2020</a:t>
+              <a:t>12/23/2020</a:t>
             </a:fld>
             <a:endParaRPr lang="en-US"/>
           </a:p>
@@ -859,7 +879,7 @@
           <a:p>
             <a:fld id="{89CD658C-5BA3-4CAE-A097-38A65857127A}" type="datetimeFigureOut">
               <a:rPr lang="en-US" smtClean="0"/>
-              <a:t>12/22/2020</a:t>
+              <a:t>12/23/2020</a:t>
             </a:fld>
             <a:endParaRPr lang="en-US"/>
           </a:p>
@@ -1134,7 +1154,7 @@
           <a:p>
             <a:fld id="{89CD658C-5BA3-4CAE-A097-38A65857127A}" type="datetimeFigureOut">
               <a:rPr lang="en-US" smtClean="0"/>
-              <a:t>12/22/2020</a:t>
+              <a:t>12/23/2020</a:t>
             </a:fld>
             <a:endParaRPr lang="en-US"/>
           </a:p>
@@ -1399,7 +1419,7 @@
           <a:p>
             <a:fld id="{89CD658C-5BA3-4CAE-A097-38A65857127A}" type="datetimeFigureOut">
               <a:rPr lang="en-US" smtClean="0"/>
-              <a:t>12/22/2020</a:t>
+              <a:t>12/23/2020</a:t>
             </a:fld>
             <a:endParaRPr lang="en-US"/>
           </a:p>
@@ -1811,7 +1831,7 @@
           <a:p>
             <a:fld id="{89CD658C-5BA3-4CAE-A097-38A65857127A}" type="datetimeFigureOut">
               <a:rPr lang="en-US" smtClean="0"/>
-              <a:t>12/22/2020</a:t>
+              <a:t>12/23/2020</a:t>
             </a:fld>
             <a:endParaRPr lang="en-US"/>
           </a:p>
@@ -1952,7 +1972,7 @@
           <a:p>
             <a:fld id="{89CD658C-5BA3-4CAE-A097-38A65857127A}" type="datetimeFigureOut">
               <a:rPr lang="en-US" smtClean="0"/>
-              <a:t>12/22/2020</a:t>
+              <a:t>12/23/2020</a:t>
             </a:fld>
             <a:endParaRPr lang="en-US"/>
           </a:p>
@@ -2065,7 +2085,7 @@
           <a:p>
             <a:fld id="{89CD658C-5BA3-4CAE-A097-38A65857127A}" type="datetimeFigureOut">
               <a:rPr lang="en-US" smtClean="0"/>
-              <a:t>12/22/2020</a:t>
+              <a:t>12/23/2020</a:t>
             </a:fld>
             <a:endParaRPr lang="en-US"/>
           </a:p>
@@ -2376,7 +2396,7 @@
           <a:p>
             <a:fld id="{89CD658C-5BA3-4CAE-A097-38A65857127A}" type="datetimeFigureOut">
               <a:rPr lang="en-US" smtClean="0"/>
-              <a:t>12/22/2020</a:t>
+              <a:t>12/23/2020</a:t>
             </a:fld>
             <a:endParaRPr lang="en-US"/>
           </a:p>
@@ -2664,7 +2684,7 @@
           <a:p>
             <a:fld id="{89CD658C-5BA3-4CAE-A097-38A65857127A}" type="datetimeFigureOut">
               <a:rPr lang="en-US" smtClean="0"/>
-              <a:t>12/22/2020</a:t>
+              <a:t>12/23/2020</a:t>
             </a:fld>
             <a:endParaRPr lang="en-US"/>
           </a:p>
@@ -2905,7 +2925,7 @@
           <a:p>
             <a:fld id="{89CD658C-5BA3-4CAE-A097-38A65857127A}" type="datetimeFigureOut">
               <a:rPr lang="en-US" smtClean="0"/>
-              <a:t>12/22/2020</a:t>
+              <a:t>12/23/2020</a:t>
             </a:fld>
             <a:endParaRPr lang="en-US"/>
           </a:p>
@@ -3343,7 +3363,10 @@
           <a:bodyPr/>
           <a:lstStyle/>
           <a:p>
-            <a:endParaRPr lang="en-US"/>
+            <a:r>
+              <a:rPr lang="en-US" dirty="0"/>
+              <a:t>Week 7 Spring Boot and Microservices</a:t>
+            </a:r>
           </a:p>
         </p:txBody>
       </p:sp>
@@ -3376,6 +3399,3236 @@
     <p:extLst>
       <p:ext uri="{BB962C8B-B14F-4D97-AF65-F5344CB8AC3E}">
         <p14:creationId xmlns:p14="http://schemas.microsoft.com/office/powerpoint/2010/main" val="3368564276"/>
+      </p:ext>
+    </p:extLst>
+  </p:cSld>
+  <p:clrMapOvr>
+    <a:masterClrMapping/>
+  </p:clrMapOvr>
+</p:sld>
+</file>
+
+<file path=ppt/slides/slide10.xml><?xml version="1.0" encoding="utf-8"?>
+<p:sld xmlns:a="http://schemas.openxmlformats.org/drawingml/2006/main" xmlns:r="http://schemas.openxmlformats.org/officeDocument/2006/relationships" xmlns:p="http://schemas.openxmlformats.org/presentationml/2006/main">
+  <p:cSld>
+    <p:spTree>
+      <p:nvGrpSpPr>
+        <p:cNvPr id="1" name=""/>
+        <p:cNvGrpSpPr/>
+        <p:nvPr/>
+      </p:nvGrpSpPr>
+      <p:grpSpPr>
+        <a:xfrm>
+          <a:off x="0" y="0"/>
+          <a:ext cx="0" cy="0"/>
+          <a:chOff x="0" y="0"/>
+          <a:chExt cx="0" cy="0"/>
+        </a:xfrm>
+      </p:grpSpPr>
+      <p:sp>
+        <p:nvSpPr>
+          <p:cNvPr id="2" name="Title 1">
+            <a:extLst>
+              <a:ext uri="{FF2B5EF4-FFF2-40B4-BE49-F238E27FC236}">
+                <a16:creationId xmlns:a16="http://schemas.microsoft.com/office/drawing/2014/main" id="{1187A1EB-D2F3-4824-869D-75360CAED87A}"/>
+              </a:ext>
+            </a:extLst>
+          </p:cNvPr>
+          <p:cNvSpPr>
+            <a:spLocks noGrp="1"/>
+          </p:cNvSpPr>
+          <p:nvPr>
+            <p:ph type="title"/>
+          </p:nvPr>
+        </p:nvSpPr>
+        <p:spPr/>
+        <p:txBody>
+          <a:bodyPr>
+            <a:normAutofit/>
+          </a:bodyPr>
+          <a:lstStyle/>
+          <a:p>
+            <a:r>
+              <a:rPr lang="en-US" sz="4000" dirty="0"/>
+              <a:t>What are we breaking when we move to MSA?</a:t>
+            </a:r>
+          </a:p>
+        </p:txBody>
+      </p:sp>
+      <p:sp>
+        <p:nvSpPr>
+          <p:cNvPr id="3" name="Content Placeholder 2">
+            <a:extLst>
+              <a:ext uri="{FF2B5EF4-FFF2-40B4-BE49-F238E27FC236}">
+                <a16:creationId xmlns:a16="http://schemas.microsoft.com/office/drawing/2014/main" id="{9CC9421A-D618-4A13-A63C-61EAF94A23FE}"/>
+              </a:ext>
+            </a:extLst>
+          </p:cNvPr>
+          <p:cNvSpPr>
+            <a:spLocks noGrp="1"/>
+          </p:cNvSpPr>
+          <p:nvPr>
+            <p:ph idx="1"/>
+          </p:nvPr>
+        </p:nvSpPr>
+        <p:spPr/>
+        <p:txBody>
+          <a:bodyPr>
+            <a:normAutofit fontScale="70000" lnSpcReduction="20000"/>
+          </a:bodyPr>
+          <a:lstStyle/>
+          <a:p>
+            <a:r>
+              <a:rPr lang="en-US" dirty="0"/>
+              <a:t>Different locations and deployments (client having to know multiple locations)</a:t>
+            </a:r>
+          </a:p>
+          <a:p>
+            <a:pPr lvl="1"/>
+            <a:r>
+              <a:rPr lang="en-US" dirty="0"/>
+              <a:t>Solution: API Gateway -&gt; Netflix </a:t>
+            </a:r>
+            <a:r>
+              <a:rPr lang="en-US" dirty="0" err="1"/>
+              <a:t>Zuul</a:t>
+            </a:r>
+            <a:r>
+              <a:rPr lang="en-US" dirty="0"/>
+              <a:t> or Spring Cloud Gateway</a:t>
+            </a:r>
+          </a:p>
+          <a:p>
+            <a:r>
+              <a:rPr lang="en-US" dirty="0"/>
+              <a:t>Services knowing each other’s location</a:t>
+            </a:r>
+          </a:p>
+          <a:p>
+            <a:pPr lvl="1"/>
+            <a:r>
+              <a:rPr lang="en-US" dirty="0"/>
+              <a:t>Solution: Service Registry -&gt; Netflix Eureka or Spring Cloud Consul (does more than service registry)</a:t>
+            </a:r>
+          </a:p>
+          <a:p>
+            <a:r>
+              <a:rPr lang="en-US" dirty="0"/>
+              <a:t>Multiple languages</a:t>
+            </a:r>
+          </a:p>
+          <a:p>
+            <a:r>
+              <a:rPr lang="en-US" dirty="0"/>
+              <a:t>Multiple points of failure (less change of overall failure, higher change of A failure)</a:t>
+            </a:r>
+          </a:p>
+          <a:p>
+            <a:pPr lvl="1"/>
+            <a:r>
+              <a:rPr lang="en-US" dirty="0"/>
+              <a:t>Recovering from a failure (Fault Tolerance)</a:t>
+            </a:r>
+          </a:p>
+          <a:p>
+            <a:pPr lvl="2"/>
+            <a:r>
+              <a:rPr lang="en-US" dirty="0"/>
+              <a:t>Circuit Breaker Design Pattern -&gt; Netflix </a:t>
+            </a:r>
+            <a:r>
+              <a:rPr lang="en-US" dirty="0" err="1"/>
+              <a:t>Hystrix</a:t>
+            </a:r>
+            <a:endParaRPr lang="en-US" dirty="0"/>
+          </a:p>
+          <a:p>
+            <a:r>
+              <a:rPr lang="en-US" dirty="0"/>
+              <a:t>Load Balancing: Netflix Ribbon (Client Side Load balancing)</a:t>
+            </a:r>
+          </a:p>
+          <a:p>
+            <a:r>
+              <a:rPr lang="en-US" dirty="0"/>
+              <a:t>Redundancy (bad) – coding things multiple times, etc.</a:t>
+            </a:r>
+          </a:p>
+          <a:p>
+            <a:r>
+              <a:rPr lang="en-US" dirty="0"/>
+              <a:t>Distributed Configuration – Spring Cloud Config</a:t>
+            </a:r>
+          </a:p>
+          <a:p>
+            <a:r>
+              <a:rPr lang="en-US" dirty="0"/>
+              <a:t>DB – Consistency, different dialects/types of </a:t>
+            </a:r>
+            <a:r>
+              <a:rPr lang="en-US" dirty="0" err="1"/>
+              <a:t>db</a:t>
+            </a:r>
+            <a:endParaRPr lang="en-US" dirty="0"/>
+          </a:p>
+          <a:p>
+            <a:r>
+              <a:rPr lang="en-US" dirty="0"/>
+              <a:t>Timing/Communication</a:t>
+            </a:r>
+          </a:p>
+          <a:p>
+            <a:endParaRPr lang="en-US" dirty="0"/>
+          </a:p>
+        </p:txBody>
+      </p:sp>
+    </p:spTree>
+    <p:extLst>
+      <p:ext uri="{BB962C8B-B14F-4D97-AF65-F5344CB8AC3E}">
+        <p14:creationId xmlns:p14="http://schemas.microsoft.com/office/powerpoint/2010/main" val="2756063973"/>
+      </p:ext>
+    </p:extLst>
+  </p:cSld>
+  <p:clrMapOvr>
+    <a:masterClrMapping/>
+  </p:clrMapOvr>
+</p:sld>
+</file>
+
+<file path=ppt/slides/slide11.xml><?xml version="1.0" encoding="utf-8"?>
+<p:sld xmlns:a="http://schemas.openxmlformats.org/drawingml/2006/main" xmlns:r="http://schemas.openxmlformats.org/officeDocument/2006/relationships" xmlns:p="http://schemas.openxmlformats.org/presentationml/2006/main">
+  <p:cSld>
+    <p:spTree>
+      <p:nvGrpSpPr>
+        <p:cNvPr id="1" name=""/>
+        <p:cNvGrpSpPr/>
+        <p:nvPr/>
+      </p:nvGrpSpPr>
+      <p:grpSpPr>
+        <a:xfrm>
+          <a:off x="0" y="0"/>
+          <a:ext cx="0" cy="0"/>
+          <a:chOff x="0" y="0"/>
+          <a:chExt cx="0" cy="0"/>
+        </a:xfrm>
+      </p:grpSpPr>
+      <p:sp>
+        <p:nvSpPr>
+          <p:cNvPr id="2" name="Title 1">
+            <a:extLst>
+              <a:ext uri="{FF2B5EF4-FFF2-40B4-BE49-F238E27FC236}">
+                <a16:creationId xmlns:a16="http://schemas.microsoft.com/office/drawing/2014/main" id="{7FD198D7-35D6-4374-B7B1-87C8AED7B528}"/>
+              </a:ext>
+            </a:extLst>
+          </p:cNvPr>
+          <p:cNvSpPr>
+            <a:spLocks noGrp="1"/>
+          </p:cNvSpPr>
+          <p:nvPr>
+            <p:ph type="title"/>
+          </p:nvPr>
+        </p:nvSpPr>
+        <p:spPr/>
+        <p:txBody>
+          <a:bodyPr/>
+          <a:lstStyle/>
+          <a:p>
+            <a:r>
+              <a:rPr lang="en-US" dirty="0"/>
+              <a:t>Spring Cloud</a:t>
+            </a:r>
+          </a:p>
+        </p:txBody>
+      </p:sp>
+      <p:sp>
+        <p:nvSpPr>
+          <p:cNvPr id="3" name="Content Placeholder 2">
+            <a:extLst>
+              <a:ext uri="{FF2B5EF4-FFF2-40B4-BE49-F238E27FC236}">
+                <a16:creationId xmlns:a16="http://schemas.microsoft.com/office/drawing/2014/main" id="{D08D6243-CC72-4BEE-879F-B73A185CFC99}"/>
+              </a:ext>
+            </a:extLst>
+          </p:cNvPr>
+          <p:cNvSpPr>
+            <a:spLocks noGrp="1"/>
+          </p:cNvSpPr>
+          <p:nvPr>
+            <p:ph idx="1"/>
+          </p:nvPr>
+        </p:nvSpPr>
+        <p:spPr/>
+        <p:txBody>
+          <a:bodyPr/>
+          <a:lstStyle/>
+          <a:p>
+            <a:r>
+              <a:rPr lang="en-US" dirty="0"/>
+              <a:t>An umbrella term that refers to a set of technologies that help you do microservices with Spring Boot </a:t>
+            </a:r>
+            <a:r>
+              <a:rPr lang="en-US" dirty="0" err="1"/>
+              <a:t>Aplications</a:t>
+            </a:r>
+            <a:endParaRPr lang="en-US" dirty="0"/>
+          </a:p>
+        </p:txBody>
+      </p:sp>
+    </p:spTree>
+    <p:extLst>
+      <p:ext uri="{BB962C8B-B14F-4D97-AF65-F5344CB8AC3E}">
+        <p14:creationId xmlns:p14="http://schemas.microsoft.com/office/powerpoint/2010/main" val="2899396068"/>
+      </p:ext>
+    </p:extLst>
+  </p:cSld>
+  <p:clrMapOvr>
+    <a:masterClrMapping/>
+  </p:clrMapOvr>
+</p:sld>
+</file>
+
+<file path=ppt/slides/slide12.xml><?xml version="1.0" encoding="utf-8"?>
+<p:sld xmlns:a="http://schemas.openxmlformats.org/drawingml/2006/main" xmlns:r="http://schemas.openxmlformats.org/officeDocument/2006/relationships" xmlns:p="http://schemas.openxmlformats.org/presentationml/2006/main">
+  <p:cSld>
+    <p:spTree>
+      <p:nvGrpSpPr>
+        <p:cNvPr id="1" name=""/>
+        <p:cNvGrpSpPr/>
+        <p:nvPr/>
+      </p:nvGrpSpPr>
+      <p:grpSpPr>
+        <a:xfrm>
+          <a:off x="0" y="0"/>
+          <a:ext cx="0" cy="0"/>
+          <a:chOff x="0" y="0"/>
+          <a:chExt cx="0" cy="0"/>
+        </a:xfrm>
+      </p:grpSpPr>
+      <p:sp>
+        <p:nvSpPr>
+          <p:cNvPr id="2" name="Title 1">
+            <a:extLst>
+              <a:ext uri="{FF2B5EF4-FFF2-40B4-BE49-F238E27FC236}">
+                <a16:creationId xmlns:a16="http://schemas.microsoft.com/office/drawing/2014/main" id="{CA03CF18-B60F-4736-847E-8D3E14F2EE9F}"/>
+              </a:ext>
+            </a:extLst>
+          </p:cNvPr>
+          <p:cNvSpPr>
+            <a:spLocks noGrp="1"/>
+          </p:cNvSpPr>
+          <p:nvPr>
+            <p:ph type="title"/>
+          </p:nvPr>
+        </p:nvSpPr>
+        <p:spPr/>
+        <p:txBody>
+          <a:bodyPr/>
+          <a:lstStyle/>
+          <a:p>
+            <a:r>
+              <a:rPr lang="en-US" dirty="0"/>
+              <a:t>Netflix OSS</a:t>
+            </a:r>
+          </a:p>
+        </p:txBody>
+      </p:sp>
+      <p:sp>
+        <p:nvSpPr>
+          <p:cNvPr id="3" name="Content Placeholder 2">
+            <a:extLst>
+              <a:ext uri="{FF2B5EF4-FFF2-40B4-BE49-F238E27FC236}">
+                <a16:creationId xmlns:a16="http://schemas.microsoft.com/office/drawing/2014/main" id="{68FDE3D2-5C14-4E5C-86EA-598F705A7F4A}"/>
+              </a:ext>
+            </a:extLst>
+          </p:cNvPr>
+          <p:cNvSpPr>
+            <a:spLocks noGrp="1"/>
+          </p:cNvSpPr>
+          <p:nvPr>
+            <p:ph idx="1"/>
+          </p:nvPr>
+        </p:nvSpPr>
+        <p:spPr/>
+        <p:txBody>
+          <a:bodyPr/>
+          <a:lstStyle/>
+          <a:p>
+            <a:r>
+              <a:rPr lang="en-US" dirty="0"/>
+              <a:t>Yes, that Netflix</a:t>
+            </a:r>
+          </a:p>
+          <a:p>
+            <a:r>
+              <a:rPr lang="en-US" dirty="0"/>
+              <a:t>The make open-source software, some of which is really helpful for supporting MS structures</a:t>
+            </a:r>
+          </a:p>
+          <a:p>
+            <a:r>
+              <a:rPr lang="en-US" dirty="0"/>
+              <a:t>Eureka, </a:t>
+            </a:r>
+            <a:r>
+              <a:rPr lang="en-US" dirty="0" err="1"/>
+              <a:t>Zuul</a:t>
+            </a:r>
+            <a:r>
+              <a:rPr lang="en-US" dirty="0"/>
+              <a:t>, </a:t>
+            </a:r>
+            <a:r>
+              <a:rPr lang="en-US" dirty="0" err="1"/>
+              <a:t>Hystrix</a:t>
+            </a:r>
+            <a:r>
+              <a:rPr lang="en-US" dirty="0"/>
+              <a:t>, Ribbon, etc.</a:t>
+            </a:r>
+          </a:p>
+        </p:txBody>
+      </p:sp>
+    </p:spTree>
+    <p:extLst>
+      <p:ext uri="{BB962C8B-B14F-4D97-AF65-F5344CB8AC3E}">
+        <p14:creationId xmlns:p14="http://schemas.microsoft.com/office/powerpoint/2010/main" val="3433438153"/>
+      </p:ext>
+    </p:extLst>
+  </p:cSld>
+  <p:clrMapOvr>
+    <a:masterClrMapping/>
+  </p:clrMapOvr>
+</p:sld>
+</file>
+
+<file path=ppt/slides/slide13.xml><?xml version="1.0" encoding="utf-8"?>
+<p:sld xmlns:a="http://schemas.openxmlformats.org/drawingml/2006/main" xmlns:r="http://schemas.openxmlformats.org/officeDocument/2006/relationships" xmlns:p="http://schemas.openxmlformats.org/presentationml/2006/main">
+  <p:cSld>
+    <p:spTree>
+      <p:nvGrpSpPr>
+        <p:cNvPr id="1" name=""/>
+        <p:cNvGrpSpPr/>
+        <p:nvPr/>
+      </p:nvGrpSpPr>
+      <p:grpSpPr>
+        <a:xfrm>
+          <a:off x="0" y="0"/>
+          <a:ext cx="0" cy="0"/>
+          <a:chOff x="0" y="0"/>
+          <a:chExt cx="0" cy="0"/>
+        </a:xfrm>
+      </p:grpSpPr>
+      <p:sp>
+        <p:nvSpPr>
+          <p:cNvPr id="2" name="Title 1">
+            <a:extLst>
+              <a:ext uri="{FF2B5EF4-FFF2-40B4-BE49-F238E27FC236}">
+                <a16:creationId xmlns:a16="http://schemas.microsoft.com/office/drawing/2014/main" id="{7265B61B-E78E-4FE2-884A-7E6A553BC361}"/>
+              </a:ext>
+            </a:extLst>
+          </p:cNvPr>
+          <p:cNvSpPr>
+            <a:spLocks noGrp="1"/>
+          </p:cNvSpPr>
+          <p:nvPr>
+            <p:ph type="title"/>
+          </p:nvPr>
+        </p:nvSpPr>
+        <p:spPr/>
+        <p:txBody>
+          <a:bodyPr/>
+          <a:lstStyle/>
+          <a:p>
+            <a:r>
+              <a:rPr lang="en-US" dirty="0"/>
+              <a:t>Proposed Architecture</a:t>
+            </a:r>
+          </a:p>
+        </p:txBody>
+      </p:sp>
+      <p:sp>
+        <p:nvSpPr>
+          <p:cNvPr id="4" name="Oval 3">
+            <a:extLst>
+              <a:ext uri="{FF2B5EF4-FFF2-40B4-BE49-F238E27FC236}">
+                <a16:creationId xmlns:a16="http://schemas.microsoft.com/office/drawing/2014/main" id="{91948D89-3FA5-4009-B34C-2225CAA7A8A7}"/>
+              </a:ext>
+            </a:extLst>
+          </p:cNvPr>
+          <p:cNvSpPr/>
+          <p:nvPr/>
+        </p:nvSpPr>
+        <p:spPr>
+          <a:xfrm>
+            <a:off x="266330" y="1803276"/>
+            <a:ext cx="2281561" cy="2183907"/>
+          </a:xfrm>
+          <a:prstGeom prst="ellipse">
+            <a:avLst/>
+          </a:prstGeom>
+        </p:spPr>
+        <p:style>
+          <a:lnRef idx="2">
+            <a:schemeClr val="accent6">
+              <a:shade val="50000"/>
+            </a:schemeClr>
+          </a:lnRef>
+          <a:fillRef idx="1">
+            <a:schemeClr val="accent6"/>
+          </a:fillRef>
+          <a:effectRef idx="0">
+            <a:schemeClr val="accent6"/>
+          </a:effectRef>
+          <a:fontRef idx="minor">
+            <a:schemeClr val="lt1"/>
+          </a:fontRef>
+        </p:style>
+        <p:txBody>
+          <a:bodyPr rtlCol="0" anchor="ctr"/>
+          <a:lstStyle/>
+          <a:p>
+            <a:pPr algn="ctr"/>
+            <a:r>
+              <a:rPr lang="en-US" dirty="0"/>
+              <a:t>Pirate Server</a:t>
+            </a:r>
+          </a:p>
+        </p:txBody>
+      </p:sp>
+      <p:sp>
+        <p:nvSpPr>
+          <p:cNvPr id="5" name="Arrow: Right 4">
+            <a:extLst>
+              <a:ext uri="{FF2B5EF4-FFF2-40B4-BE49-F238E27FC236}">
+                <a16:creationId xmlns:a16="http://schemas.microsoft.com/office/drawing/2014/main" id="{BEC5A958-BBE7-48D7-8138-39077BE7CEC7}"/>
+              </a:ext>
+            </a:extLst>
+          </p:cNvPr>
+          <p:cNvSpPr/>
+          <p:nvPr/>
+        </p:nvSpPr>
+        <p:spPr>
+          <a:xfrm>
+            <a:off x="3213717" y="2361460"/>
+            <a:ext cx="2654423" cy="1067540"/>
+          </a:xfrm>
+          <a:prstGeom prst="rightArrow">
+            <a:avLst/>
+          </a:prstGeom>
+        </p:spPr>
+        <p:style>
+          <a:lnRef idx="2">
+            <a:schemeClr val="accent1">
+              <a:shade val="50000"/>
+            </a:schemeClr>
+          </a:lnRef>
+          <a:fillRef idx="1">
+            <a:schemeClr val="accent1"/>
+          </a:fillRef>
+          <a:effectRef idx="0">
+            <a:schemeClr val="accent1"/>
+          </a:effectRef>
+          <a:fontRef idx="minor">
+            <a:schemeClr val="lt1"/>
+          </a:fontRef>
+        </p:style>
+        <p:txBody>
+          <a:bodyPr rtlCol="0" anchor="ctr"/>
+          <a:lstStyle/>
+          <a:p>
+            <a:pPr algn="ctr"/>
+            <a:r>
+              <a:rPr lang="en-US" dirty="0"/>
+              <a:t>Migrate</a:t>
+            </a:r>
+          </a:p>
+        </p:txBody>
+      </p:sp>
+      <p:sp>
+        <p:nvSpPr>
+          <p:cNvPr id="6" name="Oval 5">
+            <a:extLst>
+              <a:ext uri="{FF2B5EF4-FFF2-40B4-BE49-F238E27FC236}">
+                <a16:creationId xmlns:a16="http://schemas.microsoft.com/office/drawing/2014/main" id="{D4579C4F-291E-485A-9609-365B95CCE059}"/>
+              </a:ext>
+            </a:extLst>
+          </p:cNvPr>
+          <p:cNvSpPr/>
+          <p:nvPr/>
+        </p:nvSpPr>
+        <p:spPr>
+          <a:xfrm>
+            <a:off x="7547498" y="1269506"/>
+            <a:ext cx="2281561" cy="2183907"/>
+          </a:xfrm>
+          <a:prstGeom prst="ellipse">
+            <a:avLst/>
+          </a:prstGeom>
+        </p:spPr>
+        <p:style>
+          <a:lnRef idx="2">
+            <a:schemeClr val="accent6">
+              <a:shade val="50000"/>
+            </a:schemeClr>
+          </a:lnRef>
+          <a:fillRef idx="1">
+            <a:schemeClr val="accent6"/>
+          </a:fillRef>
+          <a:effectRef idx="0">
+            <a:schemeClr val="accent6"/>
+          </a:effectRef>
+          <a:fontRef idx="minor">
+            <a:schemeClr val="lt1"/>
+          </a:fontRef>
+        </p:style>
+        <p:txBody>
+          <a:bodyPr rtlCol="0" anchor="ctr"/>
+          <a:lstStyle/>
+          <a:p>
+            <a:pPr algn="ctr"/>
+            <a:r>
+              <a:rPr lang="en-US" dirty="0"/>
+              <a:t>Pirate Service 1</a:t>
+            </a:r>
+          </a:p>
+        </p:txBody>
+      </p:sp>
+      <p:sp>
+        <p:nvSpPr>
+          <p:cNvPr id="7" name="Oval 6">
+            <a:extLst>
+              <a:ext uri="{FF2B5EF4-FFF2-40B4-BE49-F238E27FC236}">
+                <a16:creationId xmlns:a16="http://schemas.microsoft.com/office/drawing/2014/main" id="{AE6156CE-8B08-4ED4-ABBD-9257128445CB}"/>
+              </a:ext>
+            </a:extLst>
+          </p:cNvPr>
+          <p:cNvSpPr/>
+          <p:nvPr/>
+        </p:nvSpPr>
+        <p:spPr>
+          <a:xfrm>
+            <a:off x="5718698" y="3525913"/>
+            <a:ext cx="2281561" cy="2183907"/>
+          </a:xfrm>
+          <a:prstGeom prst="ellipse">
+            <a:avLst/>
+          </a:prstGeom>
+        </p:spPr>
+        <p:style>
+          <a:lnRef idx="2">
+            <a:schemeClr val="accent6">
+              <a:shade val="50000"/>
+            </a:schemeClr>
+          </a:lnRef>
+          <a:fillRef idx="1">
+            <a:schemeClr val="accent6"/>
+          </a:fillRef>
+          <a:effectRef idx="0">
+            <a:schemeClr val="accent6"/>
+          </a:effectRef>
+          <a:fontRef idx="minor">
+            <a:schemeClr val="lt1"/>
+          </a:fontRef>
+        </p:style>
+        <p:txBody>
+          <a:bodyPr rtlCol="0" anchor="ctr"/>
+          <a:lstStyle/>
+          <a:p>
+            <a:pPr algn="ctr"/>
+            <a:r>
+              <a:rPr lang="en-US" dirty="0"/>
+              <a:t>Pirate Service 2</a:t>
+            </a:r>
+          </a:p>
+        </p:txBody>
+      </p:sp>
+      <p:sp>
+        <p:nvSpPr>
+          <p:cNvPr id="8" name="Oval 7">
+            <a:extLst>
+              <a:ext uri="{FF2B5EF4-FFF2-40B4-BE49-F238E27FC236}">
+                <a16:creationId xmlns:a16="http://schemas.microsoft.com/office/drawing/2014/main" id="{8765190F-E5AF-4F65-997C-FD2A10F136AF}"/>
+              </a:ext>
+            </a:extLst>
+          </p:cNvPr>
+          <p:cNvSpPr/>
+          <p:nvPr/>
+        </p:nvSpPr>
+        <p:spPr>
+          <a:xfrm>
+            <a:off x="8794810" y="3701988"/>
+            <a:ext cx="2281561" cy="2183907"/>
+          </a:xfrm>
+          <a:prstGeom prst="ellipse">
+            <a:avLst/>
+          </a:prstGeom>
+        </p:spPr>
+        <p:style>
+          <a:lnRef idx="2">
+            <a:schemeClr val="accent6">
+              <a:shade val="50000"/>
+            </a:schemeClr>
+          </a:lnRef>
+          <a:fillRef idx="1">
+            <a:schemeClr val="accent6"/>
+          </a:fillRef>
+          <a:effectRef idx="0">
+            <a:schemeClr val="accent6"/>
+          </a:effectRef>
+          <a:fontRef idx="minor">
+            <a:schemeClr val="lt1"/>
+          </a:fontRef>
+        </p:style>
+        <p:txBody>
+          <a:bodyPr rtlCol="0" anchor="ctr"/>
+          <a:lstStyle/>
+          <a:p>
+            <a:pPr algn="ctr"/>
+            <a:r>
+              <a:rPr lang="en-US" dirty="0"/>
+              <a:t>Pirate Service 3</a:t>
+            </a:r>
+          </a:p>
+        </p:txBody>
+      </p:sp>
+    </p:spTree>
+    <p:extLst>
+      <p:ext uri="{BB962C8B-B14F-4D97-AF65-F5344CB8AC3E}">
+        <p14:creationId xmlns:p14="http://schemas.microsoft.com/office/powerpoint/2010/main" val="3160371232"/>
+      </p:ext>
+    </p:extLst>
+  </p:cSld>
+  <p:clrMapOvr>
+    <a:masterClrMapping/>
+  </p:clrMapOvr>
+</p:sld>
+</file>
+
+<file path=ppt/slides/slide14.xml><?xml version="1.0" encoding="utf-8"?>
+<p:sld xmlns:a="http://schemas.openxmlformats.org/drawingml/2006/main" xmlns:r="http://schemas.openxmlformats.org/officeDocument/2006/relationships" xmlns:p="http://schemas.openxmlformats.org/presentationml/2006/main">
+  <p:cSld>
+    <p:spTree>
+      <p:nvGrpSpPr>
+        <p:cNvPr id="1" name=""/>
+        <p:cNvGrpSpPr/>
+        <p:nvPr/>
+      </p:nvGrpSpPr>
+      <p:grpSpPr>
+        <a:xfrm>
+          <a:off x="0" y="0"/>
+          <a:ext cx="0" cy="0"/>
+          <a:chOff x="0" y="0"/>
+          <a:chExt cx="0" cy="0"/>
+        </a:xfrm>
+      </p:grpSpPr>
+      <p:sp>
+        <p:nvSpPr>
+          <p:cNvPr id="2" name="Title 1">
+            <a:extLst>
+              <a:ext uri="{FF2B5EF4-FFF2-40B4-BE49-F238E27FC236}">
+                <a16:creationId xmlns:a16="http://schemas.microsoft.com/office/drawing/2014/main" id="{3AC6D4E3-8FEC-4EBD-8BF0-37DD04F2258B}"/>
+              </a:ext>
+            </a:extLst>
+          </p:cNvPr>
+          <p:cNvSpPr>
+            <a:spLocks noGrp="1"/>
+          </p:cNvSpPr>
+          <p:nvPr>
+            <p:ph type="title"/>
+          </p:nvPr>
+        </p:nvSpPr>
+        <p:spPr/>
+        <p:txBody>
+          <a:bodyPr/>
+          <a:lstStyle/>
+          <a:p>
+            <a:r>
+              <a:rPr lang="en-US" dirty="0"/>
+              <a:t>“Real world” example</a:t>
+            </a:r>
+          </a:p>
+        </p:txBody>
+      </p:sp>
+      <p:pic>
+        <p:nvPicPr>
+          <p:cNvPr id="5" name="Graphic 4" descr="Computer with solid fill">
+            <a:extLst>
+              <a:ext uri="{FF2B5EF4-FFF2-40B4-BE49-F238E27FC236}">
+                <a16:creationId xmlns:a16="http://schemas.microsoft.com/office/drawing/2014/main" id="{76059329-DFC4-4145-A8EF-0DE00D43B3FA}"/>
+              </a:ext>
+            </a:extLst>
+          </p:cNvPr>
+          <p:cNvPicPr>
+            <a:picLocks noChangeAspect="1"/>
+          </p:cNvPicPr>
+          <p:nvPr/>
+        </p:nvPicPr>
+        <p:blipFill>
+          <a:blip r:embed="rId2">
+            <a:extLst>
+              <a:ext uri="{28A0092B-C50C-407E-A947-70E740481C1C}">
+                <a14:useLocalDpi xmlns:a14="http://schemas.microsoft.com/office/drawing/2010/main" val="0"/>
+              </a:ext>
+              <a:ext uri="{96DAC541-7B7A-43D3-8B79-37D633B846F1}">
+                <asvg:svgBlip xmlns:asvg="http://schemas.microsoft.com/office/drawing/2016/SVG/main" r:embed="rId3"/>
+              </a:ext>
+            </a:extLst>
+          </a:blip>
+          <a:stretch>
+            <a:fillRect/>
+          </a:stretch>
+        </p:blipFill>
+        <p:spPr>
+          <a:xfrm>
+            <a:off x="381000" y="1373819"/>
+            <a:ext cx="914400" cy="914400"/>
+          </a:xfrm>
+          <a:prstGeom prst="rect">
+            <a:avLst/>
+          </a:prstGeom>
+        </p:spPr>
+      </p:pic>
+      <p:sp>
+        <p:nvSpPr>
+          <p:cNvPr id="6" name="Rectangle 5">
+            <a:extLst>
+              <a:ext uri="{FF2B5EF4-FFF2-40B4-BE49-F238E27FC236}">
+                <a16:creationId xmlns:a16="http://schemas.microsoft.com/office/drawing/2014/main" id="{FB96376A-3011-4F17-B022-1FA618A36AFD}"/>
+              </a:ext>
+            </a:extLst>
+          </p:cNvPr>
+          <p:cNvSpPr/>
+          <p:nvPr/>
+        </p:nvSpPr>
+        <p:spPr>
+          <a:xfrm>
+            <a:off x="149294" y="3426827"/>
+            <a:ext cx="1514475" cy="762000"/>
+          </a:xfrm>
+          <a:prstGeom prst="rect">
+            <a:avLst/>
+          </a:prstGeom>
+        </p:spPr>
+        <p:style>
+          <a:lnRef idx="2">
+            <a:schemeClr val="accent1">
+              <a:shade val="50000"/>
+            </a:schemeClr>
+          </a:lnRef>
+          <a:fillRef idx="1">
+            <a:schemeClr val="accent1"/>
+          </a:fillRef>
+          <a:effectRef idx="0">
+            <a:schemeClr val="accent1"/>
+          </a:effectRef>
+          <a:fontRef idx="minor">
+            <a:schemeClr val="lt1"/>
+          </a:fontRef>
+        </p:style>
+        <p:txBody>
+          <a:bodyPr rtlCol="0" anchor="ctr"/>
+          <a:lstStyle/>
+          <a:p>
+            <a:pPr algn="ctr"/>
+            <a:r>
+              <a:rPr lang="en-US" dirty="0"/>
+              <a:t>React Client</a:t>
+            </a:r>
+          </a:p>
+        </p:txBody>
+      </p:sp>
+      <p:sp>
+        <p:nvSpPr>
+          <p:cNvPr id="7" name="Arrow: Right 6">
+            <a:extLst>
+              <a:ext uri="{FF2B5EF4-FFF2-40B4-BE49-F238E27FC236}">
+                <a16:creationId xmlns:a16="http://schemas.microsoft.com/office/drawing/2014/main" id="{CB3D4895-E0A1-4873-A59A-33EFE9C06CC6}"/>
+              </a:ext>
+            </a:extLst>
+          </p:cNvPr>
+          <p:cNvSpPr/>
+          <p:nvPr/>
+        </p:nvSpPr>
+        <p:spPr>
+          <a:xfrm rot="5400000">
+            <a:off x="416510" y="2591749"/>
+            <a:ext cx="843378" cy="218011"/>
+          </a:xfrm>
+          <a:prstGeom prst="rightArrow">
+            <a:avLst/>
+          </a:prstGeom>
+        </p:spPr>
+        <p:style>
+          <a:lnRef idx="2">
+            <a:schemeClr val="accent1">
+              <a:shade val="50000"/>
+            </a:schemeClr>
+          </a:lnRef>
+          <a:fillRef idx="1">
+            <a:schemeClr val="accent1"/>
+          </a:fillRef>
+          <a:effectRef idx="0">
+            <a:schemeClr val="accent1"/>
+          </a:effectRef>
+          <a:fontRef idx="minor">
+            <a:schemeClr val="lt1"/>
+          </a:fontRef>
+        </p:style>
+        <p:txBody>
+          <a:bodyPr rtlCol="0" anchor="ctr"/>
+          <a:lstStyle/>
+          <a:p>
+            <a:pPr algn="ctr"/>
+            <a:endParaRPr lang="en-US"/>
+          </a:p>
+        </p:txBody>
+      </p:sp>
+      <p:sp>
+        <p:nvSpPr>
+          <p:cNvPr id="8" name="Rectangle 7">
+            <a:extLst>
+              <a:ext uri="{FF2B5EF4-FFF2-40B4-BE49-F238E27FC236}">
+                <a16:creationId xmlns:a16="http://schemas.microsoft.com/office/drawing/2014/main" id="{B68F2CEB-F1B1-4035-A200-502B80ECB3ED}"/>
+              </a:ext>
+            </a:extLst>
+          </p:cNvPr>
+          <p:cNvSpPr/>
+          <p:nvPr/>
+        </p:nvSpPr>
+        <p:spPr>
+          <a:xfrm>
+            <a:off x="5823661" y="2939570"/>
+            <a:ext cx="1514475" cy="762000"/>
+          </a:xfrm>
+          <a:prstGeom prst="rect">
+            <a:avLst/>
+          </a:prstGeom>
+        </p:spPr>
+        <p:style>
+          <a:lnRef idx="2">
+            <a:schemeClr val="accent4">
+              <a:shade val="50000"/>
+            </a:schemeClr>
+          </a:lnRef>
+          <a:fillRef idx="1">
+            <a:schemeClr val="accent4"/>
+          </a:fillRef>
+          <a:effectRef idx="0">
+            <a:schemeClr val="accent4"/>
+          </a:effectRef>
+          <a:fontRef idx="minor">
+            <a:schemeClr val="lt1"/>
+          </a:fontRef>
+        </p:style>
+        <p:txBody>
+          <a:bodyPr rtlCol="0" anchor="ctr"/>
+          <a:lstStyle/>
+          <a:p>
+            <a:pPr algn="ctr"/>
+            <a:r>
+              <a:rPr lang="en-US" dirty="0"/>
+              <a:t>Product Service</a:t>
+            </a:r>
+          </a:p>
+        </p:txBody>
+      </p:sp>
+      <p:sp>
+        <p:nvSpPr>
+          <p:cNvPr id="9" name="Arrow: Right 8">
+            <a:extLst>
+              <a:ext uri="{FF2B5EF4-FFF2-40B4-BE49-F238E27FC236}">
+                <a16:creationId xmlns:a16="http://schemas.microsoft.com/office/drawing/2014/main" id="{8564F848-DBE4-4544-ADE5-096FC8F8D6DF}"/>
+              </a:ext>
+            </a:extLst>
+          </p:cNvPr>
+          <p:cNvSpPr/>
+          <p:nvPr/>
+        </p:nvSpPr>
+        <p:spPr>
+          <a:xfrm rot="1541951">
+            <a:off x="4136312" y="2482926"/>
+            <a:ext cx="1677879" cy="426406"/>
+          </a:xfrm>
+          <a:prstGeom prst="rightArrow">
+            <a:avLst/>
+          </a:prstGeom>
+        </p:spPr>
+        <p:style>
+          <a:lnRef idx="2">
+            <a:schemeClr val="accent1">
+              <a:shade val="50000"/>
+            </a:schemeClr>
+          </a:lnRef>
+          <a:fillRef idx="1">
+            <a:schemeClr val="accent1"/>
+          </a:fillRef>
+          <a:effectRef idx="0">
+            <a:schemeClr val="accent1"/>
+          </a:effectRef>
+          <a:fontRef idx="minor">
+            <a:schemeClr val="lt1"/>
+          </a:fontRef>
+        </p:style>
+        <p:txBody>
+          <a:bodyPr rtlCol="0" anchor="ctr"/>
+          <a:lstStyle/>
+          <a:p>
+            <a:pPr algn="ctr"/>
+            <a:endParaRPr lang="en-US"/>
+          </a:p>
+        </p:txBody>
+      </p:sp>
+      <p:sp>
+        <p:nvSpPr>
+          <p:cNvPr id="10" name="Rectangle 9">
+            <a:extLst>
+              <a:ext uri="{FF2B5EF4-FFF2-40B4-BE49-F238E27FC236}">
+                <a16:creationId xmlns:a16="http://schemas.microsoft.com/office/drawing/2014/main" id="{9BBB3216-3E46-454C-B52C-77269CCED0B1}"/>
+              </a:ext>
+            </a:extLst>
+          </p:cNvPr>
+          <p:cNvSpPr/>
+          <p:nvPr/>
+        </p:nvSpPr>
+        <p:spPr>
+          <a:xfrm>
+            <a:off x="3173535" y="4219576"/>
+            <a:ext cx="1514475" cy="762000"/>
+          </a:xfrm>
+          <a:prstGeom prst="rect">
+            <a:avLst/>
+          </a:prstGeom>
+        </p:spPr>
+        <p:style>
+          <a:lnRef idx="2">
+            <a:schemeClr val="accent4">
+              <a:shade val="50000"/>
+            </a:schemeClr>
+          </a:lnRef>
+          <a:fillRef idx="1">
+            <a:schemeClr val="accent4"/>
+          </a:fillRef>
+          <a:effectRef idx="0">
+            <a:schemeClr val="accent4"/>
+          </a:effectRef>
+          <a:fontRef idx="minor">
+            <a:schemeClr val="lt1"/>
+          </a:fontRef>
+        </p:style>
+        <p:txBody>
+          <a:bodyPr rtlCol="0" anchor="ctr"/>
+          <a:lstStyle/>
+          <a:p>
+            <a:pPr algn="ctr"/>
+            <a:r>
+              <a:rPr lang="en-US" dirty="0"/>
+              <a:t>Orders</a:t>
+            </a:r>
+          </a:p>
+          <a:p>
+            <a:pPr algn="ctr"/>
+            <a:r>
+              <a:rPr lang="en-US" dirty="0"/>
+              <a:t>Service</a:t>
+            </a:r>
+          </a:p>
+        </p:txBody>
+      </p:sp>
+      <p:sp>
+        <p:nvSpPr>
+          <p:cNvPr id="11" name="Rectangle 10">
+            <a:extLst>
+              <a:ext uri="{FF2B5EF4-FFF2-40B4-BE49-F238E27FC236}">
+                <a16:creationId xmlns:a16="http://schemas.microsoft.com/office/drawing/2014/main" id="{B2C529D0-D4DE-4CEF-9E73-D7F9293B44FD}"/>
+              </a:ext>
+            </a:extLst>
+          </p:cNvPr>
+          <p:cNvSpPr/>
+          <p:nvPr/>
+        </p:nvSpPr>
+        <p:spPr>
+          <a:xfrm>
+            <a:off x="6096000" y="5526073"/>
+            <a:ext cx="1514475" cy="762000"/>
+          </a:xfrm>
+          <a:prstGeom prst="rect">
+            <a:avLst/>
+          </a:prstGeom>
+        </p:spPr>
+        <p:style>
+          <a:lnRef idx="2">
+            <a:schemeClr val="accent4">
+              <a:shade val="50000"/>
+            </a:schemeClr>
+          </a:lnRef>
+          <a:fillRef idx="1">
+            <a:schemeClr val="accent4"/>
+          </a:fillRef>
+          <a:effectRef idx="0">
+            <a:schemeClr val="accent4"/>
+          </a:effectRef>
+          <a:fontRef idx="minor">
+            <a:schemeClr val="lt1"/>
+          </a:fontRef>
+        </p:style>
+        <p:txBody>
+          <a:bodyPr rtlCol="0" anchor="ctr"/>
+          <a:lstStyle/>
+          <a:p>
+            <a:pPr algn="ctr"/>
+            <a:r>
+              <a:rPr lang="en-US" dirty="0"/>
+              <a:t>Processing Orders</a:t>
+            </a:r>
+          </a:p>
+          <a:p>
+            <a:pPr algn="ctr"/>
+            <a:r>
+              <a:rPr lang="en-US" dirty="0"/>
+              <a:t>Service</a:t>
+            </a:r>
+          </a:p>
+        </p:txBody>
+      </p:sp>
+      <p:sp>
+        <p:nvSpPr>
+          <p:cNvPr id="12" name="Arrow: Right 11">
+            <a:extLst>
+              <a:ext uri="{FF2B5EF4-FFF2-40B4-BE49-F238E27FC236}">
+                <a16:creationId xmlns:a16="http://schemas.microsoft.com/office/drawing/2014/main" id="{ECDF082D-EBED-4BDE-974B-7FFAED8B7ACB}"/>
+              </a:ext>
+            </a:extLst>
+          </p:cNvPr>
+          <p:cNvSpPr/>
+          <p:nvPr/>
+        </p:nvSpPr>
+        <p:spPr>
+          <a:xfrm rot="5400000">
+            <a:off x="2643680" y="3025298"/>
+            <a:ext cx="1677879" cy="426406"/>
+          </a:xfrm>
+          <a:prstGeom prst="rightArrow">
+            <a:avLst/>
+          </a:prstGeom>
+        </p:spPr>
+        <p:style>
+          <a:lnRef idx="2">
+            <a:schemeClr val="accent1">
+              <a:shade val="50000"/>
+            </a:schemeClr>
+          </a:lnRef>
+          <a:fillRef idx="1">
+            <a:schemeClr val="accent1"/>
+          </a:fillRef>
+          <a:effectRef idx="0">
+            <a:schemeClr val="accent1"/>
+          </a:effectRef>
+          <a:fontRef idx="minor">
+            <a:schemeClr val="lt1"/>
+          </a:fontRef>
+        </p:style>
+        <p:txBody>
+          <a:bodyPr rtlCol="0" anchor="ctr"/>
+          <a:lstStyle/>
+          <a:p>
+            <a:pPr algn="ctr"/>
+            <a:endParaRPr lang="en-US"/>
+          </a:p>
+        </p:txBody>
+      </p:sp>
+      <p:sp>
+        <p:nvSpPr>
+          <p:cNvPr id="13" name="Arrow: Right 12">
+            <a:extLst>
+              <a:ext uri="{FF2B5EF4-FFF2-40B4-BE49-F238E27FC236}">
+                <a16:creationId xmlns:a16="http://schemas.microsoft.com/office/drawing/2014/main" id="{23E49611-7D2E-4C48-8797-09DF80CC669B}"/>
+              </a:ext>
+            </a:extLst>
+          </p:cNvPr>
+          <p:cNvSpPr/>
+          <p:nvPr/>
+        </p:nvSpPr>
+        <p:spPr>
+          <a:xfrm rot="1633641">
+            <a:off x="4861566" y="5090765"/>
+            <a:ext cx="927687" cy="426406"/>
+          </a:xfrm>
+          <a:prstGeom prst="rightArrow">
+            <a:avLst/>
+          </a:prstGeom>
+        </p:spPr>
+        <p:style>
+          <a:lnRef idx="2">
+            <a:schemeClr val="accent1">
+              <a:shade val="50000"/>
+            </a:schemeClr>
+          </a:lnRef>
+          <a:fillRef idx="1">
+            <a:schemeClr val="accent1"/>
+          </a:fillRef>
+          <a:effectRef idx="0">
+            <a:schemeClr val="accent1"/>
+          </a:effectRef>
+          <a:fontRef idx="minor">
+            <a:schemeClr val="lt1"/>
+          </a:fontRef>
+        </p:style>
+        <p:txBody>
+          <a:bodyPr rtlCol="0" anchor="ctr"/>
+          <a:lstStyle/>
+          <a:p>
+            <a:pPr algn="ctr"/>
+            <a:endParaRPr lang="en-US"/>
+          </a:p>
+        </p:txBody>
+      </p:sp>
+      <p:sp>
+        <p:nvSpPr>
+          <p:cNvPr id="14" name="Arrow: Right 13">
+            <a:extLst>
+              <a:ext uri="{FF2B5EF4-FFF2-40B4-BE49-F238E27FC236}">
+                <a16:creationId xmlns:a16="http://schemas.microsoft.com/office/drawing/2014/main" id="{68B792D8-F267-48D2-B9EF-A67115400ED8}"/>
+              </a:ext>
+            </a:extLst>
+          </p:cNvPr>
+          <p:cNvSpPr/>
+          <p:nvPr/>
+        </p:nvSpPr>
+        <p:spPr>
+          <a:xfrm rot="16200000">
+            <a:off x="6117054" y="4487220"/>
+            <a:ext cx="927687" cy="426406"/>
+          </a:xfrm>
+          <a:prstGeom prst="rightArrow">
+            <a:avLst/>
+          </a:prstGeom>
+        </p:spPr>
+        <p:style>
+          <a:lnRef idx="2">
+            <a:schemeClr val="accent1">
+              <a:shade val="50000"/>
+            </a:schemeClr>
+          </a:lnRef>
+          <a:fillRef idx="1">
+            <a:schemeClr val="accent1"/>
+          </a:fillRef>
+          <a:effectRef idx="0">
+            <a:schemeClr val="accent1"/>
+          </a:effectRef>
+          <a:fontRef idx="minor">
+            <a:schemeClr val="lt1"/>
+          </a:fontRef>
+        </p:style>
+        <p:txBody>
+          <a:bodyPr rtlCol="0" anchor="ctr"/>
+          <a:lstStyle/>
+          <a:p>
+            <a:pPr algn="ctr"/>
+            <a:endParaRPr lang="en-US"/>
+          </a:p>
+        </p:txBody>
+      </p:sp>
+      <p:sp>
+        <p:nvSpPr>
+          <p:cNvPr id="15" name="Rectangle 14">
+            <a:extLst>
+              <a:ext uri="{FF2B5EF4-FFF2-40B4-BE49-F238E27FC236}">
+                <a16:creationId xmlns:a16="http://schemas.microsoft.com/office/drawing/2014/main" id="{47B2CCAA-6069-4054-8772-E977E96D787F}"/>
+              </a:ext>
+            </a:extLst>
+          </p:cNvPr>
+          <p:cNvSpPr/>
+          <p:nvPr/>
+        </p:nvSpPr>
+        <p:spPr>
+          <a:xfrm>
+            <a:off x="6180848" y="1459939"/>
+            <a:ext cx="1514475" cy="762000"/>
+          </a:xfrm>
+          <a:prstGeom prst="rect">
+            <a:avLst/>
+          </a:prstGeom>
+        </p:spPr>
+        <p:style>
+          <a:lnRef idx="2">
+            <a:schemeClr val="accent4">
+              <a:shade val="50000"/>
+            </a:schemeClr>
+          </a:lnRef>
+          <a:fillRef idx="1">
+            <a:schemeClr val="accent4"/>
+          </a:fillRef>
+          <a:effectRef idx="0">
+            <a:schemeClr val="accent4"/>
+          </a:effectRef>
+          <a:fontRef idx="minor">
+            <a:schemeClr val="lt1"/>
+          </a:fontRef>
+        </p:style>
+        <p:txBody>
+          <a:bodyPr rtlCol="0" anchor="ctr"/>
+          <a:lstStyle/>
+          <a:p>
+            <a:pPr algn="ctr"/>
+            <a:r>
+              <a:rPr lang="en-US" dirty="0"/>
+              <a:t>User Service</a:t>
+            </a:r>
+          </a:p>
+        </p:txBody>
+      </p:sp>
+      <p:sp>
+        <p:nvSpPr>
+          <p:cNvPr id="16" name="Arrow: Right 15">
+            <a:extLst>
+              <a:ext uri="{FF2B5EF4-FFF2-40B4-BE49-F238E27FC236}">
+                <a16:creationId xmlns:a16="http://schemas.microsoft.com/office/drawing/2014/main" id="{01752055-2475-42A1-99ED-9AACE56878DA}"/>
+              </a:ext>
+            </a:extLst>
+          </p:cNvPr>
+          <p:cNvSpPr/>
+          <p:nvPr/>
+        </p:nvSpPr>
+        <p:spPr>
+          <a:xfrm>
+            <a:off x="4418121" y="1695496"/>
+            <a:ext cx="1677879" cy="426406"/>
+          </a:xfrm>
+          <a:prstGeom prst="rightArrow">
+            <a:avLst/>
+          </a:prstGeom>
+        </p:spPr>
+        <p:style>
+          <a:lnRef idx="2">
+            <a:schemeClr val="accent1">
+              <a:shade val="50000"/>
+            </a:schemeClr>
+          </a:lnRef>
+          <a:fillRef idx="1">
+            <a:schemeClr val="accent1"/>
+          </a:fillRef>
+          <a:effectRef idx="0">
+            <a:schemeClr val="accent1"/>
+          </a:effectRef>
+          <a:fontRef idx="minor">
+            <a:schemeClr val="lt1"/>
+          </a:fontRef>
+        </p:style>
+        <p:txBody>
+          <a:bodyPr rtlCol="0" anchor="ctr"/>
+          <a:lstStyle/>
+          <a:p>
+            <a:pPr algn="ctr"/>
+            <a:endParaRPr lang="en-US"/>
+          </a:p>
+        </p:txBody>
+      </p:sp>
+      <p:pic>
+        <p:nvPicPr>
+          <p:cNvPr id="17" name="Graphic 16" descr="Database with solid fill">
+            <a:extLst>
+              <a:ext uri="{FF2B5EF4-FFF2-40B4-BE49-F238E27FC236}">
+                <a16:creationId xmlns:a16="http://schemas.microsoft.com/office/drawing/2014/main" id="{76F39ADE-32BB-4A85-B1E1-1B4AC77CF479}"/>
+              </a:ext>
+            </a:extLst>
+          </p:cNvPr>
+          <p:cNvPicPr>
+            <a:picLocks noChangeAspect="1"/>
+          </p:cNvPicPr>
+          <p:nvPr/>
+        </p:nvPicPr>
+        <p:blipFill>
+          <a:blip r:embed="rId4">
+            <a:extLst>
+              <a:ext uri="{28A0092B-C50C-407E-A947-70E740481C1C}">
+                <a14:useLocalDpi xmlns:a14="http://schemas.microsoft.com/office/drawing/2010/main" val="0"/>
+              </a:ext>
+              <a:ext uri="{96DAC541-7B7A-43D3-8B79-37D633B846F1}">
+                <asvg:svgBlip xmlns:asvg="http://schemas.microsoft.com/office/drawing/2016/SVG/main" r:embed="rId5"/>
+              </a:ext>
+            </a:extLst>
+          </a:blip>
+          <a:stretch>
+            <a:fillRect/>
+          </a:stretch>
+        </p:blipFill>
+        <p:spPr>
+          <a:xfrm>
+            <a:off x="7431073" y="1075053"/>
+            <a:ext cx="621437" cy="621437"/>
+          </a:xfrm>
+          <a:prstGeom prst="rect">
+            <a:avLst/>
+          </a:prstGeom>
+        </p:spPr>
+      </p:pic>
+      <p:pic>
+        <p:nvPicPr>
+          <p:cNvPr id="18" name="Graphic 17" descr="Database with solid fill">
+            <a:extLst>
+              <a:ext uri="{FF2B5EF4-FFF2-40B4-BE49-F238E27FC236}">
+                <a16:creationId xmlns:a16="http://schemas.microsoft.com/office/drawing/2014/main" id="{6EE0DB02-D2D2-4746-9126-5F99936EA8F8}"/>
+              </a:ext>
+            </a:extLst>
+          </p:cNvPr>
+          <p:cNvPicPr>
+            <a:picLocks noChangeAspect="1"/>
+          </p:cNvPicPr>
+          <p:nvPr/>
+        </p:nvPicPr>
+        <p:blipFill>
+          <a:blip r:embed="rId4">
+            <a:extLst>
+              <a:ext uri="{28A0092B-C50C-407E-A947-70E740481C1C}">
+                <a14:useLocalDpi xmlns:a14="http://schemas.microsoft.com/office/drawing/2010/main" val="0"/>
+              </a:ext>
+              <a:ext uri="{96DAC541-7B7A-43D3-8B79-37D633B846F1}">
+                <asvg:svgBlip xmlns:asvg="http://schemas.microsoft.com/office/drawing/2016/SVG/main" r:embed="rId5"/>
+              </a:ext>
+            </a:extLst>
+          </a:blip>
+          <a:stretch>
+            <a:fillRect/>
+          </a:stretch>
+        </p:blipFill>
+        <p:spPr>
+          <a:xfrm>
+            <a:off x="7080500" y="2583745"/>
+            <a:ext cx="621437" cy="621437"/>
+          </a:xfrm>
+          <a:prstGeom prst="rect">
+            <a:avLst/>
+          </a:prstGeom>
+        </p:spPr>
+      </p:pic>
+      <p:pic>
+        <p:nvPicPr>
+          <p:cNvPr id="19" name="Graphic 18" descr="Database with solid fill">
+            <a:extLst>
+              <a:ext uri="{FF2B5EF4-FFF2-40B4-BE49-F238E27FC236}">
+                <a16:creationId xmlns:a16="http://schemas.microsoft.com/office/drawing/2014/main" id="{462E0E98-2C12-4CCF-B9DF-1705A09FD0F0}"/>
+              </a:ext>
+            </a:extLst>
+          </p:cNvPr>
+          <p:cNvPicPr>
+            <a:picLocks noChangeAspect="1"/>
+          </p:cNvPicPr>
+          <p:nvPr/>
+        </p:nvPicPr>
+        <p:blipFill>
+          <a:blip r:embed="rId4">
+            <a:extLst>
+              <a:ext uri="{28A0092B-C50C-407E-A947-70E740481C1C}">
+                <a14:useLocalDpi xmlns:a14="http://schemas.microsoft.com/office/drawing/2010/main" val="0"/>
+              </a:ext>
+              <a:ext uri="{96DAC541-7B7A-43D3-8B79-37D633B846F1}">
+                <asvg:svgBlip xmlns:asvg="http://schemas.microsoft.com/office/drawing/2016/SVG/main" r:embed="rId5"/>
+              </a:ext>
+            </a:extLst>
+          </a:blip>
+          <a:stretch>
+            <a:fillRect/>
+          </a:stretch>
+        </p:blipFill>
+        <p:spPr>
+          <a:xfrm>
+            <a:off x="4282082" y="3898946"/>
+            <a:ext cx="621437" cy="621437"/>
+          </a:xfrm>
+          <a:prstGeom prst="rect">
+            <a:avLst/>
+          </a:prstGeom>
+        </p:spPr>
+      </p:pic>
+      <p:pic>
+        <p:nvPicPr>
+          <p:cNvPr id="20" name="Graphic 19" descr="Database with solid fill">
+            <a:extLst>
+              <a:ext uri="{FF2B5EF4-FFF2-40B4-BE49-F238E27FC236}">
+                <a16:creationId xmlns:a16="http://schemas.microsoft.com/office/drawing/2014/main" id="{E41BBA71-E311-440C-BC1C-99650770255C}"/>
+              </a:ext>
+            </a:extLst>
+          </p:cNvPr>
+          <p:cNvPicPr>
+            <a:picLocks noChangeAspect="1"/>
+          </p:cNvPicPr>
+          <p:nvPr/>
+        </p:nvPicPr>
+        <p:blipFill>
+          <a:blip r:embed="rId4">
+            <a:extLst>
+              <a:ext uri="{28A0092B-C50C-407E-A947-70E740481C1C}">
+                <a14:useLocalDpi xmlns:a14="http://schemas.microsoft.com/office/drawing/2010/main" val="0"/>
+              </a:ext>
+              <a:ext uri="{96DAC541-7B7A-43D3-8B79-37D633B846F1}">
+                <asvg:svgBlip xmlns:asvg="http://schemas.microsoft.com/office/drawing/2016/SVG/main" r:embed="rId5"/>
+              </a:ext>
+            </a:extLst>
+          </a:blip>
+          <a:stretch>
+            <a:fillRect/>
+          </a:stretch>
+        </p:blipFill>
+        <p:spPr>
+          <a:xfrm>
+            <a:off x="7338136" y="5215354"/>
+            <a:ext cx="621437" cy="621437"/>
+          </a:xfrm>
+          <a:prstGeom prst="rect">
+            <a:avLst/>
+          </a:prstGeom>
+        </p:spPr>
+      </p:pic>
+      <p:sp>
+        <p:nvSpPr>
+          <p:cNvPr id="21" name="Rectangle 20">
+            <a:extLst>
+              <a:ext uri="{FF2B5EF4-FFF2-40B4-BE49-F238E27FC236}">
+                <a16:creationId xmlns:a16="http://schemas.microsoft.com/office/drawing/2014/main" id="{0150B857-453D-490B-8ED9-0A7F1366FA5B}"/>
+              </a:ext>
+            </a:extLst>
+          </p:cNvPr>
+          <p:cNvSpPr/>
+          <p:nvPr/>
+        </p:nvSpPr>
+        <p:spPr>
+          <a:xfrm>
+            <a:off x="2527519" y="1495426"/>
+            <a:ext cx="1514475" cy="762000"/>
+          </a:xfrm>
+          <a:prstGeom prst="rect">
+            <a:avLst/>
+          </a:prstGeom>
+        </p:spPr>
+        <p:style>
+          <a:lnRef idx="2">
+            <a:schemeClr val="accent3">
+              <a:shade val="50000"/>
+            </a:schemeClr>
+          </a:lnRef>
+          <a:fillRef idx="1">
+            <a:schemeClr val="accent3"/>
+          </a:fillRef>
+          <a:effectRef idx="0">
+            <a:schemeClr val="accent3"/>
+          </a:effectRef>
+          <a:fontRef idx="minor">
+            <a:schemeClr val="lt1"/>
+          </a:fontRef>
+        </p:style>
+        <p:txBody>
+          <a:bodyPr rtlCol="0" anchor="ctr"/>
+          <a:lstStyle/>
+          <a:p>
+            <a:pPr algn="ctr"/>
+            <a:r>
+              <a:rPr lang="en-US" dirty="0"/>
+              <a:t>Gateway</a:t>
+            </a:r>
+          </a:p>
+        </p:txBody>
+      </p:sp>
+      <p:sp>
+        <p:nvSpPr>
+          <p:cNvPr id="22" name="Arrow: Right 21">
+            <a:extLst>
+              <a:ext uri="{FF2B5EF4-FFF2-40B4-BE49-F238E27FC236}">
+                <a16:creationId xmlns:a16="http://schemas.microsoft.com/office/drawing/2014/main" id="{AC79C463-3C28-4C40-BECA-D3D56AE4CB17}"/>
+              </a:ext>
+            </a:extLst>
+          </p:cNvPr>
+          <p:cNvSpPr/>
+          <p:nvPr/>
+        </p:nvSpPr>
+        <p:spPr>
+          <a:xfrm rot="18499376">
+            <a:off x="1731346" y="2735769"/>
+            <a:ext cx="843378" cy="218011"/>
+          </a:xfrm>
+          <a:prstGeom prst="rightArrow">
+            <a:avLst/>
+          </a:prstGeom>
+        </p:spPr>
+        <p:style>
+          <a:lnRef idx="2">
+            <a:schemeClr val="accent1">
+              <a:shade val="50000"/>
+            </a:schemeClr>
+          </a:lnRef>
+          <a:fillRef idx="1">
+            <a:schemeClr val="accent1"/>
+          </a:fillRef>
+          <a:effectRef idx="0">
+            <a:schemeClr val="accent1"/>
+          </a:effectRef>
+          <a:fontRef idx="minor">
+            <a:schemeClr val="lt1"/>
+          </a:fontRef>
+        </p:style>
+        <p:txBody>
+          <a:bodyPr rtlCol="0" anchor="ctr"/>
+          <a:lstStyle/>
+          <a:p>
+            <a:pPr algn="ctr"/>
+            <a:endParaRPr lang="en-US"/>
+          </a:p>
+        </p:txBody>
+      </p:sp>
+      <p:sp>
+        <p:nvSpPr>
+          <p:cNvPr id="23" name="Rectangle 22">
+            <a:extLst>
+              <a:ext uri="{FF2B5EF4-FFF2-40B4-BE49-F238E27FC236}">
+                <a16:creationId xmlns:a16="http://schemas.microsoft.com/office/drawing/2014/main" id="{91566122-2D8D-4210-87A7-4F6E48FAF7FA}"/>
+              </a:ext>
+            </a:extLst>
+          </p:cNvPr>
+          <p:cNvSpPr/>
+          <p:nvPr/>
+        </p:nvSpPr>
+        <p:spPr>
+          <a:xfrm>
+            <a:off x="9465974" y="3037643"/>
+            <a:ext cx="1514475" cy="762000"/>
+          </a:xfrm>
+          <a:prstGeom prst="rect">
+            <a:avLst/>
+          </a:prstGeom>
+        </p:spPr>
+        <p:style>
+          <a:lnRef idx="2">
+            <a:schemeClr val="accent3">
+              <a:shade val="50000"/>
+            </a:schemeClr>
+          </a:lnRef>
+          <a:fillRef idx="1">
+            <a:schemeClr val="accent3"/>
+          </a:fillRef>
+          <a:effectRef idx="0">
+            <a:schemeClr val="accent3"/>
+          </a:effectRef>
+          <a:fontRef idx="minor">
+            <a:schemeClr val="lt1"/>
+          </a:fontRef>
+        </p:style>
+        <p:txBody>
+          <a:bodyPr rtlCol="0" anchor="ctr"/>
+          <a:lstStyle/>
+          <a:p>
+            <a:pPr algn="ctr"/>
+            <a:r>
+              <a:rPr lang="en-US" dirty="0"/>
+              <a:t>Service Registry</a:t>
+            </a:r>
+          </a:p>
+        </p:txBody>
+      </p:sp>
+      <p:cxnSp>
+        <p:nvCxnSpPr>
+          <p:cNvPr id="25" name="Straight Arrow Connector 24">
+            <a:extLst>
+              <a:ext uri="{FF2B5EF4-FFF2-40B4-BE49-F238E27FC236}">
+                <a16:creationId xmlns:a16="http://schemas.microsoft.com/office/drawing/2014/main" id="{B3B94E9B-E7D8-4C9C-ADD8-50EE790FBEA3}"/>
+              </a:ext>
+            </a:extLst>
+          </p:cNvPr>
+          <p:cNvCxnSpPr>
+            <a:stCxn id="15" idx="3"/>
+            <a:endCxn id="23" idx="1"/>
+          </p:cNvCxnSpPr>
+          <p:nvPr/>
+        </p:nvCxnSpPr>
+        <p:spPr>
+          <a:xfrm>
+            <a:off x="7695323" y="1840939"/>
+            <a:ext cx="1770651" cy="1577704"/>
+          </a:xfrm>
+          <a:prstGeom prst="straightConnector1">
+            <a:avLst/>
+          </a:prstGeom>
+          <a:ln>
+            <a:tailEnd type="triangle"/>
+          </a:ln>
+        </p:spPr>
+        <p:style>
+          <a:lnRef idx="1">
+            <a:schemeClr val="accent1"/>
+          </a:lnRef>
+          <a:fillRef idx="0">
+            <a:schemeClr val="accent1"/>
+          </a:fillRef>
+          <a:effectRef idx="0">
+            <a:schemeClr val="accent1"/>
+          </a:effectRef>
+          <a:fontRef idx="minor">
+            <a:schemeClr val="tx1"/>
+          </a:fontRef>
+        </p:style>
+      </p:cxnSp>
+      <p:cxnSp>
+        <p:nvCxnSpPr>
+          <p:cNvPr id="27" name="Straight Arrow Connector 26">
+            <a:extLst>
+              <a:ext uri="{FF2B5EF4-FFF2-40B4-BE49-F238E27FC236}">
+                <a16:creationId xmlns:a16="http://schemas.microsoft.com/office/drawing/2014/main" id="{DCDEFECE-A7C5-492E-8B22-782EA1BF37DE}"/>
+              </a:ext>
+            </a:extLst>
+          </p:cNvPr>
+          <p:cNvCxnSpPr>
+            <a:stCxn id="8" idx="3"/>
+            <a:endCxn id="23" idx="1"/>
+          </p:cNvCxnSpPr>
+          <p:nvPr/>
+        </p:nvCxnSpPr>
+        <p:spPr>
+          <a:xfrm>
+            <a:off x="7338136" y="3320570"/>
+            <a:ext cx="2127838" cy="98073"/>
+          </a:xfrm>
+          <a:prstGeom prst="straightConnector1">
+            <a:avLst/>
+          </a:prstGeom>
+          <a:ln>
+            <a:tailEnd type="triangle"/>
+          </a:ln>
+        </p:spPr>
+        <p:style>
+          <a:lnRef idx="1">
+            <a:schemeClr val="accent1"/>
+          </a:lnRef>
+          <a:fillRef idx="0">
+            <a:schemeClr val="accent1"/>
+          </a:fillRef>
+          <a:effectRef idx="0">
+            <a:schemeClr val="accent1"/>
+          </a:effectRef>
+          <a:fontRef idx="minor">
+            <a:schemeClr val="tx1"/>
+          </a:fontRef>
+        </p:style>
+      </p:cxnSp>
+      <p:cxnSp>
+        <p:nvCxnSpPr>
+          <p:cNvPr id="29" name="Straight Arrow Connector 28">
+            <a:extLst>
+              <a:ext uri="{FF2B5EF4-FFF2-40B4-BE49-F238E27FC236}">
+                <a16:creationId xmlns:a16="http://schemas.microsoft.com/office/drawing/2014/main" id="{7C085235-BDE6-4A0B-9B92-16199E2C6820}"/>
+              </a:ext>
+            </a:extLst>
+          </p:cNvPr>
+          <p:cNvCxnSpPr>
+            <a:cxnSpLocks/>
+            <a:stCxn id="11" idx="3"/>
+            <a:endCxn id="23" idx="1"/>
+          </p:cNvCxnSpPr>
+          <p:nvPr/>
+        </p:nvCxnSpPr>
+        <p:spPr>
+          <a:xfrm flipV="1">
+            <a:off x="7610475" y="3418643"/>
+            <a:ext cx="1855499" cy="2488430"/>
+          </a:xfrm>
+          <a:prstGeom prst="straightConnector1">
+            <a:avLst/>
+          </a:prstGeom>
+          <a:ln>
+            <a:tailEnd type="triangle"/>
+          </a:ln>
+        </p:spPr>
+        <p:style>
+          <a:lnRef idx="1">
+            <a:schemeClr val="accent1"/>
+          </a:lnRef>
+          <a:fillRef idx="0">
+            <a:schemeClr val="accent1"/>
+          </a:fillRef>
+          <a:effectRef idx="0">
+            <a:schemeClr val="accent1"/>
+          </a:effectRef>
+          <a:fontRef idx="minor">
+            <a:schemeClr val="tx1"/>
+          </a:fontRef>
+        </p:style>
+      </p:cxnSp>
+      <p:cxnSp>
+        <p:nvCxnSpPr>
+          <p:cNvPr id="31" name="Straight Arrow Connector 30">
+            <a:extLst>
+              <a:ext uri="{FF2B5EF4-FFF2-40B4-BE49-F238E27FC236}">
+                <a16:creationId xmlns:a16="http://schemas.microsoft.com/office/drawing/2014/main" id="{D67DB02B-7D6A-4650-9A16-F857DE38E3D6}"/>
+              </a:ext>
+            </a:extLst>
+          </p:cNvPr>
+          <p:cNvCxnSpPr>
+            <a:stCxn id="10" idx="3"/>
+            <a:endCxn id="23" idx="1"/>
+          </p:cNvCxnSpPr>
+          <p:nvPr/>
+        </p:nvCxnSpPr>
+        <p:spPr>
+          <a:xfrm flipV="1">
+            <a:off x="4688010" y="3418643"/>
+            <a:ext cx="4777964" cy="1181933"/>
+          </a:xfrm>
+          <a:prstGeom prst="straightConnector1">
+            <a:avLst/>
+          </a:prstGeom>
+          <a:ln>
+            <a:tailEnd type="triangle"/>
+          </a:ln>
+        </p:spPr>
+        <p:style>
+          <a:lnRef idx="1">
+            <a:schemeClr val="accent1"/>
+          </a:lnRef>
+          <a:fillRef idx="0">
+            <a:schemeClr val="accent1"/>
+          </a:fillRef>
+          <a:effectRef idx="0">
+            <a:schemeClr val="accent1"/>
+          </a:effectRef>
+          <a:fontRef idx="minor">
+            <a:schemeClr val="tx1"/>
+          </a:fontRef>
+        </p:style>
+      </p:cxnSp>
+      <p:sp>
+        <p:nvSpPr>
+          <p:cNvPr id="37" name="Rectangle 36">
+            <a:extLst>
+              <a:ext uri="{FF2B5EF4-FFF2-40B4-BE49-F238E27FC236}">
+                <a16:creationId xmlns:a16="http://schemas.microsoft.com/office/drawing/2014/main" id="{492D0DC1-CC8E-4E01-8EBF-ABEE11AED8B9}"/>
+              </a:ext>
+            </a:extLst>
+          </p:cNvPr>
+          <p:cNvSpPr/>
+          <p:nvPr/>
+        </p:nvSpPr>
+        <p:spPr>
+          <a:xfrm>
+            <a:off x="9419600" y="4588296"/>
+            <a:ext cx="1514475" cy="762000"/>
+          </a:xfrm>
+          <a:prstGeom prst="rect">
+            <a:avLst/>
+          </a:prstGeom>
+        </p:spPr>
+        <p:style>
+          <a:lnRef idx="2">
+            <a:schemeClr val="accent3">
+              <a:shade val="50000"/>
+            </a:schemeClr>
+          </a:lnRef>
+          <a:fillRef idx="1">
+            <a:schemeClr val="accent3"/>
+          </a:fillRef>
+          <a:effectRef idx="0">
+            <a:schemeClr val="accent3"/>
+          </a:effectRef>
+          <a:fontRef idx="minor">
+            <a:schemeClr val="lt1"/>
+          </a:fontRef>
+        </p:style>
+        <p:txBody>
+          <a:bodyPr rtlCol="0" anchor="ctr"/>
+          <a:lstStyle/>
+          <a:p>
+            <a:pPr algn="ctr"/>
+            <a:r>
+              <a:rPr lang="en-US" dirty="0"/>
+              <a:t>Spring Cloud Config</a:t>
+            </a:r>
+          </a:p>
+        </p:txBody>
+      </p:sp>
+    </p:spTree>
+    <p:extLst>
+      <p:ext uri="{BB962C8B-B14F-4D97-AF65-F5344CB8AC3E}">
+        <p14:creationId xmlns:p14="http://schemas.microsoft.com/office/powerpoint/2010/main" val="2169238076"/>
+      </p:ext>
+    </p:extLst>
+  </p:cSld>
+  <p:clrMapOvr>
+    <a:masterClrMapping/>
+  </p:clrMapOvr>
+</p:sld>
+</file>
+
+<file path=ppt/slides/slide15.xml><?xml version="1.0" encoding="utf-8"?>
+<p:sld xmlns:a="http://schemas.openxmlformats.org/drawingml/2006/main" xmlns:r="http://schemas.openxmlformats.org/officeDocument/2006/relationships" xmlns:p="http://schemas.openxmlformats.org/presentationml/2006/main">
+  <p:cSld>
+    <p:spTree>
+      <p:nvGrpSpPr>
+        <p:cNvPr id="1" name=""/>
+        <p:cNvGrpSpPr/>
+        <p:nvPr/>
+      </p:nvGrpSpPr>
+      <p:grpSpPr>
+        <a:xfrm>
+          <a:off x="0" y="0"/>
+          <a:ext cx="0" cy="0"/>
+          <a:chOff x="0" y="0"/>
+          <a:chExt cx="0" cy="0"/>
+        </a:xfrm>
+      </p:grpSpPr>
+      <p:sp>
+        <p:nvSpPr>
+          <p:cNvPr id="2" name="Title 1">
+            <a:extLst>
+              <a:ext uri="{FF2B5EF4-FFF2-40B4-BE49-F238E27FC236}">
+                <a16:creationId xmlns:a16="http://schemas.microsoft.com/office/drawing/2014/main" id="{3AC6D4E3-8FEC-4EBD-8BF0-37DD04F2258B}"/>
+              </a:ext>
+            </a:extLst>
+          </p:cNvPr>
+          <p:cNvSpPr>
+            <a:spLocks noGrp="1"/>
+          </p:cNvSpPr>
+          <p:nvPr>
+            <p:ph type="title"/>
+          </p:nvPr>
+        </p:nvSpPr>
+        <p:spPr/>
+        <p:txBody>
+          <a:bodyPr/>
+          <a:lstStyle/>
+          <a:p>
+            <a:r>
+              <a:rPr lang="en-US" dirty="0"/>
+              <a:t>Alternate “Real world” example</a:t>
+            </a:r>
+          </a:p>
+        </p:txBody>
+      </p:sp>
+      <p:pic>
+        <p:nvPicPr>
+          <p:cNvPr id="5" name="Graphic 4" descr="Computer with solid fill">
+            <a:extLst>
+              <a:ext uri="{FF2B5EF4-FFF2-40B4-BE49-F238E27FC236}">
+                <a16:creationId xmlns:a16="http://schemas.microsoft.com/office/drawing/2014/main" id="{76059329-DFC4-4145-A8EF-0DE00D43B3FA}"/>
+              </a:ext>
+            </a:extLst>
+          </p:cNvPr>
+          <p:cNvPicPr>
+            <a:picLocks noChangeAspect="1"/>
+          </p:cNvPicPr>
+          <p:nvPr/>
+        </p:nvPicPr>
+        <p:blipFill>
+          <a:blip r:embed="rId2">
+            <a:extLst>
+              <a:ext uri="{28A0092B-C50C-407E-A947-70E740481C1C}">
+                <a14:useLocalDpi xmlns:a14="http://schemas.microsoft.com/office/drawing/2010/main" val="0"/>
+              </a:ext>
+              <a:ext uri="{96DAC541-7B7A-43D3-8B79-37D633B846F1}">
+                <asvg:svgBlip xmlns:asvg="http://schemas.microsoft.com/office/drawing/2016/SVG/main" r:embed="rId3"/>
+              </a:ext>
+            </a:extLst>
+          </a:blip>
+          <a:stretch>
+            <a:fillRect/>
+          </a:stretch>
+        </p:blipFill>
+        <p:spPr>
+          <a:xfrm>
+            <a:off x="381000" y="1373819"/>
+            <a:ext cx="914400" cy="914400"/>
+          </a:xfrm>
+          <a:prstGeom prst="rect">
+            <a:avLst/>
+          </a:prstGeom>
+        </p:spPr>
+      </p:pic>
+      <p:sp>
+        <p:nvSpPr>
+          <p:cNvPr id="6" name="Rectangle 5">
+            <a:extLst>
+              <a:ext uri="{FF2B5EF4-FFF2-40B4-BE49-F238E27FC236}">
+                <a16:creationId xmlns:a16="http://schemas.microsoft.com/office/drawing/2014/main" id="{FB96376A-3011-4F17-B022-1FA618A36AFD}"/>
+              </a:ext>
+            </a:extLst>
+          </p:cNvPr>
+          <p:cNvSpPr/>
+          <p:nvPr/>
+        </p:nvSpPr>
+        <p:spPr>
+          <a:xfrm>
+            <a:off x="2416298" y="1495425"/>
+            <a:ext cx="1514475" cy="762000"/>
+          </a:xfrm>
+          <a:prstGeom prst="rect">
+            <a:avLst/>
+          </a:prstGeom>
+        </p:spPr>
+        <p:style>
+          <a:lnRef idx="2">
+            <a:schemeClr val="accent1">
+              <a:shade val="50000"/>
+            </a:schemeClr>
+          </a:lnRef>
+          <a:fillRef idx="1">
+            <a:schemeClr val="accent1"/>
+          </a:fillRef>
+          <a:effectRef idx="0">
+            <a:schemeClr val="accent1"/>
+          </a:effectRef>
+          <a:fontRef idx="minor">
+            <a:schemeClr val="lt1"/>
+          </a:fontRef>
+        </p:style>
+        <p:txBody>
+          <a:bodyPr rtlCol="0" anchor="ctr"/>
+          <a:lstStyle/>
+          <a:p>
+            <a:pPr algn="ctr"/>
+            <a:r>
+              <a:rPr lang="en-US" dirty="0"/>
+              <a:t>React Client</a:t>
+            </a:r>
+          </a:p>
+        </p:txBody>
+      </p:sp>
+      <p:sp>
+        <p:nvSpPr>
+          <p:cNvPr id="7" name="Arrow: Right 6">
+            <a:extLst>
+              <a:ext uri="{FF2B5EF4-FFF2-40B4-BE49-F238E27FC236}">
+                <a16:creationId xmlns:a16="http://schemas.microsoft.com/office/drawing/2014/main" id="{CB3D4895-E0A1-4873-A59A-33EFE9C06CC6}"/>
+              </a:ext>
+            </a:extLst>
+          </p:cNvPr>
+          <p:cNvSpPr/>
+          <p:nvPr/>
+        </p:nvSpPr>
+        <p:spPr>
+          <a:xfrm>
+            <a:off x="1464816" y="1690688"/>
+            <a:ext cx="843378" cy="218011"/>
+          </a:xfrm>
+          <a:prstGeom prst="rightArrow">
+            <a:avLst/>
+          </a:prstGeom>
+        </p:spPr>
+        <p:style>
+          <a:lnRef idx="2">
+            <a:schemeClr val="accent1">
+              <a:shade val="50000"/>
+            </a:schemeClr>
+          </a:lnRef>
+          <a:fillRef idx="1">
+            <a:schemeClr val="accent1"/>
+          </a:fillRef>
+          <a:effectRef idx="0">
+            <a:schemeClr val="accent1"/>
+          </a:effectRef>
+          <a:fontRef idx="minor">
+            <a:schemeClr val="lt1"/>
+          </a:fontRef>
+        </p:style>
+        <p:txBody>
+          <a:bodyPr rtlCol="0" anchor="ctr"/>
+          <a:lstStyle/>
+          <a:p>
+            <a:pPr algn="ctr"/>
+            <a:endParaRPr lang="en-US"/>
+          </a:p>
+        </p:txBody>
+      </p:sp>
+      <p:sp>
+        <p:nvSpPr>
+          <p:cNvPr id="10" name="Rectangle 9">
+            <a:extLst>
+              <a:ext uri="{FF2B5EF4-FFF2-40B4-BE49-F238E27FC236}">
+                <a16:creationId xmlns:a16="http://schemas.microsoft.com/office/drawing/2014/main" id="{9BBB3216-3E46-454C-B52C-77269CCED0B1}"/>
+              </a:ext>
+            </a:extLst>
+          </p:cNvPr>
+          <p:cNvSpPr/>
+          <p:nvPr/>
+        </p:nvSpPr>
+        <p:spPr>
+          <a:xfrm>
+            <a:off x="6096000" y="3920639"/>
+            <a:ext cx="4585548" cy="2012548"/>
+          </a:xfrm>
+          <a:prstGeom prst="rect">
+            <a:avLst/>
+          </a:prstGeom>
+        </p:spPr>
+        <p:style>
+          <a:lnRef idx="2">
+            <a:schemeClr val="accent4">
+              <a:shade val="50000"/>
+            </a:schemeClr>
+          </a:lnRef>
+          <a:fillRef idx="1">
+            <a:schemeClr val="accent4"/>
+          </a:fillRef>
+          <a:effectRef idx="0">
+            <a:schemeClr val="accent4"/>
+          </a:effectRef>
+          <a:fontRef idx="minor">
+            <a:schemeClr val="lt1"/>
+          </a:fontRef>
+        </p:style>
+        <p:txBody>
+          <a:bodyPr rtlCol="0" anchor="ctr"/>
+          <a:lstStyle/>
+          <a:p>
+            <a:pPr algn="ctr"/>
+            <a:r>
+              <a:rPr lang="en-US" dirty="0"/>
+              <a:t>Backend</a:t>
+            </a:r>
+          </a:p>
+        </p:txBody>
+      </p:sp>
+      <p:sp>
+        <p:nvSpPr>
+          <p:cNvPr id="12" name="Arrow: Right 11">
+            <a:extLst>
+              <a:ext uri="{FF2B5EF4-FFF2-40B4-BE49-F238E27FC236}">
+                <a16:creationId xmlns:a16="http://schemas.microsoft.com/office/drawing/2014/main" id="{ECDF082D-EBED-4BDE-974B-7FFAED8B7ACB}"/>
+              </a:ext>
+            </a:extLst>
+          </p:cNvPr>
+          <p:cNvSpPr/>
+          <p:nvPr/>
+        </p:nvSpPr>
+        <p:spPr>
+          <a:xfrm rot="2772621">
+            <a:off x="4001964" y="2954278"/>
+            <a:ext cx="1677879" cy="426406"/>
+          </a:xfrm>
+          <a:prstGeom prst="rightArrow">
+            <a:avLst/>
+          </a:prstGeom>
+        </p:spPr>
+        <p:style>
+          <a:lnRef idx="2">
+            <a:schemeClr val="accent1">
+              <a:shade val="50000"/>
+            </a:schemeClr>
+          </a:lnRef>
+          <a:fillRef idx="1">
+            <a:schemeClr val="accent1"/>
+          </a:fillRef>
+          <a:effectRef idx="0">
+            <a:schemeClr val="accent1"/>
+          </a:effectRef>
+          <a:fontRef idx="minor">
+            <a:schemeClr val="lt1"/>
+          </a:fontRef>
+        </p:style>
+        <p:txBody>
+          <a:bodyPr rtlCol="0" anchor="ctr"/>
+          <a:lstStyle/>
+          <a:p>
+            <a:pPr algn="ctr"/>
+            <a:endParaRPr lang="en-US"/>
+          </a:p>
+        </p:txBody>
+      </p:sp>
+      <p:pic>
+        <p:nvPicPr>
+          <p:cNvPr id="4" name="Graphic 3" descr="Database with solid fill">
+            <a:extLst>
+              <a:ext uri="{FF2B5EF4-FFF2-40B4-BE49-F238E27FC236}">
+                <a16:creationId xmlns:a16="http://schemas.microsoft.com/office/drawing/2014/main" id="{D3EEED04-BF6A-4BE0-9DAA-4DDC17709770}"/>
+              </a:ext>
+            </a:extLst>
+          </p:cNvPr>
+          <p:cNvPicPr>
+            <a:picLocks noChangeAspect="1"/>
+          </p:cNvPicPr>
+          <p:nvPr/>
+        </p:nvPicPr>
+        <p:blipFill>
+          <a:blip r:embed="rId4">
+            <a:extLst>
+              <a:ext uri="{28A0092B-C50C-407E-A947-70E740481C1C}">
+                <a14:useLocalDpi xmlns:a14="http://schemas.microsoft.com/office/drawing/2010/main" val="0"/>
+              </a:ext>
+              <a:ext uri="{96DAC541-7B7A-43D3-8B79-37D633B846F1}">
+                <asvg:svgBlip xmlns:asvg="http://schemas.microsoft.com/office/drawing/2016/SVG/main" r:embed="rId5"/>
+              </a:ext>
+            </a:extLst>
+          </a:blip>
+          <a:stretch>
+            <a:fillRect/>
+          </a:stretch>
+        </p:blipFill>
+        <p:spPr>
+          <a:xfrm>
+            <a:off x="9817223" y="3190192"/>
+            <a:ext cx="1242874" cy="1242874"/>
+          </a:xfrm>
+          <a:prstGeom prst="rect">
+            <a:avLst/>
+          </a:prstGeom>
+        </p:spPr>
+      </p:pic>
+    </p:spTree>
+    <p:extLst>
+      <p:ext uri="{BB962C8B-B14F-4D97-AF65-F5344CB8AC3E}">
+        <p14:creationId xmlns:p14="http://schemas.microsoft.com/office/powerpoint/2010/main" val="3097295621"/>
+      </p:ext>
+    </p:extLst>
+  </p:cSld>
+  <p:clrMapOvr>
+    <a:masterClrMapping/>
+  </p:clrMapOvr>
+</p:sld>
+</file>
+
+<file path=ppt/slides/slide16.xml><?xml version="1.0" encoding="utf-8"?>
+<p:sld xmlns:a="http://schemas.openxmlformats.org/drawingml/2006/main" xmlns:r="http://schemas.openxmlformats.org/officeDocument/2006/relationships" xmlns:p="http://schemas.openxmlformats.org/presentationml/2006/main">
+  <p:cSld>
+    <p:spTree>
+      <p:nvGrpSpPr>
+        <p:cNvPr id="1" name=""/>
+        <p:cNvGrpSpPr/>
+        <p:nvPr/>
+      </p:nvGrpSpPr>
+      <p:grpSpPr>
+        <a:xfrm>
+          <a:off x="0" y="0"/>
+          <a:ext cx="0" cy="0"/>
+          <a:chOff x="0" y="0"/>
+          <a:chExt cx="0" cy="0"/>
+        </a:xfrm>
+      </p:grpSpPr>
+      <p:sp>
+        <p:nvSpPr>
+          <p:cNvPr id="2" name="Title 1">
+            <a:extLst>
+              <a:ext uri="{FF2B5EF4-FFF2-40B4-BE49-F238E27FC236}">
+                <a16:creationId xmlns:a16="http://schemas.microsoft.com/office/drawing/2014/main" id="{197FD196-F935-4088-8C1C-6A8F9413124C}"/>
+              </a:ext>
+            </a:extLst>
+          </p:cNvPr>
+          <p:cNvSpPr>
+            <a:spLocks noGrp="1"/>
+          </p:cNvSpPr>
+          <p:nvPr>
+            <p:ph type="title"/>
+          </p:nvPr>
+        </p:nvSpPr>
+        <p:spPr/>
+        <p:txBody>
+          <a:bodyPr/>
+          <a:lstStyle/>
+          <a:p>
+            <a:r>
+              <a:rPr lang="en-US" dirty="0"/>
+              <a:t>Server-Side Load Balancing</a:t>
+            </a:r>
+          </a:p>
+        </p:txBody>
+      </p:sp>
+      <p:pic>
+        <p:nvPicPr>
+          <p:cNvPr id="4" name="Graphic 3" descr="Computer with solid fill">
+            <a:extLst>
+              <a:ext uri="{FF2B5EF4-FFF2-40B4-BE49-F238E27FC236}">
+                <a16:creationId xmlns:a16="http://schemas.microsoft.com/office/drawing/2014/main" id="{86290323-1587-44CA-B349-5C60A07BCD80}"/>
+              </a:ext>
+            </a:extLst>
+          </p:cNvPr>
+          <p:cNvPicPr>
+            <a:picLocks noChangeAspect="1"/>
+          </p:cNvPicPr>
+          <p:nvPr/>
+        </p:nvPicPr>
+        <p:blipFill>
+          <a:blip r:embed="rId2">
+            <a:extLst>
+              <a:ext uri="{28A0092B-C50C-407E-A947-70E740481C1C}">
+                <a14:useLocalDpi xmlns:a14="http://schemas.microsoft.com/office/drawing/2010/main" val="0"/>
+              </a:ext>
+              <a:ext uri="{96DAC541-7B7A-43D3-8B79-37D633B846F1}">
+                <asvg:svgBlip xmlns:asvg="http://schemas.microsoft.com/office/drawing/2016/SVG/main" r:embed="rId3"/>
+              </a:ext>
+            </a:extLst>
+          </a:blip>
+          <a:stretch>
+            <a:fillRect/>
+          </a:stretch>
+        </p:blipFill>
+        <p:spPr>
+          <a:xfrm>
+            <a:off x="444026" y="2590800"/>
+            <a:ext cx="914400" cy="914400"/>
+          </a:xfrm>
+          <a:prstGeom prst="rect">
+            <a:avLst/>
+          </a:prstGeom>
+        </p:spPr>
+      </p:pic>
+      <p:sp>
+        <p:nvSpPr>
+          <p:cNvPr id="5" name="Rectangle 4">
+            <a:extLst>
+              <a:ext uri="{FF2B5EF4-FFF2-40B4-BE49-F238E27FC236}">
+                <a16:creationId xmlns:a16="http://schemas.microsoft.com/office/drawing/2014/main" id="{59AE9A4F-871B-41A2-8A99-F20F206381D2}"/>
+              </a:ext>
+            </a:extLst>
+          </p:cNvPr>
+          <p:cNvSpPr/>
+          <p:nvPr/>
+        </p:nvSpPr>
+        <p:spPr>
+          <a:xfrm>
+            <a:off x="2442058" y="3419659"/>
+            <a:ext cx="1514475" cy="762000"/>
+          </a:xfrm>
+          <a:prstGeom prst="rect">
+            <a:avLst/>
+          </a:prstGeom>
+        </p:spPr>
+        <p:style>
+          <a:lnRef idx="2">
+            <a:schemeClr val="accent1">
+              <a:shade val="50000"/>
+            </a:schemeClr>
+          </a:lnRef>
+          <a:fillRef idx="1">
+            <a:schemeClr val="accent1"/>
+          </a:fillRef>
+          <a:effectRef idx="0">
+            <a:schemeClr val="accent1"/>
+          </a:effectRef>
+          <a:fontRef idx="minor">
+            <a:schemeClr val="lt1"/>
+          </a:fontRef>
+        </p:style>
+        <p:txBody>
+          <a:bodyPr rtlCol="0" anchor="ctr"/>
+          <a:lstStyle/>
+          <a:p>
+            <a:pPr algn="ctr"/>
+            <a:r>
+              <a:rPr lang="en-US" dirty="0"/>
+              <a:t>Proxy</a:t>
+            </a:r>
+          </a:p>
+        </p:txBody>
+      </p:sp>
+      <p:sp>
+        <p:nvSpPr>
+          <p:cNvPr id="6" name="Arrow: Right 5">
+            <a:extLst>
+              <a:ext uri="{FF2B5EF4-FFF2-40B4-BE49-F238E27FC236}">
+                <a16:creationId xmlns:a16="http://schemas.microsoft.com/office/drawing/2014/main" id="{FF647FD7-296F-4D40-8217-78B9EF8FCC42}"/>
+              </a:ext>
+            </a:extLst>
+          </p:cNvPr>
+          <p:cNvSpPr/>
+          <p:nvPr/>
+        </p:nvSpPr>
+        <p:spPr>
+          <a:xfrm rot="1845751">
+            <a:off x="1434504" y="3430421"/>
+            <a:ext cx="843378" cy="218011"/>
+          </a:xfrm>
+          <a:prstGeom prst="rightArrow">
+            <a:avLst/>
+          </a:prstGeom>
+        </p:spPr>
+        <p:style>
+          <a:lnRef idx="2">
+            <a:schemeClr val="accent1">
+              <a:shade val="50000"/>
+            </a:schemeClr>
+          </a:lnRef>
+          <a:fillRef idx="1">
+            <a:schemeClr val="accent1"/>
+          </a:fillRef>
+          <a:effectRef idx="0">
+            <a:schemeClr val="accent1"/>
+          </a:effectRef>
+          <a:fontRef idx="minor">
+            <a:schemeClr val="lt1"/>
+          </a:fontRef>
+        </p:style>
+        <p:txBody>
+          <a:bodyPr rtlCol="0" anchor="ctr"/>
+          <a:lstStyle/>
+          <a:p>
+            <a:pPr algn="ctr"/>
+            <a:endParaRPr lang="en-US"/>
+          </a:p>
+        </p:txBody>
+      </p:sp>
+      <p:sp>
+        <p:nvSpPr>
+          <p:cNvPr id="7" name="Rectangle 6">
+            <a:extLst>
+              <a:ext uri="{FF2B5EF4-FFF2-40B4-BE49-F238E27FC236}">
+                <a16:creationId xmlns:a16="http://schemas.microsoft.com/office/drawing/2014/main" id="{3D8D1012-6B64-4859-9B52-4640E3134763}"/>
+              </a:ext>
+            </a:extLst>
+          </p:cNvPr>
+          <p:cNvSpPr/>
+          <p:nvPr/>
+        </p:nvSpPr>
+        <p:spPr>
+          <a:xfrm>
+            <a:off x="6149315" y="1972421"/>
+            <a:ext cx="1514475" cy="762000"/>
+          </a:xfrm>
+          <a:prstGeom prst="rect">
+            <a:avLst/>
+          </a:prstGeom>
+        </p:spPr>
+        <p:style>
+          <a:lnRef idx="2">
+            <a:schemeClr val="accent4">
+              <a:shade val="50000"/>
+            </a:schemeClr>
+          </a:lnRef>
+          <a:fillRef idx="1">
+            <a:schemeClr val="accent4"/>
+          </a:fillRef>
+          <a:effectRef idx="0">
+            <a:schemeClr val="accent4"/>
+          </a:effectRef>
+          <a:fontRef idx="minor">
+            <a:schemeClr val="lt1"/>
+          </a:fontRef>
+        </p:style>
+        <p:txBody>
+          <a:bodyPr rtlCol="0" anchor="ctr"/>
+          <a:lstStyle/>
+          <a:p>
+            <a:pPr algn="ctr"/>
+            <a:r>
+              <a:rPr lang="en-US" dirty="0"/>
+              <a:t>User Service</a:t>
+            </a:r>
+          </a:p>
+        </p:txBody>
+      </p:sp>
+      <p:sp>
+        <p:nvSpPr>
+          <p:cNvPr id="8" name="Arrow: Right 7">
+            <a:extLst>
+              <a:ext uri="{FF2B5EF4-FFF2-40B4-BE49-F238E27FC236}">
+                <a16:creationId xmlns:a16="http://schemas.microsoft.com/office/drawing/2014/main" id="{BF499E2E-A933-4611-BDD7-2AF03E6D9465}"/>
+              </a:ext>
+            </a:extLst>
+          </p:cNvPr>
+          <p:cNvSpPr/>
+          <p:nvPr/>
+        </p:nvSpPr>
+        <p:spPr>
+          <a:xfrm rot="20420128">
+            <a:off x="4130107" y="2624531"/>
+            <a:ext cx="1677879" cy="426406"/>
+          </a:xfrm>
+          <a:prstGeom prst="rightArrow">
+            <a:avLst/>
+          </a:prstGeom>
+        </p:spPr>
+        <p:style>
+          <a:lnRef idx="2">
+            <a:schemeClr val="accent1">
+              <a:shade val="50000"/>
+            </a:schemeClr>
+          </a:lnRef>
+          <a:fillRef idx="1">
+            <a:schemeClr val="accent1"/>
+          </a:fillRef>
+          <a:effectRef idx="0">
+            <a:schemeClr val="accent1"/>
+          </a:effectRef>
+          <a:fontRef idx="minor">
+            <a:schemeClr val="lt1"/>
+          </a:fontRef>
+        </p:style>
+        <p:txBody>
+          <a:bodyPr rtlCol="0" anchor="ctr"/>
+          <a:lstStyle/>
+          <a:p>
+            <a:pPr algn="ctr"/>
+            <a:endParaRPr lang="en-US"/>
+          </a:p>
+        </p:txBody>
+      </p:sp>
+      <p:sp>
+        <p:nvSpPr>
+          <p:cNvPr id="9" name="Rectangle 8">
+            <a:extLst>
+              <a:ext uri="{FF2B5EF4-FFF2-40B4-BE49-F238E27FC236}">
+                <a16:creationId xmlns:a16="http://schemas.microsoft.com/office/drawing/2014/main" id="{A0EFB27F-BC34-4220-A707-A89E1FA34526}"/>
+              </a:ext>
+            </a:extLst>
+          </p:cNvPr>
+          <p:cNvSpPr/>
+          <p:nvPr/>
+        </p:nvSpPr>
+        <p:spPr>
+          <a:xfrm>
+            <a:off x="6326360" y="3347297"/>
+            <a:ext cx="1514475" cy="762000"/>
+          </a:xfrm>
+          <a:prstGeom prst="rect">
+            <a:avLst/>
+          </a:prstGeom>
+        </p:spPr>
+        <p:style>
+          <a:lnRef idx="2">
+            <a:schemeClr val="accent4">
+              <a:shade val="50000"/>
+            </a:schemeClr>
+          </a:lnRef>
+          <a:fillRef idx="1">
+            <a:schemeClr val="accent4"/>
+          </a:fillRef>
+          <a:effectRef idx="0">
+            <a:schemeClr val="accent4"/>
+          </a:effectRef>
+          <a:fontRef idx="minor">
+            <a:schemeClr val="lt1"/>
+          </a:fontRef>
+        </p:style>
+        <p:txBody>
+          <a:bodyPr rtlCol="0" anchor="ctr"/>
+          <a:lstStyle/>
+          <a:p>
+            <a:pPr algn="ctr"/>
+            <a:r>
+              <a:rPr lang="en-US" dirty="0"/>
+              <a:t>User Service</a:t>
+            </a:r>
+          </a:p>
+        </p:txBody>
+      </p:sp>
+      <p:sp>
+        <p:nvSpPr>
+          <p:cNvPr id="10" name="Arrow: Right 9">
+            <a:extLst>
+              <a:ext uri="{FF2B5EF4-FFF2-40B4-BE49-F238E27FC236}">
+                <a16:creationId xmlns:a16="http://schemas.microsoft.com/office/drawing/2014/main" id="{A55A740B-A591-4E83-914E-384AC5EB01C4}"/>
+              </a:ext>
+            </a:extLst>
+          </p:cNvPr>
+          <p:cNvSpPr/>
+          <p:nvPr/>
+        </p:nvSpPr>
+        <p:spPr>
+          <a:xfrm>
+            <a:off x="4418121" y="3515094"/>
+            <a:ext cx="1677879" cy="426406"/>
+          </a:xfrm>
+          <a:prstGeom prst="rightArrow">
+            <a:avLst/>
+          </a:prstGeom>
+        </p:spPr>
+        <p:style>
+          <a:lnRef idx="2">
+            <a:schemeClr val="accent1">
+              <a:shade val="50000"/>
+            </a:schemeClr>
+          </a:lnRef>
+          <a:fillRef idx="1">
+            <a:schemeClr val="accent1"/>
+          </a:fillRef>
+          <a:effectRef idx="0">
+            <a:schemeClr val="accent1"/>
+          </a:effectRef>
+          <a:fontRef idx="minor">
+            <a:schemeClr val="lt1"/>
+          </a:fontRef>
+        </p:style>
+        <p:txBody>
+          <a:bodyPr rtlCol="0" anchor="ctr"/>
+          <a:lstStyle/>
+          <a:p>
+            <a:pPr algn="ctr"/>
+            <a:endParaRPr lang="en-US"/>
+          </a:p>
+        </p:txBody>
+      </p:sp>
+      <p:sp>
+        <p:nvSpPr>
+          <p:cNvPr id="11" name="Rectangle 10">
+            <a:extLst>
+              <a:ext uri="{FF2B5EF4-FFF2-40B4-BE49-F238E27FC236}">
+                <a16:creationId xmlns:a16="http://schemas.microsoft.com/office/drawing/2014/main" id="{DAA3C0DF-0B61-482F-8A8E-64DF270080B9}"/>
+              </a:ext>
+            </a:extLst>
+          </p:cNvPr>
+          <p:cNvSpPr/>
+          <p:nvPr/>
+        </p:nvSpPr>
+        <p:spPr>
+          <a:xfrm>
+            <a:off x="6301579" y="4549956"/>
+            <a:ext cx="1514475" cy="762000"/>
+          </a:xfrm>
+          <a:prstGeom prst="rect">
+            <a:avLst/>
+          </a:prstGeom>
+        </p:spPr>
+        <p:style>
+          <a:lnRef idx="2">
+            <a:schemeClr val="accent4">
+              <a:shade val="50000"/>
+            </a:schemeClr>
+          </a:lnRef>
+          <a:fillRef idx="1">
+            <a:schemeClr val="accent4"/>
+          </a:fillRef>
+          <a:effectRef idx="0">
+            <a:schemeClr val="accent4"/>
+          </a:effectRef>
+          <a:fontRef idx="minor">
+            <a:schemeClr val="lt1"/>
+          </a:fontRef>
+        </p:style>
+        <p:txBody>
+          <a:bodyPr rtlCol="0" anchor="ctr"/>
+          <a:lstStyle/>
+          <a:p>
+            <a:pPr algn="ctr"/>
+            <a:r>
+              <a:rPr lang="en-US" dirty="0"/>
+              <a:t>User Service</a:t>
+            </a:r>
+          </a:p>
+        </p:txBody>
+      </p:sp>
+      <p:sp>
+        <p:nvSpPr>
+          <p:cNvPr id="12" name="Arrow: Right 11">
+            <a:extLst>
+              <a:ext uri="{FF2B5EF4-FFF2-40B4-BE49-F238E27FC236}">
+                <a16:creationId xmlns:a16="http://schemas.microsoft.com/office/drawing/2014/main" id="{5873A626-C99A-48D3-9017-48912E3A78FC}"/>
+              </a:ext>
+            </a:extLst>
+          </p:cNvPr>
+          <p:cNvSpPr/>
+          <p:nvPr/>
+        </p:nvSpPr>
+        <p:spPr>
+          <a:xfrm rot="1082470">
+            <a:off x="4442903" y="4413393"/>
+            <a:ext cx="1677879" cy="426406"/>
+          </a:xfrm>
+          <a:prstGeom prst="rightArrow">
+            <a:avLst/>
+          </a:prstGeom>
+        </p:spPr>
+        <p:style>
+          <a:lnRef idx="2">
+            <a:schemeClr val="accent1">
+              <a:shade val="50000"/>
+            </a:schemeClr>
+          </a:lnRef>
+          <a:fillRef idx="1">
+            <a:schemeClr val="accent1"/>
+          </a:fillRef>
+          <a:effectRef idx="0">
+            <a:schemeClr val="accent1"/>
+          </a:effectRef>
+          <a:fontRef idx="minor">
+            <a:schemeClr val="lt1"/>
+          </a:fontRef>
+        </p:style>
+        <p:txBody>
+          <a:bodyPr rtlCol="0" anchor="ctr"/>
+          <a:lstStyle/>
+          <a:p>
+            <a:pPr algn="ctr"/>
+            <a:endParaRPr lang="en-US"/>
+          </a:p>
+        </p:txBody>
+      </p:sp>
+      <p:sp>
+        <p:nvSpPr>
+          <p:cNvPr id="13" name="Rectangle 12">
+            <a:extLst>
+              <a:ext uri="{FF2B5EF4-FFF2-40B4-BE49-F238E27FC236}">
+                <a16:creationId xmlns:a16="http://schemas.microsoft.com/office/drawing/2014/main" id="{2E6EBF23-39D9-4C98-ACBF-026CF02D572D}"/>
+              </a:ext>
+            </a:extLst>
+          </p:cNvPr>
+          <p:cNvSpPr/>
+          <p:nvPr/>
+        </p:nvSpPr>
+        <p:spPr>
+          <a:xfrm>
+            <a:off x="5813259" y="5438601"/>
+            <a:ext cx="1514475" cy="762000"/>
+          </a:xfrm>
+          <a:prstGeom prst="rect">
+            <a:avLst/>
+          </a:prstGeom>
+        </p:spPr>
+        <p:style>
+          <a:lnRef idx="2">
+            <a:schemeClr val="accent4">
+              <a:shade val="50000"/>
+            </a:schemeClr>
+          </a:lnRef>
+          <a:fillRef idx="1">
+            <a:schemeClr val="accent4"/>
+          </a:fillRef>
+          <a:effectRef idx="0">
+            <a:schemeClr val="accent4"/>
+          </a:effectRef>
+          <a:fontRef idx="minor">
+            <a:schemeClr val="lt1"/>
+          </a:fontRef>
+        </p:style>
+        <p:txBody>
+          <a:bodyPr rtlCol="0" anchor="ctr"/>
+          <a:lstStyle/>
+          <a:p>
+            <a:pPr algn="ctr"/>
+            <a:r>
+              <a:rPr lang="en-US" dirty="0"/>
+              <a:t>User Service</a:t>
+            </a:r>
+          </a:p>
+        </p:txBody>
+      </p:sp>
+      <p:sp>
+        <p:nvSpPr>
+          <p:cNvPr id="14" name="Arrow: Right 13">
+            <a:extLst>
+              <a:ext uri="{FF2B5EF4-FFF2-40B4-BE49-F238E27FC236}">
+                <a16:creationId xmlns:a16="http://schemas.microsoft.com/office/drawing/2014/main" id="{A00C6206-60F1-46B8-B5B9-AE6D4F90FF42}"/>
+              </a:ext>
+            </a:extLst>
+          </p:cNvPr>
+          <p:cNvSpPr/>
+          <p:nvPr/>
+        </p:nvSpPr>
+        <p:spPr>
+          <a:xfrm rot="1922045">
+            <a:off x="3958281" y="4926969"/>
+            <a:ext cx="1677879" cy="426406"/>
+          </a:xfrm>
+          <a:prstGeom prst="rightArrow">
+            <a:avLst/>
+          </a:prstGeom>
+        </p:spPr>
+        <p:style>
+          <a:lnRef idx="2">
+            <a:schemeClr val="accent1">
+              <a:shade val="50000"/>
+            </a:schemeClr>
+          </a:lnRef>
+          <a:fillRef idx="1">
+            <a:schemeClr val="accent1"/>
+          </a:fillRef>
+          <a:effectRef idx="0">
+            <a:schemeClr val="accent1"/>
+          </a:effectRef>
+          <a:fontRef idx="minor">
+            <a:schemeClr val="lt1"/>
+          </a:fontRef>
+        </p:style>
+        <p:txBody>
+          <a:bodyPr rtlCol="0" anchor="ctr"/>
+          <a:lstStyle/>
+          <a:p>
+            <a:pPr algn="ctr"/>
+            <a:endParaRPr lang="en-US"/>
+          </a:p>
+        </p:txBody>
+      </p:sp>
+    </p:spTree>
+    <p:extLst>
+      <p:ext uri="{BB962C8B-B14F-4D97-AF65-F5344CB8AC3E}">
+        <p14:creationId xmlns:p14="http://schemas.microsoft.com/office/powerpoint/2010/main" val="2089316479"/>
+      </p:ext>
+    </p:extLst>
+  </p:cSld>
+  <p:clrMapOvr>
+    <a:masterClrMapping/>
+  </p:clrMapOvr>
+</p:sld>
+</file>
+
+<file path=ppt/slides/slide17.xml><?xml version="1.0" encoding="utf-8"?>
+<p:sld xmlns:a="http://schemas.openxmlformats.org/drawingml/2006/main" xmlns:r="http://schemas.openxmlformats.org/officeDocument/2006/relationships" xmlns:p="http://schemas.openxmlformats.org/presentationml/2006/main">
+  <p:cSld>
+    <p:spTree>
+      <p:nvGrpSpPr>
+        <p:cNvPr id="1" name=""/>
+        <p:cNvGrpSpPr/>
+        <p:nvPr/>
+      </p:nvGrpSpPr>
+      <p:grpSpPr>
+        <a:xfrm>
+          <a:off x="0" y="0"/>
+          <a:ext cx="0" cy="0"/>
+          <a:chOff x="0" y="0"/>
+          <a:chExt cx="0" cy="0"/>
+        </a:xfrm>
+      </p:grpSpPr>
+      <p:sp>
+        <p:nvSpPr>
+          <p:cNvPr id="2" name="Title 1">
+            <a:extLst>
+              <a:ext uri="{FF2B5EF4-FFF2-40B4-BE49-F238E27FC236}">
+                <a16:creationId xmlns:a16="http://schemas.microsoft.com/office/drawing/2014/main" id="{197FD196-F935-4088-8C1C-6A8F9413124C}"/>
+              </a:ext>
+            </a:extLst>
+          </p:cNvPr>
+          <p:cNvSpPr>
+            <a:spLocks noGrp="1"/>
+          </p:cNvSpPr>
+          <p:nvPr>
+            <p:ph type="title"/>
+          </p:nvPr>
+        </p:nvSpPr>
+        <p:spPr/>
+        <p:txBody>
+          <a:bodyPr/>
+          <a:lstStyle/>
+          <a:p>
+            <a:r>
+              <a:rPr lang="en-US" dirty="0"/>
+              <a:t>Client Load Balancing</a:t>
+            </a:r>
+          </a:p>
+        </p:txBody>
+      </p:sp>
+      <p:sp>
+        <p:nvSpPr>
+          <p:cNvPr id="5" name="Rectangle 4">
+            <a:extLst>
+              <a:ext uri="{FF2B5EF4-FFF2-40B4-BE49-F238E27FC236}">
+                <a16:creationId xmlns:a16="http://schemas.microsoft.com/office/drawing/2014/main" id="{59AE9A4F-871B-41A2-8A99-F20F206381D2}"/>
+              </a:ext>
+            </a:extLst>
+          </p:cNvPr>
+          <p:cNvSpPr/>
+          <p:nvPr/>
+        </p:nvSpPr>
+        <p:spPr>
+          <a:xfrm>
+            <a:off x="2442058" y="3419659"/>
+            <a:ext cx="1514475" cy="762000"/>
+          </a:xfrm>
+          <a:prstGeom prst="rect">
+            <a:avLst/>
+          </a:prstGeom>
+        </p:spPr>
+        <p:style>
+          <a:lnRef idx="2">
+            <a:schemeClr val="accent1">
+              <a:shade val="50000"/>
+            </a:schemeClr>
+          </a:lnRef>
+          <a:fillRef idx="1">
+            <a:schemeClr val="accent1"/>
+          </a:fillRef>
+          <a:effectRef idx="0">
+            <a:schemeClr val="accent1"/>
+          </a:effectRef>
+          <a:fontRef idx="minor">
+            <a:schemeClr val="lt1"/>
+          </a:fontRef>
+        </p:style>
+        <p:txBody>
+          <a:bodyPr rtlCol="0" anchor="ctr"/>
+          <a:lstStyle/>
+          <a:p>
+            <a:pPr algn="ctr"/>
+            <a:r>
+              <a:rPr lang="en-US" dirty="0"/>
+              <a:t>Client</a:t>
+            </a:r>
+          </a:p>
+        </p:txBody>
+      </p:sp>
+      <p:sp>
+        <p:nvSpPr>
+          <p:cNvPr id="7" name="Rectangle 6">
+            <a:extLst>
+              <a:ext uri="{FF2B5EF4-FFF2-40B4-BE49-F238E27FC236}">
+                <a16:creationId xmlns:a16="http://schemas.microsoft.com/office/drawing/2014/main" id="{3D8D1012-6B64-4859-9B52-4640E3134763}"/>
+              </a:ext>
+            </a:extLst>
+          </p:cNvPr>
+          <p:cNvSpPr/>
+          <p:nvPr/>
+        </p:nvSpPr>
+        <p:spPr>
+          <a:xfrm>
+            <a:off x="6149315" y="1972421"/>
+            <a:ext cx="1514475" cy="762000"/>
+          </a:xfrm>
+          <a:prstGeom prst="rect">
+            <a:avLst/>
+          </a:prstGeom>
+        </p:spPr>
+        <p:style>
+          <a:lnRef idx="2">
+            <a:schemeClr val="accent4">
+              <a:shade val="50000"/>
+            </a:schemeClr>
+          </a:lnRef>
+          <a:fillRef idx="1">
+            <a:schemeClr val="accent4"/>
+          </a:fillRef>
+          <a:effectRef idx="0">
+            <a:schemeClr val="accent4"/>
+          </a:effectRef>
+          <a:fontRef idx="minor">
+            <a:schemeClr val="lt1"/>
+          </a:fontRef>
+        </p:style>
+        <p:txBody>
+          <a:bodyPr rtlCol="0" anchor="ctr"/>
+          <a:lstStyle/>
+          <a:p>
+            <a:pPr algn="ctr"/>
+            <a:r>
+              <a:rPr lang="en-US" dirty="0"/>
+              <a:t>User Service</a:t>
+            </a:r>
+          </a:p>
+        </p:txBody>
+      </p:sp>
+      <p:sp>
+        <p:nvSpPr>
+          <p:cNvPr id="8" name="Arrow: Right 7">
+            <a:extLst>
+              <a:ext uri="{FF2B5EF4-FFF2-40B4-BE49-F238E27FC236}">
+                <a16:creationId xmlns:a16="http://schemas.microsoft.com/office/drawing/2014/main" id="{BF499E2E-A933-4611-BDD7-2AF03E6D9465}"/>
+              </a:ext>
+            </a:extLst>
+          </p:cNvPr>
+          <p:cNvSpPr/>
+          <p:nvPr/>
+        </p:nvSpPr>
+        <p:spPr>
+          <a:xfrm rot="20420128">
+            <a:off x="4130107" y="2624531"/>
+            <a:ext cx="1677879" cy="426406"/>
+          </a:xfrm>
+          <a:prstGeom prst="rightArrow">
+            <a:avLst/>
+          </a:prstGeom>
+        </p:spPr>
+        <p:style>
+          <a:lnRef idx="2">
+            <a:schemeClr val="accent1">
+              <a:shade val="50000"/>
+            </a:schemeClr>
+          </a:lnRef>
+          <a:fillRef idx="1">
+            <a:schemeClr val="accent1"/>
+          </a:fillRef>
+          <a:effectRef idx="0">
+            <a:schemeClr val="accent1"/>
+          </a:effectRef>
+          <a:fontRef idx="minor">
+            <a:schemeClr val="lt1"/>
+          </a:fontRef>
+        </p:style>
+        <p:txBody>
+          <a:bodyPr rtlCol="0" anchor="ctr"/>
+          <a:lstStyle/>
+          <a:p>
+            <a:pPr algn="ctr"/>
+            <a:endParaRPr lang="en-US"/>
+          </a:p>
+        </p:txBody>
+      </p:sp>
+      <p:sp>
+        <p:nvSpPr>
+          <p:cNvPr id="9" name="Rectangle 8">
+            <a:extLst>
+              <a:ext uri="{FF2B5EF4-FFF2-40B4-BE49-F238E27FC236}">
+                <a16:creationId xmlns:a16="http://schemas.microsoft.com/office/drawing/2014/main" id="{A0EFB27F-BC34-4220-A707-A89E1FA34526}"/>
+              </a:ext>
+            </a:extLst>
+          </p:cNvPr>
+          <p:cNvSpPr/>
+          <p:nvPr/>
+        </p:nvSpPr>
+        <p:spPr>
+          <a:xfrm>
+            <a:off x="6326360" y="3347297"/>
+            <a:ext cx="1514475" cy="762000"/>
+          </a:xfrm>
+          <a:prstGeom prst="rect">
+            <a:avLst/>
+          </a:prstGeom>
+        </p:spPr>
+        <p:style>
+          <a:lnRef idx="2">
+            <a:schemeClr val="accent4">
+              <a:shade val="50000"/>
+            </a:schemeClr>
+          </a:lnRef>
+          <a:fillRef idx="1">
+            <a:schemeClr val="accent4"/>
+          </a:fillRef>
+          <a:effectRef idx="0">
+            <a:schemeClr val="accent4"/>
+          </a:effectRef>
+          <a:fontRef idx="minor">
+            <a:schemeClr val="lt1"/>
+          </a:fontRef>
+        </p:style>
+        <p:txBody>
+          <a:bodyPr rtlCol="0" anchor="ctr"/>
+          <a:lstStyle/>
+          <a:p>
+            <a:pPr algn="ctr"/>
+            <a:r>
+              <a:rPr lang="en-US" dirty="0"/>
+              <a:t>User Service</a:t>
+            </a:r>
+          </a:p>
+        </p:txBody>
+      </p:sp>
+      <p:sp>
+        <p:nvSpPr>
+          <p:cNvPr id="10" name="Arrow: Right 9">
+            <a:extLst>
+              <a:ext uri="{FF2B5EF4-FFF2-40B4-BE49-F238E27FC236}">
+                <a16:creationId xmlns:a16="http://schemas.microsoft.com/office/drawing/2014/main" id="{A55A740B-A591-4E83-914E-384AC5EB01C4}"/>
+              </a:ext>
+            </a:extLst>
+          </p:cNvPr>
+          <p:cNvSpPr/>
+          <p:nvPr/>
+        </p:nvSpPr>
+        <p:spPr>
+          <a:xfrm>
+            <a:off x="4418121" y="3515094"/>
+            <a:ext cx="1677879" cy="426406"/>
+          </a:xfrm>
+          <a:prstGeom prst="rightArrow">
+            <a:avLst/>
+          </a:prstGeom>
+        </p:spPr>
+        <p:style>
+          <a:lnRef idx="2">
+            <a:schemeClr val="accent1">
+              <a:shade val="50000"/>
+            </a:schemeClr>
+          </a:lnRef>
+          <a:fillRef idx="1">
+            <a:schemeClr val="accent1"/>
+          </a:fillRef>
+          <a:effectRef idx="0">
+            <a:schemeClr val="accent1"/>
+          </a:effectRef>
+          <a:fontRef idx="minor">
+            <a:schemeClr val="lt1"/>
+          </a:fontRef>
+        </p:style>
+        <p:txBody>
+          <a:bodyPr rtlCol="0" anchor="ctr"/>
+          <a:lstStyle/>
+          <a:p>
+            <a:pPr algn="ctr"/>
+            <a:endParaRPr lang="en-US"/>
+          </a:p>
+        </p:txBody>
+      </p:sp>
+      <p:sp>
+        <p:nvSpPr>
+          <p:cNvPr id="11" name="Rectangle 10">
+            <a:extLst>
+              <a:ext uri="{FF2B5EF4-FFF2-40B4-BE49-F238E27FC236}">
+                <a16:creationId xmlns:a16="http://schemas.microsoft.com/office/drawing/2014/main" id="{DAA3C0DF-0B61-482F-8A8E-64DF270080B9}"/>
+              </a:ext>
+            </a:extLst>
+          </p:cNvPr>
+          <p:cNvSpPr/>
+          <p:nvPr/>
+        </p:nvSpPr>
+        <p:spPr>
+          <a:xfrm>
+            <a:off x="6301579" y="4549956"/>
+            <a:ext cx="1514475" cy="762000"/>
+          </a:xfrm>
+          <a:prstGeom prst="rect">
+            <a:avLst/>
+          </a:prstGeom>
+        </p:spPr>
+        <p:style>
+          <a:lnRef idx="2">
+            <a:schemeClr val="accent4">
+              <a:shade val="50000"/>
+            </a:schemeClr>
+          </a:lnRef>
+          <a:fillRef idx="1">
+            <a:schemeClr val="accent4"/>
+          </a:fillRef>
+          <a:effectRef idx="0">
+            <a:schemeClr val="accent4"/>
+          </a:effectRef>
+          <a:fontRef idx="minor">
+            <a:schemeClr val="lt1"/>
+          </a:fontRef>
+        </p:style>
+        <p:txBody>
+          <a:bodyPr rtlCol="0" anchor="ctr"/>
+          <a:lstStyle/>
+          <a:p>
+            <a:pPr algn="ctr"/>
+            <a:r>
+              <a:rPr lang="en-US" dirty="0"/>
+              <a:t>User Service</a:t>
+            </a:r>
+          </a:p>
+        </p:txBody>
+      </p:sp>
+      <p:sp>
+        <p:nvSpPr>
+          <p:cNvPr id="12" name="Arrow: Right 11">
+            <a:extLst>
+              <a:ext uri="{FF2B5EF4-FFF2-40B4-BE49-F238E27FC236}">
+                <a16:creationId xmlns:a16="http://schemas.microsoft.com/office/drawing/2014/main" id="{5873A626-C99A-48D3-9017-48912E3A78FC}"/>
+              </a:ext>
+            </a:extLst>
+          </p:cNvPr>
+          <p:cNvSpPr/>
+          <p:nvPr/>
+        </p:nvSpPr>
+        <p:spPr>
+          <a:xfrm rot="1082470">
+            <a:off x="4442903" y="4413393"/>
+            <a:ext cx="1677879" cy="426406"/>
+          </a:xfrm>
+          <a:prstGeom prst="rightArrow">
+            <a:avLst/>
+          </a:prstGeom>
+        </p:spPr>
+        <p:style>
+          <a:lnRef idx="2">
+            <a:schemeClr val="accent1">
+              <a:shade val="50000"/>
+            </a:schemeClr>
+          </a:lnRef>
+          <a:fillRef idx="1">
+            <a:schemeClr val="accent1"/>
+          </a:fillRef>
+          <a:effectRef idx="0">
+            <a:schemeClr val="accent1"/>
+          </a:effectRef>
+          <a:fontRef idx="minor">
+            <a:schemeClr val="lt1"/>
+          </a:fontRef>
+        </p:style>
+        <p:txBody>
+          <a:bodyPr rtlCol="0" anchor="ctr"/>
+          <a:lstStyle/>
+          <a:p>
+            <a:pPr algn="ctr"/>
+            <a:endParaRPr lang="en-US"/>
+          </a:p>
+        </p:txBody>
+      </p:sp>
+      <p:sp>
+        <p:nvSpPr>
+          <p:cNvPr id="13" name="Rectangle 12">
+            <a:extLst>
+              <a:ext uri="{FF2B5EF4-FFF2-40B4-BE49-F238E27FC236}">
+                <a16:creationId xmlns:a16="http://schemas.microsoft.com/office/drawing/2014/main" id="{2E6EBF23-39D9-4C98-ACBF-026CF02D572D}"/>
+              </a:ext>
+            </a:extLst>
+          </p:cNvPr>
+          <p:cNvSpPr/>
+          <p:nvPr/>
+        </p:nvSpPr>
+        <p:spPr>
+          <a:xfrm>
+            <a:off x="5813259" y="5438601"/>
+            <a:ext cx="1514475" cy="762000"/>
+          </a:xfrm>
+          <a:prstGeom prst="rect">
+            <a:avLst/>
+          </a:prstGeom>
+        </p:spPr>
+        <p:style>
+          <a:lnRef idx="2">
+            <a:schemeClr val="accent4">
+              <a:shade val="50000"/>
+            </a:schemeClr>
+          </a:lnRef>
+          <a:fillRef idx="1">
+            <a:schemeClr val="accent4"/>
+          </a:fillRef>
+          <a:effectRef idx="0">
+            <a:schemeClr val="accent4"/>
+          </a:effectRef>
+          <a:fontRef idx="minor">
+            <a:schemeClr val="lt1"/>
+          </a:fontRef>
+        </p:style>
+        <p:txBody>
+          <a:bodyPr rtlCol="0" anchor="ctr"/>
+          <a:lstStyle/>
+          <a:p>
+            <a:pPr algn="ctr"/>
+            <a:r>
+              <a:rPr lang="en-US" dirty="0"/>
+              <a:t>User Service</a:t>
+            </a:r>
+          </a:p>
+        </p:txBody>
+      </p:sp>
+      <p:sp>
+        <p:nvSpPr>
+          <p:cNvPr id="14" name="Arrow: Right 13">
+            <a:extLst>
+              <a:ext uri="{FF2B5EF4-FFF2-40B4-BE49-F238E27FC236}">
+                <a16:creationId xmlns:a16="http://schemas.microsoft.com/office/drawing/2014/main" id="{A00C6206-60F1-46B8-B5B9-AE6D4F90FF42}"/>
+              </a:ext>
+            </a:extLst>
+          </p:cNvPr>
+          <p:cNvSpPr/>
+          <p:nvPr/>
+        </p:nvSpPr>
+        <p:spPr>
+          <a:xfrm rot="1922045">
+            <a:off x="3958281" y="4926969"/>
+            <a:ext cx="1677879" cy="426406"/>
+          </a:xfrm>
+          <a:prstGeom prst="rightArrow">
+            <a:avLst/>
+          </a:prstGeom>
+        </p:spPr>
+        <p:style>
+          <a:lnRef idx="2">
+            <a:schemeClr val="accent1">
+              <a:shade val="50000"/>
+            </a:schemeClr>
+          </a:lnRef>
+          <a:fillRef idx="1">
+            <a:schemeClr val="accent1"/>
+          </a:fillRef>
+          <a:effectRef idx="0">
+            <a:schemeClr val="accent1"/>
+          </a:effectRef>
+          <a:fontRef idx="minor">
+            <a:schemeClr val="lt1"/>
+          </a:fontRef>
+        </p:style>
+        <p:txBody>
+          <a:bodyPr rtlCol="0" anchor="ctr"/>
+          <a:lstStyle/>
+          <a:p>
+            <a:pPr algn="ctr"/>
+            <a:endParaRPr lang="en-US"/>
+          </a:p>
+        </p:txBody>
+      </p:sp>
+    </p:spTree>
+    <p:extLst>
+      <p:ext uri="{BB962C8B-B14F-4D97-AF65-F5344CB8AC3E}">
+        <p14:creationId xmlns:p14="http://schemas.microsoft.com/office/powerpoint/2010/main" val="1561503189"/>
       </p:ext>
     </p:extLst>
   </p:cSld>
@@ -3458,7 +6711,7 @@
         </p:blipFill>
         <p:spPr bwMode="auto">
           <a:xfrm>
-            <a:off x="1101119" y="330200"/>
+            <a:off x="703930" y="241424"/>
             <a:ext cx="10784139" cy="6091238"/>
           </a:xfrm>
           <a:prstGeom prst="rect">
@@ -3480,6 +6733,1459 @@
     <p:extLst>
       <p:ext uri="{BB962C8B-B14F-4D97-AF65-F5344CB8AC3E}">
         <p14:creationId xmlns:p14="http://schemas.microsoft.com/office/powerpoint/2010/main" val="511768904"/>
+      </p:ext>
+    </p:extLst>
+  </p:cSld>
+  <p:clrMapOvr>
+    <a:masterClrMapping/>
+  </p:clrMapOvr>
+</p:sld>
+</file>
+
+<file path=ppt/slides/slide3.xml><?xml version="1.0" encoding="utf-8"?>
+<p:sld xmlns:a="http://schemas.openxmlformats.org/drawingml/2006/main" xmlns:r="http://schemas.openxmlformats.org/officeDocument/2006/relationships" xmlns:p="http://schemas.openxmlformats.org/presentationml/2006/main">
+  <p:cSld>
+    <p:spTree>
+      <p:nvGrpSpPr>
+        <p:cNvPr id="1" name=""/>
+        <p:cNvGrpSpPr/>
+        <p:nvPr/>
+      </p:nvGrpSpPr>
+      <p:grpSpPr>
+        <a:xfrm>
+          <a:off x="0" y="0"/>
+          <a:ext cx="0" cy="0"/>
+          <a:chOff x="0" y="0"/>
+          <a:chExt cx="0" cy="0"/>
+        </a:xfrm>
+      </p:grpSpPr>
+      <p:sp>
+        <p:nvSpPr>
+          <p:cNvPr id="2" name="Title 1">
+            <a:extLst>
+              <a:ext uri="{FF2B5EF4-FFF2-40B4-BE49-F238E27FC236}">
+                <a16:creationId xmlns:a16="http://schemas.microsoft.com/office/drawing/2014/main" id="{92167FB1-123A-4CE2-883E-8E37B5A5E295}"/>
+              </a:ext>
+            </a:extLst>
+          </p:cNvPr>
+          <p:cNvSpPr>
+            <a:spLocks noGrp="1"/>
+          </p:cNvSpPr>
+          <p:nvPr>
+            <p:ph type="title"/>
+          </p:nvPr>
+        </p:nvSpPr>
+        <p:spPr/>
+        <p:txBody>
+          <a:bodyPr/>
+          <a:lstStyle/>
+          <a:p>
+            <a:r>
+              <a:rPr lang="en-US" dirty="0"/>
+              <a:t>Richardson Maturity Model</a:t>
+            </a:r>
+          </a:p>
+        </p:txBody>
+      </p:sp>
+      <p:pic>
+        <p:nvPicPr>
+          <p:cNvPr id="1026" name="Picture 2" descr="What is the Richardson Maturity Model? | Nordic APIs">
+            <a:extLst>
+              <a:ext uri="{FF2B5EF4-FFF2-40B4-BE49-F238E27FC236}">
+                <a16:creationId xmlns:a16="http://schemas.microsoft.com/office/drawing/2014/main" id="{C7717581-54F7-4BDD-B9A2-9799C9E5686E}"/>
+              </a:ext>
+            </a:extLst>
+          </p:cNvPr>
+          <p:cNvPicPr>
+            <a:picLocks noChangeAspect="1" noChangeArrowheads="1"/>
+          </p:cNvPicPr>
+          <p:nvPr/>
+        </p:nvPicPr>
+        <p:blipFill>
+          <a:blip r:embed="rId2">
+            <a:extLst>
+              <a:ext uri="{28A0092B-C50C-407E-A947-70E740481C1C}">
+                <a14:useLocalDpi xmlns:a14="http://schemas.microsoft.com/office/drawing/2010/main" val="0"/>
+              </a:ext>
+            </a:extLst>
+          </a:blip>
+          <a:srcRect/>
+          <a:stretch>
+            <a:fillRect/>
+          </a:stretch>
+        </p:blipFill>
+        <p:spPr bwMode="auto">
+          <a:xfrm>
+            <a:off x="511175" y="0"/>
+            <a:ext cx="11169650" cy="6858000"/>
+          </a:xfrm>
+          <a:prstGeom prst="rect">
+            <a:avLst/>
+          </a:prstGeom>
+          <a:noFill/>
+          <a:extLst>
+            <a:ext uri="{909E8E84-426E-40DD-AFC4-6F175D3DCCD1}">
+              <a14:hiddenFill xmlns:a14="http://schemas.microsoft.com/office/drawing/2010/main">
+                <a:solidFill>
+                  <a:srgbClr val="FFFFFF"/>
+                </a:solidFill>
+              </a14:hiddenFill>
+            </a:ext>
+          </a:extLst>
+        </p:spPr>
+      </p:pic>
+    </p:spTree>
+    <p:extLst>
+      <p:ext uri="{BB962C8B-B14F-4D97-AF65-F5344CB8AC3E}">
+        <p14:creationId xmlns:p14="http://schemas.microsoft.com/office/powerpoint/2010/main" val="872626313"/>
+      </p:ext>
+    </p:extLst>
+  </p:cSld>
+  <p:clrMapOvr>
+    <a:masterClrMapping/>
+  </p:clrMapOvr>
+</p:sld>
+</file>
+
+<file path=ppt/slides/slide4.xml><?xml version="1.0" encoding="utf-8"?>
+<p:sld xmlns:a="http://schemas.openxmlformats.org/drawingml/2006/main" xmlns:r="http://schemas.openxmlformats.org/officeDocument/2006/relationships" xmlns:p="http://schemas.openxmlformats.org/presentationml/2006/main">
+  <p:cSld>
+    <p:spTree>
+      <p:nvGrpSpPr>
+        <p:cNvPr id="1" name=""/>
+        <p:cNvGrpSpPr/>
+        <p:nvPr/>
+      </p:nvGrpSpPr>
+      <p:grpSpPr>
+        <a:xfrm>
+          <a:off x="0" y="0"/>
+          <a:ext cx="0" cy="0"/>
+          <a:chOff x="0" y="0"/>
+          <a:chExt cx="0" cy="0"/>
+        </a:xfrm>
+      </p:grpSpPr>
+      <p:sp>
+        <p:nvSpPr>
+          <p:cNvPr id="2" name="Title 1">
+            <a:extLst>
+              <a:ext uri="{FF2B5EF4-FFF2-40B4-BE49-F238E27FC236}">
+                <a16:creationId xmlns:a16="http://schemas.microsoft.com/office/drawing/2014/main" id="{94AE7AEF-473B-43AA-BA61-FD13FB04DE86}"/>
+              </a:ext>
+            </a:extLst>
+          </p:cNvPr>
+          <p:cNvSpPr>
+            <a:spLocks noGrp="1"/>
+          </p:cNvSpPr>
+          <p:nvPr>
+            <p:ph type="title"/>
+          </p:nvPr>
+        </p:nvSpPr>
+        <p:spPr/>
+        <p:txBody>
+          <a:bodyPr/>
+          <a:lstStyle/>
+          <a:p>
+            <a:r>
+              <a:rPr lang="en-US" dirty="0"/>
+              <a:t>SOA</a:t>
+            </a:r>
+          </a:p>
+        </p:txBody>
+      </p:sp>
+      <p:sp>
+        <p:nvSpPr>
+          <p:cNvPr id="3" name="Content Placeholder 2">
+            <a:extLst>
+              <a:ext uri="{FF2B5EF4-FFF2-40B4-BE49-F238E27FC236}">
+                <a16:creationId xmlns:a16="http://schemas.microsoft.com/office/drawing/2014/main" id="{2EDDB6A4-621B-4CE2-B5CA-255399BB1652}"/>
+              </a:ext>
+            </a:extLst>
+          </p:cNvPr>
+          <p:cNvSpPr>
+            <a:spLocks noGrp="1"/>
+          </p:cNvSpPr>
+          <p:nvPr>
+            <p:ph idx="1"/>
+          </p:nvPr>
+        </p:nvSpPr>
+        <p:spPr/>
+        <p:txBody>
+          <a:bodyPr/>
+          <a:lstStyle/>
+          <a:p>
+            <a:r>
+              <a:rPr lang="en-US" dirty="0"/>
+              <a:t>Compared with MSA as an alternative to monolithic</a:t>
+            </a:r>
+          </a:p>
+          <a:p>
+            <a:r>
+              <a:rPr lang="en-US" dirty="0"/>
+              <a:t>Separate into components</a:t>
+            </a:r>
+          </a:p>
+          <a:p>
+            <a:r>
+              <a:rPr lang="en-US" dirty="0"/>
+              <a:t>MSA is within an individual project</a:t>
+            </a:r>
+          </a:p>
+          <a:p>
+            <a:r>
+              <a:rPr lang="en-US" dirty="0"/>
+              <a:t>SOA is across projects</a:t>
+            </a:r>
+          </a:p>
+          <a:p>
+            <a:r>
+              <a:rPr lang="en-US" dirty="0"/>
+              <a:t>Core appeal is reuse</a:t>
+            </a:r>
+          </a:p>
+          <a:p>
+            <a:r>
+              <a:rPr lang="en-US" dirty="0"/>
+              <a:t>Abstraction of “services” into reusable parts that can be consumed by several consumers</a:t>
+            </a:r>
+          </a:p>
+        </p:txBody>
+      </p:sp>
+    </p:spTree>
+    <p:extLst>
+      <p:ext uri="{BB962C8B-B14F-4D97-AF65-F5344CB8AC3E}">
+        <p14:creationId xmlns:p14="http://schemas.microsoft.com/office/powerpoint/2010/main" val="1318250965"/>
+      </p:ext>
+    </p:extLst>
+  </p:cSld>
+  <p:clrMapOvr>
+    <a:masterClrMapping/>
+  </p:clrMapOvr>
+</p:sld>
+</file>
+
+<file path=ppt/slides/slide5.xml><?xml version="1.0" encoding="utf-8"?>
+<p:sld xmlns:a="http://schemas.openxmlformats.org/drawingml/2006/main" xmlns:r="http://schemas.openxmlformats.org/officeDocument/2006/relationships" xmlns:p="http://schemas.openxmlformats.org/presentationml/2006/main">
+  <p:cSld>
+    <p:spTree>
+      <p:nvGrpSpPr>
+        <p:cNvPr id="1" name=""/>
+        <p:cNvGrpSpPr/>
+        <p:nvPr/>
+      </p:nvGrpSpPr>
+      <p:grpSpPr>
+        <a:xfrm>
+          <a:off x="0" y="0"/>
+          <a:ext cx="0" cy="0"/>
+          <a:chOff x="0" y="0"/>
+          <a:chExt cx="0" cy="0"/>
+        </a:xfrm>
+      </p:grpSpPr>
+      <p:sp>
+        <p:nvSpPr>
+          <p:cNvPr id="2" name="Title 1">
+            <a:extLst>
+              <a:ext uri="{FF2B5EF4-FFF2-40B4-BE49-F238E27FC236}">
+                <a16:creationId xmlns:a16="http://schemas.microsoft.com/office/drawing/2014/main" id="{F27E64F6-E5F1-4532-8B16-6CC9E4BEF8B3}"/>
+              </a:ext>
+            </a:extLst>
+          </p:cNvPr>
+          <p:cNvSpPr>
+            <a:spLocks noGrp="1"/>
+          </p:cNvSpPr>
+          <p:nvPr>
+            <p:ph type="title"/>
+          </p:nvPr>
+        </p:nvSpPr>
+        <p:spPr/>
+        <p:txBody>
+          <a:bodyPr/>
+          <a:lstStyle/>
+          <a:p>
+            <a:r>
+              <a:rPr lang="en-US" dirty="0"/>
+              <a:t>SOA Continued</a:t>
+            </a:r>
+          </a:p>
+        </p:txBody>
+      </p:sp>
+      <p:sp>
+        <p:nvSpPr>
+          <p:cNvPr id="4" name="Oval 3">
+            <a:extLst>
+              <a:ext uri="{FF2B5EF4-FFF2-40B4-BE49-F238E27FC236}">
+                <a16:creationId xmlns:a16="http://schemas.microsoft.com/office/drawing/2014/main" id="{D35A8591-EE54-475E-AB77-53FA8D362DF4}"/>
+              </a:ext>
+            </a:extLst>
+          </p:cNvPr>
+          <p:cNvSpPr/>
+          <p:nvPr/>
+        </p:nvSpPr>
+        <p:spPr>
+          <a:xfrm>
+            <a:off x="5969307" y="3266983"/>
+            <a:ext cx="2024108" cy="1571348"/>
+          </a:xfrm>
+          <a:prstGeom prst="ellipse">
+            <a:avLst/>
+          </a:prstGeom>
+        </p:spPr>
+        <p:style>
+          <a:lnRef idx="2">
+            <a:schemeClr val="accent1">
+              <a:shade val="50000"/>
+            </a:schemeClr>
+          </a:lnRef>
+          <a:fillRef idx="1">
+            <a:schemeClr val="accent1"/>
+          </a:fillRef>
+          <a:effectRef idx="0">
+            <a:schemeClr val="accent1"/>
+          </a:effectRef>
+          <a:fontRef idx="minor">
+            <a:schemeClr val="lt1"/>
+          </a:fontRef>
+        </p:style>
+        <p:txBody>
+          <a:bodyPr rtlCol="0" anchor="ctr"/>
+          <a:lstStyle/>
+          <a:p>
+            <a:pPr algn="ctr"/>
+            <a:r>
+              <a:rPr lang="en-US" dirty="0"/>
+              <a:t>Transaction Service</a:t>
+            </a:r>
+          </a:p>
+        </p:txBody>
+      </p:sp>
+      <p:sp>
+        <p:nvSpPr>
+          <p:cNvPr id="5" name="Oval 4">
+            <a:extLst>
+              <a:ext uri="{FF2B5EF4-FFF2-40B4-BE49-F238E27FC236}">
+                <a16:creationId xmlns:a16="http://schemas.microsoft.com/office/drawing/2014/main" id="{48D62689-CF2A-4313-8028-668BBD071CF2}"/>
+              </a:ext>
+            </a:extLst>
+          </p:cNvPr>
+          <p:cNvSpPr/>
+          <p:nvPr/>
+        </p:nvSpPr>
+        <p:spPr>
+          <a:xfrm>
+            <a:off x="3945199" y="1581704"/>
+            <a:ext cx="2024108" cy="1571348"/>
+          </a:xfrm>
+          <a:prstGeom prst="ellipse">
+            <a:avLst/>
+          </a:prstGeom>
+        </p:spPr>
+        <p:style>
+          <a:lnRef idx="2">
+            <a:schemeClr val="accent4">
+              <a:shade val="50000"/>
+            </a:schemeClr>
+          </a:lnRef>
+          <a:fillRef idx="1">
+            <a:schemeClr val="accent4"/>
+          </a:fillRef>
+          <a:effectRef idx="0">
+            <a:schemeClr val="accent4"/>
+          </a:effectRef>
+          <a:fontRef idx="minor">
+            <a:schemeClr val="lt1"/>
+          </a:fontRef>
+        </p:style>
+        <p:txBody>
+          <a:bodyPr rtlCol="0" anchor="ctr"/>
+          <a:lstStyle/>
+          <a:p>
+            <a:pPr algn="ctr"/>
+            <a:r>
+              <a:rPr lang="en-US" dirty="0"/>
+              <a:t>Web UI</a:t>
+            </a:r>
+          </a:p>
+        </p:txBody>
+      </p:sp>
+      <p:sp>
+        <p:nvSpPr>
+          <p:cNvPr id="6" name="Oval 5">
+            <a:extLst>
+              <a:ext uri="{FF2B5EF4-FFF2-40B4-BE49-F238E27FC236}">
+                <a16:creationId xmlns:a16="http://schemas.microsoft.com/office/drawing/2014/main" id="{379DDD57-B6FB-489A-9B36-A0823D3C7088}"/>
+              </a:ext>
+            </a:extLst>
+          </p:cNvPr>
+          <p:cNvSpPr/>
+          <p:nvPr/>
+        </p:nvSpPr>
+        <p:spPr>
+          <a:xfrm>
+            <a:off x="7652921" y="1581704"/>
+            <a:ext cx="2024108" cy="1571348"/>
+          </a:xfrm>
+          <a:prstGeom prst="ellipse">
+            <a:avLst/>
+          </a:prstGeom>
+        </p:spPr>
+        <p:style>
+          <a:lnRef idx="2">
+            <a:schemeClr val="accent4">
+              <a:shade val="50000"/>
+            </a:schemeClr>
+          </a:lnRef>
+          <a:fillRef idx="1">
+            <a:schemeClr val="accent4"/>
+          </a:fillRef>
+          <a:effectRef idx="0">
+            <a:schemeClr val="accent4"/>
+          </a:effectRef>
+          <a:fontRef idx="minor">
+            <a:schemeClr val="lt1"/>
+          </a:fontRef>
+        </p:style>
+        <p:txBody>
+          <a:bodyPr rtlCol="0" anchor="ctr"/>
+          <a:lstStyle/>
+          <a:p>
+            <a:pPr algn="ctr"/>
+            <a:r>
+              <a:rPr lang="en-US" dirty="0"/>
+              <a:t>Mobile UI</a:t>
+            </a:r>
+          </a:p>
+        </p:txBody>
+      </p:sp>
+      <p:cxnSp>
+        <p:nvCxnSpPr>
+          <p:cNvPr id="8" name="Straight Arrow Connector 7">
+            <a:extLst>
+              <a:ext uri="{FF2B5EF4-FFF2-40B4-BE49-F238E27FC236}">
+                <a16:creationId xmlns:a16="http://schemas.microsoft.com/office/drawing/2014/main" id="{13C6A7BC-DCCA-48F6-B44B-3D0D366C17CF}"/>
+              </a:ext>
+            </a:extLst>
+          </p:cNvPr>
+          <p:cNvCxnSpPr>
+            <a:stCxn id="5" idx="5"/>
+            <a:endCxn id="4" idx="0"/>
+          </p:cNvCxnSpPr>
+          <p:nvPr/>
+        </p:nvCxnSpPr>
+        <p:spPr>
+          <a:xfrm>
+            <a:off x="5672883" y="2922933"/>
+            <a:ext cx="1308478" cy="344050"/>
+          </a:xfrm>
+          <a:prstGeom prst="straightConnector1">
+            <a:avLst/>
+          </a:prstGeom>
+          <a:ln>
+            <a:tailEnd type="triangle"/>
+          </a:ln>
+        </p:spPr>
+        <p:style>
+          <a:lnRef idx="1">
+            <a:schemeClr val="accent1"/>
+          </a:lnRef>
+          <a:fillRef idx="0">
+            <a:schemeClr val="accent1"/>
+          </a:fillRef>
+          <a:effectRef idx="0">
+            <a:schemeClr val="accent1"/>
+          </a:effectRef>
+          <a:fontRef idx="minor">
+            <a:schemeClr val="tx1"/>
+          </a:fontRef>
+        </p:style>
+      </p:cxnSp>
+      <p:cxnSp>
+        <p:nvCxnSpPr>
+          <p:cNvPr id="10" name="Straight Arrow Connector 9">
+            <a:extLst>
+              <a:ext uri="{FF2B5EF4-FFF2-40B4-BE49-F238E27FC236}">
+                <a16:creationId xmlns:a16="http://schemas.microsoft.com/office/drawing/2014/main" id="{39890255-627A-4626-B83A-D17882C9AF03}"/>
+              </a:ext>
+            </a:extLst>
+          </p:cNvPr>
+          <p:cNvCxnSpPr>
+            <a:cxnSpLocks/>
+            <a:stCxn id="6" idx="4"/>
+            <a:endCxn id="4" idx="0"/>
+          </p:cNvCxnSpPr>
+          <p:nvPr/>
+        </p:nvCxnSpPr>
+        <p:spPr>
+          <a:xfrm flipH="1">
+            <a:off x="6981361" y="3153052"/>
+            <a:ext cx="1683614" cy="113931"/>
+          </a:xfrm>
+          <a:prstGeom prst="straightConnector1">
+            <a:avLst/>
+          </a:prstGeom>
+          <a:ln>
+            <a:tailEnd type="triangle"/>
+          </a:ln>
+        </p:spPr>
+        <p:style>
+          <a:lnRef idx="1">
+            <a:schemeClr val="accent1"/>
+          </a:lnRef>
+          <a:fillRef idx="0">
+            <a:schemeClr val="accent1"/>
+          </a:fillRef>
+          <a:effectRef idx="0">
+            <a:schemeClr val="accent1"/>
+          </a:effectRef>
+          <a:fontRef idx="minor">
+            <a:schemeClr val="tx1"/>
+          </a:fontRef>
+        </p:style>
+      </p:cxnSp>
+    </p:spTree>
+    <p:extLst>
+      <p:ext uri="{BB962C8B-B14F-4D97-AF65-F5344CB8AC3E}">
+        <p14:creationId xmlns:p14="http://schemas.microsoft.com/office/powerpoint/2010/main" val="4268975474"/>
+      </p:ext>
+    </p:extLst>
+  </p:cSld>
+  <p:clrMapOvr>
+    <a:masterClrMapping/>
+  </p:clrMapOvr>
+</p:sld>
+</file>
+
+<file path=ppt/slides/slide6.xml><?xml version="1.0" encoding="utf-8"?>
+<p:sld xmlns:a="http://schemas.openxmlformats.org/drawingml/2006/main" xmlns:r="http://schemas.openxmlformats.org/officeDocument/2006/relationships" xmlns:p="http://schemas.openxmlformats.org/presentationml/2006/main">
+  <p:cSld>
+    <p:spTree>
+      <p:nvGrpSpPr>
+        <p:cNvPr id="1" name=""/>
+        <p:cNvGrpSpPr/>
+        <p:nvPr/>
+      </p:nvGrpSpPr>
+      <p:grpSpPr>
+        <a:xfrm>
+          <a:off x="0" y="0"/>
+          <a:ext cx="0" cy="0"/>
+          <a:chOff x="0" y="0"/>
+          <a:chExt cx="0" cy="0"/>
+        </a:xfrm>
+      </p:grpSpPr>
+      <p:sp>
+        <p:nvSpPr>
+          <p:cNvPr id="2" name="Title 1">
+            <a:extLst>
+              <a:ext uri="{FF2B5EF4-FFF2-40B4-BE49-F238E27FC236}">
+                <a16:creationId xmlns:a16="http://schemas.microsoft.com/office/drawing/2014/main" id="{6AC0CD9B-8E8F-42E9-8E95-9F45BBA8BB95}"/>
+              </a:ext>
+            </a:extLst>
+          </p:cNvPr>
+          <p:cNvSpPr>
+            <a:spLocks noGrp="1"/>
+          </p:cNvSpPr>
+          <p:nvPr>
+            <p:ph type="title"/>
+          </p:nvPr>
+        </p:nvSpPr>
+        <p:spPr/>
+        <p:txBody>
+          <a:bodyPr/>
+          <a:lstStyle/>
+          <a:p>
+            <a:r>
+              <a:rPr lang="en-US" dirty="0"/>
+              <a:t>SOA more…</a:t>
+            </a:r>
+          </a:p>
+        </p:txBody>
+      </p:sp>
+      <p:sp>
+        <p:nvSpPr>
+          <p:cNvPr id="4" name="Oval 3">
+            <a:extLst>
+              <a:ext uri="{FF2B5EF4-FFF2-40B4-BE49-F238E27FC236}">
+                <a16:creationId xmlns:a16="http://schemas.microsoft.com/office/drawing/2014/main" id="{D0A4DC3F-D6F2-49F9-8727-2654A44838F6}"/>
+              </a:ext>
+            </a:extLst>
+          </p:cNvPr>
+          <p:cNvSpPr/>
+          <p:nvPr/>
+        </p:nvSpPr>
+        <p:spPr>
+          <a:xfrm>
+            <a:off x="4394446" y="3799643"/>
+            <a:ext cx="2423604" cy="2077375"/>
+          </a:xfrm>
+          <a:prstGeom prst="ellipse">
+            <a:avLst/>
+          </a:prstGeom>
+        </p:spPr>
+        <p:style>
+          <a:lnRef idx="2">
+            <a:schemeClr val="accent1">
+              <a:shade val="50000"/>
+            </a:schemeClr>
+          </a:lnRef>
+          <a:fillRef idx="1">
+            <a:schemeClr val="accent1"/>
+          </a:fillRef>
+          <a:effectRef idx="0">
+            <a:schemeClr val="accent1"/>
+          </a:effectRef>
+          <a:fontRef idx="minor">
+            <a:schemeClr val="lt1"/>
+          </a:fontRef>
+        </p:style>
+        <p:txBody>
+          <a:bodyPr rtlCol="0" anchor="ctr"/>
+          <a:lstStyle/>
+          <a:p>
+            <a:pPr algn="ctr"/>
+            <a:r>
+              <a:rPr lang="en-US" dirty="0"/>
+              <a:t>Spring App</a:t>
+            </a:r>
+          </a:p>
+          <a:p>
+            <a:pPr algn="ctr"/>
+            <a:r>
+              <a:rPr lang="en-US" dirty="0"/>
+              <a:t>(API for managing pirates)</a:t>
+            </a:r>
+          </a:p>
+        </p:txBody>
+      </p:sp>
+      <p:sp>
+        <p:nvSpPr>
+          <p:cNvPr id="5" name="Oval 4">
+            <a:extLst>
+              <a:ext uri="{FF2B5EF4-FFF2-40B4-BE49-F238E27FC236}">
+                <a16:creationId xmlns:a16="http://schemas.microsoft.com/office/drawing/2014/main" id="{54DD23FD-BEF4-433B-8874-D6CD69ECAECD}"/>
+              </a:ext>
+            </a:extLst>
+          </p:cNvPr>
+          <p:cNvSpPr/>
+          <p:nvPr/>
+        </p:nvSpPr>
+        <p:spPr>
+          <a:xfrm>
+            <a:off x="2555659" y="1351624"/>
+            <a:ext cx="2423604" cy="2077375"/>
+          </a:xfrm>
+          <a:prstGeom prst="ellipse">
+            <a:avLst/>
+          </a:prstGeom>
+        </p:spPr>
+        <p:style>
+          <a:lnRef idx="2">
+            <a:schemeClr val="accent6">
+              <a:shade val="50000"/>
+            </a:schemeClr>
+          </a:lnRef>
+          <a:fillRef idx="1">
+            <a:schemeClr val="accent6"/>
+          </a:fillRef>
+          <a:effectRef idx="0">
+            <a:schemeClr val="accent6"/>
+          </a:effectRef>
+          <a:fontRef idx="minor">
+            <a:schemeClr val="lt1"/>
+          </a:fontRef>
+        </p:style>
+        <p:txBody>
+          <a:bodyPr rtlCol="0" anchor="ctr"/>
+          <a:lstStyle/>
+          <a:p>
+            <a:pPr algn="ctr"/>
+            <a:r>
+              <a:rPr lang="en-US" dirty="0"/>
+              <a:t>Old Angular</a:t>
+            </a:r>
+          </a:p>
+        </p:txBody>
+      </p:sp>
+      <p:sp>
+        <p:nvSpPr>
+          <p:cNvPr id="6" name="Oval 5">
+            <a:extLst>
+              <a:ext uri="{FF2B5EF4-FFF2-40B4-BE49-F238E27FC236}">
+                <a16:creationId xmlns:a16="http://schemas.microsoft.com/office/drawing/2014/main" id="{3F76D9C8-02F8-4C85-9174-60BC56043264}"/>
+              </a:ext>
+            </a:extLst>
+          </p:cNvPr>
+          <p:cNvSpPr/>
+          <p:nvPr/>
+        </p:nvSpPr>
+        <p:spPr>
+          <a:xfrm>
+            <a:off x="6457025" y="1351623"/>
+            <a:ext cx="2423604" cy="2077375"/>
+          </a:xfrm>
+          <a:prstGeom prst="ellipse">
+            <a:avLst/>
+          </a:prstGeom>
+        </p:spPr>
+        <p:style>
+          <a:lnRef idx="2">
+            <a:schemeClr val="accent6">
+              <a:shade val="50000"/>
+            </a:schemeClr>
+          </a:lnRef>
+          <a:fillRef idx="1">
+            <a:schemeClr val="accent6"/>
+          </a:fillRef>
+          <a:effectRef idx="0">
+            <a:schemeClr val="accent6"/>
+          </a:effectRef>
+          <a:fontRef idx="minor">
+            <a:schemeClr val="lt1"/>
+          </a:fontRef>
+        </p:style>
+        <p:txBody>
+          <a:bodyPr rtlCol="0" anchor="ctr"/>
+          <a:lstStyle/>
+          <a:p>
+            <a:pPr algn="ctr"/>
+            <a:r>
+              <a:rPr lang="en-US" dirty="0"/>
+              <a:t>New React</a:t>
+            </a:r>
+          </a:p>
+        </p:txBody>
+      </p:sp>
+    </p:spTree>
+    <p:extLst>
+      <p:ext uri="{BB962C8B-B14F-4D97-AF65-F5344CB8AC3E}">
+        <p14:creationId xmlns:p14="http://schemas.microsoft.com/office/powerpoint/2010/main" val="4059932857"/>
+      </p:ext>
+    </p:extLst>
+  </p:cSld>
+  <p:clrMapOvr>
+    <a:masterClrMapping/>
+  </p:clrMapOvr>
+</p:sld>
+</file>
+
+<file path=ppt/slides/slide7.xml><?xml version="1.0" encoding="utf-8"?>
+<p:sld xmlns:a="http://schemas.openxmlformats.org/drawingml/2006/main" xmlns:r="http://schemas.openxmlformats.org/officeDocument/2006/relationships" xmlns:p="http://schemas.openxmlformats.org/presentationml/2006/main">
+  <p:cSld>
+    <p:spTree>
+      <p:nvGrpSpPr>
+        <p:cNvPr id="1" name=""/>
+        <p:cNvGrpSpPr/>
+        <p:nvPr/>
+      </p:nvGrpSpPr>
+      <p:grpSpPr>
+        <a:xfrm>
+          <a:off x="0" y="0"/>
+          <a:ext cx="0" cy="0"/>
+          <a:chOff x="0" y="0"/>
+          <a:chExt cx="0" cy="0"/>
+        </a:xfrm>
+      </p:grpSpPr>
+      <p:sp>
+        <p:nvSpPr>
+          <p:cNvPr id="2" name="Title 1">
+            <a:extLst>
+              <a:ext uri="{FF2B5EF4-FFF2-40B4-BE49-F238E27FC236}">
+                <a16:creationId xmlns:a16="http://schemas.microsoft.com/office/drawing/2014/main" id="{4595837A-7980-4C2B-B068-4AAF71213DBB}"/>
+              </a:ext>
+            </a:extLst>
+          </p:cNvPr>
+          <p:cNvSpPr>
+            <a:spLocks noGrp="1"/>
+          </p:cNvSpPr>
+          <p:nvPr>
+            <p:ph type="title"/>
+          </p:nvPr>
+        </p:nvSpPr>
+        <p:spPr/>
+        <p:txBody>
+          <a:bodyPr/>
+          <a:lstStyle/>
+          <a:p>
+            <a:r>
+              <a:rPr lang="en-US" dirty="0"/>
+              <a:t>Monolithic architectures</a:t>
+            </a:r>
+          </a:p>
+        </p:txBody>
+      </p:sp>
+      <p:sp>
+        <p:nvSpPr>
+          <p:cNvPr id="3" name="Content Placeholder 2">
+            <a:extLst>
+              <a:ext uri="{FF2B5EF4-FFF2-40B4-BE49-F238E27FC236}">
+                <a16:creationId xmlns:a16="http://schemas.microsoft.com/office/drawing/2014/main" id="{236C8108-A797-4215-9010-B461268DA78A}"/>
+              </a:ext>
+            </a:extLst>
+          </p:cNvPr>
+          <p:cNvSpPr>
+            <a:spLocks noGrp="1"/>
+          </p:cNvSpPr>
+          <p:nvPr>
+            <p:ph idx="1"/>
+          </p:nvPr>
+        </p:nvSpPr>
+        <p:spPr/>
+        <p:txBody>
+          <a:bodyPr/>
+          <a:lstStyle/>
+          <a:p>
+            <a:r>
+              <a:rPr lang="en-US" dirty="0"/>
+              <a:t>Tight coupling</a:t>
+            </a:r>
+          </a:p>
+          <a:p>
+            <a:r>
+              <a:rPr lang="en-US" dirty="0"/>
+              <a:t>Self-reliant</a:t>
+            </a:r>
+          </a:p>
+          <a:p>
+            <a:r>
+              <a:rPr lang="en-US" dirty="0"/>
+              <a:t>Handling all of the services in one place</a:t>
+            </a:r>
+          </a:p>
+          <a:p>
+            <a:r>
+              <a:rPr lang="en-US" dirty="0"/>
+              <a:t>If one breaks, the whole thing is broken</a:t>
+            </a:r>
+          </a:p>
+          <a:p>
+            <a:r>
+              <a:rPr lang="en-US" dirty="0"/>
+              <a:t>More difficult to maintain for large apps</a:t>
+            </a:r>
+          </a:p>
+          <a:p>
+            <a:r>
+              <a:rPr lang="en-US" dirty="0"/>
+              <a:t>Starts off easy when small</a:t>
+            </a:r>
+          </a:p>
+          <a:p>
+            <a:r>
+              <a:rPr lang="en-US" dirty="0"/>
+              <a:t>Slow, unscalable, unreliable, </a:t>
+            </a:r>
+            <a:r>
+              <a:rPr lang="en-US" dirty="0" err="1"/>
+              <a:t>unflexible</a:t>
+            </a:r>
+            <a:endParaRPr lang="en-US" dirty="0"/>
+          </a:p>
+          <a:p>
+            <a:r>
+              <a:rPr lang="en-US" dirty="0"/>
+              <a:t>Hard to test and upgrade</a:t>
+            </a:r>
+          </a:p>
+        </p:txBody>
+      </p:sp>
+    </p:spTree>
+    <p:extLst>
+      <p:ext uri="{BB962C8B-B14F-4D97-AF65-F5344CB8AC3E}">
+        <p14:creationId xmlns:p14="http://schemas.microsoft.com/office/powerpoint/2010/main" val="1317421979"/>
+      </p:ext>
+    </p:extLst>
+  </p:cSld>
+  <p:clrMapOvr>
+    <a:masterClrMapping/>
+  </p:clrMapOvr>
+</p:sld>
+</file>
+
+<file path=ppt/slides/slide8.xml><?xml version="1.0" encoding="utf-8"?>
+<p:sld xmlns:a="http://schemas.openxmlformats.org/drawingml/2006/main" xmlns:r="http://schemas.openxmlformats.org/officeDocument/2006/relationships" xmlns:p="http://schemas.openxmlformats.org/presentationml/2006/main">
+  <p:cSld>
+    <p:spTree>
+      <p:nvGrpSpPr>
+        <p:cNvPr id="1" name=""/>
+        <p:cNvGrpSpPr/>
+        <p:nvPr/>
+      </p:nvGrpSpPr>
+      <p:grpSpPr>
+        <a:xfrm>
+          <a:off x="0" y="0"/>
+          <a:ext cx="0" cy="0"/>
+          <a:chOff x="0" y="0"/>
+          <a:chExt cx="0" cy="0"/>
+        </a:xfrm>
+      </p:grpSpPr>
+      <p:sp>
+        <p:nvSpPr>
+          <p:cNvPr id="2" name="Title 1">
+            <a:extLst>
+              <a:ext uri="{FF2B5EF4-FFF2-40B4-BE49-F238E27FC236}">
+                <a16:creationId xmlns:a16="http://schemas.microsoft.com/office/drawing/2014/main" id="{8E0C5807-7A24-48F0-B409-2FDA4C0571FA}"/>
+              </a:ext>
+            </a:extLst>
+          </p:cNvPr>
+          <p:cNvSpPr>
+            <a:spLocks noGrp="1"/>
+          </p:cNvSpPr>
+          <p:nvPr>
+            <p:ph type="title"/>
+          </p:nvPr>
+        </p:nvSpPr>
+        <p:spPr/>
+        <p:txBody>
+          <a:bodyPr/>
+          <a:lstStyle/>
+          <a:p>
+            <a:r>
+              <a:rPr lang="en-US" dirty="0"/>
+              <a:t>Microservices architecture</a:t>
+            </a:r>
+          </a:p>
+        </p:txBody>
+      </p:sp>
+      <p:sp>
+        <p:nvSpPr>
+          <p:cNvPr id="3" name="Content Placeholder 2">
+            <a:extLst>
+              <a:ext uri="{FF2B5EF4-FFF2-40B4-BE49-F238E27FC236}">
+                <a16:creationId xmlns:a16="http://schemas.microsoft.com/office/drawing/2014/main" id="{9082D7EA-AF72-4FCA-9AE0-31EBAD001FA5}"/>
+              </a:ext>
+            </a:extLst>
+          </p:cNvPr>
+          <p:cNvSpPr>
+            <a:spLocks noGrp="1"/>
+          </p:cNvSpPr>
+          <p:nvPr>
+            <p:ph idx="1"/>
+          </p:nvPr>
+        </p:nvSpPr>
+        <p:spPr/>
+        <p:txBody>
+          <a:bodyPr>
+            <a:normAutofit fontScale="70000" lnSpcReduction="20000"/>
+          </a:bodyPr>
+          <a:lstStyle/>
+          <a:p>
+            <a:r>
+              <a:rPr lang="en-US" dirty="0"/>
+              <a:t>MSA is an approach to discovering a single app as a suite of smaller services and each of the small services are running on its own process and communicate with various mechanisms</a:t>
+            </a:r>
+          </a:p>
+          <a:p>
+            <a:r>
+              <a:rPr lang="en-US" dirty="0"/>
+              <a:t>Easier to maintain</a:t>
+            </a:r>
+          </a:p>
+          <a:p>
+            <a:r>
+              <a:rPr lang="en-US" dirty="0"/>
+              <a:t>Fault tolerance (resistance to failure)</a:t>
+            </a:r>
+          </a:p>
+          <a:p>
+            <a:r>
+              <a:rPr lang="en-US" dirty="0"/>
+              <a:t>Loose coupling</a:t>
+            </a:r>
+          </a:p>
+          <a:p>
+            <a:r>
+              <a:rPr lang="en-US" dirty="0"/>
+              <a:t>Can be independently deployed</a:t>
+            </a:r>
+          </a:p>
+          <a:p>
+            <a:r>
+              <a:rPr lang="en-US" dirty="0"/>
+              <a:t>Organized around business processes (service for payments, service for inventory, etc.)</a:t>
+            </a:r>
+          </a:p>
+          <a:p>
+            <a:r>
+              <a:rPr lang="en-US" dirty="0"/>
+              <a:t>Large complex apps</a:t>
+            </a:r>
+          </a:p>
+          <a:p>
+            <a:r>
+              <a:rPr lang="en-US" dirty="0"/>
+              <a:t>Modularity, easy to read develop and test, scalability, good for </a:t>
+            </a:r>
+            <a:r>
+              <a:rPr lang="en-US" dirty="0" err="1"/>
+              <a:t>devops</a:t>
+            </a:r>
+            <a:endParaRPr lang="en-US" dirty="0"/>
+          </a:p>
+          <a:p>
+            <a:r>
+              <a:rPr lang="en-US" dirty="0"/>
+              <a:t>Higher chance of failure (at all)</a:t>
+            </a:r>
+          </a:p>
+          <a:p>
+            <a:r>
+              <a:rPr lang="en-US" dirty="0"/>
+              <a:t>Harder to test more complex interactions between components</a:t>
+            </a:r>
+          </a:p>
+          <a:p>
+            <a:r>
+              <a:rPr lang="en-US" dirty="0"/>
+              <a:t>Potentially higher latency, separation</a:t>
+            </a:r>
+          </a:p>
+        </p:txBody>
+      </p:sp>
+    </p:spTree>
+    <p:extLst>
+      <p:ext uri="{BB962C8B-B14F-4D97-AF65-F5344CB8AC3E}">
+        <p14:creationId xmlns:p14="http://schemas.microsoft.com/office/powerpoint/2010/main" val="338074697"/>
+      </p:ext>
+    </p:extLst>
+  </p:cSld>
+  <p:clrMapOvr>
+    <a:masterClrMapping/>
+  </p:clrMapOvr>
+</p:sld>
+</file>
+
+<file path=ppt/slides/slide9.xml><?xml version="1.0" encoding="utf-8"?>
+<p:sld xmlns:a="http://schemas.openxmlformats.org/drawingml/2006/main" xmlns:r="http://schemas.openxmlformats.org/officeDocument/2006/relationships" xmlns:p="http://schemas.openxmlformats.org/presentationml/2006/main">
+  <p:cSld>
+    <p:spTree>
+      <p:nvGrpSpPr>
+        <p:cNvPr id="1" name=""/>
+        <p:cNvGrpSpPr/>
+        <p:nvPr/>
+      </p:nvGrpSpPr>
+      <p:grpSpPr>
+        <a:xfrm>
+          <a:off x="0" y="0"/>
+          <a:ext cx="0" cy="0"/>
+          <a:chOff x="0" y="0"/>
+          <a:chExt cx="0" cy="0"/>
+        </a:xfrm>
+      </p:grpSpPr>
+      <p:sp>
+        <p:nvSpPr>
+          <p:cNvPr id="2" name="Title 1">
+            <a:extLst>
+              <a:ext uri="{FF2B5EF4-FFF2-40B4-BE49-F238E27FC236}">
+                <a16:creationId xmlns:a16="http://schemas.microsoft.com/office/drawing/2014/main" id="{EA635C68-A9FF-4E60-A9BD-71C59118927A}"/>
+              </a:ext>
+            </a:extLst>
+          </p:cNvPr>
+          <p:cNvSpPr>
+            <a:spLocks noGrp="1"/>
+          </p:cNvSpPr>
+          <p:nvPr>
+            <p:ph type="title"/>
+          </p:nvPr>
+        </p:nvSpPr>
+        <p:spPr/>
+        <p:txBody>
+          <a:bodyPr/>
+          <a:lstStyle/>
+          <a:p>
+            <a:r>
+              <a:rPr lang="en-US" dirty="0"/>
+              <a:t>Monolith vs Microservice</a:t>
+            </a:r>
+          </a:p>
+        </p:txBody>
+      </p:sp>
+      <p:sp>
+        <p:nvSpPr>
+          <p:cNvPr id="3" name="Content Placeholder 2">
+            <a:extLst>
+              <a:ext uri="{FF2B5EF4-FFF2-40B4-BE49-F238E27FC236}">
+                <a16:creationId xmlns:a16="http://schemas.microsoft.com/office/drawing/2014/main" id="{695E62A4-39D4-4261-B912-A91C885E04DF}"/>
+              </a:ext>
+            </a:extLst>
+          </p:cNvPr>
+          <p:cNvSpPr>
+            <a:spLocks noGrp="1"/>
+          </p:cNvSpPr>
+          <p:nvPr>
+            <p:ph idx="1"/>
+          </p:nvPr>
+        </p:nvSpPr>
+        <p:spPr>
+          <a:xfrm>
+            <a:off x="838200" y="1825625"/>
+            <a:ext cx="5257800" cy="4351338"/>
+          </a:xfrm>
+        </p:spPr>
+        <p:txBody>
+          <a:bodyPr/>
+          <a:lstStyle/>
+          <a:p>
+            <a:r>
+              <a:rPr lang="en-US" dirty="0"/>
+              <a:t>Monolith</a:t>
+            </a:r>
+          </a:p>
+          <a:p>
+            <a:pPr lvl="1"/>
+            <a:r>
+              <a:rPr lang="en-US" dirty="0"/>
+              <a:t>Suitable for small apps</a:t>
+            </a:r>
+          </a:p>
+          <a:p>
+            <a:pPr lvl="1"/>
+            <a:r>
+              <a:rPr lang="en-US" dirty="0"/>
+              <a:t>More Simple</a:t>
+            </a:r>
+          </a:p>
+          <a:p>
+            <a:pPr lvl="2"/>
+            <a:r>
+              <a:rPr lang="en-US" dirty="0"/>
+              <a:t>Less Expensive Team</a:t>
+            </a:r>
+          </a:p>
+          <a:p>
+            <a:pPr lvl="1"/>
+            <a:r>
+              <a:rPr lang="en-US" dirty="0"/>
+              <a:t>Must scale everything evenly</a:t>
+            </a:r>
+          </a:p>
+          <a:p>
+            <a:pPr lvl="1"/>
+            <a:r>
+              <a:rPr lang="en-US" dirty="0"/>
+              <a:t>Simple deployments</a:t>
+            </a:r>
+          </a:p>
+          <a:p>
+            <a:pPr lvl="1"/>
+            <a:r>
+              <a:rPr lang="en-US" dirty="0"/>
+              <a:t>$$- Better for smaller apps</a:t>
+            </a:r>
+          </a:p>
+          <a:p>
+            <a:pPr lvl="1"/>
+            <a:r>
+              <a:rPr lang="en-US" dirty="0"/>
+              <a:t>More waterfall oriented</a:t>
+            </a:r>
+          </a:p>
+          <a:p>
+            <a:pPr lvl="1"/>
+            <a:r>
+              <a:rPr lang="en-US" dirty="0"/>
+              <a:t>Large teams for large apps</a:t>
+            </a:r>
+          </a:p>
+          <a:p>
+            <a:pPr lvl="1"/>
+            <a:r>
+              <a:rPr lang="en-US" dirty="0"/>
+              <a:t>Tight-couple</a:t>
+            </a:r>
+          </a:p>
+        </p:txBody>
+      </p:sp>
+      <p:sp>
+        <p:nvSpPr>
+          <p:cNvPr id="4" name="Content Placeholder 2">
+            <a:extLst>
+              <a:ext uri="{FF2B5EF4-FFF2-40B4-BE49-F238E27FC236}">
+                <a16:creationId xmlns:a16="http://schemas.microsoft.com/office/drawing/2014/main" id="{7367F2E1-BAB8-4CEB-800E-307F214F6274}"/>
+              </a:ext>
+            </a:extLst>
+          </p:cNvPr>
+          <p:cNvSpPr txBox="1">
+            <a:spLocks/>
+          </p:cNvSpPr>
+          <p:nvPr/>
+        </p:nvSpPr>
+        <p:spPr>
+          <a:xfrm>
+            <a:off x="6096000" y="1825625"/>
+            <a:ext cx="5257800" cy="4351338"/>
+          </a:xfrm>
+          <a:prstGeom prst="rect">
+            <a:avLst/>
+          </a:prstGeom>
+        </p:spPr>
+        <p:txBody>
+          <a:bodyPr vert="horz" lIns="91440" tIns="45720" rIns="91440" bIns="45720" rtlCol="0">
+            <a:normAutofit fontScale="70000" lnSpcReduction="20000"/>
+          </a:bodyPr>
+          <a:lstStyle>
+            <a:lvl1pPr marL="228600" indent="-228600" algn="l" defTabSz="914400" rtl="0" eaLnBrk="1" latinLnBrk="0" hangingPunct="1">
+              <a:lnSpc>
+                <a:spcPct val="90000"/>
+              </a:lnSpc>
+              <a:spcBef>
+                <a:spcPts val="1000"/>
+              </a:spcBef>
+              <a:buFont typeface="Arial" panose="020B0604020202020204" pitchFamily="34" charset="0"/>
+              <a:buChar char="•"/>
+              <a:defRPr sz="2800" kern="1200">
+                <a:solidFill>
+                  <a:schemeClr val="tx1"/>
+                </a:solidFill>
+                <a:latin typeface="+mn-lt"/>
+                <a:ea typeface="+mn-ea"/>
+                <a:cs typeface="+mn-cs"/>
+              </a:defRPr>
+            </a:lvl1pPr>
+            <a:lvl2pPr marL="685800" indent="-228600" algn="l" defTabSz="914400" rtl="0" eaLnBrk="1" latinLnBrk="0" hangingPunct="1">
+              <a:lnSpc>
+                <a:spcPct val="90000"/>
+              </a:lnSpc>
+              <a:spcBef>
+                <a:spcPts val="500"/>
+              </a:spcBef>
+              <a:buFont typeface="Arial" panose="020B0604020202020204" pitchFamily="34" charset="0"/>
+              <a:buChar char="•"/>
+              <a:defRPr sz="2400" kern="1200">
+                <a:solidFill>
+                  <a:schemeClr val="tx1"/>
+                </a:solidFill>
+                <a:latin typeface="+mn-lt"/>
+                <a:ea typeface="+mn-ea"/>
+                <a:cs typeface="+mn-cs"/>
+              </a:defRPr>
+            </a:lvl2pPr>
+            <a:lvl3pPr marL="1143000" indent="-228600" algn="l" defTabSz="914400" rtl="0" eaLnBrk="1" latinLnBrk="0" hangingPunct="1">
+              <a:lnSpc>
+                <a:spcPct val="90000"/>
+              </a:lnSpc>
+              <a:spcBef>
+                <a:spcPts val="500"/>
+              </a:spcBef>
+              <a:buFont typeface="Arial" panose="020B0604020202020204" pitchFamily="34" charset="0"/>
+              <a:buChar char="•"/>
+              <a:defRPr sz="2000" kern="1200">
+                <a:solidFill>
+                  <a:schemeClr val="tx1"/>
+                </a:solidFill>
+                <a:latin typeface="+mn-lt"/>
+                <a:ea typeface="+mn-ea"/>
+                <a:cs typeface="+mn-cs"/>
+              </a:defRPr>
+            </a:lvl3pPr>
+            <a:lvl4pPr marL="1600200" indent="-228600" algn="l" defTabSz="914400" rtl="0" eaLnBrk="1" latinLnBrk="0" hangingPunct="1">
+              <a:lnSpc>
+                <a:spcPct val="90000"/>
+              </a:lnSpc>
+              <a:spcBef>
+                <a:spcPts val="500"/>
+              </a:spcBef>
+              <a:buFont typeface="Arial" panose="020B0604020202020204" pitchFamily="34" charset="0"/>
+              <a:buChar char="•"/>
+              <a:defRPr sz="1800" kern="1200">
+                <a:solidFill>
+                  <a:schemeClr val="tx1"/>
+                </a:solidFill>
+                <a:latin typeface="+mn-lt"/>
+                <a:ea typeface="+mn-ea"/>
+                <a:cs typeface="+mn-cs"/>
+              </a:defRPr>
+            </a:lvl4pPr>
+            <a:lvl5pPr marL="2057400" indent="-228600" algn="l" defTabSz="914400" rtl="0" eaLnBrk="1" latinLnBrk="0" hangingPunct="1">
+              <a:lnSpc>
+                <a:spcPct val="90000"/>
+              </a:lnSpc>
+              <a:spcBef>
+                <a:spcPts val="500"/>
+              </a:spcBef>
+              <a:buFont typeface="Arial" panose="020B0604020202020204" pitchFamily="34" charset="0"/>
+              <a:buChar char="•"/>
+              <a:defRPr sz="1800" kern="1200">
+                <a:solidFill>
+                  <a:schemeClr val="tx1"/>
+                </a:solidFill>
+                <a:latin typeface="+mn-lt"/>
+                <a:ea typeface="+mn-ea"/>
+                <a:cs typeface="+mn-cs"/>
+              </a:defRPr>
+            </a:lvl5pPr>
+            <a:lvl6pPr marL="2514600" indent="-228600" algn="l" defTabSz="914400" rtl="0" eaLnBrk="1" latinLnBrk="0" hangingPunct="1">
+              <a:lnSpc>
+                <a:spcPct val="90000"/>
+              </a:lnSpc>
+              <a:spcBef>
+                <a:spcPts val="500"/>
+              </a:spcBef>
+              <a:buFont typeface="Arial" panose="020B0604020202020204" pitchFamily="34" charset="0"/>
+              <a:buChar char="•"/>
+              <a:defRPr sz="1800" kern="1200">
+                <a:solidFill>
+                  <a:schemeClr val="tx1"/>
+                </a:solidFill>
+                <a:latin typeface="+mn-lt"/>
+                <a:ea typeface="+mn-ea"/>
+                <a:cs typeface="+mn-cs"/>
+              </a:defRPr>
+            </a:lvl6pPr>
+            <a:lvl7pPr marL="2971800" indent="-228600" algn="l" defTabSz="914400" rtl="0" eaLnBrk="1" latinLnBrk="0" hangingPunct="1">
+              <a:lnSpc>
+                <a:spcPct val="90000"/>
+              </a:lnSpc>
+              <a:spcBef>
+                <a:spcPts val="500"/>
+              </a:spcBef>
+              <a:buFont typeface="Arial" panose="020B0604020202020204" pitchFamily="34" charset="0"/>
+              <a:buChar char="•"/>
+              <a:defRPr sz="1800" kern="1200">
+                <a:solidFill>
+                  <a:schemeClr val="tx1"/>
+                </a:solidFill>
+                <a:latin typeface="+mn-lt"/>
+                <a:ea typeface="+mn-ea"/>
+                <a:cs typeface="+mn-cs"/>
+              </a:defRPr>
+            </a:lvl7pPr>
+            <a:lvl8pPr marL="3429000" indent="-228600" algn="l" defTabSz="914400" rtl="0" eaLnBrk="1" latinLnBrk="0" hangingPunct="1">
+              <a:lnSpc>
+                <a:spcPct val="90000"/>
+              </a:lnSpc>
+              <a:spcBef>
+                <a:spcPts val="500"/>
+              </a:spcBef>
+              <a:buFont typeface="Arial" panose="020B0604020202020204" pitchFamily="34" charset="0"/>
+              <a:buChar char="•"/>
+              <a:defRPr sz="1800" kern="1200">
+                <a:solidFill>
+                  <a:schemeClr val="tx1"/>
+                </a:solidFill>
+                <a:latin typeface="+mn-lt"/>
+                <a:ea typeface="+mn-ea"/>
+                <a:cs typeface="+mn-cs"/>
+              </a:defRPr>
+            </a:lvl8pPr>
+            <a:lvl9pPr marL="3886200" indent="-228600" algn="l" defTabSz="914400" rtl="0" eaLnBrk="1" latinLnBrk="0" hangingPunct="1">
+              <a:lnSpc>
+                <a:spcPct val="90000"/>
+              </a:lnSpc>
+              <a:spcBef>
+                <a:spcPts val="500"/>
+              </a:spcBef>
+              <a:buFont typeface="Arial" panose="020B0604020202020204" pitchFamily="34" charset="0"/>
+              <a:buChar char="•"/>
+              <a:defRPr sz="1800" kern="1200">
+                <a:solidFill>
+                  <a:schemeClr val="tx1"/>
+                </a:solidFill>
+                <a:latin typeface="+mn-lt"/>
+                <a:ea typeface="+mn-ea"/>
+                <a:cs typeface="+mn-cs"/>
+              </a:defRPr>
+            </a:lvl9pPr>
+          </a:lstStyle>
+          <a:p>
+            <a:r>
+              <a:rPr lang="en-US" dirty="0"/>
+              <a:t>Microservices</a:t>
+            </a:r>
+          </a:p>
+          <a:p>
+            <a:pPr lvl="1"/>
+            <a:r>
+              <a:rPr lang="en-US" dirty="0"/>
+              <a:t>Suitable for enterprise app if they are more complex</a:t>
+            </a:r>
+          </a:p>
+          <a:p>
+            <a:pPr lvl="1"/>
+            <a:r>
+              <a:rPr lang="en-US" dirty="0"/>
+              <a:t>More complex</a:t>
+            </a:r>
+          </a:p>
+          <a:p>
+            <a:pPr lvl="2"/>
+            <a:r>
+              <a:rPr lang="en-US" dirty="0"/>
+              <a:t>Potentially more bugs</a:t>
+            </a:r>
+          </a:p>
+          <a:p>
+            <a:pPr lvl="2"/>
+            <a:r>
+              <a:rPr lang="en-US" dirty="0"/>
+              <a:t>More Resources</a:t>
+            </a:r>
+          </a:p>
+          <a:p>
+            <a:pPr lvl="2"/>
+            <a:r>
+              <a:rPr lang="en-US" dirty="0"/>
+              <a:t>More Testing</a:t>
+            </a:r>
+          </a:p>
+          <a:p>
+            <a:pPr lvl="2"/>
+            <a:r>
+              <a:rPr lang="en-US" dirty="0"/>
+              <a:t>More Expensive Team</a:t>
+            </a:r>
+          </a:p>
+          <a:p>
+            <a:pPr lvl="1"/>
+            <a:r>
+              <a:rPr lang="en-US" dirty="0"/>
+              <a:t>Scaling- Scales better because you can scale out only  </a:t>
+            </a:r>
+          </a:p>
+          <a:p>
+            <a:pPr lvl="1"/>
+            <a:r>
+              <a:rPr lang="en-US" dirty="0"/>
+              <a:t>Complex deployments</a:t>
+            </a:r>
+          </a:p>
+          <a:p>
+            <a:pPr lvl="1"/>
+            <a:r>
+              <a:rPr lang="en-US" dirty="0"/>
+              <a:t>$$ - Better for very large applications regarding maintenance, infrastructure, computing resources etc.</a:t>
+            </a:r>
+          </a:p>
+          <a:p>
+            <a:pPr lvl="1"/>
+            <a:r>
+              <a:rPr lang="en-US" dirty="0"/>
+              <a:t>Better for scrum with large applications</a:t>
+            </a:r>
+          </a:p>
+          <a:p>
+            <a:pPr lvl="1"/>
+            <a:r>
+              <a:rPr lang="en-US" dirty="0"/>
+              <a:t>“right-sized” teams</a:t>
+            </a:r>
+          </a:p>
+          <a:p>
+            <a:pPr lvl="1"/>
+            <a:r>
+              <a:rPr lang="en-US" dirty="0"/>
+              <a:t>Polyglot Architecture</a:t>
+            </a:r>
+          </a:p>
+          <a:p>
+            <a:pPr lvl="1"/>
+            <a:r>
+              <a:rPr lang="en-US" dirty="0"/>
+              <a:t>Loose-couple</a:t>
+            </a:r>
+          </a:p>
+        </p:txBody>
+      </p:sp>
+    </p:spTree>
+    <p:extLst>
+      <p:ext uri="{BB962C8B-B14F-4D97-AF65-F5344CB8AC3E}">
+        <p14:creationId xmlns:p14="http://schemas.microsoft.com/office/powerpoint/2010/main" val="929360786"/>
       </p:ext>
     </p:extLst>
   </p:cSld>

--- a/Week7/w7.pptx
+++ b/Week7/w7.pptx
@@ -22,6 +22,11 @@
     <p:sldId id="268" r:id="rId16"/>
     <p:sldId id="271" r:id="rId17"/>
     <p:sldId id="272" r:id="rId18"/>
+    <p:sldId id="274" r:id="rId19"/>
+    <p:sldId id="273" r:id="rId20"/>
+    <p:sldId id="275" r:id="rId21"/>
+    <p:sldId id="276" r:id="rId22"/>
+    <p:sldId id="277" r:id="rId23"/>
   </p:sldIdLst>
   <p:sldSz cx="12192000" cy="6858000"/>
   <p:notesSz cx="6858000" cy="9144000"/>
@@ -275,7 +280,7 @@
           <a:p>
             <a:fld id="{89CD658C-5BA3-4CAE-A097-38A65857127A}" type="datetimeFigureOut">
               <a:rPr lang="en-US" smtClean="0"/>
-              <a:t>12/23/2020</a:t>
+              <a:t>12/28/2020</a:t>
             </a:fld>
             <a:endParaRPr lang="en-US"/>
           </a:p>
@@ -473,7 +478,7 @@
           <a:p>
             <a:fld id="{89CD658C-5BA3-4CAE-A097-38A65857127A}" type="datetimeFigureOut">
               <a:rPr lang="en-US" smtClean="0"/>
-              <a:t>12/23/2020</a:t>
+              <a:t>12/28/2020</a:t>
             </a:fld>
             <a:endParaRPr lang="en-US"/>
           </a:p>
@@ -681,7 +686,7 @@
           <a:p>
             <a:fld id="{89CD658C-5BA3-4CAE-A097-38A65857127A}" type="datetimeFigureOut">
               <a:rPr lang="en-US" smtClean="0"/>
-              <a:t>12/23/2020</a:t>
+              <a:t>12/28/2020</a:t>
             </a:fld>
             <a:endParaRPr lang="en-US"/>
           </a:p>
@@ -879,7 +884,7 @@
           <a:p>
             <a:fld id="{89CD658C-5BA3-4CAE-A097-38A65857127A}" type="datetimeFigureOut">
               <a:rPr lang="en-US" smtClean="0"/>
-              <a:t>12/23/2020</a:t>
+              <a:t>12/28/2020</a:t>
             </a:fld>
             <a:endParaRPr lang="en-US"/>
           </a:p>
@@ -1154,7 +1159,7 @@
           <a:p>
             <a:fld id="{89CD658C-5BA3-4CAE-A097-38A65857127A}" type="datetimeFigureOut">
               <a:rPr lang="en-US" smtClean="0"/>
-              <a:t>12/23/2020</a:t>
+              <a:t>12/28/2020</a:t>
             </a:fld>
             <a:endParaRPr lang="en-US"/>
           </a:p>
@@ -1419,7 +1424,7 @@
           <a:p>
             <a:fld id="{89CD658C-5BA3-4CAE-A097-38A65857127A}" type="datetimeFigureOut">
               <a:rPr lang="en-US" smtClean="0"/>
-              <a:t>12/23/2020</a:t>
+              <a:t>12/28/2020</a:t>
             </a:fld>
             <a:endParaRPr lang="en-US"/>
           </a:p>
@@ -1831,7 +1836,7 @@
           <a:p>
             <a:fld id="{89CD658C-5BA3-4CAE-A097-38A65857127A}" type="datetimeFigureOut">
               <a:rPr lang="en-US" smtClean="0"/>
-              <a:t>12/23/2020</a:t>
+              <a:t>12/28/2020</a:t>
             </a:fld>
             <a:endParaRPr lang="en-US"/>
           </a:p>
@@ -1972,7 +1977,7 @@
           <a:p>
             <a:fld id="{89CD658C-5BA3-4CAE-A097-38A65857127A}" type="datetimeFigureOut">
               <a:rPr lang="en-US" smtClean="0"/>
-              <a:t>12/23/2020</a:t>
+              <a:t>12/28/2020</a:t>
             </a:fld>
             <a:endParaRPr lang="en-US"/>
           </a:p>
@@ -2085,7 +2090,7 @@
           <a:p>
             <a:fld id="{89CD658C-5BA3-4CAE-A097-38A65857127A}" type="datetimeFigureOut">
               <a:rPr lang="en-US" smtClean="0"/>
-              <a:t>12/23/2020</a:t>
+              <a:t>12/28/2020</a:t>
             </a:fld>
             <a:endParaRPr lang="en-US"/>
           </a:p>
@@ -2396,7 +2401,7 @@
           <a:p>
             <a:fld id="{89CD658C-5BA3-4CAE-A097-38A65857127A}" type="datetimeFigureOut">
               <a:rPr lang="en-US" smtClean="0"/>
-              <a:t>12/23/2020</a:t>
+              <a:t>12/28/2020</a:t>
             </a:fld>
             <a:endParaRPr lang="en-US"/>
           </a:p>
@@ -2684,7 +2689,7 @@
           <a:p>
             <a:fld id="{89CD658C-5BA3-4CAE-A097-38A65857127A}" type="datetimeFigureOut">
               <a:rPr lang="en-US" smtClean="0"/>
-              <a:t>12/23/2020</a:t>
+              <a:t>12/28/2020</a:t>
             </a:fld>
             <a:endParaRPr lang="en-US"/>
           </a:p>
@@ -2925,7 +2930,7 @@
           <a:p>
             <a:fld id="{89CD658C-5BA3-4CAE-A097-38A65857127A}" type="datetimeFigureOut">
               <a:rPr lang="en-US" smtClean="0"/>
-              <a:t>12/23/2020</a:t>
+              <a:t>12/28/2020</a:t>
             </a:fld>
             <a:endParaRPr lang="en-US"/>
           </a:p>
@@ -3514,13 +3519,21 @@
           <a:p>
             <a:r>
               <a:rPr lang="en-US" dirty="0"/>
-              <a:t>Multiple languages</a:t>
-            </a:r>
-          </a:p>
-          <a:p>
-            <a:r>
-              <a:rPr lang="en-US" dirty="0"/>
-              <a:t>Multiple points of failure (less change of overall failure, higher change of A failure)</a:t>
+              <a:t>Multiple languages -&gt; APIs</a:t>
+            </a:r>
+          </a:p>
+          <a:p>
+            <a:r>
+              <a:rPr lang="en-US" dirty="0"/>
+              <a:t>Multiple points of failure (less change of overall failure, higher change of </a:t>
+            </a:r>
+            <a:r>
+              <a:rPr lang="en-US" u="sng" dirty="0"/>
+              <a:t>A</a:t>
+            </a:r>
+            <a:r>
+              <a:rPr lang="en-US" dirty="0"/>
+              <a:t> failure)</a:t>
             </a:r>
           </a:p>
           <a:p>
@@ -3551,19 +3564,13 @@
           <a:p>
             <a:r>
               <a:rPr lang="en-US" dirty="0"/>
-              <a:t>Redundancy (bad) – coding things multiple times, etc.</a:t>
-            </a:r>
-          </a:p>
-          <a:p>
-            <a:r>
-              <a:rPr lang="en-US" dirty="0"/>
               <a:t>Distributed Configuration – Spring Cloud Config</a:t>
             </a:r>
           </a:p>
           <a:p>
             <a:r>
               <a:rPr lang="en-US" dirty="0"/>
-              <a:t>DB – Consistency, different dialects/types of </a:t>
+              <a:t>DB – Lacking Consistency, different dialects/types of </a:t>
             </a:r>
             <a:r>
               <a:rPr lang="en-US" dirty="0" err="1"/>
@@ -3572,9 +3579,28 @@
             <a:endParaRPr lang="en-US" dirty="0"/>
           </a:p>
           <a:p>
-            <a:r>
-              <a:rPr lang="en-US" dirty="0"/>
-              <a:t>Timing/Communication</a:t>
+            <a:pPr lvl="1"/>
+            <a:r>
+              <a:rPr lang="en-US" dirty="0"/>
+              <a:t>Solution: Messaging Queues (Rabbit MQ, Apache Kafka, AWS SQS/SNS )</a:t>
+            </a:r>
+          </a:p>
+          <a:p>
+            <a:pPr lvl="1"/>
+            <a:r>
+              <a:rPr lang="en-US" dirty="0"/>
+              <a:t>“Eventual Consistency” is used to remedy consistency issues across </a:t>
+            </a:r>
+            <a:r>
+              <a:rPr lang="en-US" dirty="0" err="1"/>
+              <a:t>dbs</a:t>
+            </a:r>
+            <a:endParaRPr lang="en-US" dirty="0"/>
+          </a:p>
+          <a:p>
+            <a:r>
+              <a:rPr lang="en-US" dirty="0"/>
+              <a:t>Timing/Communication -&gt; Messaging Queues</a:t>
             </a:r>
           </a:p>
           <a:p>
@@ -4892,8 +4918,8 @@
         </p:nvSpPr>
         <p:spPr>
           <a:xfrm>
-            <a:off x="2527519" y="1495426"/>
-            <a:ext cx="1514475" cy="762000"/>
+            <a:off x="2527519" y="1225118"/>
+            <a:ext cx="1514475" cy="1032308"/>
           </a:xfrm>
           <a:prstGeom prst="rect">
             <a:avLst/>
@@ -4925,6 +4951,21 @@
               <a:t>Gateway</a:t>
             </a:r>
           </a:p>
+          <a:p>
+            <a:pPr algn="ctr"/>
+            <a:r>
+              <a:rPr lang="en-US" dirty="0"/>
+              <a:t>(</a:t>
+            </a:r>
+            <a:r>
+              <a:rPr lang="en-US" dirty="0" err="1"/>
+              <a:t>Zuul</a:t>
+            </a:r>
+            <a:r>
+              <a:rPr lang="en-US" dirty="0"/>
+              <a:t>/Spring Cloud Gateway)</a:t>
+            </a:r>
+          </a:p>
         </p:txBody>
       </p:sp>
       <p:sp>
@@ -5018,6 +5059,13 @@
             <a:r>
               <a:rPr lang="en-US" dirty="0"/>
               <a:t>Service Registry</a:t>
+            </a:r>
+          </a:p>
+          <a:p>
+            <a:pPr algn="ctr"/>
+            <a:r>
+              <a:rPr lang="en-US" dirty="0"/>
+              <a:t>(Eureka)</a:t>
             </a:r>
           </a:p>
         </p:txBody>
@@ -6638,6 +6686,1371 @@
 </p:sld>
 </file>
 
+<file path=ppt/slides/slide18.xml><?xml version="1.0" encoding="utf-8"?>
+<p:sld xmlns:a="http://schemas.openxmlformats.org/drawingml/2006/main" xmlns:r="http://schemas.openxmlformats.org/officeDocument/2006/relationships" xmlns:p="http://schemas.openxmlformats.org/presentationml/2006/main">
+  <p:cSld>
+    <p:spTree>
+      <p:nvGrpSpPr>
+        <p:cNvPr id="1" name=""/>
+        <p:cNvGrpSpPr/>
+        <p:nvPr/>
+      </p:nvGrpSpPr>
+      <p:grpSpPr>
+        <a:xfrm>
+          <a:off x="0" y="0"/>
+          <a:ext cx="0" cy="0"/>
+          <a:chOff x="0" y="0"/>
+          <a:chExt cx="0" cy="0"/>
+        </a:xfrm>
+      </p:grpSpPr>
+      <p:sp>
+        <p:nvSpPr>
+          <p:cNvPr id="2" name="Title 1">
+            <a:extLst>
+              <a:ext uri="{FF2B5EF4-FFF2-40B4-BE49-F238E27FC236}">
+                <a16:creationId xmlns:a16="http://schemas.microsoft.com/office/drawing/2014/main" id="{B6B468E3-09D7-493F-A7B3-DD8FA2B9E6C4}"/>
+              </a:ext>
+            </a:extLst>
+          </p:cNvPr>
+          <p:cNvSpPr>
+            <a:spLocks noGrp="1"/>
+          </p:cNvSpPr>
+          <p:nvPr>
+            <p:ph type="title"/>
+          </p:nvPr>
+        </p:nvSpPr>
+        <p:spPr/>
+        <p:txBody>
+          <a:bodyPr/>
+          <a:lstStyle/>
+          <a:p>
+            <a:r>
+              <a:rPr lang="en-US" dirty="0"/>
+              <a:t>Client vs Server Side LB</a:t>
+            </a:r>
+          </a:p>
+        </p:txBody>
+      </p:sp>
+      <p:sp>
+        <p:nvSpPr>
+          <p:cNvPr id="3" name="Content Placeholder 2">
+            <a:extLst>
+              <a:ext uri="{FF2B5EF4-FFF2-40B4-BE49-F238E27FC236}">
+                <a16:creationId xmlns:a16="http://schemas.microsoft.com/office/drawing/2014/main" id="{5E44F55B-9425-4870-99E4-96F1A94CFA91}"/>
+              </a:ext>
+            </a:extLst>
+          </p:cNvPr>
+          <p:cNvSpPr>
+            <a:spLocks noGrp="1"/>
+          </p:cNvSpPr>
+          <p:nvPr>
+            <p:ph idx="1"/>
+          </p:nvPr>
+        </p:nvSpPr>
+        <p:spPr>
+          <a:xfrm>
+            <a:off x="838200" y="1825625"/>
+            <a:ext cx="5257800" cy="4351338"/>
+          </a:xfrm>
+        </p:spPr>
+        <p:txBody>
+          <a:bodyPr/>
+          <a:lstStyle/>
+          <a:p>
+            <a:r>
+              <a:rPr lang="en-US" dirty="0"/>
+              <a:t>Server</a:t>
+            </a:r>
+          </a:p>
+          <a:p>
+            <a:pPr lvl="1"/>
+            <a:r>
+              <a:rPr lang="en-US" dirty="0"/>
+              <a:t>Proxy server (“extra hop”)</a:t>
+            </a:r>
+          </a:p>
+          <a:p>
+            <a:pPr lvl="1"/>
+            <a:r>
+              <a:rPr lang="en-US" dirty="0"/>
+              <a:t>Involves more latency</a:t>
+            </a:r>
+          </a:p>
+          <a:p>
+            <a:pPr lvl="1"/>
+            <a:r>
+              <a:rPr lang="en-US" dirty="0"/>
+              <a:t>Appropriate whether or not you trust the client</a:t>
+            </a:r>
+          </a:p>
+          <a:p>
+            <a:pPr lvl="1"/>
+            <a:r>
+              <a:rPr lang="en-US" dirty="0"/>
+              <a:t>Monolith and Microservices</a:t>
+            </a:r>
+          </a:p>
+        </p:txBody>
+      </p:sp>
+      <p:sp>
+        <p:nvSpPr>
+          <p:cNvPr id="4" name="Content Placeholder 2">
+            <a:extLst>
+              <a:ext uri="{FF2B5EF4-FFF2-40B4-BE49-F238E27FC236}">
+                <a16:creationId xmlns:a16="http://schemas.microsoft.com/office/drawing/2014/main" id="{14F42419-5CF2-473A-ADB5-AAFB4802AD36}"/>
+              </a:ext>
+            </a:extLst>
+          </p:cNvPr>
+          <p:cNvSpPr txBox="1">
+            <a:spLocks/>
+          </p:cNvSpPr>
+          <p:nvPr/>
+        </p:nvSpPr>
+        <p:spPr>
+          <a:xfrm>
+            <a:off x="6094520" y="1690688"/>
+            <a:ext cx="5257800" cy="4351338"/>
+          </a:xfrm>
+          <a:prstGeom prst="rect">
+            <a:avLst/>
+          </a:prstGeom>
+        </p:spPr>
+        <p:txBody>
+          <a:bodyPr vert="horz" lIns="91440" tIns="45720" rIns="91440" bIns="45720" rtlCol="0">
+            <a:normAutofit/>
+          </a:bodyPr>
+          <a:lstStyle>
+            <a:lvl1pPr marL="228600" indent="-228600" algn="l" defTabSz="914400" rtl="0" eaLnBrk="1" latinLnBrk="0" hangingPunct="1">
+              <a:lnSpc>
+                <a:spcPct val="90000"/>
+              </a:lnSpc>
+              <a:spcBef>
+                <a:spcPts val="1000"/>
+              </a:spcBef>
+              <a:buFont typeface="Arial" panose="020B0604020202020204" pitchFamily="34" charset="0"/>
+              <a:buChar char="•"/>
+              <a:defRPr sz="2800" kern="1200">
+                <a:solidFill>
+                  <a:schemeClr val="tx1"/>
+                </a:solidFill>
+                <a:latin typeface="+mn-lt"/>
+                <a:ea typeface="+mn-ea"/>
+                <a:cs typeface="+mn-cs"/>
+              </a:defRPr>
+            </a:lvl1pPr>
+            <a:lvl2pPr marL="685800" indent="-228600" algn="l" defTabSz="914400" rtl="0" eaLnBrk="1" latinLnBrk="0" hangingPunct="1">
+              <a:lnSpc>
+                <a:spcPct val="90000"/>
+              </a:lnSpc>
+              <a:spcBef>
+                <a:spcPts val="500"/>
+              </a:spcBef>
+              <a:buFont typeface="Arial" panose="020B0604020202020204" pitchFamily="34" charset="0"/>
+              <a:buChar char="•"/>
+              <a:defRPr sz="2400" kern="1200">
+                <a:solidFill>
+                  <a:schemeClr val="tx1"/>
+                </a:solidFill>
+                <a:latin typeface="+mn-lt"/>
+                <a:ea typeface="+mn-ea"/>
+                <a:cs typeface="+mn-cs"/>
+              </a:defRPr>
+            </a:lvl2pPr>
+            <a:lvl3pPr marL="1143000" indent="-228600" algn="l" defTabSz="914400" rtl="0" eaLnBrk="1" latinLnBrk="0" hangingPunct="1">
+              <a:lnSpc>
+                <a:spcPct val="90000"/>
+              </a:lnSpc>
+              <a:spcBef>
+                <a:spcPts val="500"/>
+              </a:spcBef>
+              <a:buFont typeface="Arial" panose="020B0604020202020204" pitchFamily="34" charset="0"/>
+              <a:buChar char="•"/>
+              <a:defRPr sz="2000" kern="1200">
+                <a:solidFill>
+                  <a:schemeClr val="tx1"/>
+                </a:solidFill>
+                <a:latin typeface="+mn-lt"/>
+                <a:ea typeface="+mn-ea"/>
+                <a:cs typeface="+mn-cs"/>
+              </a:defRPr>
+            </a:lvl3pPr>
+            <a:lvl4pPr marL="1600200" indent="-228600" algn="l" defTabSz="914400" rtl="0" eaLnBrk="1" latinLnBrk="0" hangingPunct="1">
+              <a:lnSpc>
+                <a:spcPct val="90000"/>
+              </a:lnSpc>
+              <a:spcBef>
+                <a:spcPts val="500"/>
+              </a:spcBef>
+              <a:buFont typeface="Arial" panose="020B0604020202020204" pitchFamily="34" charset="0"/>
+              <a:buChar char="•"/>
+              <a:defRPr sz="1800" kern="1200">
+                <a:solidFill>
+                  <a:schemeClr val="tx1"/>
+                </a:solidFill>
+                <a:latin typeface="+mn-lt"/>
+                <a:ea typeface="+mn-ea"/>
+                <a:cs typeface="+mn-cs"/>
+              </a:defRPr>
+            </a:lvl4pPr>
+            <a:lvl5pPr marL="2057400" indent="-228600" algn="l" defTabSz="914400" rtl="0" eaLnBrk="1" latinLnBrk="0" hangingPunct="1">
+              <a:lnSpc>
+                <a:spcPct val="90000"/>
+              </a:lnSpc>
+              <a:spcBef>
+                <a:spcPts val="500"/>
+              </a:spcBef>
+              <a:buFont typeface="Arial" panose="020B0604020202020204" pitchFamily="34" charset="0"/>
+              <a:buChar char="•"/>
+              <a:defRPr sz="1800" kern="1200">
+                <a:solidFill>
+                  <a:schemeClr val="tx1"/>
+                </a:solidFill>
+                <a:latin typeface="+mn-lt"/>
+                <a:ea typeface="+mn-ea"/>
+                <a:cs typeface="+mn-cs"/>
+              </a:defRPr>
+            </a:lvl5pPr>
+            <a:lvl6pPr marL="2514600" indent="-228600" algn="l" defTabSz="914400" rtl="0" eaLnBrk="1" latinLnBrk="0" hangingPunct="1">
+              <a:lnSpc>
+                <a:spcPct val="90000"/>
+              </a:lnSpc>
+              <a:spcBef>
+                <a:spcPts val="500"/>
+              </a:spcBef>
+              <a:buFont typeface="Arial" panose="020B0604020202020204" pitchFamily="34" charset="0"/>
+              <a:buChar char="•"/>
+              <a:defRPr sz="1800" kern="1200">
+                <a:solidFill>
+                  <a:schemeClr val="tx1"/>
+                </a:solidFill>
+                <a:latin typeface="+mn-lt"/>
+                <a:ea typeface="+mn-ea"/>
+                <a:cs typeface="+mn-cs"/>
+              </a:defRPr>
+            </a:lvl6pPr>
+            <a:lvl7pPr marL="2971800" indent="-228600" algn="l" defTabSz="914400" rtl="0" eaLnBrk="1" latinLnBrk="0" hangingPunct="1">
+              <a:lnSpc>
+                <a:spcPct val="90000"/>
+              </a:lnSpc>
+              <a:spcBef>
+                <a:spcPts val="500"/>
+              </a:spcBef>
+              <a:buFont typeface="Arial" panose="020B0604020202020204" pitchFamily="34" charset="0"/>
+              <a:buChar char="•"/>
+              <a:defRPr sz="1800" kern="1200">
+                <a:solidFill>
+                  <a:schemeClr val="tx1"/>
+                </a:solidFill>
+                <a:latin typeface="+mn-lt"/>
+                <a:ea typeface="+mn-ea"/>
+                <a:cs typeface="+mn-cs"/>
+              </a:defRPr>
+            </a:lvl7pPr>
+            <a:lvl8pPr marL="3429000" indent="-228600" algn="l" defTabSz="914400" rtl="0" eaLnBrk="1" latinLnBrk="0" hangingPunct="1">
+              <a:lnSpc>
+                <a:spcPct val="90000"/>
+              </a:lnSpc>
+              <a:spcBef>
+                <a:spcPts val="500"/>
+              </a:spcBef>
+              <a:buFont typeface="Arial" panose="020B0604020202020204" pitchFamily="34" charset="0"/>
+              <a:buChar char="•"/>
+              <a:defRPr sz="1800" kern="1200">
+                <a:solidFill>
+                  <a:schemeClr val="tx1"/>
+                </a:solidFill>
+                <a:latin typeface="+mn-lt"/>
+                <a:ea typeface="+mn-ea"/>
+                <a:cs typeface="+mn-cs"/>
+              </a:defRPr>
+            </a:lvl8pPr>
+            <a:lvl9pPr marL="3886200" indent="-228600" algn="l" defTabSz="914400" rtl="0" eaLnBrk="1" latinLnBrk="0" hangingPunct="1">
+              <a:lnSpc>
+                <a:spcPct val="90000"/>
+              </a:lnSpc>
+              <a:spcBef>
+                <a:spcPts val="500"/>
+              </a:spcBef>
+              <a:buFont typeface="Arial" panose="020B0604020202020204" pitchFamily="34" charset="0"/>
+              <a:buChar char="•"/>
+              <a:defRPr sz="1800" kern="1200">
+                <a:solidFill>
+                  <a:schemeClr val="tx1"/>
+                </a:solidFill>
+                <a:latin typeface="+mn-lt"/>
+                <a:ea typeface="+mn-ea"/>
+                <a:cs typeface="+mn-cs"/>
+              </a:defRPr>
+            </a:lvl9pPr>
+          </a:lstStyle>
+          <a:p>
+            <a:r>
+              <a:rPr lang="en-US" dirty="0"/>
+              <a:t>Client</a:t>
+            </a:r>
+          </a:p>
+          <a:p>
+            <a:pPr lvl="1"/>
+            <a:r>
+              <a:rPr lang="en-US" dirty="0"/>
+              <a:t>No proxy server</a:t>
+            </a:r>
+          </a:p>
+          <a:p>
+            <a:pPr lvl="1"/>
+            <a:r>
+              <a:rPr lang="en-US" dirty="0"/>
+              <a:t>Less latency</a:t>
+            </a:r>
+          </a:p>
+          <a:p>
+            <a:pPr lvl="1"/>
+            <a:r>
+              <a:rPr lang="en-US" dirty="0"/>
+              <a:t>Only appropriate if you trust the client</a:t>
+            </a:r>
+          </a:p>
+          <a:p>
+            <a:pPr lvl="1"/>
+            <a:r>
+              <a:rPr lang="en-US" dirty="0"/>
+              <a:t>Usually, Microservices</a:t>
+            </a:r>
+          </a:p>
+        </p:txBody>
+      </p:sp>
+    </p:spTree>
+    <p:extLst>
+      <p:ext uri="{BB962C8B-B14F-4D97-AF65-F5344CB8AC3E}">
+        <p14:creationId xmlns:p14="http://schemas.microsoft.com/office/powerpoint/2010/main" val="2713107490"/>
+      </p:ext>
+    </p:extLst>
+  </p:cSld>
+  <p:clrMapOvr>
+    <a:masterClrMapping/>
+  </p:clrMapOvr>
+</p:sld>
+</file>
+
+<file path=ppt/slides/slide19.xml><?xml version="1.0" encoding="utf-8"?>
+<p:sld xmlns:a="http://schemas.openxmlformats.org/drawingml/2006/main" xmlns:r="http://schemas.openxmlformats.org/officeDocument/2006/relationships" xmlns:p="http://schemas.openxmlformats.org/presentationml/2006/main">
+  <p:cSld>
+    <p:spTree>
+      <p:nvGrpSpPr>
+        <p:cNvPr id="1" name=""/>
+        <p:cNvGrpSpPr/>
+        <p:nvPr/>
+      </p:nvGrpSpPr>
+      <p:grpSpPr>
+        <a:xfrm>
+          <a:off x="0" y="0"/>
+          <a:ext cx="0" cy="0"/>
+          <a:chOff x="0" y="0"/>
+          <a:chExt cx="0" cy="0"/>
+        </a:xfrm>
+      </p:grpSpPr>
+      <p:pic>
+        <p:nvPicPr>
+          <p:cNvPr id="4" name="Graphic 3" descr="Computer with solid fill">
+            <a:extLst>
+              <a:ext uri="{FF2B5EF4-FFF2-40B4-BE49-F238E27FC236}">
+                <a16:creationId xmlns:a16="http://schemas.microsoft.com/office/drawing/2014/main" id="{04A71431-014F-4FAD-804F-41D5799E27C5}"/>
+              </a:ext>
+            </a:extLst>
+          </p:cNvPr>
+          <p:cNvPicPr>
+            <a:picLocks noChangeAspect="1"/>
+          </p:cNvPicPr>
+          <p:nvPr/>
+        </p:nvPicPr>
+        <p:blipFill>
+          <a:blip r:embed="rId2">
+            <a:extLst>
+              <a:ext uri="{28A0092B-C50C-407E-A947-70E740481C1C}">
+                <a14:useLocalDpi xmlns:a14="http://schemas.microsoft.com/office/drawing/2010/main" val="0"/>
+              </a:ext>
+              <a:ext uri="{96DAC541-7B7A-43D3-8B79-37D633B846F1}">
+                <asvg:svgBlip xmlns:asvg="http://schemas.microsoft.com/office/drawing/2016/SVG/main" r:embed="rId3"/>
+              </a:ext>
+            </a:extLst>
+          </a:blip>
+          <a:stretch>
+            <a:fillRect/>
+          </a:stretch>
+        </p:blipFill>
+        <p:spPr>
+          <a:xfrm>
+            <a:off x="381000" y="1373819"/>
+            <a:ext cx="914400" cy="914400"/>
+          </a:xfrm>
+          <a:prstGeom prst="rect">
+            <a:avLst/>
+          </a:prstGeom>
+        </p:spPr>
+      </p:pic>
+      <p:sp>
+        <p:nvSpPr>
+          <p:cNvPr id="5" name="Rectangle 4">
+            <a:extLst>
+              <a:ext uri="{FF2B5EF4-FFF2-40B4-BE49-F238E27FC236}">
+                <a16:creationId xmlns:a16="http://schemas.microsoft.com/office/drawing/2014/main" id="{0573DE98-37B0-4EEC-B2C4-506CA446A3C7}"/>
+              </a:ext>
+            </a:extLst>
+          </p:cNvPr>
+          <p:cNvSpPr/>
+          <p:nvPr/>
+        </p:nvSpPr>
+        <p:spPr>
+          <a:xfrm>
+            <a:off x="2416298" y="1495425"/>
+            <a:ext cx="1514475" cy="762000"/>
+          </a:xfrm>
+          <a:prstGeom prst="rect">
+            <a:avLst/>
+          </a:prstGeom>
+        </p:spPr>
+        <p:style>
+          <a:lnRef idx="2">
+            <a:schemeClr val="accent1">
+              <a:shade val="50000"/>
+            </a:schemeClr>
+          </a:lnRef>
+          <a:fillRef idx="1">
+            <a:schemeClr val="accent1"/>
+          </a:fillRef>
+          <a:effectRef idx="0">
+            <a:schemeClr val="accent1"/>
+          </a:effectRef>
+          <a:fontRef idx="minor">
+            <a:schemeClr val="lt1"/>
+          </a:fontRef>
+        </p:style>
+        <p:txBody>
+          <a:bodyPr rtlCol="0" anchor="ctr"/>
+          <a:lstStyle/>
+          <a:p>
+            <a:pPr algn="ctr"/>
+            <a:r>
+              <a:rPr lang="en-US" dirty="0"/>
+              <a:t>React Client</a:t>
+            </a:r>
+          </a:p>
+        </p:txBody>
+      </p:sp>
+      <p:sp>
+        <p:nvSpPr>
+          <p:cNvPr id="6" name="Arrow: Right 5">
+            <a:extLst>
+              <a:ext uri="{FF2B5EF4-FFF2-40B4-BE49-F238E27FC236}">
+                <a16:creationId xmlns:a16="http://schemas.microsoft.com/office/drawing/2014/main" id="{091AA4A4-E279-46C2-B219-859C282D22A3}"/>
+              </a:ext>
+            </a:extLst>
+          </p:cNvPr>
+          <p:cNvSpPr/>
+          <p:nvPr/>
+        </p:nvSpPr>
+        <p:spPr>
+          <a:xfrm>
+            <a:off x="1464816" y="1690688"/>
+            <a:ext cx="843378" cy="218011"/>
+          </a:xfrm>
+          <a:prstGeom prst="rightArrow">
+            <a:avLst/>
+          </a:prstGeom>
+        </p:spPr>
+        <p:style>
+          <a:lnRef idx="2">
+            <a:schemeClr val="accent1">
+              <a:shade val="50000"/>
+            </a:schemeClr>
+          </a:lnRef>
+          <a:fillRef idx="1">
+            <a:schemeClr val="accent1"/>
+          </a:fillRef>
+          <a:effectRef idx="0">
+            <a:schemeClr val="accent1"/>
+          </a:effectRef>
+          <a:fontRef idx="minor">
+            <a:schemeClr val="lt1"/>
+          </a:fontRef>
+        </p:style>
+        <p:txBody>
+          <a:bodyPr rtlCol="0" anchor="ctr"/>
+          <a:lstStyle/>
+          <a:p>
+            <a:pPr algn="ctr"/>
+            <a:endParaRPr lang="en-US"/>
+          </a:p>
+        </p:txBody>
+      </p:sp>
+      <p:sp>
+        <p:nvSpPr>
+          <p:cNvPr id="7" name="Rectangle 6">
+            <a:extLst>
+              <a:ext uri="{FF2B5EF4-FFF2-40B4-BE49-F238E27FC236}">
+                <a16:creationId xmlns:a16="http://schemas.microsoft.com/office/drawing/2014/main" id="{B9C7DED7-1DE0-4ED1-A577-73C9DBC3A7A9}"/>
+              </a:ext>
+            </a:extLst>
+          </p:cNvPr>
+          <p:cNvSpPr/>
+          <p:nvPr/>
+        </p:nvSpPr>
+        <p:spPr>
+          <a:xfrm>
+            <a:off x="6380086" y="367545"/>
+            <a:ext cx="4585548" cy="2012548"/>
+          </a:xfrm>
+          <a:prstGeom prst="rect">
+            <a:avLst/>
+          </a:prstGeom>
+        </p:spPr>
+        <p:style>
+          <a:lnRef idx="2">
+            <a:schemeClr val="accent4">
+              <a:shade val="50000"/>
+            </a:schemeClr>
+          </a:lnRef>
+          <a:fillRef idx="1">
+            <a:schemeClr val="accent4"/>
+          </a:fillRef>
+          <a:effectRef idx="0">
+            <a:schemeClr val="accent4"/>
+          </a:effectRef>
+          <a:fontRef idx="minor">
+            <a:schemeClr val="lt1"/>
+          </a:fontRef>
+        </p:style>
+        <p:txBody>
+          <a:bodyPr rtlCol="0" anchor="ctr"/>
+          <a:lstStyle/>
+          <a:p>
+            <a:pPr algn="ctr"/>
+            <a:r>
+              <a:rPr lang="en-US" dirty="0"/>
+              <a:t>Backend</a:t>
+            </a:r>
+          </a:p>
+        </p:txBody>
+      </p:sp>
+      <p:sp>
+        <p:nvSpPr>
+          <p:cNvPr id="8" name="Arrow: Right 7">
+            <a:extLst>
+              <a:ext uri="{FF2B5EF4-FFF2-40B4-BE49-F238E27FC236}">
+                <a16:creationId xmlns:a16="http://schemas.microsoft.com/office/drawing/2014/main" id="{7F6A4C40-569C-466F-AB80-ACB0F698D55C}"/>
+              </a:ext>
+            </a:extLst>
+          </p:cNvPr>
+          <p:cNvSpPr/>
+          <p:nvPr/>
+        </p:nvSpPr>
+        <p:spPr>
+          <a:xfrm rot="3552746">
+            <a:off x="3707693" y="2749122"/>
+            <a:ext cx="758362" cy="426406"/>
+          </a:xfrm>
+          <a:prstGeom prst="rightArrow">
+            <a:avLst/>
+          </a:prstGeom>
+        </p:spPr>
+        <p:style>
+          <a:lnRef idx="2">
+            <a:schemeClr val="accent1">
+              <a:shade val="50000"/>
+            </a:schemeClr>
+          </a:lnRef>
+          <a:fillRef idx="1">
+            <a:schemeClr val="accent1"/>
+          </a:fillRef>
+          <a:effectRef idx="0">
+            <a:schemeClr val="accent1"/>
+          </a:effectRef>
+          <a:fontRef idx="minor">
+            <a:schemeClr val="lt1"/>
+          </a:fontRef>
+        </p:style>
+        <p:txBody>
+          <a:bodyPr rtlCol="0" anchor="ctr"/>
+          <a:lstStyle/>
+          <a:p>
+            <a:pPr algn="ctr"/>
+            <a:endParaRPr lang="en-US"/>
+          </a:p>
+        </p:txBody>
+      </p:sp>
+      <p:sp>
+        <p:nvSpPr>
+          <p:cNvPr id="10" name="Rectangle 9">
+            <a:extLst>
+              <a:ext uri="{FF2B5EF4-FFF2-40B4-BE49-F238E27FC236}">
+                <a16:creationId xmlns:a16="http://schemas.microsoft.com/office/drawing/2014/main" id="{F8812104-CF32-4587-A634-D1399C0177D5}"/>
+              </a:ext>
+            </a:extLst>
+          </p:cNvPr>
+          <p:cNvSpPr/>
+          <p:nvPr/>
+        </p:nvSpPr>
+        <p:spPr>
+          <a:xfrm>
+            <a:off x="3822115" y="3532759"/>
+            <a:ext cx="2019300" cy="914400"/>
+          </a:xfrm>
+          <a:prstGeom prst="rect">
+            <a:avLst/>
+          </a:prstGeom>
+        </p:spPr>
+        <p:style>
+          <a:lnRef idx="2">
+            <a:schemeClr val="accent3">
+              <a:shade val="50000"/>
+            </a:schemeClr>
+          </a:lnRef>
+          <a:fillRef idx="1">
+            <a:schemeClr val="accent3"/>
+          </a:fillRef>
+          <a:effectRef idx="0">
+            <a:schemeClr val="accent3"/>
+          </a:effectRef>
+          <a:fontRef idx="minor">
+            <a:schemeClr val="lt1"/>
+          </a:fontRef>
+        </p:style>
+        <p:txBody>
+          <a:bodyPr rtlCol="0" anchor="ctr"/>
+          <a:lstStyle/>
+          <a:p>
+            <a:pPr algn="ctr"/>
+            <a:r>
+              <a:rPr lang="en-US" dirty="0"/>
+              <a:t>Proxy Server</a:t>
+            </a:r>
+          </a:p>
+        </p:txBody>
+      </p:sp>
+      <p:sp>
+        <p:nvSpPr>
+          <p:cNvPr id="11" name="Rectangle 10">
+            <a:extLst>
+              <a:ext uri="{FF2B5EF4-FFF2-40B4-BE49-F238E27FC236}">
+                <a16:creationId xmlns:a16="http://schemas.microsoft.com/office/drawing/2014/main" id="{3FE2324B-5DA6-428D-AEDD-A1116BF30A0B}"/>
+              </a:ext>
+            </a:extLst>
+          </p:cNvPr>
+          <p:cNvSpPr/>
+          <p:nvPr/>
+        </p:nvSpPr>
+        <p:spPr>
+          <a:xfrm>
+            <a:off x="6532486" y="519945"/>
+            <a:ext cx="4585548" cy="2012548"/>
+          </a:xfrm>
+          <a:prstGeom prst="rect">
+            <a:avLst/>
+          </a:prstGeom>
+        </p:spPr>
+        <p:style>
+          <a:lnRef idx="2">
+            <a:schemeClr val="accent4">
+              <a:shade val="50000"/>
+            </a:schemeClr>
+          </a:lnRef>
+          <a:fillRef idx="1">
+            <a:schemeClr val="accent4"/>
+          </a:fillRef>
+          <a:effectRef idx="0">
+            <a:schemeClr val="accent4"/>
+          </a:effectRef>
+          <a:fontRef idx="minor">
+            <a:schemeClr val="lt1"/>
+          </a:fontRef>
+        </p:style>
+        <p:txBody>
+          <a:bodyPr rtlCol="0" anchor="ctr"/>
+          <a:lstStyle/>
+          <a:p>
+            <a:pPr algn="ctr"/>
+            <a:r>
+              <a:rPr lang="en-US" dirty="0"/>
+              <a:t>Backend</a:t>
+            </a:r>
+          </a:p>
+        </p:txBody>
+      </p:sp>
+      <p:sp>
+        <p:nvSpPr>
+          <p:cNvPr id="12" name="Rectangle 11">
+            <a:extLst>
+              <a:ext uri="{FF2B5EF4-FFF2-40B4-BE49-F238E27FC236}">
+                <a16:creationId xmlns:a16="http://schemas.microsoft.com/office/drawing/2014/main" id="{ED4EB9FE-3A7F-40D9-9220-53EB79A57B4D}"/>
+              </a:ext>
+            </a:extLst>
+          </p:cNvPr>
+          <p:cNvSpPr/>
+          <p:nvPr/>
+        </p:nvSpPr>
+        <p:spPr>
+          <a:xfrm>
+            <a:off x="6684886" y="672345"/>
+            <a:ext cx="4585548" cy="2012548"/>
+          </a:xfrm>
+          <a:prstGeom prst="rect">
+            <a:avLst/>
+          </a:prstGeom>
+        </p:spPr>
+        <p:style>
+          <a:lnRef idx="2">
+            <a:schemeClr val="accent4">
+              <a:shade val="50000"/>
+            </a:schemeClr>
+          </a:lnRef>
+          <a:fillRef idx="1">
+            <a:schemeClr val="accent4"/>
+          </a:fillRef>
+          <a:effectRef idx="0">
+            <a:schemeClr val="accent4"/>
+          </a:effectRef>
+          <a:fontRef idx="minor">
+            <a:schemeClr val="lt1"/>
+          </a:fontRef>
+        </p:style>
+        <p:txBody>
+          <a:bodyPr rtlCol="0" anchor="ctr"/>
+          <a:lstStyle/>
+          <a:p>
+            <a:pPr algn="ctr"/>
+            <a:r>
+              <a:rPr lang="en-US" dirty="0"/>
+              <a:t>Backend</a:t>
+            </a:r>
+          </a:p>
+        </p:txBody>
+      </p:sp>
+      <p:sp>
+        <p:nvSpPr>
+          <p:cNvPr id="13" name="Rectangle 12">
+            <a:extLst>
+              <a:ext uri="{FF2B5EF4-FFF2-40B4-BE49-F238E27FC236}">
+                <a16:creationId xmlns:a16="http://schemas.microsoft.com/office/drawing/2014/main" id="{714EB16E-6D82-4C36-BFAA-BD8274FCE4FC}"/>
+              </a:ext>
+            </a:extLst>
+          </p:cNvPr>
+          <p:cNvSpPr/>
+          <p:nvPr/>
+        </p:nvSpPr>
+        <p:spPr>
+          <a:xfrm>
+            <a:off x="6837286" y="824745"/>
+            <a:ext cx="4585548" cy="2012548"/>
+          </a:xfrm>
+          <a:prstGeom prst="rect">
+            <a:avLst/>
+          </a:prstGeom>
+        </p:spPr>
+        <p:style>
+          <a:lnRef idx="2">
+            <a:schemeClr val="accent4">
+              <a:shade val="50000"/>
+            </a:schemeClr>
+          </a:lnRef>
+          <a:fillRef idx="1">
+            <a:schemeClr val="accent4"/>
+          </a:fillRef>
+          <a:effectRef idx="0">
+            <a:schemeClr val="accent4"/>
+          </a:effectRef>
+          <a:fontRef idx="minor">
+            <a:schemeClr val="lt1"/>
+          </a:fontRef>
+        </p:style>
+        <p:txBody>
+          <a:bodyPr rtlCol="0" anchor="ctr"/>
+          <a:lstStyle/>
+          <a:p>
+            <a:pPr algn="ctr"/>
+            <a:r>
+              <a:rPr lang="en-US" dirty="0"/>
+              <a:t>Backend Service</a:t>
+            </a:r>
+          </a:p>
+        </p:txBody>
+      </p:sp>
+      <p:sp>
+        <p:nvSpPr>
+          <p:cNvPr id="14" name="Arrow: Right 13">
+            <a:extLst>
+              <a:ext uri="{FF2B5EF4-FFF2-40B4-BE49-F238E27FC236}">
+                <a16:creationId xmlns:a16="http://schemas.microsoft.com/office/drawing/2014/main" id="{7B66688B-6860-4359-A034-770C6E8D726E}"/>
+              </a:ext>
+            </a:extLst>
+          </p:cNvPr>
+          <p:cNvSpPr/>
+          <p:nvPr/>
+        </p:nvSpPr>
+        <p:spPr>
+          <a:xfrm rot="19091194">
+            <a:off x="5812934" y="2804090"/>
+            <a:ext cx="758362" cy="426406"/>
+          </a:xfrm>
+          <a:prstGeom prst="rightArrow">
+            <a:avLst/>
+          </a:prstGeom>
+        </p:spPr>
+        <p:style>
+          <a:lnRef idx="2">
+            <a:schemeClr val="accent1">
+              <a:shade val="50000"/>
+            </a:schemeClr>
+          </a:lnRef>
+          <a:fillRef idx="1">
+            <a:schemeClr val="accent1"/>
+          </a:fillRef>
+          <a:effectRef idx="0">
+            <a:schemeClr val="accent1"/>
+          </a:effectRef>
+          <a:fontRef idx="minor">
+            <a:schemeClr val="lt1"/>
+          </a:fontRef>
+        </p:style>
+        <p:txBody>
+          <a:bodyPr rtlCol="0" anchor="ctr"/>
+          <a:lstStyle/>
+          <a:p>
+            <a:pPr algn="ctr"/>
+            <a:endParaRPr lang="en-US"/>
+          </a:p>
+        </p:txBody>
+      </p:sp>
+      <p:sp>
+        <p:nvSpPr>
+          <p:cNvPr id="15" name="Arrow: Right 14">
+            <a:extLst>
+              <a:ext uri="{FF2B5EF4-FFF2-40B4-BE49-F238E27FC236}">
+                <a16:creationId xmlns:a16="http://schemas.microsoft.com/office/drawing/2014/main" id="{C5CD0665-76D1-4DA1-B01E-B48533E07803}"/>
+              </a:ext>
+            </a:extLst>
+          </p:cNvPr>
+          <p:cNvSpPr/>
+          <p:nvPr/>
+        </p:nvSpPr>
+        <p:spPr>
+          <a:xfrm rot="19091194">
+            <a:off x="5965334" y="2956490"/>
+            <a:ext cx="758362" cy="426406"/>
+          </a:xfrm>
+          <a:prstGeom prst="rightArrow">
+            <a:avLst/>
+          </a:prstGeom>
+        </p:spPr>
+        <p:style>
+          <a:lnRef idx="2">
+            <a:schemeClr val="accent1">
+              <a:shade val="50000"/>
+            </a:schemeClr>
+          </a:lnRef>
+          <a:fillRef idx="1">
+            <a:schemeClr val="accent1"/>
+          </a:fillRef>
+          <a:effectRef idx="0">
+            <a:schemeClr val="accent1"/>
+          </a:effectRef>
+          <a:fontRef idx="minor">
+            <a:schemeClr val="lt1"/>
+          </a:fontRef>
+        </p:style>
+        <p:txBody>
+          <a:bodyPr rtlCol="0" anchor="ctr"/>
+          <a:lstStyle/>
+          <a:p>
+            <a:pPr algn="ctr"/>
+            <a:endParaRPr lang="en-US"/>
+          </a:p>
+        </p:txBody>
+      </p:sp>
+      <p:sp>
+        <p:nvSpPr>
+          <p:cNvPr id="16" name="Arrow: Right 15">
+            <a:extLst>
+              <a:ext uri="{FF2B5EF4-FFF2-40B4-BE49-F238E27FC236}">
+                <a16:creationId xmlns:a16="http://schemas.microsoft.com/office/drawing/2014/main" id="{960096A3-0680-4E78-843A-C8DA0F60B6CA}"/>
+              </a:ext>
+            </a:extLst>
+          </p:cNvPr>
+          <p:cNvSpPr/>
+          <p:nvPr/>
+        </p:nvSpPr>
+        <p:spPr>
+          <a:xfrm rot="19091194">
+            <a:off x="6117734" y="3108890"/>
+            <a:ext cx="758362" cy="426406"/>
+          </a:xfrm>
+          <a:prstGeom prst="rightArrow">
+            <a:avLst/>
+          </a:prstGeom>
+        </p:spPr>
+        <p:style>
+          <a:lnRef idx="2">
+            <a:schemeClr val="accent1">
+              <a:shade val="50000"/>
+            </a:schemeClr>
+          </a:lnRef>
+          <a:fillRef idx="1">
+            <a:schemeClr val="accent1"/>
+          </a:fillRef>
+          <a:effectRef idx="0">
+            <a:schemeClr val="accent1"/>
+          </a:effectRef>
+          <a:fontRef idx="minor">
+            <a:schemeClr val="lt1"/>
+          </a:fontRef>
+        </p:style>
+        <p:txBody>
+          <a:bodyPr rtlCol="0" anchor="ctr"/>
+          <a:lstStyle/>
+          <a:p>
+            <a:pPr algn="ctr"/>
+            <a:endParaRPr lang="en-US"/>
+          </a:p>
+        </p:txBody>
+      </p:sp>
+      <p:sp>
+        <p:nvSpPr>
+          <p:cNvPr id="17" name="Arrow: Right 16">
+            <a:extLst>
+              <a:ext uri="{FF2B5EF4-FFF2-40B4-BE49-F238E27FC236}">
+                <a16:creationId xmlns:a16="http://schemas.microsoft.com/office/drawing/2014/main" id="{9015A46A-2CB9-4DB4-AF30-0678EF4EF387}"/>
+              </a:ext>
+            </a:extLst>
+          </p:cNvPr>
+          <p:cNvSpPr/>
+          <p:nvPr/>
+        </p:nvSpPr>
+        <p:spPr>
+          <a:xfrm rot="19091194">
+            <a:off x="6270134" y="3261290"/>
+            <a:ext cx="758362" cy="426406"/>
+          </a:xfrm>
+          <a:prstGeom prst="rightArrow">
+            <a:avLst/>
+          </a:prstGeom>
+        </p:spPr>
+        <p:style>
+          <a:lnRef idx="2">
+            <a:schemeClr val="accent1">
+              <a:shade val="50000"/>
+            </a:schemeClr>
+          </a:lnRef>
+          <a:fillRef idx="1">
+            <a:schemeClr val="accent1"/>
+          </a:fillRef>
+          <a:effectRef idx="0">
+            <a:schemeClr val="accent1"/>
+          </a:effectRef>
+          <a:fontRef idx="minor">
+            <a:schemeClr val="lt1"/>
+          </a:fontRef>
+        </p:style>
+        <p:txBody>
+          <a:bodyPr rtlCol="0" anchor="ctr"/>
+          <a:lstStyle/>
+          <a:p>
+            <a:pPr algn="ctr"/>
+            <a:endParaRPr lang="en-US"/>
+          </a:p>
+        </p:txBody>
+      </p:sp>
+      <p:sp>
+        <p:nvSpPr>
+          <p:cNvPr id="18" name="Rectangle 17">
+            <a:extLst>
+              <a:ext uri="{FF2B5EF4-FFF2-40B4-BE49-F238E27FC236}">
+                <a16:creationId xmlns:a16="http://schemas.microsoft.com/office/drawing/2014/main" id="{82412538-C4CE-44B4-A9DC-1B9F71A4B5C6}"/>
+              </a:ext>
+            </a:extLst>
+          </p:cNvPr>
+          <p:cNvSpPr/>
+          <p:nvPr/>
+        </p:nvSpPr>
+        <p:spPr>
+          <a:xfrm>
+            <a:off x="6192115" y="4325509"/>
+            <a:ext cx="4585548" cy="2012548"/>
+          </a:xfrm>
+          <a:prstGeom prst="rect">
+            <a:avLst/>
+          </a:prstGeom>
+        </p:spPr>
+        <p:style>
+          <a:lnRef idx="2">
+            <a:schemeClr val="accent4">
+              <a:shade val="50000"/>
+            </a:schemeClr>
+          </a:lnRef>
+          <a:fillRef idx="1">
+            <a:schemeClr val="accent4"/>
+          </a:fillRef>
+          <a:effectRef idx="0">
+            <a:schemeClr val="accent4"/>
+          </a:effectRef>
+          <a:fontRef idx="minor">
+            <a:schemeClr val="lt1"/>
+          </a:fontRef>
+        </p:style>
+        <p:txBody>
+          <a:bodyPr rtlCol="0" anchor="ctr"/>
+          <a:lstStyle/>
+          <a:p>
+            <a:pPr algn="ctr"/>
+            <a:r>
+              <a:rPr lang="en-US" dirty="0"/>
+              <a:t>Other Backend Service</a:t>
+            </a:r>
+          </a:p>
+        </p:txBody>
+      </p:sp>
+      <p:sp>
+        <p:nvSpPr>
+          <p:cNvPr id="19" name="Arrow: Right 18">
+            <a:extLst>
+              <a:ext uri="{FF2B5EF4-FFF2-40B4-BE49-F238E27FC236}">
+                <a16:creationId xmlns:a16="http://schemas.microsoft.com/office/drawing/2014/main" id="{75918B84-F115-481A-B7D0-9155DAA1BB5C}"/>
+              </a:ext>
+            </a:extLst>
+          </p:cNvPr>
+          <p:cNvSpPr/>
+          <p:nvPr/>
+        </p:nvSpPr>
+        <p:spPr>
+          <a:xfrm rot="5400000">
+            <a:off x="8556287" y="3368198"/>
+            <a:ext cx="758362" cy="426406"/>
+          </a:xfrm>
+          <a:prstGeom prst="rightArrow">
+            <a:avLst/>
+          </a:prstGeom>
+        </p:spPr>
+        <p:style>
+          <a:lnRef idx="2">
+            <a:schemeClr val="accent1">
+              <a:shade val="50000"/>
+            </a:schemeClr>
+          </a:lnRef>
+          <a:fillRef idx="1">
+            <a:schemeClr val="accent1"/>
+          </a:fillRef>
+          <a:effectRef idx="0">
+            <a:schemeClr val="accent1"/>
+          </a:effectRef>
+          <a:fontRef idx="minor">
+            <a:schemeClr val="lt1"/>
+          </a:fontRef>
+        </p:style>
+        <p:txBody>
+          <a:bodyPr rtlCol="0" anchor="ctr"/>
+          <a:lstStyle/>
+          <a:p>
+            <a:pPr algn="ctr"/>
+            <a:endParaRPr lang="en-US"/>
+          </a:p>
+        </p:txBody>
+      </p:sp>
+      <p:sp>
+        <p:nvSpPr>
+          <p:cNvPr id="20" name="Rectangle 19">
+            <a:extLst>
+              <a:ext uri="{FF2B5EF4-FFF2-40B4-BE49-F238E27FC236}">
+                <a16:creationId xmlns:a16="http://schemas.microsoft.com/office/drawing/2014/main" id="{7D549DAA-7095-4EF4-9EEA-AFE9DC33A990}"/>
+              </a:ext>
+            </a:extLst>
+          </p:cNvPr>
+          <p:cNvSpPr/>
+          <p:nvPr/>
+        </p:nvSpPr>
+        <p:spPr>
+          <a:xfrm>
+            <a:off x="6344515" y="4477909"/>
+            <a:ext cx="4585548" cy="2012548"/>
+          </a:xfrm>
+          <a:prstGeom prst="rect">
+            <a:avLst/>
+          </a:prstGeom>
+        </p:spPr>
+        <p:style>
+          <a:lnRef idx="2">
+            <a:schemeClr val="accent4">
+              <a:shade val="50000"/>
+            </a:schemeClr>
+          </a:lnRef>
+          <a:fillRef idx="1">
+            <a:schemeClr val="accent4"/>
+          </a:fillRef>
+          <a:effectRef idx="0">
+            <a:schemeClr val="accent4"/>
+          </a:effectRef>
+          <a:fontRef idx="minor">
+            <a:schemeClr val="lt1"/>
+          </a:fontRef>
+        </p:style>
+        <p:txBody>
+          <a:bodyPr rtlCol="0" anchor="ctr"/>
+          <a:lstStyle/>
+          <a:p>
+            <a:pPr algn="ctr"/>
+            <a:r>
+              <a:rPr lang="en-US" dirty="0"/>
+              <a:t>Other Backend Service</a:t>
+            </a:r>
+          </a:p>
+        </p:txBody>
+      </p:sp>
+      <p:sp>
+        <p:nvSpPr>
+          <p:cNvPr id="21" name="Rectangle 20">
+            <a:extLst>
+              <a:ext uri="{FF2B5EF4-FFF2-40B4-BE49-F238E27FC236}">
+                <a16:creationId xmlns:a16="http://schemas.microsoft.com/office/drawing/2014/main" id="{BBD3F8D5-C584-4F5F-8DE1-91B5CDCBF90E}"/>
+              </a:ext>
+            </a:extLst>
+          </p:cNvPr>
+          <p:cNvSpPr/>
+          <p:nvPr/>
+        </p:nvSpPr>
+        <p:spPr>
+          <a:xfrm>
+            <a:off x="6496915" y="4630309"/>
+            <a:ext cx="4585548" cy="2012548"/>
+          </a:xfrm>
+          <a:prstGeom prst="rect">
+            <a:avLst/>
+          </a:prstGeom>
+        </p:spPr>
+        <p:style>
+          <a:lnRef idx="2">
+            <a:schemeClr val="accent4">
+              <a:shade val="50000"/>
+            </a:schemeClr>
+          </a:lnRef>
+          <a:fillRef idx="1">
+            <a:schemeClr val="accent4"/>
+          </a:fillRef>
+          <a:effectRef idx="0">
+            <a:schemeClr val="accent4"/>
+          </a:effectRef>
+          <a:fontRef idx="minor">
+            <a:schemeClr val="lt1"/>
+          </a:fontRef>
+        </p:style>
+        <p:txBody>
+          <a:bodyPr rtlCol="0" anchor="ctr"/>
+          <a:lstStyle/>
+          <a:p>
+            <a:pPr algn="ctr"/>
+            <a:r>
+              <a:rPr lang="en-US" dirty="0"/>
+              <a:t>Other Backend Service</a:t>
+            </a:r>
+          </a:p>
+        </p:txBody>
+      </p:sp>
+      <p:sp>
+        <p:nvSpPr>
+          <p:cNvPr id="22" name="Rectangle 21">
+            <a:extLst>
+              <a:ext uri="{FF2B5EF4-FFF2-40B4-BE49-F238E27FC236}">
+                <a16:creationId xmlns:a16="http://schemas.microsoft.com/office/drawing/2014/main" id="{C18E29CD-0998-4070-8980-056D0B2725F2}"/>
+              </a:ext>
+            </a:extLst>
+          </p:cNvPr>
+          <p:cNvSpPr/>
+          <p:nvPr/>
+        </p:nvSpPr>
+        <p:spPr>
+          <a:xfrm>
+            <a:off x="6649315" y="4782709"/>
+            <a:ext cx="4585548" cy="2012548"/>
+          </a:xfrm>
+          <a:prstGeom prst="rect">
+            <a:avLst/>
+          </a:prstGeom>
+        </p:spPr>
+        <p:style>
+          <a:lnRef idx="2">
+            <a:schemeClr val="accent4">
+              <a:shade val="50000"/>
+            </a:schemeClr>
+          </a:lnRef>
+          <a:fillRef idx="1">
+            <a:schemeClr val="accent4"/>
+          </a:fillRef>
+          <a:effectRef idx="0">
+            <a:schemeClr val="accent4"/>
+          </a:effectRef>
+          <a:fontRef idx="minor">
+            <a:schemeClr val="lt1"/>
+          </a:fontRef>
+        </p:style>
+        <p:txBody>
+          <a:bodyPr rtlCol="0" anchor="ctr"/>
+          <a:lstStyle/>
+          <a:p>
+            <a:pPr algn="ctr"/>
+            <a:r>
+              <a:rPr lang="en-US" dirty="0"/>
+              <a:t>Other Backend Service</a:t>
+            </a:r>
+          </a:p>
+        </p:txBody>
+      </p:sp>
+      <p:sp>
+        <p:nvSpPr>
+          <p:cNvPr id="23" name="Arrow: Right 22">
+            <a:extLst>
+              <a:ext uri="{FF2B5EF4-FFF2-40B4-BE49-F238E27FC236}">
+                <a16:creationId xmlns:a16="http://schemas.microsoft.com/office/drawing/2014/main" id="{F21EA11C-3E62-4F04-B694-E95E5ADAAB13}"/>
+              </a:ext>
+            </a:extLst>
+          </p:cNvPr>
+          <p:cNvSpPr/>
+          <p:nvPr/>
+        </p:nvSpPr>
+        <p:spPr>
+          <a:xfrm rot="5400000">
+            <a:off x="8708687" y="3520598"/>
+            <a:ext cx="758362" cy="426406"/>
+          </a:xfrm>
+          <a:prstGeom prst="rightArrow">
+            <a:avLst/>
+          </a:prstGeom>
+        </p:spPr>
+        <p:style>
+          <a:lnRef idx="2">
+            <a:schemeClr val="accent1">
+              <a:shade val="50000"/>
+            </a:schemeClr>
+          </a:lnRef>
+          <a:fillRef idx="1">
+            <a:schemeClr val="accent1"/>
+          </a:fillRef>
+          <a:effectRef idx="0">
+            <a:schemeClr val="accent1"/>
+          </a:effectRef>
+          <a:fontRef idx="minor">
+            <a:schemeClr val="lt1"/>
+          </a:fontRef>
+        </p:style>
+        <p:txBody>
+          <a:bodyPr rtlCol="0" anchor="ctr"/>
+          <a:lstStyle/>
+          <a:p>
+            <a:pPr algn="ctr"/>
+            <a:endParaRPr lang="en-US"/>
+          </a:p>
+        </p:txBody>
+      </p:sp>
+      <p:sp>
+        <p:nvSpPr>
+          <p:cNvPr id="24" name="Arrow: Right 23">
+            <a:extLst>
+              <a:ext uri="{FF2B5EF4-FFF2-40B4-BE49-F238E27FC236}">
+                <a16:creationId xmlns:a16="http://schemas.microsoft.com/office/drawing/2014/main" id="{37751D81-BD46-4FC2-8202-A361EC14379A}"/>
+              </a:ext>
+            </a:extLst>
+          </p:cNvPr>
+          <p:cNvSpPr/>
+          <p:nvPr/>
+        </p:nvSpPr>
+        <p:spPr>
+          <a:xfrm rot="5400000">
+            <a:off x="8861087" y="3672998"/>
+            <a:ext cx="758362" cy="426406"/>
+          </a:xfrm>
+          <a:prstGeom prst="rightArrow">
+            <a:avLst/>
+          </a:prstGeom>
+        </p:spPr>
+        <p:style>
+          <a:lnRef idx="2">
+            <a:schemeClr val="accent1">
+              <a:shade val="50000"/>
+            </a:schemeClr>
+          </a:lnRef>
+          <a:fillRef idx="1">
+            <a:schemeClr val="accent1"/>
+          </a:fillRef>
+          <a:effectRef idx="0">
+            <a:schemeClr val="accent1"/>
+          </a:effectRef>
+          <a:fontRef idx="minor">
+            <a:schemeClr val="lt1"/>
+          </a:fontRef>
+        </p:style>
+        <p:txBody>
+          <a:bodyPr rtlCol="0" anchor="ctr"/>
+          <a:lstStyle/>
+          <a:p>
+            <a:pPr algn="ctr"/>
+            <a:endParaRPr lang="en-US"/>
+          </a:p>
+        </p:txBody>
+      </p:sp>
+      <p:sp>
+        <p:nvSpPr>
+          <p:cNvPr id="25" name="Arrow: Right 24">
+            <a:extLst>
+              <a:ext uri="{FF2B5EF4-FFF2-40B4-BE49-F238E27FC236}">
+                <a16:creationId xmlns:a16="http://schemas.microsoft.com/office/drawing/2014/main" id="{985F80A9-BC58-42FD-B130-E8C81BD278BD}"/>
+              </a:ext>
+            </a:extLst>
+          </p:cNvPr>
+          <p:cNvSpPr/>
+          <p:nvPr/>
+        </p:nvSpPr>
+        <p:spPr>
+          <a:xfrm rot="5400000">
+            <a:off x="9013487" y="3825398"/>
+            <a:ext cx="758362" cy="426406"/>
+          </a:xfrm>
+          <a:prstGeom prst="rightArrow">
+            <a:avLst/>
+          </a:prstGeom>
+        </p:spPr>
+        <p:style>
+          <a:lnRef idx="2">
+            <a:schemeClr val="accent1">
+              <a:shade val="50000"/>
+            </a:schemeClr>
+          </a:lnRef>
+          <a:fillRef idx="1">
+            <a:schemeClr val="accent1"/>
+          </a:fillRef>
+          <a:effectRef idx="0">
+            <a:schemeClr val="accent1"/>
+          </a:effectRef>
+          <a:fontRef idx="minor">
+            <a:schemeClr val="lt1"/>
+          </a:fontRef>
+        </p:style>
+        <p:txBody>
+          <a:bodyPr rtlCol="0" anchor="ctr"/>
+          <a:lstStyle/>
+          <a:p>
+            <a:pPr algn="ctr"/>
+            <a:endParaRPr lang="en-US"/>
+          </a:p>
+        </p:txBody>
+      </p:sp>
+    </p:spTree>
+    <p:extLst>
+      <p:ext uri="{BB962C8B-B14F-4D97-AF65-F5344CB8AC3E}">
+        <p14:creationId xmlns:p14="http://schemas.microsoft.com/office/powerpoint/2010/main" val="2285346191"/>
+      </p:ext>
+    </p:extLst>
+  </p:cSld>
+  <p:clrMapOvr>
+    <a:masterClrMapping/>
+  </p:clrMapOvr>
+</p:sld>
+</file>
+
 <file path=ppt/slides/slide2.xml><?xml version="1.0" encoding="utf-8"?>
 <p:sld xmlns:a="http://schemas.openxmlformats.org/drawingml/2006/main" xmlns:r="http://schemas.openxmlformats.org/officeDocument/2006/relationships" xmlns:p="http://schemas.openxmlformats.org/presentationml/2006/main">
   <p:cSld>
@@ -6733,6 +8146,1533 @@
     <p:extLst>
       <p:ext uri="{BB962C8B-B14F-4D97-AF65-F5344CB8AC3E}">
         <p14:creationId xmlns:p14="http://schemas.microsoft.com/office/powerpoint/2010/main" val="511768904"/>
+      </p:ext>
+    </p:extLst>
+  </p:cSld>
+  <p:clrMapOvr>
+    <a:masterClrMapping/>
+  </p:clrMapOvr>
+</p:sld>
+</file>
+
+<file path=ppt/slides/slide20.xml><?xml version="1.0" encoding="utf-8"?>
+<p:sld xmlns:a="http://schemas.openxmlformats.org/drawingml/2006/main" xmlns:r="http://schemas.openxmlformats.org/officeDocument/2006/relationships" xmlns:p="http://schemas.openxmlformats.org/presentationml/2006/main">
+  <p:cSld>
+    <p:spTree>
+      <p:nvGrpSpPr>
+        <p:cNvPr id="1" name=""/>
+        <p:cNvGrpSpPr/>
+        <p:nvPr/>
+      </p:nvGrpSpPr>
+      <p:grpSpPr>
+        <a:xfrm>
+          <a:off x="0" y="0"/>
+          <a:ext cx="0" cy="0"/>
+          <a:chOff x="0" y="0"/>
+          <a:chExt cx="0" cy="0"/>
+        </a:xfrm>
+      </p:grpSpPr>
+      <p:sp>
+        <p:nvSpPr>
+          <p:cNvPr id="2" name="Title 1">
+            <a:extLst>
+              <a:ext uri="{FF2B5EF4-FFF2-40B4-BE49-F238E27FC236}">
+                <a16:creationId xmlns:a16="http://schemas.microsoft.com/office/drawing/2014/main" id="{4BE4CDBD-1F1A-4C43-8107-25B20BF10DD0}"/>
+              </a:ext>
+            </a:extLst>
+          </p:cNvPr>
+          <p:cNvSpPr>
+            <a:spLocks noGrp="1"/>
+          </p:cNvSpPr>
+          <p:nvPr>
+            <p:ph type="title"/>
+          </p:nvPr>
+        </p:nvSpPr>
+        <p:spPr>
+          <a:xfrm>
+            <a:off x="838200" y="205327"/>
+            <a:ext cx="10515600" cy="1325563"/>
+          </a:xfrm>
+        </p:spPr>
+        <p:txBody>
+          <a:bodyPr/>
+          <a:lstStyle/>
+          <a:p>
+            <a:r>
+              <a:rPr lang="en-US" dirty="0"/>
+              <a:t>Not Messaging Queues (HTTP request)</a:t>
+            </a:r>
+          </a:p>
+        </p:txBody>
+      </p:sp>
+      <p:sp>
+        <p:nvSpPr>
+          <p:cNvPr id="4" name="Oval 3">
+            <a:extLst>
+              <a:ext uri="{FF2B5EF4-FFF2-40B4-BE49-F238E27FC236}">
+                <a16:creationId xmlns:a16="http://schemas.microsoft.com/office/drawing/2014/main" id="{54DC127C-5E6E-4493-99D0-91A0CEEFC433}"/>
+              </a:ext>
+            </a:extLst>
+          </p:cNvPr>
+          <p:cNvSpPr/>
+          <p:nvPr/>
+        </p:nvSpPr>
+        <p:spPr>
+          <a:xfrm>
+            <a:off x="665825" y="2594499"/>
+            <a:ext cx="2157274" cy="1669002"/>
+          </a:xfrm>
+          <a:prstGeom prst="ellipse">
+            <a:avLst/>
+          </a:prstGeom>
+        </p:spPr>
+        <p:style>
+          <a:lnRef idx="2">
+            <a:schemeClr val="accent1">
+              <a:shade val="50000"/>
+            </a:schemeClr>
+          </a:lnRef>
+          <a:fillRef idx="1">
+            <a:schemeClr val="accent1"/>
+          </a:fillRef>
+          <a:effectRef idx="0">
+            <a:schemeClr val="accent1"/>
+          </a:effectRef>
+          <a:fontRef idx="minor">
+            <a:schemeClr val="lt1"/>
+          </a:fontRef>
+        </p:style>
+        <p:txBody>
+          <a:bodyPr rtlCol="0" anchor="ctr"/>
+          <a:lstStyle/>
+          <a:p>
+            <a:pPr algn="ctr"/>
+            <a:r>
+              <a:rPr lang="en-US" dirty="0"/>
+              <a:t>Producer</a:t>
+            </a:r>
+          </a:p>
+        </p:txBody>
+      </p:sp>
+      <p:sp>
+        <p:nvSpPr>
+          <p:cNvPr id="5" name="Oval 4">
+            <a:extLst>
+              <a:ext uri="{FF2B5EF4-FFF2-40B4-BE49-F238E27FC236}">
+                <a16:creationId xmlns:a16="http://schemas.microsoft.com/office/drawing/2014/main" id="{FBC7CB85-3E80-41C9-83A8-2102268AC1C0}"/>
+              </a:ext>
+            </a:extLst>
+          </p:cNvPr>
+          <p:cNvSpPr/>
+          <p:nvPr/>
+        </p:nvSpPr>
+        <p:spPr>
+          <a:xfrm>
+            <a:off x="7361067" y="1306497"/>
+            <a:ext cx="2157274" cy="1669002"/>
+          </a:xfrm>
+          <a:prstGeom prst="ellipse">
+            <a:avLst/>
+          </a:prstGeom>
+        </p:spPr>
+        <p:style>
+          <a:lnRef idx="2">
+            <a:schemeClr val="accent4">
+              <a:shade val="50000"/>
+            </a:schemeClr>
+          </a:lnRef>
+          <a:fillRef idx="1">
+            <a:schemeClr val="accent4"/>
+          </a:fillRef>
+          <a:effectRef idx="0">
+            <a:schemeClr val="accent4"/>
+          </a:effectRef>
+          <a:fontRef idx="minor">
+            <a:schemeClr val="lt1"/>
+          </a:fontRef>
+        </p:style>
+        <p:txBody>
+          <a:bodyPr rtlCol="0" anchor="ctr"/>
+          <a:lstStyle/>
+          <a:p>
+            <a:pPr algn="ctr"/>
+            <a:r>
+              <a:rPr lang="en-US" dirty="0"/>
+              <a:t>Consumer</a:t>
+            </a:r>
+          </a:p>
+        </p:txBody>
+      </p:sp>
+      <p:sp>
+        <p:nvSpPr>
+          <p:cNvPr id="10" name="Oval 9">
+            <a:extLst>
+              <a:ext uri="{FF2B5EF4-FFF2-40B4-BE49-F238E27FC236}">
+                <a16:creationId xmlns:a16="http://schemas.microsoft.com/office/drawing/2014/main" id="{ED298F45-8A83-42EE-9F9A-16D7E0A2D4C0}"/>
+              </a:ext>
+            </a:extLst>
+          </p:cNvPr>
+          <p:cNvSpPr/>
+          <p:nvPr/>
+        </p:nvSpPr>
+        <p:spPr>
+          <a:xfrm>
+            <a:off x="7361067" y="3048001"/>
+            <a:ext cx="2157274" cy="1669002"/>
+          </a:xfrm>
+          <a:prstGeom prst="ellipse">
+            <a:avLst/>
+          </a:prstGeom>
+        </p:spPr>
+        <p:style>
+          <a:lnRef idx="2">
+            <a:schemeClr val="accent4">
+              <a:shade val="50000"/>
+            </a:schemeClr>
+          </a:lnRef>
+          <a:fillRef idx="1">
+            <a:schemeClr val="accent4"/>
+          </a:fillRef>
+          <a:effectRef idx="0">
+            <a:schemeClr val="accent4"/>
+          </a:effectRef>
+          <a:fontRef idx="minor">
+            <a:schemeClr val="lt1"/>
+          </a:fontRef>
+        </p:style>
+        <p:txBody>
+          <a:bodyPr rtlCol="0" anchor="ctr"/>
+          <a:lstStyle/>
+          <a:p>
+            <a:pPr algn="ctr"/>
+            <a:r>
+              <a:rPr lang="en-US" dirty="0"/>
+              <a:t>Consumer</a:t>
+            </a:r>
+          </a:p>
+        </p:txBody>
+      </p:sp>
+      <p:sp>
+        <p:nvSpPr>
+          <p:cNvPr id="11" name="Oval 10">
+            <a:extLst>
+              <a:ext uri="{FF2B5EF4-FFF2-40B4-BE49-F238E27FC236}">
+                <a16:creationId xmlns:a16="http://schemas.microsoft.com/office/drawing/2014/main" id="{CA3C7877-3E74-4C34-98C0-E29C9B3E7E65}"/>
+              </a:ext>
+            </a:extLst>
+          </p:cNvPr>
+          <p:cNvSpPr/>
+          <p:nvPr/>
+        </p:nvSpPr>
+        <p:spPr>
+          <a:xfrm>
+            <a:off x="7361067" y="4816475"/>
+            <a:ext cx="2157274" cy="1669002"/>
+          </a:xfrm>
+          <a:prstGeom prst="ellipse">
+            <a:avLst/>
+          </a:prstGeom>
+        </p:spPr>
+        <p:style>
+          <a:lnRef idx="2">
+            <a:schemeClr val="accent4">
+              <a:shade val="50000"/>
+            </a:schemeClr>
+          </a:lnRef>
+          <a:fillRef idx="1">
+            <a:schemeClr val="accent4"/>
+          </a:fillRef>
+          <a:effectRef idx="0">
+            <a:schemeClr val="accent4"/>
+          </a:effectRef>
+          <a:fontRef idx="minor">
+            <a:schemeClr val="lt1"/>
+          </a:fontRef>
+        </p:style>
+        <p:txBody>
+          <a:bodyPr rtlCol="0" anchor="ctr"/>
+          <a:lstStyle/>
+          <a:p>
+            <a:pPr algn="ctr"/>
+            <a:r>
+              <a:rPr lang="en-US" dirty="0"/>
+              <a:t>Consumer</a:t>
+            </a:r>
+          </a:p>
+        </p:txBody>
+      </p:sp>
+      <p:cxnSp>
+        <p:nvCxnSpPr>
+          <p:cNvPr id="13" name="Straight Arrow Connector 12">
+            <a:extLst>
+              <a:ext uri="{FF2B5EF4-FFF2-40B4-BE49-F238E27FC236}">
+                <a16:creationId xmlns:a16="http://schemas.microsoft.com/office/drawing/2014/main" id="{7E84044D-9996-4321-AEDB-FEFC5B12EE67}"/>
+              </a:ext>
+            </a:extLst>
+          </p:cNvPr>
+          <p:cNvCxnSpPr>
+            <a:stCxn id="4" idx="6"/>
+            <a:endCxn id="5" idx="2"/>
+          </p:cNvCxnSpPr>
+          <p:nvPr/>
+        </p:nvCxnSpPr>
+        <p:spPr>
+          <a:xfrm flipV="1">
+            <a:off x="2823099" y="2140998"/>
+            <a:ext cx="4537968" cy="1288002"/>
+          </a:xfrm>
+          <a:prstGeom prst="straightConnector1">
+            <a:avLst/>
+          </a:prstGeom>
+          <a:ln>
+            <a:tailEnd type="triangle"/>
+          </a:ln>
+        </p:spPr>
+        <p:style>
+          <a:lnRef idx="1">
+            <a:schemeClr val="accent1"/>
+          </a:lnRef>
+          <a:fillRef idx="0">
+            <a:schemeClr val="accent1"/>
+          </a:fillRef>
+          <a:effectRef idx="0">
+            <a:schemeClr val="accent1"/>
+          </a:effectRef>
+          <a:fontRef idx="minor">
+            <a:schemeClr val="tx1"/>
+          </a:fontRef>
+        </p:style>
+      </p:cxnSp>
+      <p:cxnSp>
+        <p:nvCxnSpPr>
+          <p:cNvPr id="15" name="Straight Arrow Connector 14">
+            <a:extLst>
+              <a:ext uri="{FF2B5EF4-FFF2-40B4-BE49-F238E27FC236}">
+                <a16:creationId xmlns:a16="http://schemas.microsoft.com/office/drawing/2014/main" id="{B6B3BCCB-8684-4B2C-8686-BC0BF59429F8}"/>
+              </a:ext>
+            </a:extLst>
+          </p:cNvPr>
+          <p:cNvCxnSpPr>
+            <a:stCxn id="4" idx="6"/>
+            <a:endCxn id="10" idx="2"/>
+          </p:cNvCxnSpPr>
+          <p:nvPr/>
+        </p:nvCxnSpPr>
+        <p:spPr>
+          <a:xfrm>
+            <a:off x="2823099" y="3429000"/>
+            <a:ext cx="4537968" cy="453502"/>
+          </a:xfrm>
+          <a:prstGeom prst="straightConnector1">
+            <a:avLst/>
+          </a:prstGeom>
+          <a:ln>
+            <a:tailEnd type="triangle"/>
+          </a:ln>
+        </p:spPr>
+        <p:style>
+          <a:lnRef idx="1">
+            <a:schemeClr val="accent1"/>
+          </a:lnRef>
+          <a:fillRef idx="0">
+            <a:schemeClr val="accent1"/>
+          </a:fillRef>
+          <a:effectRef idx="0">
+            <a:schemeClr val="accent1"/>
+          </a:effectRef>
+          <a:fontRef idx="minor">
+            <a:schemeClr val="tx1"/>
+          </a:fontRef>
+        </p:style>
+      </p:cxnSp>
+      <p:cxnSp>
+        <p:nvCxnSpPr>
+          <p:cNvPr id="16" name="Straight Arrow Connector 15">
+            <a:extLst>
+              <a:ext uri="{FF2B5EF4-FFF2-40B4-BE49-F238E27FC236}">
+                <a16:creationId xmlns:a16="http://schemas.microsoft.com/office/drawing/2014/main" id="{E4D422B1-A9D8-493F-B6A8-CE08EFDF3FC8}"/>
+              </a:ext>
+            </a:extLst>
+          </p:cNvPr>
+          <p:cNvCxnSpPr>
+            <a:cxnSpLocks/>
+            <a:stCxn id="4" idx="6"/>
+            <a:endCxn id="11" idx="2"/>
+          </p:cNvCxnSpPr>
+          <p:nvPr/>
+        </p:nvCxnSpPr>
+        <p:spPr>
+          <a:xfrm>
+            <a:off x="2823099" y="3429000"/>
+            <a:ext cx="4537968" cy="2221976"/>
+          </a:xfrm>
+          <a:prstGeom prst="straightConnector1">
+            <a:avLst/>
+          </a:prstGeom>
+          <a:ln>
+            <a:tailEnd type="triangle"/>
+          </a:ln>
+        </p:spPr>
+        <p:style>
+          <a:lnRef idx="1">
+            <a:schemeClr val="accent1"/>
+          </a:lnRef>
+          <a:fillRef idx="0">
+            <a:schemeClr val="accent1"/>
+          </a:fillRef>
+          <a:effectRef idx="0">
+            <a:schemeClr val="accent1"/>
+          </a:effectRef>
+          <a:fontRef idx="minor">
+            <a:schemeClr val="tx1"/>
+          </a:fontRef>
+        </p:style>
+      </p:cxnSp>
+    </p:spTree>
+    <p:extLst>
+      <p:ext uri="{BB962C8B-B14F-4D97-AF65-F5344CB8AC3E}">
+        <p14:creationId xmlns:p14="http://schemas.microsoft.com/office/powerpoint/2010/main" val="2245621887"/>
+      </p:ext>
+    </p:extLst>
+  </p:cSld>
+  <p:clrMapOvr>
+    <a:masterClrMapping/>
+  </p:clrMapOvr>
+</p:sld>
+</file>
+
+<file path=ppt/slides/slide21.xml><?xml version="1.0" encoding="utf-8"?>
+<p:sld xmlns:a="http://schemas.openxmlformats.org/drawingml/2006/main" xmlns:r="http://schemas.openxmlformats.org/officeDocument/2006/relationships" xmlns:p="http://schemas.openxmlformats.org/presentationml/2006/main">
+  <p:cSld>
+    <p:spTree>
+      <p:nvGrpSpPr>
+        <p:cNvPr id="1" name=""/>
+        <p:cNvGrpSpPr/>
+        <p:nvPr/>
+      </p:nvGrpSpPr>
+      <p:grpSpPr>
+        <a:xfrm>
+          <a:off x="0" y="0"/>
+          <a:ext cx="0" cy="0"/>
+          <a:chOff x="0" y="0"/>
+          <a:chExt cx="0" cy="0"/>
+        </a:xfrm>
+      </p:grpSpPr>
+      <p:sp>
+        <p:nvSpPr>
+          <p:cNvPr id="2" name="Title 1">
+            <a:extLst>
+              <a:ext uri="{FF2B5EF4-FFF2-40B4-BE49-F238E27FC236}">
+                <a16:creationId xmlns:a16="http://schemas.microsoft.com/office/drawing/2014/main" id="{4BE4CDBD-1F1A-4C43-8107-25B20BF10DD0}"/>
+              </a:ext>
+            </a:extLst>
+          </p:cNvPr>
+          <p:cNvSpPr>
+            <a:spLocks noGrp="1"/>
+          </p:cNvSpPr>
+          <p:nvPr>
+            <p:ph type="title"/>
+          </p:nvPr>
+        </p:nvSpPr>
+        <p:spPr/>
+        <p:txBody>
+          <a:bodyPr/>
+          <a:lstStyle/>
+          <a:p>
+            <a:r>
+              <a:rPr lang="en-US" dirty="0"/>
+              <a:t>Messaging Queues</a:t>
+            </a:r>
+          </a:p>
+        </p:txBody>
+      </p:sp>
+      <p:sp>
+        <p:nvSpPr>
+          <p:cNvPr id="4" name="Oval 3">
+            <a:extLst>
+              <a:ext uri="{FF2B5EF4-FFF2-40B4-BE49-F238E27FC236}">
+                <a16:creationId xmlns:a16="http://schemas.microsoft.com/office/drawing/2014/main" id="{54DC127C-5E6E-4493-99D0-91A0CEEFC433}"/>
+              </a:ext>
+            </a:extLst>
+          </p:cNvPr>
+          <p:cNvSpPr/>
+          <p:nvPr/>
+        </p:nvSpPr>
+        <p:spPr>
+          <a:xfrm>
+            <a:off x="541909" y="2213500"/>
+            <a:ext cx="2157274" cy="1669002"/>
+          </a:xfrm>
+          <a:prstGeom prst="ellipse">
+            <a:avLst/>
+          </a:prstGeom>
+        </p:spPr>
+        <p:style>
+          <a:lnRef idx="2">
+            <a:schemeClr val="accent1">
+              <a:shade val="50000"/>
+            </a:schemeClr>
+          </a:lnRef>
+          <a:fillRef idx="1">
+            <a:schemeClr val="accent1"/>
+          </a:fillRef>
+          <a:effectRef idx="0">
+            <a:schemeClr val="accent1"/>
+          </a:effectRef>
+          <a:fontRef idx="minor">
+            <a:schemeClr val="lt1"/>
+          </a:fontRef>
+        </p:style>
+        <p:txBody>
+          <a:bodyPr rtlCol="0" anchor="ctr"/>
+          <a:lstStyle/>
+          <a:p>
+            <a:pPr algn="ctr"/>
+            <a:r>
+              <a:rPr lang="en-US" dirty="0"/>
+              <a:t>Producer</a:t>
+            </a:r>
+          </a:p>
+        </p:txBody>
+      </p:sp>
+      <p:sp>
+        <p:nvSpPr>
+          <p:cNvPr id="5" name="Oval 4">
+            <a:extLst>
+              <a:ext uri="{FF2B5EF4-FFF2-40B4-BE49-F238E27FC236}">
+                <a16:creationId xmlns:a16="http://schemas.microsoft.com/office/drawing/2014/main" id="{FBC7CB85-3E80-41C9-83A8-2102268AC1C0}"/>
+              </a:ext>
+            </a:extLst>
+          </p:cNvPr>
+          <p:cNvSpPr/>
+          <p:nvPr/>
+        </p:nvSpPr>
+        <p:spPr>
+          <a:xfrm>
+            <a:off x="7897428" y="856187"/>
+            <a:ext cx="2157274" cy="1669002"/>
+          </a:xfrm>
+          <a:prstGeom prst="ellipse">
+            <a:avLst/>
+          </a:prstGeom>
+        </p:spPr>
+        <p:style>
+          <a:lnRef idx="2">
+            <a:schemeClr val="accent4">
+              <a:shade val="50000"/>
+            </a:schemeClr>
+          </a:lnRef>
+          <a:fillRef idx="1">
+            <a:schemeClr val="accent4"/>
+          </a:fillRef>
+          <a:effectRef idx="0">
+            <a:schemeClr val="accent4"/>
+          </a:effectRef>
+          <a:fontRef idx="minor">
+            <a:schemeClr val="lt1"/>
+          </a:fontRef>
+        </p:style>
+        <p:txBody>
+          <a:bodyPr rtlCol="0" anchor="ctr"/>
+          <a:lstStyle/>
+          <a:p>
+            <a:pPr algn="ctr"/>
+            <a:r>
+              <a:rPr lang="en-US" dirty="0"/>
+              <a:t>Consumer</a:t>
+            </a:r>
+          </a:p>
+        </p:txBody>
+      </p:sp>
+      <p:sp>
+        <p:nvSpPr>
+          <p:cNvPr id="10" name="Oval 9">
+            <a:extLst>
+              <a:ext uri="{FF2B5EF4-FFF2-40B4-BE49-F238E27FC236}">
+                <a16:creationId xmlns:a16="http://schemas.microsoft.com/office/drawing/2014/main" id="{ED298F45-8A83-42EE-9F9A-16D7E0A2D4C0}"/>
+              </a:ext>
+            </a:extLst>
+          </p:cNvPr>
+          <p:cNvSpPr/>
+          <p:nvPr/>
+        </p:nvSpPr>
+        <p:spPr>
+          <a:xfrm>
+            <a:off x="8328733" y="2836331"/>
+            <a:ext cx="2157274" cy="1669002"/>
+          </a:xfrm>
+          <a:prstGeom prst="ellipse">
+            <a:avLst/>
+          </a:prstGeom>
+        </p:spPr>
+        <p:style>
+          <a:lnRef idx="2">
+            <a:schemeClr val="accent4">
+              <a:shade val="50000"/>
+            </a:schemeClr>
+          </a:lnRef>
+          <a:fillRef idx="1">
+            <a:schemeClr val="accent4"/>
+          </a:fillRef>
+          <a:effectRef idx="0">
+            <a:schemeClr val="accent4"/>
+          </a:effectRef>
+          <a:fontRef idx="minor">
+            <a:schemeClr val="lt1"/>
+          </a:fontRef>
+        </p:style>
+        <p:txBody>
+          <a:bodyPr rtlCol="0" anchor="ctr"/>
+          <a:lstStyle/>
+          <a:p>
+            <a:pPr algn="ctr"/>
+            <a:r>
+              <a:rPr lang="en-US" dirty="0"/>
+              <a:t>Consumer</a:t>
+            </a:r>
+          </a:p>
+        </p:txBody>
+      </p:sp>
+      <p:sp>
+        <p:nvSpPr>
+          <p:cNvPr id="11" name="Oval 10">
+            <a:extLst>
+              <a:ext uri="{FF2B5EF4-FFF2-40B4-BE49-F238E27FC236}">
+                <a16:creationId xmlns:a16="http://schemas.microsoft.com/office/drawing/2014/main" id="{CA3C7877-3E74-4C34-98C0-E29C9B3E7E65}"/>
+              </a:ext>
+            </a:extLst>
+          </p:cNvPr>
+          <p:cNvSpPr/>
+          <p:nvPr/>
+        </p:nvSpPr>
+        <p:spPr>
+          <a:xfrm>
+            <a:off x="8503328" y="5052327"/>
+            <a:ext cx="2157274" cy="1669002"/>
+          </a:xfrm>
+          <a:prstGeom prst="ellipse">
+            <a:avLst/>
+          </a:prstGeom>
+        </p:spPr>
+        <p:style>
+          <a:lnRef idx="2">
+            <a:schemeClr val="accent4">
+              <a:shade val="50000"/>
+            </a:schemeClr>
+          </a:lnRef>
+          <a:fillRef idx="1">
+            <a:schemeClr val="accent4"/>
+          </a:fillRef>
+          <a:effectRef idx="0">
+            <a:schemeClr val="accent4"/>
+          </a:effectRef>
+          <a:fontRef idx="minor">
+            <a:schemeClr val="lt1"/>
+          </a:fontRef>
+        </p:style>
+        <p:txBody>
+          <a:bodyPr rtlCol="0" anchor="ctr"/>
+          <a:lstStyle/>
+          <a:p>
+            <a:pPr algn="ctr"/>
+            <a:r>
+              <a:rPr lang="en-US" dirty="0"/>
+              <a:t>Consumer</a:t>
+            </a:r>
+          </a:p>
+        </p:txBody>
+      </p:sp>
+      <p:sp>
+        <p:nvSpPr>
+          <p:cNvPr id="3" name="Cylinder 2">
+            <a:extLst>
+              <a:ext uri="{FF2B5EF4-FFF2-40B4-BE49-F238E27FC236}">
+                <a16:creationId xmlns:a16="http://schemas.microsoft.com/office/drawing/2014/main" id="{82F0B5B2-CE19-4C5B-BB53-A724F1E95A58}"/>
+              </a:ext>
+            </a:extLst>
+          </p:cNvPr>
+          <p:cNvSpPr/>
+          <p:nvPr/>
+        </p:nvSpPr>
+        <p:spPr>
+          <a:xfrm>
+            <a:off x="4367814" y="1629392"/>
+            <a:ext cx="2157274" cy="4856085"/>
+          </a:xfrm>
+          <a:prstGeom prst="can">
+            <a:avLst/>
+          </a:prstGeom>
+        </p:spPr>
+        <p:style>
+          <a:lnRef idx="2">
+            <a:schemeClr val="accent5">
+              <a:shade val="50000"/>
+            </a:schemeClr>
+          </a:lnRef>
+          <a:fillRef idx="1">
+            <a:schemeClr val="accent5"/>
+          </a:fillRef>
+          <a:effectRef idx="0">
+            <a:schemeClr val="accent5"/>
+          </a:effectRef>
+          <a:fontRef idx="minor">
+            <a:schemeClr val="lt1"/>
+          </a:fontRef>
+        </p:style>
+        <p:txBody>
+          <a:bodyPr rtlCol="0" anchor="ctr"/>
+          <a:lstStyle/>
+          <a:p>
+            <a:pPr algn="ctr"/>
+            <a:r>
+              <a:rPr lang="en-US" dirty="0"/>
+              <a:t>Messaging Queue</a:t>
+            </a:r>
+          </a:p>
+        </p:txBody>
+      </p:sp>
+      <p:sp>
+        <p:nvSpPr>
+          <p:cNvPr id="6" name="Arrow: Right 5">
+            <a:extLst>
+              <a:ext uri="{FF2B5EF4-FFF2-40B4-BE49-F238E27FC236}">
+                <a16:creationId xmlns:a16="http://schemas.microsoft.com/office/drawing/2014/main" id="{FF4F32B6-A3E0-41B0-A02D-DEBDE1F254A9}"/>
+              </a:ext>
+            </a:extLst>
+          </p:cNvPr>
+          <p:cNvSpPr/>
+          <p:nvPr/>
+        </p:nvSpPr>
+        <p:spPr>
+          <a:xfrm>
+            <a:off x="3133817" y="2725445"/>
+            <a:ext cx="1074199" cy="594804"/>
+          </a:xfrm>
+          <a:prstGeom prst="rightArrow">
+            <a:avLst/>
+          </a:prstGeom>
+        </p:spPr>
+        <p:style>
+          <a:lnRef idx="2">
+            <a:schemeClr val="accent1">
+              <a:shade val="50000"/>
+            </a:schemeClr>
+          </a:lnRef>
+          <a:fillRef idx="1">
+            <a:schemeClr val="accent1"/>
+          </a:fillRef>
+          <a:effectRef idx="0">
+            <a:schemeClr val="accent1"/>
+          </a:effectRef>
+          <a:fontRef idx="minor">
+            <a:schemeClr val="lt1"/>
+          </a:fontRef>
+        </p:style>
+        <p:txBody>
+          <a:bodyPr rtlCol="0" anchor="ctr"/>
+          <a:lstStyle/>
+          <a:p>
+            <a:pPr algn="ctr"/>
+            <a:endParaRPr lang="en-US"/>
+          </a:p>
+        </p:txBody>
+      </p:sp>
+      <p:sp>
+        <p:nvSpPr>
+          <p:cNvPr id="7" name="Rectangle: Beveled 6">
+            <a:extLst>
+              <a:ext uri="{FF2B5EF4-FFF2-40B4-BE49-F238E27FC236}">
+                <a16:creationId xmlns:a16="http://schemas.microsoft.com/office/drawing/2014/main" id="{73A0EFFF-278B-44C3-9260-FDD18ABB89E5}"/>
+              </a:ext>
+            </a:extLst>
+          </p:cNvPr>
+          <p:cNvSpPr/>
+          <p:nvPr/>
+        </p:nvSpPr>
+        <p:spPr>
+          <a:xfrm>
+            <a:off x="4799492" y="2534067"/>
+            <a:ext cx="1429305" cy="710213"/>
+          </a:xfrm>
+          <a:prstGeom prst="bevel">
+            <a:avLst/>
+          </a:prstGeom>
+        </p:spPr>
+        <p:style>
+          <a:lnRef idx="2">
+            <a:schemeClr val="accent3">
+              <a:shade val="50000"/>
+            </a:schemeClr>
+          </a:lnRef>
+          <a:fillRef idx="1">
+            <a:schemeClr val="accent3"/>
+          </a:fillRef>
+          <a:effectRef idx="0">
+            <a:schemeClr val="accent3"/>
+          </a:effectRef>
+          <a:fontRef idx="minor">
+            <a:schemeClr val="lt1"/>
+          </a:fontRef>
+        </p:style>
+        <p:txBody>
+          <a:bodyPr rtlCol="0" anchor="ctr"/>
+          <a:lstStyle/>
+          <a:p>
+            <a:pPr algn="ctr"/>
+            <a:r>
+              <a:rPr lang="en-US" dirty="0"/>
+              <a:t>message</a:t>
+            </a:r>
+          </a:p>
+        </p:txBody>
+      </p:sp>
+      <p:cxnSp>
+        <p:nvCxnSpPr>
+          <p:cNvPr id="9" name="Straight Arrow Connector 8">
+            <a:extLst>
+              <a:ext uri="{FF2B5EF4-FFF2-40B4-BE49-F238E27FC236}">
+                <a16:creationId xmlns:a16="http://schemas.microsoft.com/office/drawing/2014/main" id="{91FA66DA-0725-475F-861D-615FDB785408}"/>
+              </a:ext>
+            </a:extLst>
+          </p:cNvPr>
+          <p:cNvCxnSpPr>
+            <a:stCxn id="5" idx="2"/>
+          </p:cNvCxnSpPr>
+          <p:nvPr/>
+        </p:nvCxnSpPr>
+        <p:spPr>
+          <a:xfrm flipH="1">
+            <a:off x="6598330" y="1690688"/>
+            <a:ext cx="1299098" cy="1034757"/>
+          </a:xfrm>
+          <a:prstGeom prst="straightConnector1">
+            <a:avLst/>
+          </a:prstGeom>
+          <a:ln>
+            <a:tailEnd type="triangle"/>
+          </a:ln>
+        </p:spPr>
+        <p:style>
+          <a:lnRef idx="1">
+            <a:schemeClr val="accent1"/>
+          </a:lnRef>
+          <a:fillRef idx="0">
+            <a:schemeClr val="accent1"/>
+          </a:fillRef>
+          <a:effectRef idx="0">
+            <a:schemeClr val="accent1"/>
+          </a:effectRef>
+          <a:fontRef idx="minor">
+            <a:schemeClr val="tx1"/>
+          </a:fontRef>
+        </p:style>
+      </p:cxnSp>
+      <p:cxnSp>
+        <p:nvCxnSpPr>
+          <p:cNvPr id="12" name="Straight Arrow Connector 11">
+            <a:extLst>
+              <a:ext uri="{FF2B5EF4-FFF2-40B4-BE49-F238E27FC236}">
+                <a16:creationId xmlns:a16="http://schemas.microsoft.com/office/drawing/2014/main" id="{F9C48E20-B41B-4634-A047-9C6CCDB7BA2A}"/>
+              </a:ext>
+            </a:extLst>
+          </p:cNvPr>
+          <p:cNvCxnSpPr>
+            <a:cxnSpLocks/>
+            <a:stCxn id="10" idx="2"/>
+          </p:cNvCxnSpPr>
+          <p:nvPr/>
+        </p:nvCxnSpPr>
+        <p:spPr>
+          <a:xfrm flipH="1" flipV="1">
+            <a:off x="6684886" y="2920753"/>
+            <a:ext cx="1643847" cy="750079"/>
+          </a:xfrm>
+          <a:prstGeom prst="straightConnector1">
+            <a:avLst/>
+          </a:prstGeom>
+          <a:ln>
+            <a:tailEnd type="triangle"/>
+          </a:ln>
+        </p:spPr>
+        <p:style>
+          <a:lnRef idx="1">
+            <a:schemeClr val="accent1"/>
+          </a:lnRef>
+          <a:fillRef idx="0">
+            <a:schemeClr val="accent1"/>
+          </a:fillRef>
+          <a:effectRef idx="0">
+            <a:schemeClr val="accent1"/>
+          </a:effectRef>
+          <a:fontRef idx="minor">
+            <a:schemeClr val="tx1"/>
+          </a:fontRef>
+        </p:style>
+      </p:cxnSp>
+      <p:cxnSp>
+        <p:nvCxnSpPr>
+          <p:cNvPr id="15" name="Straight Arrow Connector 14">
+            <a:extLst>
+              <a:ext uri="{FF2B5EF4-FFF2-40B4-BE49-F238E27FC236}">
+                <a16:creationId xmlns:a16="http://schemas.microsoft.com/office/drawing/2014/main" id="{F3EA7AC8-8C0D-4EC0-91F1-9FCB68895026}"/>
+              </a:ext>
+            </a:extLst>
+          </p:cNvPr>
+          <p:cNvCxnSpPr>
+            <a:cxnSpLocks/>
+            <a:stCxn id="11" idx="2"/>
+          </p:cNvCxnSpPr>
+          <p:nvPr/>
+        </p:nvCxnSpPr>
+        <p:spPr>
+          <a:xfrm flipH="1" flipV="1">
+            <a:off x="6598330" y="3036587"/>
+            <a:ext cx="1904998" cy="2850241"/>
+          </a:xfrm>
+          <a:prstGeom prst="straightConnector1">
+            <a:avLst/>
+          </a:prstGeom>
+          <a:ln>
+            <a:tailEnd type="triangle"/>
+          </a:ln>
+        </p:spPr>
+        <p:style>
+          <a:lnRef idx="1">
+            <a:schemeClr val="accent1"/>
+          </a:lnRef>
+          <a:fillRef idx="0">
+            <a:schemeClr val="accent1"/>
+          </a:fillRef>
+          <a:effectRef idx="0">
+            <a:schemeClr val="accent1"/>
+          </a:effectRef>
+          <a:fontRef idx="minor">
+            <a:schemeClr val="tx1"/>
+          </a:fontRef>
+        </p:style>
+      </p:cxnSp>
+    </p:spTree>
+    <p:extLst>
+      <p:ext uri="{BB962C8B-B14F-4D97-AF65-F5344CB8AC3E}">
+        <p14:creationId xmlns:p14="http://schemas.microsoft.com/office/powerpoint/2010/main" val="960862779"/>
+      </p:ext>
+    </p:extLst>
+  </p:cSld>
+  <p:clrMapOvr>
+    <a:masterClrMapping/>
+  </p:clrMapOvr>
+</p:sld>
+</file>
+
+<file path=ppt/slides/slide22.xml><?xml version="1.0" encoding="utf-8"?>
+<p:sld xmlns:a="http://schemas.openxmlformats.org/drawingml/2006/main" xmlns:r="http://schemas.openxmlformats.org/officeDocument/2006/relationships" xmlns:p="http://schemas.openxmlformats.org/presentationml/2006/main">
+  <p:cSld>
+    <p:spTree>
+      <p:nvGrpSpPr>
+        <p:cNvPr id="1" name=""/>
+        <p:cNvGrpSpPr/>
+        <p:nvPr/>
+      </p:nvGrpSpPr>
+      <p:grpSpPr>
+        <a:xfrm>
+          <a:off x="0" y="0"/>
+          <a:ext cx="0" cy="0"/>
+          <a:chOff x="0" y="0"/>
+          <a:chExt cx="0" cy="0"/>
+        </a:xfrm>
+      </p:grpSpPr>
+      <p:sp>
+        <p:nvSpPr>
+          <p:cNvPr id="2" name="Title 1">
+            <a:extLst>
+              <a:ext uri="{FF2B5EF4-FFF2-40B4-BE49-F238E27FC236}">
+                <a16:creationId xmlns:a16="http://schemas.microsoft.com/office/drawing/2014/main" id="{38A94CC3-1506-40F3-9F0C-C463A57821BF}"/>
+              </a:ext>
+            </a:extLst>
+          </p:cNvPr>
+          <p:cNvSpPr>
+            <a:spLocks noGrp="1"/>
+          </p:cNvSpPr>
+          <p:nvPr>
+            <p:ph type="title"/>
+          </p:nvPr>
+        </p:nvSpPr>
+        <p:spPr/>
+        <p:txBody>
+          <a:bodyPr/>
+          <a:lstStyle/>
+          <a:p>
+            <a:r>
+              <a:rPr lang="en-US" dirty="0"/>
+              <a:t>Proposed Architecture for MS Pirate App</a:t>
+            </a:r>
+          </a:p>
+        </p:txBody>
+      </p:sp>
+      <p:pic>
+        <p:nvPicPr>
+          <p:cNvPr id="4" name="Graphic 3" descr="Computer with solid fill">
+            <a:extLst>
+              <a:ext uri="{FF2B5EF4-FFF2-40B4-BE49-F238E27FC236}">
+                <a16:creationId xmlns:a16="http://schemas.microsoft.com/office/drawing/2014/main" id="{C0EA7676-A307-4BCA-AD58-F8AE08C01B82}"/>
+              </a:ext>
+            </a:extLst>
+          </p:cNvPr>
+          <p:cNvPicPr>
+            <a:picLocks noChangeAspect="1"/>
+          </p:cNvPicPr>
+          <p:nvPr/>
+        </p:nvPicPr>
+        <p:blipFill>
+          <a:blip r:embed="rId2">
+            <a:extLst>
+              <a:ext uri="{28A0092B-C50C-407E-A947-70E740481C1C}">
+                <a14:useLocalDpi xmlns:a14="http://schemas.microsoft.com/office/drawing/2010/main" val="0"/>
+              </a:ext>
+              <a:ext uri="{96DAC541-7B7A-43D3-8B79-37D633B846F1}">
+                <asvg:svgBlip xmlns:asvg="http://schemas.microsoft.com/office/drawing/2016/SVG/main" r:embed="rId3"/>
+              </a:ext>
+            </a:extLst>
+          </a:blip>
+          <a:stretch>
+            <a:fillRect/>
+          </a:stretch>
+        </p:blipFill>
+        <p:spPr>
+          <a:xfrm>
+            <a:off x="381000" y="1373819"/>
+            <a:ext cx="914400" cy="914400"/>
+          </a:xfrm>
+          <a:prstGeom prst="rect">
+            <a:avLst/>
+          </a:prstGeom>
+        </p:spPr>
+      </p:pic>
+      <p:sp>
+        <p:nvSpPr>
+          <p:cNvPr id="5" name="Rectangle 4">
+            <a:extLst>
+              <a:ext uri="{FF2B5EF4-FFF2-40B4-BE49-F238E27FC236}">
+                <a16:creationId xmlns:a16="http://schemas.microsoft.com/office/drawing/2014/main" id="{919D8F53-EEA1-404F-B760-BABABB02C26B}"/>
+              </a:ext>
+            </a:extLst>
+          </p:cNvPr>
+          <p:cNvSpPr/>
+          <p:nvPr/>
+        </p:nvSpPr>
+        <p:spPr>
+          <a:xfrm>
+            <a:off x="2416298" y="1495425"/>
+            <a:ext cx="1514475" cy="762000"/>
+          </a:xfrm>
+          <a:prstGeom prst="rect">
+            <a:avLst/>
+          </a:prstGeom>
+        </p:spPr>
+        <p:style>
+          <a:lnRef idx="2">
+            <a:schemeClr val="accent1">
+              <a:shade val="50000"/>
+            </a:schemeClr>
+          </a:lnRef>
+          <a:fillRef idx="1">
+            <a:schemeClr val="accent1"/>
+          </a:fillRef>
+          <a:effectRef idx="0">
+            <a:schemeClr val="accent1"/>
+          </a:effectRef>
+          <a:fontRef idx="minor">
+            <a:schemeClr val="lt1"/>
+          </a:fontRef>
+        </p:style>
+        <p:txBody>
+          <a:bodyPr rtlCol="0" anchor="ctr"/>
+          <a:lstStyle/>
+          <a:p>
+            <a:pPr algn="ctr"/>
+            <a:r>
+              <a:rPr lang="en-US" dirty="0"/>
+              <a:t>React Client</a:t>
+            </a:r>
+          </a:p>
+        </p:txBody>
+      </p:sp>
+      <p:sp>
+        <p:nvSpPr>
+          <p:cNvPr id="6" name="Arrow: Right 5">
+            <a:extLst>
+              <a:ext uri="{FF2B5EF4-FFF2-40B4-BE49-F238E27FC236}">
+                <a16:creationId xmlns:a16="http://schemas.microsoft.com/office/drawing/2014/main" id="{920686AA-6206-4C58-B92A-4335B2A09141}"/>
+              </a:ext>
+            </a:extLst>
+          </p:cNvPr>
+          <p:cNvSpPr/>
+          <p:nvPr/>
+        </p:nvSpPr>
+        <p:spPr>
+          <a:xfrm>
+            <a:off x="1464816" y="1690688"/>
+            <a:ext cx="843378" cy="218011"/>
+          </a:xfrm>
+          <a:prstGeom prst="rightArrow">
+            <a:avLst/>
+          </a:prstGeom>
+        </p:spPr>
+        <p:style>
+          <a:lnRef idx="2">
+            <a:schemeClr val="accent1">
+              <a:shade val="50000"/>
+            </a:schemeClr>
+          </a:lnRef>
+          <a:fillRef idx="1">
+            <a:schemeClr val="accent1"/>
+          </a:fillRef>
+          <a:effectRef idx="0">
+            <a:schemeClr val="accent1"/>
+          </a:effectRef>
+          <a:fontRef idx="minor">
+            <a:schemeClr val="lt1"/>
+          </a:fontRef>
+        </p:style>
+        <p:txBody>
+          <a:bodyPr rtlCol="0" anchor="ctr"/>
+          <a:lstStyle/>
+          <a:p>
+            <a:pPr algn="ctr"/>
+            <a:endParaRPr lang="en-US"/>
+          </a:p>
+        </p:txBody>
+      </p:sp>
+      <p:sp>
+        <p:nvSpPr>
+          <p:cNvPr id="7" name="Rectangle 6">
+            <a:extLst>
+              <a:ext uri="{FF2B5EF4-FFF2-40B4-BE49-F238E27FC236}">
+                <a16:creationId xmlns:a16="http://schemas.microsoft.com/office/drawing/2014/main" id="{5C53C5A0-BDA2-4CBB-8C94-628C999DDAB3}"/>
+              </a:ext>
+            </a:extLst>
+          </p:cNvPr>
+          <p:cNvSpPr/>
+          <p:nvPr/>
+        </p:nvSpPr>
+        <p:spPr>
+          <a:xfrm>
+            <a:off x="4790885" y="2595252"/>
+            <a:ext cx="1754080" cy="677028"/>
+          </a:xfrm>
+          <a:prstGeom prst="rect">
+            <a:avLst/>
+          </a:prstGeom>
+        </p:spPr>
+        <p:style>
+          <a:lnRef idx="2">
+            <a:schemeClr val="accent4">
+              <a:shade val="50000"/>
+            </a:schemeClr>
+          </a:lnRef>
+          <a:fillRef idx="1">
+            <a:schemeClr val="accent4"/>
+          </a:fillRef>
+          <a:effectRef idx="0">
+            <a:schemeClr val="accent4"/>
+          </a:effectRef>
+          <a:fontRef idx="minor">
+            <a:schemeClr val="lt1"/>
+          </a:fontRef>
+        </p:style>
+        <p:txBody>
+          <a:bodyPr rtlCol="0" anchor="ctr"/>
+          <a:lstStyle/>
+          <a:p>
+            <a:pPr algn="ctr"/>
+            <a:r>
+              <a:rPr lang="en-US" dirty="0"/>
+              <a:t>Pirate Server</a:t>
+            </a:r>
+          </a:p>
+        </p:txBody>
+      </p:sp>
+      <p:sp>
+        <p:nvSpPr>
+          <p:cNvPr id="8" name="Arrow: Right 7">
+            <a:extLst>
+              <a:ext uri="{FF2B5EF4-FFF2-40B4-BE49-F238E27FC236}">
+                <a16:creationId xmlns:a16="http://schemas.microsoft.com/office/drawing/2014/main" id="{5F812FAE-7DE4-4117-96CF-5DCE97EC4C63}"/>
+              </a:ext>
+            </a:extLst>
+          </p:cNvPr>
+          <p:cNvSpPr/>
+          <p:nvPr/>
+        </p:nvSpPr>
+        <p:spPr>
+          <a:xfrm rot="5400000">
+            <a:off x="2908470" y="2607785"/>
+            <a:ext cx="530129" cy="426406"/>
+          </a:xfrm>
+          <a:prstGeom prst="rightArrow">
+            <a:avLst/>
+          </a:prstGeom>
+        </p:spPr>
+        <p:style>
+          <a:lnRef idx="2">
+            <a:schemeClr val="accent1">
+              <a:shade val="50000"/>
+            </a:schemeClr>
+          </a:lnRef>
+          <a:fillRef idx="1">
+            <a:schemeClr val="accent1"/>
+          </a:fillRef>
+          <a:effectRef idx="0">
+            <a:schemeClr val="accent1"/>
+          </a:effectRef>
+          <a:fontRef idx="minor">
+            <a:schemeClr val="lt1"/>
+          </a:fontRef>
+        </p:style>
+        <p:txBody>
+          <a:bodyPr rtlCol="0" anchor="ctr"/>
+          <a:lstStyle/>
+          <a:p>
+            <a:pPr algn="ctr"/>
+            <a:endParaRPr lang="en-US"/>
+          </a:p>
+        </p:txBody>
+      </p:sp>
+      <p:sp>
+        <p:nvSpPr>
+          <p:cNvPr id="10" name="Rectangle 9">
+            <a:extLst>
+              <a:ext uri="{FF2B5EF4-FFF2-40B4-BE49-F238E27FC236}">
+                <a16:creationId xmlns:a16="http://schemas.microsoft.com/office/drawing/2014/main" id="{9E86239A-F011-458F-BD6B-BD42B51B5D22}"/>
+              </a:ext>
+            </a:extLst>
+          </p:cNvPr>
+          <p:cNvSpPr/>
+          <p:nvPr/>
+        </p:nvSpPr>
+        <p:spPr>
+          <a:xfrm>
+            <a:off x="2308194" y="3271569"/>
+            <a:ext cx="1754080" cy="715961"/>
+          </a:xfrm>
+          <a:prstGeom prst="rect">
+            <a:avLst/>
+          </a:prstGeom>
+        </p:spPr>
+        <p:style>
+          <a:lnRef idx="2">
+            <a:schemeClr val="accent4">
+              <a:shade val="50000"/>
+            </a:schemeClr>
+          </a:lnRef>
+          <a:fillRef idx="1">
+            <a:schemeClr val="accent4"/>
+          </a:fillRef>
+          <a:effectRef idx="0">
+            <a:schemeClr val="accent4"/>
+          </a:effectRef>
+          <a:fontRef idx="minor">
+            <a:schemeClr val="lt1"/>
+          </a:fontRef>
+        </p:style>
+        <p:txBody>
+          <a:bodyPr rtlCol="0" anchor="ctr"/>
+          <a:lstStyle/>
+          <a:p>
+            <a:pPr algn="ctr"/>
+            <a:r>
+              <a:rPr lang="en-US" dirty="0"/>
+              <a:t>Hire Pirate Service</a:t>
+            </a:r>
+          </a:p>
+        </p:txBody>
+      </p:sp>
+      <p:sp>
+        <p:nvSpPr>
+          <p:cNvPr id="12" name="Arrow: Right 11">
+            <a:extLst>
+              <a:ext uri="{FF2B5EF4-FFF2-40B4-BE49-F238E27FC236}">
+                <a16:creationId xmlns:a16="http://schemas.microsoft.com/office/drawing/2014/main" id="{A94B2397-66B5-48E0-8334-017F5C4D6CC5}"/>
+              </a:ext>
+            </a:extLst>
+          </p:cNvPr>
+          <p:cNvSpPr/>
+          <p:nvPr/>
+        </p:nvSpPr>
+        <p:spPr>
+          <a:xfrm rot="19683520">
+            <a:off x="4244418" y="3379521"/>
+            <a:ext cx="530129" cy="426406"/>
+          </a:xfrm>
+          <a:prstGeom prst="rightArrow">
+            <a:avLst/>
+          </a:prstGeom>
+        </p:spPr>
+        <p:style>
+          <a:lnRef idx="2">
+            <a:schemeClr val="accent1">
+              <a:shade val="50000"/>
+            </a:schemeClr>
+          </a:lnRef>
+          <a:fillRef idx="1">
+            <a:schemeClr val="accent1"/>
+          </a:fillRef>
+          <a:effectRef idx="0">
+            <a:schemeClr val="accent1"/>
+          </a:effectRef>
+          <a:fontRef idx="minor">
+            <a:schemeClr val="lt1"/>
+          </a:fontRef>
+        </p:style>
+        <p:txBody>
+          <a:bodyPr rtlCol="0" anchor="ctr"/>
+          <a:lstStyle/>
+          <a:p>
+            <a:pPr algn="ctr"/>
+            <a:endParaRPr lang="en-US"/>
+          </a:p>
+        </p:txBody>
+      </p:sp>
+      <p:sp>
+        <p:nvSpPr>
+          <p:cNvPr id="16" name="Arrow: Right 15">
+            <a:extLst>
+              <a:ext uri="{FF2B5EF4-FFF2-40B4-BE49-F238E27FC236}">
+                <a16:creationId xmlns:a16="http://schemas.microsoft.com/office/drawing/2014/main" id="{12406566-1732-4F63-9C1B-847487205E2A}"/>
+              </a:ext>
+            </a:extLst>
+          </p:cNvPr>
+          <p:cNvSpPr/>
+          <p:nvPr/>
+        </p:nvSpPr>
+        <p:spPr>
+          <a:xfrm rot="2734418">
+            <a:off x="4280192" y="2044222"/>
+            <a:ext cx="530129" cy="426406"/>
+          </a:xfrm>
+          <a:prstGeom prst="rightArrow">
+            <a:avLst/>
+          </a:prstGeom>
+        </p:spPr>
+        <p:style>
+          <a:lnRef idx="2">
+            <a:schemeClr val="accent1">
+              <a:shade val="50000"/>
+            </a:schemeClr>
+          </a:lnRef>
+          <a:fillRef idx="1">
+            <a:schemeClr val="accent1"/>
+          </a:fillRef>
+          <a:effectRef idx="0">
+            <a:schemeClr val="accent1"/>
+          </a:effectRef>
+          <a:fontRef idx="minor">
+            <a:schemeClr val="lt1"/>
+          </a:fontRef>
+        </p:style>
+        <p:txBody>
+          <a:bodyPr rtlCol="0" anchor="ctr"/>
+          <a:lstStyle/>
+          <a:p>
+            <a:pPr algn="ctr"/>
+            <a:endParaRPr lang="en-US"/>
+          </a:p>
+        </p:txBody>
+      </p:sp>
+      <p:sp>
+        <p:nvSpPr>
+          <p:cNvPr id="17" name="Arrow: Right 16">
+            <a:extLst>
+              <a:ext uri="{FF2B5EF4-FFF2-40B4-BE49-F238E27FC236}">
+                <a16:creationId xmlns:a16="http://schemas.microsoft.com/office/drawing/2014/main" id="{596FAA59-BBEB-45FB-B7C3-A2B972302F71}"/>
+              </a:ext>
+            </a:extLst>
+          </p:cNvPr>
+          <p:cNvSpPr/>
+          <p:nvPr/>
+        </p:nvSpPr>
+        <p:spPr>
+          <a:xfrm rot="5400000">
+            <a:off x="2908469" y="4152059"/>
+            <a:ext cx="530129" cy="426406"/>
+          </a:xfrm>
+          <a:prstGeom prst="rightArrow">
+            <a:avLst/>
+          </a:prstGeom>
+        </p:spPr>
+        <p:style>
+          <a:lnRef idx="2">
+            <a:schemeClr val="accent1">
+              <a:shade val="50000"/>
+            </a:schemeClr>
+          </a:lnRef>
+          <a:fillRef idx="1">
+            <a:schemeClr val="accent1"/>
+          </a:fillRef>
+          <a:effectRef idx="0">
+            <a:schemeClr val="accent1"/>
+          </a:effectRef>
+          <a:fontRef idx="minor">
+            <a:schemeClr val="lt1"/>
+          </a:fontRef>
+        </p:style>
+        <p:txBody>
+          <a:bodyPr rtlCol="0" anchor="ctr"/>
+          <a:lstStyle/>
+          <a:p>
+            <a:pPr algn="ctr"/>
+            <a:endParaRPr lang="en-US"/>
+          </a:p>
+        </p:txBody>
+      </p:sp>
+      <p:sp>
+        <p:nvSpPr>
+          <p:cNvPr id="18" name="Rectangle 17">
+            <a:extLst>
+              <a:ext uri="{FF2B5EF4-FFF2-40B4-BE49-F238E27FC236}">
+                <a16:creationId xmlns:a16="http://schemas.microsoft.com/office/drawing/2014/main" id="{21F90FBD-0262-4ADC-8C29-BCD090A479A0}"/>
+              </a:ext>
+            </a:extLst>
+          </p:cNvPr>
+          <p:cNvSpPr/>
+          <p:nvPr/>
+        </p:nvSpPr>
+        <p:spPr>
+          <a:xfrm>
+            <a:off x="5218960" y="5263080"/>
+            <a:ext cx="1754080" cy="715961"/>
+          </a:xfrm>
+          <a:prstGeom prst="rect">
+            <a:avLst/>
+          </a:prstGeom>
+        </p:spPr>
+        <p:style>
+          <a:lnRef idx="2">
+            <a:schemeClr val="accent4">
+              <a:shade val="50000"/>
+            </a:schemeClr>
+          </a:lnRef>
+          <a:fillRef idx="1">
+            <a:schemeClr val="accent4"/>
+          </a:fillRef>
+          <a:effectRef idx="0">
+            <a:schemeClr val="accent4"/>
+          </a:effectRef>
+          <a:fontRef idx="minor">
+            <a:schemeClr val="lt1"/>
+          </a:fontRef>
+        </p:style>
+        <p:txBody>
+          <a:bodyPr rtlCol="0" anchor="ctr"/>
+          <a:lstStyle/>
+          <a:p>
+            <a:pPr algn="ctr"/>
+            <a:r>
+              <a:rPr lang="en-US" dirty="0"/>
+              <a:t>Process Hire Service</a:t>
+            </a:r>
+          </a:p>
+        </p:txBody>
+      </p:sp>
+      <p:sp>
+        <p:nvSpPr>
+          <p:cNvPr id="19" name="Cylinder 18">
+            <a:extLst>
+              <a:ext uri="{FF2B5EF4-FFF2-40B4-BE49-F238E27FC236}">
+                <a16:creationId xmlns:a16="http://schemas.microsoft.com/office/drawing/2014/main" id="{FA97EAD6-BEB1-4489-A362-1BD26CD5E86C}"/>
+              </a:ext>
+            </a:extLst>
+          </p:cNvPr>
+          <p:cNvSpPr/>
+          <p:nvPr/>
+        </p:nvSpPr>
+        <p:spPr>
+          <a:xfrm>
+            <a:off x="2084957" y="5001674"/>
+            <a:ext cx="2177151" cy="1238774"/>
+          </a:xfrm>
+          <a:prstGeom prst="can">
+            <a:avLst/>
+          </a:prstGeom>
+        </p:spPr>
+        <p:style>
+          <a:lnRef idx="2">
+            <a:schemeClr val="accent5">
+              <a:shade val="50000"/>
+            </a:schemeClr>
+          </a:lnRef>
+          <a:fillRef idx="1">
+            <a:schemeClr val="accent5"/>
+          </a:fillRef>
+          <a:effectRef idx="0">
+            <a:schemeClr val="accent5"/>
+          </a:effectRef>
+          <a:fontRef idx="minor">
+            <a:schemeClr val="lt1"/>
+          </a:fontRef>
+        </p:style>
+        <p:txBody>
+          <a:bodyPr rtlCol="0" anchor="ctr"/>
+          <a:lstStyle/>
+          <a:p>
+            <a:pPr algn="ctr"/>
+            <a:r>
+              <a:rPr lang="en-US" dirty="0"/>
+              <a:t>Messaging Queue</a:t>
+            </a:r>
+          </a:p>
+        </p:txBody>
+      </p:sp>
+      <p:sp>
+        <p:nvSpPr>
+          <p:cNvPr id="20" name="Arrow: Right 19">
+            <a:extLst>
+              <a:ext uri="{FF2B5EF4-FFF2-40B4-BE49-F238E27FC236}">
+                <a16:creationId xmlns:a16="http://schemas.microsoft.com/office/drawing/2014/main" id="{CD34E1F9-B245-411A-91EF-EEA139066100}"/>
+              </a:ext>
+            </a:extLst>
+          </p:cNvPr>
+          <p:cNvSpPr/>
+          <p:nvPr/>
+        </p:nvSpPr>
+        <p:spPr>
+          <a:xfrm rot="10800000">
+            <a:off x="4582144" y="5407858"/>
+            <a:ext cx="530129" cy="426406"/>
+          </a:xfrm>
+          <a:prstGeom prst="rightArrow">
+            <a:avLst/>
+          </a:prstGeom>
+        </p:spPr>
+        <p:style>
+          <a:lnRef idx="2">
+            <a:schemeClr val="accent1">
+              <a:shade val="50000"/>
+            </a:schemeClr>
+          </a:lnRef>
+          <a:fillRef idx="1">
+            <a:schemeClr val="accent1"/>
+          </a:fillRef>
+          <a:effectRef idx="0">
+            <a:schemeClr val="accent1"/>
+          </a:effectRef>
+          <a:fontRef idx="minor">
+            <a:schemeClr val="lt1"/>
+          </a:fontRef>
+        </p:style>
+        <p:txBody>
+          <a:bodyPr rtlCol="0" anchor="ctr"/>
+          <a:lstStyle/>
+          <a:p>
+            <a:pPr algn="ctr"/>
+            <a:endParaRPr lang="en-US"/>
+          </a:p>
+        </p:txBody>
+      </p:sp>
+    </p:spTree>
+    <p:extLst>
+      <p:ext uri="{BB962C8B-B14F-4D97-AF65-F5344CB8AC3E}">
+        <p14:creationId xmlns:p14="http://schemas.microsoft.com/office/powerpoint/2010/main" val="3330263137"/>
       </p:ext>
     </p:extLst>
   </p:cSld>

--- a/Week7/w7.pptx
+++ b/Week7/w7.pptx
@@ -27,6 +27,7 @@
     <p:sldId id="275" r:id="rId21"/>
     <p:sldId id="276" r:id="rId22"/>
     <p:sldId id="277" r:id="rId23"/>
+    <p:sldId id="278" r:id="rId24"/>
   </p:sldIdLst>
   <p:sldSz cx="12192000" cy="6858000"/>
   <p:notesSz cx="6858000" cy="9144000"/>
@@ -280,7 +281,7 @@
           <a:p>
             <a:fld id="{89CD658C-5BA3-4CAE-A097-38A65857127A}" type="datetimeFigureOut">
               <a:rPr lang="en-US" smtClean="0"/>
-              <a:t>12/28/2020</a:t>
+              <a:t>12/29/2020</a:t>
             </a:fld>
             <a:endParaRPr lang="en-US"/>
           </a:p>
@@ -478,7 +479,7 @@
           <a:p>
             <a:fld id="{89CD658C-5BA3-4CAE-A097-38A65857127A}" type="datetimeFigureOut">
               <a:rPr lang="en-US" smtClean="0"/>
-              <a:t>12/28/2020</a:t>
+              <a:t>12/29/2020</a:t>
             </a:fld>
             <a:endParaRPr lang="en-US"/>
           </a:p>
@@ -686,7 +687,7 @@
           <a:p>
             <a:fld id="{89CD658C-5BA3-4CAE-A097-38A65857127A}" type="datetimeFigureOut">
               <a:rPr lang="en-US" smtClean="0"/>
-              <a:t>12/28/2020</a:t>
+              <a:t>12/29/2020</a:t>
             </a:fld>
             <a:endParaRPr lang="en-US"/>
           </a:p>
@@ -884,7 +885,7 @@
           <a:p>
             <a:fld id="{89CD658C-5BA3-4CAE-A097-38A65857127A}" type="datetimeFigureOut">
               <a:rPr lang="en-US" smtClean="0"/>
-              <a:t>12/28/2020</a:t>
+              <a:t>12/29/2020</a:t>
             </a:fld>
             <a:endParaRPr lang="en-US"/>
           </a:p>
@@ -1159,7 +1160,7 @@
           <a:p>
             <a:fld id="{89CD658C-5BA3-4CAE-A097-38A65857127A}" type="datetimeFigureOut">
               <a:rPr lang="en-US" smtClean="0"/>
-              <a:t>12/28/2020</a:t>
+              <a:t>12/29/2020</a:t>
             </a:fld>
             <a:endParaRPr lang="en-US"/>
           </a:p>
@@ -1424,7 +1425,7 @@
           <a:p>
             <a:fld id="{89CD658C-5BA3-4CAE-A097-38A65857127A}" type="datetimeFigureOut">
               <a:rPr lang="en-US" smtClean="0"/>
-              <a:t>12/28/2020</a:t>
+              <a:t>12/29/2020</a:t>
             </a:fld>
             <a:endParaRPr lang="en-US"/>
           </a:p>
@@ -1836,7 +1837,7 @@
           <a:p>
             <a:fld id="{89CD658C-5BA3-4CAE-A097-38A65857127A}" type="datetimeFigureOut">
               <a:rPr lang="en-US" smtClean="0"/>
-              <a:t>12/28/2020</a:t>
+              <a:t>12/29/2020</a:t>
             </a:fld>
             <a:endParaRPr lang="en-US"/>
           </a:p>
@@ -1977,7 +1978,7 @@
           <a:p>
             <a:fld id="{89CD658C-5BA3-4CAE-A097-38A65857127A}" type="datetimeFigureOut">
               <a:rPr lang="en-US" smtClean="0"/>
-              <a:t>12/28/2020</a:t>
+              <a:t>12/29/2020</a:t>
             </a:fld>
             <a:endParaRPr lang="en-US"/>
           </a:p>
@@ -2090,7 +2091,7 @@
           <a:p>
             <a:fld id="{89CD658C-5BA3-4CAE-A097-38A65857127A}" type="datetimeFigureOut">
               <a:rPr lang="en-US" smtClean="0"/>
-              <a:t>12/28/2020</a:t>
+              <a:t>12/29/2020</a:t>
             </a:fld>
             <a:endParaRPr lang="en-US"/>
           </a:p>
@@ -2401,7 +2402,7 @@
           <a:p>
             <a:fld id="{89CD658C-5BA3-4CAE-A097-38A65857127A}" type="datetimeFigureOut">
               <a:rPr lang="en-US" smtClean="0"/>
-              <a:t>12/28/2020</a:t>
+              <a:t>12/29/2020</a:t>
             </a:fld>
             <a:endParaRPr lang="en-US"/>
           </a:p>
@@ -2689,7 +2690,7 @@
           <a:p>
             <a:fld id="{89CD658C-5BA3-4CAE-A097-38A65857127A}" type="datetimeFigureOut">
               <a:rPr lang="en-US" smtClean="0"/>
-              <a:t>12/28/2020</a:t>
+              <a:t>12/29/2020</a:t>
             </a:fld>
             <a:endParaRPr lang="en-US"/>
           </a:p>
@@ -2930,7 +2931,7 @@
           <a:p>
             <a:fld id="{89CD658C-5BA3-4CAE-A097-38A65857127A}" type="datetimeFigureOut">
               <a:rPr lang="en-US" smtClean="0"/>
-              <a:t>12/28/2020</a:t>
+              <a:t>12/29/2020</a:t>
             </a:fld>
             <a:endParaRPr lang="en-US"/>
           </a:p>
@@ -9352,7 +9353,7 @@
         </p:nvSpPr>
         <p:spPr>
           <a:xfrm>
-            <a:off x="2308194" y="3271569"/>
+            <a:off x="2308194" y="3268571"/>
             <a:ext cx="1754080" cy="715961"/>
           </a:xfrm>
           <a:prstGeom prst="rect">
@@ -9539,7 +9540,7 @@
         </p:nvSpPr>
         <p:spPr>
           <a:xfrm>
-            <a:off x="5218960" y="5263080"/>
+            <a:off x="7225313" y="4727499"/>
             <a:ext cx="1754080" cy="715961"/>
           </a:xfrm>
           <a:prstGeom prst="rect">
@@ -9569,17 +9570,17 @@
             <a:pPr algn="ctr"/>
             <a:r>
               <a:rPr lang="en-US" dirty="0"/>
-              <a:t>Process Hire Service</a:t>
-            </a:r>
-          </a:p>
-        </p:txBody>
-      </p:sp>
-      <p:sp>
-        <p:nvSpPr>
-          <p:cNvPr id="19" name="Cylinder 18">
-            <a:extLst>
-              <a:ext uri="{FF2B5EF4-FFF2-40B4-BE49-F238E27FC236}">
-                <a16:creationId xmlns:a16="http://schemas.microsoft.com/office/drawing/2014/main" id="{FA97EAD6-BEB1-4489-A362-1BD26CD5E86C}"/>
+              <a:t>Hire Service Processor</a:t>
+            </a:r>
+          </a:p>
+        </p:txBody>
+      </p:sp>
+      <p:sp>
+        <p:nvSpPr>
+          <p:cNvPr id="20" name="Arrow: Right 19">
+            <a:extLst>
+              <a:ext uri="{FF2B5EF4-FFF2-40B4-BE49-F238E27FC236}">
+                <a16:creationId xmlns:a16="http://schemas.microsoft.com/office/drawing/2014/main" id="{CD34E1F9-B245-411A-91EF-EEA139066100}"/>
               </a:ext>
             </a:extLst>
           </p:cNvPr>
@@ -9587,57 +9588,8 @@
           <p:nvPr/>
         </p:nvSpPr>
         <p:spPr>
-          <a:xfrm>
-            <a:off x="2084957" y="5001674"/>
-            <a:ext cx="2177151" cy="1238774"/>
-          </a:xfrm>
-          <a:prstGeom prst="can">
-            <a:avLst/>
-          </a:prstGeom>
-        </p:spPr>
-        <p:style>
-          <a:lnRef idx="2">
-            <a:schemeClr val="accent5">
-              <a:shade val="50000"/>
-            </a:schemeClr>
-          </a:lnRef>
-          <a:fillRef idx="1">
-            <a:schemeClr val="accent5"/>
-          </a:fillRef>
-          <a:effectRef idx="0">
-            <a:schemeClr val="accent5"/>
-          </a:effectRef>
-          <a:fontRef idx="minor">
-            <a:schemeClr val="lt1"/>
-          </a:fontRef>
-        </p:style>
-        <p:txBody>
-          <a:bodyPr rtlCol="0" anchor="ctr"/>
-          <a:lstStyle/>
-          <a:p>
-            <a:pPr algn="ctr"/>
-            <a:r>
-              <a:rPr lang="en-US" dirty="0"/>
-              <a:t>Messaging Queue</a:t>
-            </a:r>
-          </a:p>
-        </p:txBody>
-      </p:sp>
-      <p:sp>
-        <p:nvSpPr>
-          <p:cNvPr id="20" name="Arrow: Right 19">
-            <a:extLst>
-              <a:ext uri="{FF2B5EF4-FFF2-40B4-BE49-F238E27FC236}">
-                <a16:creationId xmlns:a16="http://schemas.microsoft.com/office/drawing/2014/main" id="{CD34E1F9-B245-411A-91EF-EEA139066100}"/>
-              </a:ext>
-            </a:extLst>
-          </p:cNvPr>
-          <p:cNvSpPr/>
-          <p:nvPr/>
-        </p:nvSpPr>
-        <p:spPr>
           <a:xfrm rot="10800000">
-            <a:off x="4582144" y="5407858"/>
+            <a:off x="6273985" y="4863424"/>
             <a:ext cx="530129" cy="426406"/>
           </a:xfrm>
           <a:prstGeom prst="rightArrow">
@@ -9669,10 +9621,673 @@
           </a:p>
         </p:txBody>
       </p:sp>
+      <p:pic>
+        <p:nvPicPr>
+          <p:cNvPr id="1026" name="Picture 2" descr="AWS Monitoring with Datadog | Datadog">
+            <a:extLst>
+              <a:ext uri="{FF2B5EF4-FFF2-40B4-BE49-F238E27FC236}">
+                <a16:creationId xmlns:a16="http://schemas.microsoft.com/office/drawing/2014/main" id="{53CD9224-8DC3-42C2-B167-D70B01FB312F}"/>
+              </a:ext>
+            </a:extLst>
+          </p:cNvPr>
+          <p:cNvPicPr>
+            <a:picLocks noChangeAspect="1" noChangeArrowheads="1"/>
+          </p:cNvPicPr>
+          <p:nvPr/>
+        </p:nvPicPr>
+        <p:blipFill>
+          <a:blip r:embed="rId4">
+            <a:extLst>
+              <a:ext uri="{28A0092B-C50C-407E-A947-70E740481C1C}">
+                <a14:useLocalDpi xmlns:a14="http://schemas.microsoft.com/office/drawing/2010/main" val="0"/>
+              </a:ext>
+            </a:extLst>
+          </a:blip>
+          <a:srcRect/>
+          <a:stretch>
+            <a:fillRect/>
+          </a:stretch>
+        </p:blipFill>
+        <p:spPr bwMode="auto">
+          <a:xfrm>
+            <a:off x="2220861" y="4646953"/>
+            <a:ext cx="1928745" cy="1232254"/>
+          </a:xfrm>
+          <a:prstGeom prst="rect">
+            <a:avLst/>
+          </a:prstGeom>
+          <a:noFill/>
+          <a:extLst>
+            <a:ext uri="{909E8E84-426E-40DD-AFC4-6F175D3DCCD1}">
+              <a14:hiddenFill xmlns:a14="http://schemas.microsoft.com/office/drawing/2010/main">
+                <a:solidFill>
+                  <a:srgbClr val="FFFFFF"/>
+                </a:solidFill>
+              </a14:hiddenFill>
+            </a:ext>
+          </a:extLst>
+        </p:spPr>
+      </p:pic>
+      <p:pic>
+        <p:nvPicPr>
+          <p:cNvPr id="1028" name="Picture 4" descr="AWS Monitoring | Datadog">
+            <a:extLst>
+              <a:ext uri="{FF2B5EF4-FFF2-40B4-BE49-F238E27FC236}">
+                <a16:creationId xmlns:a16="http://schemas.microsoft.com/office/drawing/2014/main" id="{78826B6D-27DC-4034-B0C8-410A9FD998D1}"/>
+              </a:ext>
+            </a:extLst>
+          </p:cNvPr>
+          <p:cNvPicPr>
+            <a:picLocks noChangeAspect="1" noChangeArrowheads="1"/>
+          </p:cNvPicPr>
+          <p:nvPr/>
+        </p:nvPicPr>
+        <p:blipFill>
+          <a:blip r:embed="rId5">
+            <a:extLst>
+              <a:ext uri="{28A0092B-C50C-407E-A947-70E740481C1C}">
+                <a14:useLocalDpi xmlns:a14="http://schemas.microsoft.com/office/drawing/2010/main" val="0"/>
+              </a:ext>
+            </a:extLst>
+          </a:blip>
+          <a:srcRect/>
+          <a:stretch>
+            <a:fillRect/>
+          </a:stretch>
+        </p:blipFill>
+        <p:spPr bwMode="auto">
+          <a:xfrm>
+            <a:off x="4349905" y="4589486"/>
+            <a:ext cx="1928745" cy="1232254"/>
+          </a:xfrm>
+          <a:prstGeom prst="rect">
+            <a:avLst/>
+          </a:prstGeom>
+          <a:noFill/>
+          <a:extLst>
+            <a:ext uri="{909E8E84-426E-40DD-AFC4-6F175D3DCCD1}">
+              <a14:hiddenFill xmlns:a14="http://schemas.microsoft.com/office/drawing/2010/main">
+                <a:solidFill>
+                  <a:srgbClr val="FFFFFF"/>
+                </a:solidFill>
+              </a14:hiddenFill>
+            </a:ext>
+          </a:extLst>
+        </p:spPr>
+      </p:pic>
+      <p:sp>
+        <p:nvSpPr>
+          <p:cNvPr id="21" name="Arrow: Right 20">
+            <a:extLst>
+              <a:ext uri="{FF2B5EF4-FFF2-40B4-BE49-F238E27FC236}">
+                <a16:creationId xmlns:a16="http://schemas.microsoft.com/office/drawing/2014/main" id="{CBB834EA-2357-4D6D-B265-88C50DBE3BB9}"/>
+              </a:ext>
+            </a:extLst>
+          </p:cNvPr>
+          <p:cNvSpPr/>
+          <p:nvPr/>
+        </p:nvSpPr>
+        <p:spPr>
+          <a:xfrm>
+            <a:off x="4106101" y="4872277"/>
+            <a:ext cx="530129" cy="426406"/>
+          </a:xfrm>
+          <a:prstGeom prst="rightArrow">
+            <a:avLst/>
+          </a:prstGeom>
+        </p:spPr>
+        <p:style>
+          <a:lnRef idx="2">
+            <a:schemeClr val="accent1">
+              <a:shade val="50000"/>
+            </a:schemeClr>
+          </a:lnRef>
+          <a:fillRef idx="1">
+            <a:schemeClr val="accent1"/>
+          </a:fillRef>
+          <a:effectRef idx="0">
+            <a:schemeClr val="accent1"/>
+          </a:effectRef>
+          <a:fontRef idx="minor">
+            <a:schemeClr val="lt1"/>
+          </a:fontRef>
+        </p:style>
+        <p:txBody>
+          <a:bodyPr rtlCol="0" anchor="ctr"/>
+          <a:lstStyle/>
+          <a:p>
+            <a:pPr algn="ctr"/>
+            <a:endParaRPr lang="en-US"/>
+          </a:p>
+        </p:txBody>
+      </p:sp>
     </p:spTree>
     <p:extLst>
       <p:ext uri="{BB962C8B-B14F-4D97-AF65-F5344CB8AC3E}">
         <p14:creationId xmlns:p14="http://schemas.microsoft.com/office/powerpoint/2010/main" val="3330263137"/>
+      </p:ext>
+    </p:extLst>
+  </p:cSld>
+  <p:clrMapOvr>
+    <a:masterClrMapping/>
+  </p:clrMapOvr>
+</p:sld>
+</file>
+
+<file path=ppt/slides/slide23.xml><?xml version="1.0" encoding="utf-8"?>
+<p:sld xmlns:a="http://schemas.openxmlformats.org/drawingml/2006/main" xmlns:r="http://schemas.openxmlformats.org/officeDocument/2006/relationships" xmlns:p="http://schemas.openxmlformats.org/presentationml/2006/main">
+  <p:cSld>
+    <p:spTree>
+      <p:nvGrpSpPr>
+        <p:cNvPr id="1" name=""/>
+        <p:cNvGrpSpPr/>
+        <p:nvPr/>
+      </p:nvGrpSpPr>
+      <p:grpSpPr>
+        <a:xfrm>
+          <a:off x="0" y="0"/>
+          <a:ext cx="0" cy="0"/>
+          <a:chOff x="0" y="0"/>
+          <a:chExt cx="0" cy="0"/>
+        </a:xfrm>
+      </p:grpSpPr>
+      <p:sp>
+        <p:nvSpPr>
+          <p:cNvPr id="2" name="Title 1">
+            <a:extLst>
+              <a:ext uri="{FF2B5EF4-FFF2-40B4-BE49-F238E27FC236}">
+                <a16:creationId xmlns:a16="http://schemas.microsoft.com/office/drawing/2014/main" id="{38A94CC3-1506-40F3-9F0C-C463A57821BF}"/>
+              </a:ext>
+            </a:extLst>
+          </p:cNvPr>
+          <p:cNvSpPr>
+            <a:spLocks noGrp="1"/>
+          </p:cNvSpPr>
+          <p:nvPr>
+            <p:ph type="title"/>
+          </p:nvPr>
+        </p:nvSpPr>
+        <p:spPr/>
+        <p:txBody>
+          <a:bodyPr/>
+          <a:lstStyle/>
+          <a:p>
+            <a:r>
+              <a:rPr lang="en-US" dirty="0"/>
+              <a:t>Proposed Architecture for MS Pirate App</a:t>
+            </a:r>
+          </a:p>
+        </p:txBody>
+      </p:sp>
+      <p:pic>
+        <p:nvPicPr>
+          <p:cNvPr id="4" name="Graphic 3" descr="Computer with solid fill">
+            <a:extLst>
+              <a:ext uri="{FF2B5EF4-FFF2-40B4-BE49-F238E27FC236}">
+                <a16:creationId xmlns:a16="http://schemas.microsoft.com/office/drawing/2014/main" id="{C0EA7676-A307-4BCA-AD58-F8AE08C01B82}"/>
+              </a:ext>
+            </a:extLst>
+          </p:cNvPr>
+          <p:cNvPicPr>
+            <a:picLocks noChangeAspect="1"/>
+          </p:cNvPicPr>
+          <p:nvPr/>
+        </p:nvPicPr>
+        <p:blipFill>
+          <a:blip r:embed="rId2">
+            <a:extLst>
+              <a:ext uri="{28A0092B-C50C-407E-A947-70E740481C1C}">
+                <a14:useLocalDpi xmlns:a14="http://schemas.microsoft.com/office/drawing/2010/main" val="0"/>
+              </a:ext>
+              <a:ext uri="{96DAC541-7B7A-43D3-8B79-37D633B846F1}">
+                <asvg:svgBlip xmlns:asvg="http://schemas.microsoft.com/office/drawing/2016/SVG/main" r:embed="rId3"/>
+              </a:ext>
+            </a:extLst>
+          </a:blip>
+          <a:stretch>
+            <a:fillRect/>
+          </a:stretch>
+        </p:blipFill>
+        <p:spPr>
+          <a:xfrm>
+            <a:off x="381000" y="1373819"/>
+            <a:ext cx="914400" cy="914400"/>
+          </a:xfrm>
+          <a:prstGeom prst="rect">
+            <a:avLst/>
+          </a:prstGeom>
+        </p:spPr>
+      </p:pic>
+      <p:sp>
+        <p:nvSpPr>
+          <p:cNvPr id="5" name="Rectangle 4">
+            <a:extLst>
+              <a:ext uri="{FF2B5EF4-FFF2-40B4-BE49-F238E27FC236}">
+                <a16:creationId xmlns:a16="http://schemas.microsoft.com/office/drawing/2014/main" id="{919D8F53-EEA1-404F-B760-BABABB02C26B}"/>
+              </a:ext>
+            </a:extLst>
+          </p:cNvPr>
+          <p:cNvSpPr/>
+          <p:nvPr/>
+        </p:nvSpPr>
+        <p:spPr>
+          <a:xfrm>
+            <a:off x="2416298" y="1495425"/>
+            <a:ext cx="1514475" cy="762000"/>
+          </a:xfrm>
+          <a:prstGeom prst="rect">
+            <a:avLst/>
+          </a:prstGeom>
+        </p:spPr>
+        <p:style>
+          <a:lnRef idx="2">
+            <a:schemeClr val="accent1">
+              <a:shade val="50000"/>
+            </a:schemeClr>
+          </a:lnRef>
+          <a:fillRef idx="1">
+            <a:schemeClr val="accent1"/>
+          </a:fillRef>
+          <a:effectRef idx="0">
+            <a:schemeClr val="accent1"/>
+          </a:effectRef>
+          <a:fontRef idx="minor">
+            <a:schemeClr val="lt1"/>
+          </a:fontRef>
+        </p:style>
+        <p:txBody>
+          <a:bodyPr rtlCol="0" anchor="ctr"/>
+          <a:lstStyle/>
+          <a:p>
+            <a:pPr algn="ctr"/>
+            <a:r>
+              <a:rPr lang="en-US" dirty="0"/>
+              <a:t>React Client</a:t>
+            </a:r>
+          </a:p>
+        </p:txBody>
+      </p:sp>
+      <p:sp>
+        <p:nvSpPr>
+          <p:cNvPr id="6" name="Arrow: Right 5">
+            <a:extLst>
+              <a:ext uri="{FF2B5EF4-FFF2-40B4-BE49-F238E27FC236}">
+                <a16:creationId xmlns:a16="http://schemas.microsoft.com/office/drawing/2014/main" id="{920686AA-6206-4C58-B92A-4335B2A09141}"/>
+              </a:ext>
+            </a:extLst>
+          </p:cNvPr>
+          <p:cNvSpPr/>
+          <p:nvPr/>
+        </p:nvSpPr>
+        <p:spPr>
+          <a:xfrm>
+            <a:off x="1464816" y="1690688"/>
+            <a:ext cx="843378" cy="218011"/>
+          </a:xfrm>
+          <a:prstGeom prst="rightArrow">
+            <a:avLst/>
+          </a:prstGeom>
+        </p:spPr>
+        <p:style>
+          <a:lnRef idx="2">
+            <a:schemeClr val="accent1">
+              <a:shade val="50000"/>
+            </a:schemeClr>
+          </a:lnRef>
+          <a:fillRef idx="1">
+            <a:schemeClr val="accent1"/>
+          </a:fillRef>
+          <a:effectRef idx="0">
+            <a:schemeClr val="accent1"/>
+          </a:effectRef>
+          <a:fontRef idx="minor">
+            <a:schemeClr val="lt1"/>
+          </a:fontRef>
+        </p:style>
+        <p:txBody>
+          <a:bodyPr rtlCol="0" anchor="ctr"/>
+          <a:lstStyle/>
+          <a:p>
+            <a:pPr algn="ctr"/>
+            <a:endParaRPr lang="en-US"/>
+          </a:p>
+        </p:txBody>
+      </p:sp>
+      <p:sp>
+        <p:nvSpPr>
+          <p:cNvPr id="7" name="Rectangle 6">
+            <a:extLst>
+              <a:ext uri="{FF2B5EF4-FFF2-40B4-BE49-F238E27FC236}">
+                <a16:creationId xmlns:a16="http://schemas.microsoft.com/office/drawing/2014/main" id="{5C53C5A0-BDA2-4CBB-8C94-628C999DDAB3}"/>
+              </a:ext>
+            </a:extLst>
+          </p:cNvPr>
+          <p:cNvSpPr/>
+          <p:nvPr/>
+        </p:nvSpPr>
+        <p:spPr>
+          <a:xfrm>
+            <a:off x="4790885" y="2595252"/>
+            <a:ext cx="1754080" cy="677028"/>
+          </a:xfrm>
+          <a:prstGeom prst="rect">
+            <a:avLst/>
+          </a:prstGeom>
+        </p:spPr>
+        <p:style>
+          <a:lnRef idx="2">
+            <a:schemeClr val="accent4">
+              <a:shade val="50000"/>
+            </a:schemeClr>
+          </a:lnRef>
+          <a:fillRef idx="1">
+            <a:schemeClr val="accent4"/>
+          </a:fillRef>
+          <a:effectRef idx="0">
+            <a:schemeClr val="accent4"/>
+          </a:effectRef>
+          <a:fontRef idx="minor">
+            <a:schemeClr val="lt1"/>
+          </a:fontRef>
+        </p:style>
+        <p:txBody>
+          <a:bodyPr rtlCol="0" anchor="ctr"/>
+          <a:lstStyle/>
+          <a:p>
+            <a:pPr algn="ctr"/>
+            <a:r>
+              <a:rPr lang="en-US" dirty="0"/>
+              <a:t>Pirate Server</a:t>
+            </a:r>
+          </a:p>
+        </p:txBody>
+      </p:sp>
+      <p:sp>
+        <p:nvSpPr>
+          <p:cNvPr id="8" name="Arrow: Right 7">
+            <a:extLst>
+              <a:ext uri="{FF2B5EF4-FFF2-40B4-BE49-F238E27FC236}">
+                <a16:creationId xmlns:a16="http://schemas.microsoft.com/office/drawing/2014/main" id="{5F812FAE-7DE4-4117-96CF-5DCE97EC4C63}"/>
+              </a:ext>
+            </a:extLst>
+          </p:cNvPr>
+          <p:cNvSpPr/>
+          <p:nvPr/>
+        </p:nvSpPr>
+        <p:spPr>
+          <a:xfrm rot="5400000">
+            <a:off x="2908470" y="2607785"/>
+            <a:ext cx="530129" cy="426406"/>
+          </a:xfrm>
+          <a:prstGeom prst="rightArrow">
+            <a:avLst/>
+          </a:prstGeom>
+        </p:spPr>
+        <p:style>
+          <a:lnRef idx="2">
+            <a:schemeClr val="accent1">
+              <a:shade val="50000"/>
+            </a:schemeClr>
+          </a:lnRef>
+          <a:fillRef idx="1">
+            <a:schemeClr val="accent1"/>
+          </a:fillRef>
+          <a:effectRef idx="0">
+            <a:schemeClr val="accent1"/>
+          </a:effectRef>
+          <a:fontRef idx="minor">
+            <a:schemeClr val="lt1"/>
+          </a:fontRef>
+        </p:style>
+        <p:txBody>
+          <a:bodyPr rtlCol="0" anchor="ctr"/>
+          <a:lstStyle/>
+          <a:p>
+            <a:pPr algn="ctr"/>
+            <a:endParaRPr lang="en-US"/>
+          </a:p>
+        </p:txBody>
+      </p:sp>
+      <p:sp>
+        <p:nvSpPr>
+          <p:cNvPr id="10" name="Rectangle 9">
+            <a:extLst>
+              <a:ext uri="{FF2B5EF4-FFF2-40B4-BE49-F238E27FC236}">
+                <a16:creationId xmlns:a16="http://schemas.microsoft.com/office/drawing/2014/main" id="{9E86239A-F011-458F-BD6B-BD42B51B5D22}"/>
+              </a:ext>
+            </a:extLst>
+          </p:cNvPr>
+          <p:cNvSpPr/>
+          <p:nvPr/>
+        </p:nvSpPr>
+        <p:spPr>
+          <a:xfrm>
+            <a:off x="2308194" y="3271569"/>
+            <a:ext cx="1754080" cy="715961"/>
+          </a:xfrm>
+          <a:prstGeom prst="rect">
+            <a:avLst/>
+          </a:prstGeom>
+        </p:spPr>
+        <p:style>
+          <a:lnRef idx="2">
+            <a:schemeClr val="accent4">
+              <a:shade val="50000"/>
+            </a:schemeClr>
+          </a:lnRef>
+          <a:fillRef idx="1">
+            <a:schemeClr val="accent4"/>
+          </a:fillRef>
+          <a:effectRef idx="0">
+            <a:schemeClr val="accent4"/>
+          </a:effectRef>
+          <a:fontRef idx="minor">
+            <a:schemeClr val="lt1"/>
+          </a:fontRef>
+        </p:style>
+        <p:txBody>
+          <a:bodyPr rtlCol="0" anchor="ctr"/>
+          <a:lstStyle/>
+          <a:p>
+            <a:pPr algn="ctr"/>
+            <a:r>
+              <a:rPr lang="en-US" dirty="0"/>
+              <a:t>Hire Pirate Service</a:t>
+            </a:r>
+          </a:p>
+        </p:txBody>
+      </p:sp>
+      <p:sp>
+        <p:nvSpPr>
+          <p:cNvPr id="12" name="Arrow: Right 11">
+            <a:extLst>
+              <a:ext uri="{FF2B5EF4-FFF2-40B4-BE49-F238E27FC236}">
+                <a16:creationId xmlns:a16="http://schemas.microsoft.com/office/drawing/2014/main" id="{A94B2397-66B5-48E0-8334-017F5C4D6CC5}"/>
+              </a:ext>
+            </a:extLst>
+          </p:cNvPr>
+          <p:cNvSpPr/>
+          <p:nvPr/>
+        </p:nvSpPr>
+        <p:spPr>
+          <a:xfrm rot="19683520">
+            <a:off x="4244418" y="3379521"/>
+            <a:ext cx="530129" cy="426406"/>
+          </a:xfrm>
+          <a:prstGeom prst="rightArrow">
+            <a:avLst/>
+          </a:prstGeom>
+        </p:spPr>
+        <p:style>
+          <a:lnRef idx="2">
+            <a:schemeClr val="accent1">
+              <a:shade val="50000"/>
+            </a:schemeClr>
+          </a:lnRef>
+          <a:fillRef idx="1">
+            <a:schemeClr val="accent1"/>
+          </a:fillRef>
+          <a:effectRef idx="0">
+            <a:schemeClr val="accent1"/>
+          </a:effectRef>
+          <a:fontRef idx="minor">
+            <a:schemeClr val="lt1"/>
+          </a:fontRef>
+        </p:style>
+        <p:txBody>
+          <a:bodyPr rtlCol="0" anchor="ctr"/>
+          <a:lstStyle/>
+          <a:p>
+            <a:pPr algn="ctr"/>
+            <a:endParaRPr lang="en-US"/>
+          </a:p>
+        </p:txBody>
+      </p:sp>
+      <p:sp>
+        <p:nvSpPr>
+          <p:cNvPr id="16" name="Arrow: Right 15">
+            <a:extLst>
+              <a:ext uri="{FF2B5EF4-FFF2-40B4-BE49-F238E27FC236}">
+                <a16:creationId xmlns:a16="http://schemas.microsoft.com/office/drawing/2014/main" id="{12406566-1732-4F63-9C1B-847487205E2A}"/>
+              </a:ext>
+            </a:extLst>
+          </p:cNvPr>
+          <p:cNvSpPr/>
+          <p:nvPr/>
+        </p:nvSpPr>
+        <p:spPr>
+          <a:xfrm rot="2734418">
+            <a:off x="4280192" y="2044222"/>
+            <a:ext cx="530129" cy="426406"/>
+          </a:xfrm>
+          <a:prstGeom prst="rightArrow">
+            <a:avLst/>
+          </a:prstGeom>
+        </p:spPr>
+        <p:style>
+          <a:lnRef idx="2">
+            <a:schemeClr val="accent1">
+              <a:shade val="50000"/>
+            </a:schemeClr>
+          </a:lnRef>
+          <a:fillRef idx="1">
+            <a:schemeClr val="accent1"/>
+          </a:fillRef>
+          <a:effectRef idx="0">
+            <a:schemeClr val="accent1"/>
+          </a:effectRef>
+          <a:fontRef idx="minor">
+            <a:schemeClr val="lt1"/>
+          </a:fontRef>
+        </p:style>
+        <p:txBody>
+          <a:bodyPr rtlCol="0" anchor="ctr"/>
+          <a:lstStyle/>
+          <a:p>
+            <a:pPr algn="ctr"/>
+            <a:endParaRPr lang="en-US"/>
+          </a:p>
+        </p:txBody>
+      </p:sp>
+      <p:sp>
+        <p:nvSpPr>
+          <p:cNvPr id="17" name="Arrow: Right 16">
+            <a:extLst>
+              <a:ext uri="{FF2B5EF4-FFF2-40B4-BE49-F238E27FC236}">
+                <a16:creationId xmlns:a16="http://schemas.microsoft.com/office/drawing/2014/main" id="{596FAA59-BBEB-45FB-B7C3-A2B972302F71}"/>
+              </a:ext>
+            </a:extLst>
+          </p:cNvPr>
+          <p:cNvSpPr/>
+          <p:nvPr/>
+        </p:nvSpPr>
+        <p:spPr>
+          <a:xfrm rot="5400000">
+            <a:off x="2908469" y="4152059"/>
+            <a:ext cx="530129" cy="426406"/>
+          </a:xfrm>
+          <a:prstGeom prst="rightArrow">
+            <a:avLst/>
+          </a:prstGeom>
+        </p:spPr>
+        <p:style>
+          <a:lnRef idx="2">
+            <a:schemeClr val="accent1">
+              <a:shade val="50000"/>
+            </a:schemeClr>
+          </a:lnRef>
+          <a:fillRef idx="1">
+            <a:schemeClr val="accent1"/>
+          </a:fillRef>
+          <a:effectRef idx="0">
+            <a:schemeClr val="accent1"/>
+          </a:effectRef>
+          <a:fontRef idx="minor">
+            <a:schemeClr val="lt1"/>
+          </a:fontRef>
+        </p:style>
+        <p:txBody>
+          <a:bodyPr rtlCol="0" anchor="ctr"/>
+          <a:lstStyle/>
+          <a:p>
+            <a:pPr algn="ctr"/>
+            <a:endParaRPr lang="en-US"/>
+          </a:p>
+        </p:txBody>
+      </p:sp>
+      <p:sp>
+        <p:nvSpPr>
+          <p:cNvPr id="18" name="Rectangle 17">
+            <a:extLst>
+              <a:ext uri="{FF2B5EF4-FFF2-40B4-BE49-F238E27FC236}">
+                <a16:creationId xmlns:a16="http://schemas.microsoft.com/office/drawing/2014/main" id="{21F90FBD-0262-4ADC-8C29-BCD090A479A0}"/>
+              </a:ext>
+            </a:extLst>
+          </p:cNvPr>
+          <p:cNvSpPr/>
+          <p:nvPr/>
+        </p:nvSpPr>
+        <p:spPr>
+          <a:xfrm>
+            <a:off x="2308194" y="4809331"/>
+            <a:ext cx="1754080" cy="715961"/>
+          </a:xfrm>
+          <a:prstGeom prst="rect">
+            <a:avLst/>
+          </a:prstGeom>
+        </p:spPr>
+        <p:style>
+          <a:lnRef idx="2">
+            <a:schemeClr val="accent4">
+              <a:shade val="50000"/>
+            </a:schemeClr>
+          </a:lnRef>
+          <a:fillRef idx="1">
+            <a:schemeClr val="accent4"/>
+          </a:fillRef>
+          <a:effectRef idx="0">
+            <a:schemeClr val="accent4"/>
+          </a:effectRef>
+          <a:fontRef idx="minor">
+            <a:schemeClr val="lt1"/>
+          </a:fontRef>
+        </p:style>
+        <p:txBody>
+          <a:bodyPr rtlCol="0" anchor="ctr"/>
+          <a:lstStyle/>
+          <a:p>
+            <a:pPr algn="ctr"/>
+            <a:r>
+              <a:rPr lang="en-US" dirty="0"/>
+              <a:t>Hire Service Processor</a:t>
+            </a:r>
+          </a:p>
+        </p:txBody>
+      </p:sp>
+    </p:spTree>
+    <p:extLst>
+      <p:ext uri="{BB962C8B-B14F-4D97-AF65-F5344CB8AC3E}">
+        <p14:creationId xmlns:p14="http://schemas.microsoft.com/office/powerpoint/2010/main" val="1659501051"/>
       </p:ext>
     </p:extLst>
   </p:cSld>

--- a/Week7/w7.pptx
+++ b/Week7/w7.pptx
@@ -28,6 +28,11 @@
     <p:sldId id="276" r:id="rId22"/>
     <p:sldId id="277" r:id="rId23"/>
     <p:sldId id="278" r:id="rId24"/>
+    <p:sldId id="279" r:id="rId25"/>
+    <p:sldId id="280" r:id="rId26"/>
+    <p:sldId id="281" r:id="rId27"/>
+    <p:sldId id="282" r:id="rId28"/>
+    <p:sldId id="283" r:id="rId29"/>
   </p:sldIdLst>
   <p:sldSz cx="12192000" cy="6858000"/>
   <p:notesSz cx="6858000" cy="9144000"/>
@@ -281,7 +286,7 @@
           <a:p>
             <a:fld id="{89CD658C-5BA3-4CAE-A097-38A65857127A}" type="datetimeFigureOut">
               <a:rPr lang="en-US" smtClean="0"/>
-              <a:t>12/29/2020</a:t>
+              <a:t>12/30/2020</a:t>
             </a:fld>
             <a:endParaRPr lang="en-US"/>
           </a:p>
@@ -479,7 +484,7 @@
           <a:p>
             <a:fld id="{89CD658C-5BA3-4CAE-A097-38A65857127A}" type="datetimeFigureOut">
               <a:rPr lang="en-US" smtClean="0"/>
-              <a:t>12/29/2020</a:t>
+              <a:t>12/30/2020</a:t>
             </a:fld>
             <a:endParaRPr lang="en-US"/>
           </a:p>
@@ -687,7 +692,7 @@
           <a:p>
             <a:fld id="{89CD658C-5BA3-4CAE-A097-38A65857127A}" type="datetimeFigureOut">
               <a:rPr lang="en-US" smtClean="0"/>
-              <a:t>12/29/2020</a:t>
+              <a:t>12/30/2020</a:t>
             </a:fld>
             <a:endParaRPr lang="en-US"/>
           </a:p>
@@ -885,7 +890,7 @@
           <a:p>
             <a:fld id="{89CD658C-5BA3-4CAE-A097-38A65857127A}" type="datetimeFigureOut">
               <a:rPr lang="en-US" smtClean="0"/>
-              <a:t>12/29/2020</a:t>
+              <a:t>12/30/2020</a:t>
             </a:fld>
             <a:endParaRPr lang="en-US"/>
           </a:p>
@@ -1160,7 +1165,7 @@
           <a:p>
             <a:fld id="{89CD658C-5BA3-4CAE-A097-38A65857127A}" type="datetimeFigureOut">
               <a:rPr lang="en-US" smtClean="0"/>
-              <a:t>12/29/2020</a:t>
+              <a:t>12/30/2020</a:t>
             </a:fld>
             <a:endParaRPr lang="en-US"/>
           </a:p>
@@ -1425,7 +1430,7 @@
           <a:p>
             <a:fld id="{89CD658C-5BA3-4CAE-A097-38A65857127A}" type="datetimeFigureOut">
               <a:rPr lang="en-US" smtClean="0"/>
-              <a:t>12/29/2020</a:t>
+              <a:t>12/30/2020</a:t>
             </a:fld>
             <a:endParaRPr lang="en-US"/>
           </a:p>
@@ -1837,7 +1842,7 @@
           <a:p>
             <a:fld id="{89CD658C-5BA3-4CAE-A097-38A65857127A}" type="datetimeFigureOut">
               <a:rPr lang="en-US" smtClean="0"/>
-              <a:t>12/29/2020</a:t>
+              <a:t>12/30/2020</a:t>
             </a:fld>
             <a:endParaRPr lang="en-US"/>
           </a:p>
@@ -1978,7 +1983,7 @@
           <a:p>
             <a:fld id="{89CD658C-5BA3-4CAE-A097-38A65857127A}" type="datetimeFigureOut">
               <a:rPr lang="en-US" smtClean="0"/>
-              <a:t>12/29/2020</a:t>
+              <a:t>12/30/2020</a:t>
             </a:fld>
             <a:endParaRPr lang="en-US"/>
           </a:p>
@@ -2091,7 +2096,7 @@
           <a:p>
             <a:fld id="{89CD658C-5BA3-4CAE-A097-38A65857127A}" type="datetimeFigureOut">
               <a:rPr lang="en-US" smtClean="0"/>
-              <a:t>12/29/2020</a:t>
+              <a:t>12/30/2020</a:t>
             </a:fld>
             <a:endParaRPr lang="en-US"/>
           </a:p>
@@ -2402,7 +2407,7 @@
           <a:p>
             <a:fld id="{89CD658C-5BA3-4CAE-A097-38A65857127A}" type="datetimeFigureOut">
               <a:rPr lang="en-US" smtClean="0"/>
-              <a:t>12/29/2020</a:t>
+              <a:t>12/30/2020</a:t>
             </a:fld>
             <a:endParaRPr lang="en-US"/>
           </a:p>
@@ -2690,7 +2695,7 @@
           <a:p>
             <a:fld id="{89CD658C-5BA3-4CAE-A097-38A65857127A}" type="datetimeFigureOut">
               <a:rPr lang="en-US" smtClean="0"/>
-              <a:t>12/29/2020</a:t>
+              <a:t>12/30/2020</a:t>
             </a:fld>
             <a:endParaRPr lang="en-US"/>
           </a:p>
@@ -2931,7 +2936,7 @@
           <a:p>
             <a:fld id="{89CD658C-5BA3-4CAE-A097-38A65857127A}" type="datetimeFigureOut">
               <a:rPr lang="en-US" smtClean="0"/>
-              <a:t>12/29/2020</a:t>
+              <a:t>12/30/2020</a:t>
             </a:fld>
             <a:endParaRPr lang="en-US"/>
           </a:p>
@@ -4163,7 +4168,12 @@
             <p:ph type="title"/>
           </p:nvPr>
         </p:nvSpPr>
-        <p:spPr/>
+        <p:spPr>
+          <a:xfrm>
+            <a:off x="838200" y="148501"/>
+            <a:ext cx="10515600" cy="1325563"/>
+          </a:xfrm>
+        </p:spPr>
         <p:txBody>
           <a:bodyPr/>
           <a:lstStyle/>
@@ -9761,6 +9771,62 @@
           </a:p>
         </p:txBody>
       </p:sp>
+      <p:sp>
+        <p:nvSpPr>
+          <p:cNvPr id="19" name="Rectangle 18">
+            <a:extLst>
+              <a:ext uri="{FF2B5EF4-FFF2-40B4-BE49-F238E27FC236}">
+                <a16:creationId xmlns:a16="http://schemas.microsoft.com/office/drawing/2014/main" id="{11B125E1-BEAD-46EA-A911-76920634C444}"/>
+              </a:ext>
+            </a:extLst>
+          </p:cNvPr>
+          <p:cNvSpPr/>
+          <p:nvPr/>
+        </p:nvSpPr>
+        <p:spPr>
+          <a:xfrm>
+            <a:off x="7703162" y="1731333"/>
+            <a:ext cx="1514475" cy="762000"/>
+          </a:xfrm>
+          <a:prstGeom prst="rect">
+            <a:avLst/>
+          </a:prstGeom>
+        </p:spPr>
+        <p:style>
+          <a:lnRef idx="2">
+            <a:schemeClr val="accent3">
+              <a:shade val="50000"/>
+            </a:schemeClr>
+          </a:lnRef>
+          <a:fillRef idx="1">
+            <a:schemeClr val="accent3"/>
+          </a:fillRef>
+          <a:effectRef idx="0">
+            <a:schemeClr val="accent3"/>
+          </a:effectRef>
+          <a:fontRef idx="minor">
+            <a:schemeClr val="lt1"/>
+          </a:fontRef>
+        </p:style>
+        <p:txBody>
+          <a:bodyPr rtlCol="0" anchor="ctr"/>
+          <a:lstStyle/>
+          <a:p>
+            <a:pPr algn="ctr"/>
+            <a:r>
+              <a:rPr lang="en-US" dirty="0"/>
+              <a:t>Service Registry</a:t>
+            </a:r>
+          </a:p>
+          <a:p>
+            <a:pPr algn="ctr"/>
+            <a:r>
+              <a:rPr lang="en-US" dirty="0"/>
+              <a:t>(Eureka)</a:t>
+            </a:r>
+          </a:p>
+        </p:txBody>
+      </p:sp>
     </p:spTree>
     <p:extLst>
       <p:ext uri="{BB962C8B-B14F-4D97-AF65-F5344CB8AC3E}">
@@ -9814,7 +9880,7 @@
           <a:p>
             <a:r>
               <a:rPr lang="en-US" dirty="0"/>
-              <a:t>Proposed Architecture for MS Pirate App</a:t>
+              <a:t>Proposed Architecture for MS Pirate App – no queue</a:t>
             </a:r>
           </a:p>
         </p:txBody>
@@ -10284,10 +10350,2098 @@
           </a:p>
         </p:txBody>
       </p:sp>
+      <p:sp>
+        <p:nvSpPr>
+          <p:cNvPr id="13" name="Rectangle 12">
+            <a:extLst>
+              <a:ext uri="{FF2B5EF4-FFF2-40B4-BE49-F238E27FC236}">
+                <a16:creationId xmlns:a16="http://schemas.microsoft.com/office/drawing/2014/main" id="{33CF6C0B-C218-4B70-8AF3-F379156878DB}"/>
+              </a:ext>
+            </a:extLst>
+          </p:cNvPr>
+          <p:cNvSpPr/>
+          <p:nvPr/>
+        </p:nvSpPr>
+        <p:spPr>
+          <a:xfrm>
+            <a:off x="7703162" y="1731333"/>
+            <a:ext cx="1514475" cy="762000"/>
+          </a:xfrm>
+          <a:prstGeom prst="rect">
+            <a:avLst/>
+          </a:prstGeom>
+        </p:spPr>
+        <p:style>
+          <a:lnRef idx="2">
+            <a:schemeClr val="accent3">
+              <a:shade val="50000"/>
+            </a:schemeClr>
+          </a:lnRef>
+          <a:fillRef idx="1">
+            <a:schemeClr val="accent3"/>
+          </a:fillRef>
+          <a:effectRef idx="0">
+            <a:schemeClr val="accent3"/>
+          </a:effectRef>
+          <a:fontRef idx="minor">
+            <a:schemeClr val="lt1"/>
+          </a:fontRef>
+        </p:style>
+        <p:txBody>
+          <a:bodyPr rtlCol="0" anchor="ctr"/>
+          <a:lstStyle/>
+          <a:p>
+            <a:pPr algn="ctr"/>
+            <a:r>
+              <a:rPr lang="en-US" dirty="0"/>
+              <a:t>Service Registry</a:t>
+            </a:r>
+          </a:p>
+          <a:p>
+            <a:pPr algn="ctr"/>
+            <a:r>
+              <a:rPr lang="en-US" dirty="0"/>
+              <a:t>(Eureka)</a:t>
+            </a:r>
+          </a:p>
+        </p:txBody>
+      </p:sp>
     </p:spTree>
     <p:extLst>
       <p:ext uri="{BB962C8B-B14F-4D97-AF65-F5344CB8AC3E}">
         <p14:creationId xmlns:p14="http://schemas.microsoft.com/office/powerpoint/2010/main" val="1659501051"/>
+      </p:ext>
+    </p:extLst>
+  </p:cSld>
+  <p:clrMapOvr>
+    <a:masterClrMapping/>
+  </p:clrMapOvr>
+</p:sld>
+</file>
+
+<file path=ppt/slides/slide24.xml><?xml version="1.0" encoding="utf-8"?>
+<p:sld xmlns:a="http://schemas.openxmlformats.org/drawingml/2006/main" xmlns:r="http://schemas.openxmlformats.org/officeDocument/2006/relationships" xmlns:p="http://schemas.openxmlformats.org/presentationml/2006/main">
+  <p:cSld>
+    <p:spTree>
+      <p:nvGrpSpPr>
+        <p:cNvPr id="1" name=""/>
+        <p:cNvGrpSpPr/>
+        <p:nvPr/>
+      </p:nvGrpSpPr>
+      <p:grpSpPr>
+        <a:xfrm>
+          <a:off x="0" y="0"/>
+          <a:ext cx="0" cy="0"/>
+          <a:chOff x="0" y="0"/>
+          <a:chExt cx="0" cy="0"/>
+        </a:xfrm>
+      </p:grpSpPr>
+      <p:sp>
+        <p:nvSpPr>
+          <p:cNvPr id="2" name="Title 1">
+            <a:extLst>
+              <a:ext uri="{FF2B5EF4-FFF2-40B4-BE49-F238E27FC236}">
+                <a16:creationId xmlns:a16="http://schemas.microsoft.com/office/drawing/2014/main" id="{4BF69AB3-C811-4999-BDD3-A070BE6D3648}"/>
+              </a:ext>
+            </a:extLst>
+          </p:cNvPr>
+          <p:cNvSpPr>
+            <a:spLocks noGrp="1"/>
+          </p:cNvSpPr>
+          <p:nvPr>
+            <p:ph type="title"/>
+          </p:nvPr>
+        </p:nvSpPr>
+        <p:spPr/>
+        <p:txBody>
+          <a:bodyPr/>
+          <a:lstStyle/>
+          <a:p>
+            <a:r>
+              <a:rPr lang="en-US" dirty="0"/>
+              <a:t>Docker</a:t>
+            </a:r>
+          </a:p>
+        </p:txBody>
+      </p:sp>
+      <p:pic>
+        <p:nvPicPr>
+          <p:cNvPr id="1026" name="Picture 2" descr="How Docker Can Help You Become A More Effective Data Scientist">
+            <a:extLst>
+              <a:ext uri="{FF2B5EF4-FFF2-40B4-BE49-F238E27FC236}">
+                <a16:creationId xmlns:a16="http://schemas.microsoft.com/office/drawing/2014/main" id="{9C15D329-5DFA-49AF-93F2-43EABB185E0F}"/>
+              </a:ext>
+            </a:extLst>
+          </p:cNvPr>
+          <p:cNvPicPr>
+            <a:picLocks noChangeAspect="1" noChangeArrowheads="1"/>
+          </p:cNvPicPr>
+          <p:nvPr/>
+        </p:nvPicPr>
+        <p:blipFill>
+          <a:blip r:embed="rId2">
+            <a:extLst>
+              <a:ext uri="{28A0092B-C50C-407E-A947-70E740481C1C}">
+                <a14:useLocalDpi xmlns:a14="http://schemas.microsoft.com/office/drawing/2010/main" val="0"/>
+              </a:ext>
+            </a:extLst>
+          </a:blip>
+          <a:srcRect/>
+          <a:stretch>
+            <a:fillRect/>
+          </a:stretch>
+        </p:blipFill>
+        <p:spPr bwMode="auto">
+          <a:xfrm>
+            <a:off x="1893441" y="1306152"/>
+            <a:ext cx="9231465" cy="4245695"/>
+          </a:xfrm>
+          <a:prstGeom prst="rect">
+            <a:avLst/>
+          </a:prstGeom>
+          <a:noFill/>
+          <a:extLst>
+            <a:ext uri="{909E8E84-426E-40DD-AFC4-6F175D3DCCD1}">
+              <a14:hiddenFill xmlns:a14="http://schemas.microsoft.com/office/drawing/2010/main">
+                <a:solidFill>
+                  <a:srgbClr val="FFFFFF"/>
+                </a:solidFill>
+              </a14:hiddenFill>
+            </a:ext>
+          </a:extLst>
+        </p:spPr>
+      </p:pic>
+    </p:spTree>
+    <p:extLst>
+      <p:ext uri="{BB962C8B-B14F-4D97-AF65-F5344CB8AC3E}">
+        <p14:creationId xmlns:p14="http://schemas.microsoft.com/office/powerpoint/2010/main" val="3830007524"/>
+      </p:ext>
+    </p:extLst>
+  </p:cSld>
+  <p:clrMapOvr>
+    <a:masterClrMapping/>
+  </p:clrMapOvr>
+</p:sld>
+</file>
+
+<file path=ppt/slides/slide25.xml><?xml version="1.0" encoding="utf-8"?>
+<p:sld xmlns:a="http://schemas.openxmlformats.org/drawingml/2006/main" xmlns:r="http://schemas.openxmlformats.org/officeDocument/2006/relationships" xmlns:p="http://schemas.openxmlformats.org/presentationml/2006/main">
+  <p:cSld>
+    <p:spTree>
+      <p:nvGrpSpPr>
+        <p:cNvPr id="1" name=""/>
+        <p:cNvGrpSpPr/>
+        <p:nvPr/>
+      </p:nvGrpSpPr>
+      <p:grpSpPr>
+        <a:xfrm>
+          <a:off x="0" y="0"/>
+          <a:ext cx="0" cy="0"/>
+          <a:chOff x="0" y="0"/>
+          <a:chExt cx="0" cy="0"/>
+        </a:xfrm>
+      </p:grpSpPr>
+      <p:sp>
+        <p:nvSpPr>
+          <p:cNvPr id="2" name="Title 1">
+            <a:extLst>
+              <a:ext uri="{FF2B5EF4-FFF2-40B4-BE49-F238E27FC236}">
+                <a16:creationId xmlns:a16="http://schemas.microsoft.com/office/drawing/2014/main" id="{2C7EA3EA-5B66-4AFF-B391-9C7EA05789AF}"/>
+              </a:ext>
+            </a:extLst>
+          </p:cNvPr>
+          <p:cNvSpPr>
+            <a:spLocks noGrp="1"/>
+          </p:cNvSpPr>
+          <p:nvPr>
+            <p:ph type="title"/>
+          </p:nvPr>
+        </p:nvSpPr>
+        <p:spPr/>
+        <p:txBody>
+          <a:bodyPr/>
+          <a:lstStyle/>
+          <a:p>
+            <a:r>
+              <a:rPr lang="en-US" dirty="0"/>
+              <a:t>Virtual Machine</a:t>
+            </a:r>
+          </a:p>
+        </p:txBody>
+      </p:sp>
+      <p:sp>
+        <p:nvSpPr>
+          <p:cNvPr id="5" name="Rectangle 4">
+            <a:extLst>
+              <a:ext uri="{FF2B5EF4-FFF2-40B4-BE49-F238E27FC236}">
+                <a16:creationId xmlns:a16="http://schemas.microsoft.com/office/drawing/2014/main" id="{CC51DDFE-3548-404B-BB23-823480117FAD}"/>
+              </a:ext>
+            </a:extLst>
+          </p:cNvPr>
+          <p:cNvSpPr/>
+          <p:nvPr/>
+        </p:nvSpPr>
+        <p:spPr>
+          <a:xfrm>
+            <a:off x="1677971" y="4996206"/>
+            <a:ext cx="9436231" cy="754145"/>
+          </a:xfrm>
+          <a:prstGeom prst="rect">
+            <a:avLst/>
+          </a:prstGeom>
+        </p:spPr>
+        <p:style>
+          <a:lnRef idx="2">
+            <a:schemeClr val="accent3">
+              <a:shade val="50000"/>
+            </a:schemeClr>
+          </a:lnRef>
+          <a:fillRef idx="1">
+            <a:schemeClr val="accent3"/>
+          </a:fillRef>
+          <a:effectRef idx="0">
+            <a:schemeClr val="accent3"/>
+          </a:effectRef>
+          <a:fontRef idx="minor">
+            <a:schemeClr val="lt1"/>
+          </a:fontRef>
+        </p:style>
+        <p:txBody>
+          <a:bodyPr rtlCol="0" anchor="ctr"/>
+          <a:lstStyle/>
+          <a:p>
+            <a:pPr algn="ctr"/>
+            <a:r>
+              <a:rPr lang="en-US" dirty="0"/>
+              <a:t>OS</a:t>
+            </a:r>
+          </a:p>
+        </p:txBody>
+      </p:sp>
+      <p:sp>
+        <p:nvSpPr>
+          <p:cNvPr id="6" name="Rectangle 5">
+            <a:extLst>
+              <a:ext uri="{FF2B5EF4-FFF2-40B4-BE49-F238E27FC236}">
+                <a16:creationId xmlns:a16="http://schemas.microsoft.com/office/drawing/2014/main" id="{8D2906D5-5822-4860-A813-0E129F964785}"/>
+              </a:ext>
+            </a:extLst>
+          </p:cNvPr>
+          <p:cNvSpPr/>
+          <p:nvPr/>
+        </p:nvSpPr>
+        <p:spPr>
+          <a:xfrm>
+            <a:off x="1677971" y="4495016"/>
+            <a:ext cx="9436231" cy="501190"/>
+          </a:xfrm>
+          <a:prstGeom prst="rect">
+            <a:avLst/>
+          </a:prstGeom>
+        </p:spPr>
+        <p:style>
+          <a:lnRef idx="2">
+            <a:schemeClr val="accent4">
+              <a:shade val="50000"/>
+            </a:schemeClr>
+          </a:lnRef>
+          <a:fillRef idx="1">
+            <a:schemeClr val="accent4"/>
+          </a:fillRef>
+          <a:effectRef idx="0">
+            <a:schemeClr val="accent4"/>
+          </a:effectRef>
+          <a:fontRef idx="minor">
+            <a:schemeClr val="lt1"/>
+          </a:fontRef>
+        </p:style>
+        <p:txBody>
+          <a:bodyPr rtlCol="0" anchor="ctr"/>
+          <a:lstStyle/>
+          <a:p>
+            <a:pPr algn="ctr"/>
+            <a:r>
+              <a:rPr lang="en-US" dirty="0"/>
+              <a:t>Hypervisor</a:t>
+            </a:r>
+          </a:p>
+        </p:txBody>
+      </p:sp>
+      <p:sp>
+        <p:nvSpPr>
+          <p:cNvPr id="7" name="Rectangle 6">
+            <a:extLst>
+              <a:ext uri="{FF2B5EF4-FFF2-40B4-BE49-F238E27FC236}">
+                <a16:creationId xmlns:a16="http://schemas.microsoft.com/office/drawing/2014/main" id="{3A8348B2-9DD1-4C82-B93E-53288D67F116}"/>
+              </a:ext>
+            </a:extLst>
+          </p:cNvPr>
+          <p:cNvSpPr/>
+          <p:nvPr/>
+        </p:nvSpPr>
+        <p:spPr>
+          <a:xfrm>
+            <a:off x="1677971" y="4003253"/>
+            <a:ext cx="4741683" cy="501190"/>
+          </a:xfrm>
+          <a:prstGeom prst="rect">
+            <a:avLst/>
+          </a:prstGeom>
+        </p:spPr>
+        <p:style>
+          <a:lnRef idx="2">
+            <a:schemeClr val="accent6">
+              <a:shade val="50000"/>
+            </a:schemeClr>
+          </a:lnRef>
+          <a:fillRef idx="1">
+            <a:schemeClr val="accent6"/>
+          </a:fillRef>
+          <a:effectRef idx="0">
+            <a:schemeClr val="accent6"/>
+          </a:effectRef>
+          <a:fontRef idx="minor">
+            <a:schemeClr val="lt1"/>
+          </a:fontRef>
+        </p:style>
+        <p:txBody>
+          <a:bodyPr rtlCol="0" anchor="ctr"/>
+          <a:lstStyle/>
+          <a:p>
+            <a:pPr algn="ctr"/>
+            <a:r>
+              <a:rPr lang="en-US" dirty="0"/>
+              <a:t>Guest OS 1</a:t>
+            </a:r>
+          </a:p>
+        </p:txBody>
+      </p:sp>
+      <p:sp>
+        <p:nvSpPr>
+          <p:cNvPr id="8" name="Rectangle 7">
+            <a:extLst>
+              <a:ext uri="{FF2B5EF4-FFF2-40B4-BE49-F238E27FC236}">
+                <a16:creationId xmlns:a16="http://schemas.microsoft.com/office/drawing/2014/main" id="{C7E54E71-A571-448E-B70C-6B3CF3072C46}"/>
+              </a:ext>
+            </a:extLst>
+          </p:cNvPr>
+          <p:cNvSpPr/>
+          <p:nvPr/>
+        </p:nvSpPr>
+        <p:spPr>
+          <a:xfrm>
+            <a:off x="6372519" y="4003253"/>
+            <a:ext cx="4741683" cy="501190"/>
+          </a:xfrm>
+          <a:prstGeom prst="rect">
+            <a:avLst/>
+          </a:prstGeom>
+        </p:spPr>
+        <p:style>
+          <a:lnRef idx="2">
+            <a:schemeClr val="accent6">
+              <a:shade val="50000"/>
+            </a:schemeClr>
+          </a:lnRef>
+          <a:fillRef idx="1">
+            <a:schemeClr val="accent6"/>
+          </a:fillRef>
+          <a:effectRef idx="0">
+            <a:schemeClr val="accent6"/>
+          </a:effectRef>
+          <a:fontRef idx="minor">
+            <a:schemeClr val="lt1"/>
+          </a:fontRef>
+        </p:style>
+        <p:txBody>
+          <a:bodyPr rtlCol="0" anchor="ctr"/>
+          <a:lstStyle/>
+          <a:p>
+            <a:pPr algn="ctr"/>
+            <a:r>
+              <a:rPr lang="en-US" dirty="0"/>
+              <a:t>Guest OS 2</a:t>
+            </a:r>
+          </a:p>
+        </p:txBody>
+      </p:sp>
+      <p:sp>
+        <p:nvSpPr>
+          <p:cNvPr id="9" name="Rectangle 8">
+            <a:extLst>
+              <a:ext uri="{FF2B5EF4-FFF2-40B4-BE49-F238E27FC236}">
+                <a16:creationId xmlns:a16="http://schemas.microsoft.com/office/drawing/2014/main" id="{730B5C8F-7F3F-442E-89BB-A614796A2EA9}"/>
+              </a:ext>
+            </a:extLst>
+          </p:cNvPr>
+          <p:cNvSpPr/>
+          <p:nvPr/>
+        </p:nvSpPr>
+        <p:spPr>
+          <a:xfrm>
+            <a:off x="1677971" y="5750351"/>
+            <a:ext cx="9436231" cy="754145"/>
+          </a:xfrm>
+          <a:prstGeom prst="rect">
+            <a:avLst/>
+          </a:prstGeom>
+        </p:spPr>
+        <p:style>
+          <a:lnRef idx="2">
+            <a:schemeClr val="accent1">
+              <a:shade val="50000"/>
+            </a:schemeClr>
+          </a:lnRef>
+          <a:fillRef idx="1">
+            <a:schemeClr val="accent1"/>
+          </a:fillRef>
+          <a:effectRef idx="0">
+            <a:schemeClr val="accent1"/>
+          </a:effectRef>
+          <a:fontRef idx="minor">
+            <a:schemeClr val="lt1"/>
+          </a:fontRef>
+        </p:style>
+        <p:txBody>
+          <a:bodyPr rtlCol="0" anchor="ctr"/>
+          <a:lstStyle/>
+          <a:p>
+            <a:pPr algn="ctr"/>
+            <a:r>
+              <a:rPr lang="en-US" dirty="0"/>
+              <a:t>Hardware</a:t>
+            </a:r>
+          </a:p>
+        </p:txBody>
+      </p:sp>
+      <p:sp>
+        <p:nvSpPr>
+          <p:cNvPr id="10" name="Rectangle 9">
+            <a:extLst>
+              <a:ext uri="{FF2B5EF4-FFF2-40B4-BE49-F238E27FC236}">
+                <a16:creationId xmlns:a16="http://schemas.microsoft.com/office/drawing/2014/main" id="{E506DB9A-DBC9-4CF0-88B5-CFA7E610EEEE}"/>
+              </a:ext>
+            </a:extLst>
+          </p:cNvPr>
+          <p:cNvSpPr/>
+          <p:nvPr/>
+        </p:nvSpPr>
+        <p:spPr>
+          <a:xfrm>
+            <a:off x="1677972" y="3506777"/>
+            <a:ext cx="4694548" cy="501190"/>
+          </a:xfrm>
+          <a:prstGeom prst="rect">
+            <a:avLst/>
+          </a:prstGeom>
+        </p:spPr>
+        <p:style>
+          <a:lnRef idx="2">
+            <a:schemeClr val="accent5">
+              <a:shade val="50000"/>
+            </a:schemeClr>
+          </a:lnRef>
+          <a:fillRef idx="1">
+            <a:schemeClr val="accent5"/>
+          </a:fillRef>
+          <a:effectRef idx="0">
+            <a:schemeClr val="accent5"/>
+          </a:effectRef>
+          <a:fontRef idx="minor">
+            <a:schemeClr val="lt1"/>
+          </a:fontRef>
+        </p:style>
+        <p:txBody>
+          <a:bodyPr rtlCol="0" anchor="ctr"/>
+          <a:lstStyle/>
+          <a:p>
+            <a:pPr algn="ctr"/>
+            <a:r>
+              <a:rPr lang="en-US" dirty="0"/>
+              <a:t>Libraries and Dependencies</a:t>
+            </a:r>
+          </a:p>
+        </p:txBody>
+      </p:sp>
+      <p:sp>
+        <p:nvSpPr>
+          <p:cNvPr id="11" name="Rectangle 10">
+            <a:extLst>
+              <a:ext uri="{FF2B5EF4-FFF2-40B4-BE49-F238E27FC236}">
+                <a16:creationId xmlns:a16="http://schemas.microsoft.com/office/drawing/2014/main" id="{EAB4D2CE-9ACB-4057-9778-8F9EE9E9F230}"/>
+              </a:ext>
+            </a:extLst>
+          </p:cNvPr>
+          <p:cNvSpPr/>
+          <p:nvPr/>
+        </p:nvSpPr>
+        <p:spPr>
+          <a:xfrm>
+            <a:off x="6372518" y="3511490"/>
+            <a:ext cx="4741685" cy="501190"/>
+          </a:xfrm>
+          <a:prstGeom prst="rect">
+            <a:avLst/>
+          </a:prstGeom>
+        </p:spPr>
+        <p:style>
+          <a:lnRef idx="2">
+            <a:schemeClr val="accent5">
+              <a:shade val="50000"/>
+            </a:schemeClr>
+          </a:lnRef>
+          <a:fillRef idx="1">
+            <a:schemeClr val="accent5"/>
+          </a:fillRef>
+          <a:effectRef idx="0">
+            <a:schemeClr val="accent5"/>
+          </a:effectRef>
+          <a:fontRef idx="minor">
+            <a:schemeClr val="lt1"/>
+          </a:fontRef>
+        </p:style>
+        <p:txBody>
+          <a:bodyPr rtlCol="0" anchor="ctr"/>
+          <a:lstStyle/>
+          <a:p>
+            <a:pPr algn="ctr"/>
+            <a:r>
+              <a:rPr lang="en-US" dirty="0"/>
+              <a:t>Libraries and Dependencies</a:t>
+            </a:r>
+          </a:p>
+        </p:txBody>
+      </p:sp>
+      <p:sp>
+        <p:nvSpPr>
+          <p:cNvPr id="12" name="Rectangle 11">
+            <a:extLst>
+              <a:ext uri="{FF2B5EF4-FFF2-40B4-BE49-F238E27FC236}">
+                <a16:creationId xmlns:a16="http://schemas.microsoft.com/office/drawing/2014/main" id="{93FA103E-F195-4DFE-9DE4-8370CCFEDBF0}"/>
+              </a:ext>
+            </a:extLst>
+          </p:cNvPr>
+          <p:cNvSpPr/>
+          <p:nvPr/>
+        </p:nvSpPr>
+        <p:spPr>
+          <a:xfrm>
+            <a:off x="1677972" y="3024441"/>
+            <a:ext cx="4694548" cy="501190"/>
+          </a:xfrm>
+          <a:prstGeom prst="rect">
+            <a:avLst/>
+          </a:prstGeom>
+        </p:spPr>
+        <p:style>
+          <a:lnRef idx="2">
+            <a:schemeClr val="accent2">
+              <a:shade val="50000"/>
+            </a:schemeClr>
+          </a:lnRef>
+          <a:fillRef idx="1">
+            <a:schemeClr val="accent2"/>
+          </a:fillRef>
+          <a:effectRef idx="0">
+            <a:schemeClr val="accent2"/>
+          </a:effectRef>
+          <a:fontRef idx="minor">
+            <a:schemeClr val="lt1"/>
+          </a:fontRef>
+        </p:style>
+        <p:txBody>
+          <a:bodyPr rtlCol="0" anchor="ctr"/>
+          <a:lstStyle/>
+          <a:p>
+            <a:pPr algn="ctr"/>
+            <a:r>
+              <a:rPr lang="en-US" dirty="0"/>
+              <a:t>App</a:t>
+            </a:r>
+          </a:p>
+        </p:txBody>
+      </p:sp>
+      <p:sp>
+        <p:nvSpPr>
+          <p:cNvPr id="13" name="Rectangle 12">
+            <a:extLst>
+              <a:ext uri="{FF2B5EF4-FFF2-40B4-BE49-F238E27FC236}">
+                <a16:creationId xmlns:a16="http://schemas.microsoft.com/office/drawing/2014/main" id="{460727A8-D177-4285-B57F-28DD9D706012}"/>
+              </a:ext>
+            </a:extLst>
+          </p:cNvPr>
+          <p:cNvSpPr/>
+          <p:nvPr/>
+        </p:nvSpPr>
+        <p:spPr>
+          <a:xfrm>
+            <a:off x="6363093" y="3019727"/>
+            <a:ext cx="4751111" cy="501190"/>
+          </a:xfrm>
+          <a:prstGeom prst="rect">
+            <a:avLst/>
+          </a:prstGeom>
+        </p:spPr>
+        <p:style>
+          <a:lnRef idx="2">
+            <a:schemeClr val="accent2">
+              <a:shade val="50000"/>
+            </a:schemeClr>
+          </a:lnRef>
+          <a:fillRef idx="1">
+            <a:schemeClr val="accent2"/>
+          </a:fillRef>
+          <a:effectRef idx="0">
+            <a:schemeClr val="accent2"/>
+          </a:effectRef>
+          <a:fontRef idx="minor">
+            <a:schemeClr val="lt1"/>
+          </a:fontRef>
+        </p:style>
+        <p:txBody>
+          <a:bodyPr rtlCol="0" anchor="ctr"/>
+          <a:lstStyle/>
+          <a:p>
+            <a:pPr algn="ctr"/>
+            <a:r>
+              <a:rPr lang="en-US" dirty="0"/>
+              <a:t>App</a:t>
+            </a:r>
+          </a:p>
+        </p:txBody>
+      </p:sp>
+    </p:spTree>
+    <p:extLst>
+      <p:ext uri="{BB962C8B-B14F-4D97-AF65-F5344CB8AC3E}">
+        <p14:creationId xmlns:p14="http://schemas.microsoft.com/office/powerpoint/2010/main" val="2523082673"/>
+      </p:ext>
+    </p:extLst>
+  </p:cSld>
+  <p:clrMapOvr>
+    <a:masterClrMapping/>
+  </p:clrMapOvr>
+</p:sld>
+</file>
+
+<file path=ppt/slides/slide26.xml><?xml version="1.0" encoding="utf-8"?>
+<p:sld xmlns:a="http://schemas.openxmlformats.org/drawingml/2006/main" xmlns:r="http://schemas.openxmlformats.org/officeDocument/2006/relationships" xmlns:p="http://schemas.openxmlformats.org/presentationml/2006/main">
+  <p:cSld>
+    <p:spTree>
+      <p:nvGrpSpPr>
+        <p:cNvPr id="1" name=""/>
+        <p:cNvGrpSpPr/>
+        <p:nvPr/>
+      </p:nvGrpSpPr>
+      <p:grpSpPr>
+        <a:xfrm>
+          <a:off x="0" y="0"/>
+          <a:ext cx="0" cy="0"/>
+          <a:chOff x="0" y="0"/>
+          <a:chExt cx="0" cy="0"/>
+        </a:xfrm>
+      </p:grpSpPr>
+      <p:sp>
+        <p:nvSpPr>
+          <p:cNvPr id="2" name="Title 1">
+            <a:extLst>
+              <a:ext uri="{FF2B5EF4-FFF2-40B4-BE49-F238E27FC236}">
+                <a16:creationId xmlns:a16="http://schemas.microsoft.com/office/drawing/2014/main" id="{815743B8-D106-4C7E-8E4E-5F55F0F124B8}"/>
+              </a:ext>
+            </a:extLst>
+          </p:cNvPr>
+          <p:cNvSpPr>
+            <a:spLocks noGrp="1"/>
+          </p:cNvSpPr>
+          <p:nvPr>
+            <p:ph type="title"/>
+          </p:nvPr>
+        </p:nvSpPr>
+        <p:spPr/>
+        <p:txBody>
+          <a:bodyPr/>
+          <a:lstStyle/>
+          <a:p>
+            <a:r>
+              <a:rPr lang="en-US" dirty="0"/>
+              <a:t>Containerization</a:t>
+            </a:r>
+          </a:p>
+        </p:txBody>
+      </p:sp>
+      <p:sp>
+        <p:nvSpPr>
+          <p:cNvPr id="4" name="Rectangle 3">
+            <a:extLst>
+              <a:ext uri="{FF2B5EF4-FFF2-40B4-BE49-F238E27FC236}">
+                <a16:creationId xmlns:a16="http://schemas.microsoft.com/office/drawing/2014/main" id="{364F9B6C-1607-4433-B3F0-A0FD2BE37246}"/>
+              </a:ext>
+            </a:extLst>
+          </p:cNvPr>
+          <p:cNvSpPr/>
+          <p:nvPr/>
+        </p:nvSpPr>
+        <p:spPr>
+          <a:xfrm>
+            <a:off x="1677971" y="4996206"/>
+            <a:ext cx="9436231" cy="754145"/>
+          </a:xfrm>
+          <a:prstGeom prst="rect">
+            <a:avLst/>
+          </a:prstGeom>
+        </p:spPr>
+        <p:style>
+          <a:lnRef idx="2">
+            <a:schemeClr val="accent3">
+              <a:shade val="50000"/>
+            </a:schemeClr>
+          </a:lnRef>
+          <a:fillRef idx="1">
+            <a:schemeClr val="accent3"/>
+          </a:fillRef>
+          <a:effectRef idx="0">
+            <a:schemeClr val="accent3"/>
+          </a:effectRef>
+          <a:fontRef idx="minor">
+            <a:schemeClr val="lt1"/>
+          </a:fontRef>
+        </p:style>
+        <p:txBody>
+          <a:bodyPr rtlCol="0" anchor="ctr"/>
+          <a:lstStyle/>
+          <a:p>
+            <a:pPr algn="ctr"/>
+            <a:r>
+              <a:rPr lang="en-US" dirty="0"/>
+              <a:t>OS</a:t>
+            </a:r>
+          </a:p>
+        </p:txBody>
+      </p:sp>
+      <p:sp>
+        <p:nvSpPr>
+          <p:cNvPr id="6" name="Rectangle 5">
+            <a:extLst>
+              <a:ext uri="{FF2B5EF4-FFF2-40B4-BE49-F238E27FC236}">
+                <a16:creationId xmlns:a16="http://schemas.microsoft.com/office/drawing/2014/main" id="{74630723-88BB-45AA-8E3D-6646EB9171F0}"/>
+              </a:ext>
+            </a:extLst>
+          </p:cNvPr>
+          <p:cNvSpPr/>
+          <p:nvPr/>
+        </p:nvSpPr>
+        <p:spPr>
+          <a:xfrm>
+            <a:off x="1677971" y="5750351"/>
+            <a:ext cx="9436231" cy="754145"/>
+          </a:xfrm>
+          <a:prstGeom prst="rect">
+            <a:avLst/>
+          </a:prstGeom>
+        </p:spPr>
+        <p:style>
+          <a:lnRef idx="2">
+            <a:schemeClr val="accent1">
+              <a:shade val="50000"/>
+            </a:schemeClr>
+          </a:lnRef>
+          <a:fillRef idx="1">
+            <a:schemeClr val="accent1"/>
+          </a:fillRef>
+          <a:effectRef idx="0">
+            <a:schemeClr val="accent1"/>
+          </a:effectRef>
+          <a:fontRef idx="minor">
+            <a:schemeClr val="lt1"/>
+          </a:fontRef>
+        </p:style>
+        <p:txBody>
+          <a:bodyPr rtlCol="0" anchor="ctr"/>
+          <a:lstStyle/>
+          <a:p>
+            <a:pPr algn="ctr"/>
+            <a:r>
+              <a:rPr lang="en-US" dirty="0"/>
+              <a:t>Hardware</a:t>
+            </a:r>
+          </a:p>
+        </p:txBody>
+      </p:sp>
+      <p:sp>
+        <p:nvSpPr>
+          <p:cNvPr id="7" name="Rectangle 6">
+            <a:extLst>
+              <a:ext uri="{FF2B5EF4-FFF2-40B4-BE49-F238E27FC236}">
+                <a16:creationId xmlns:a16="http://schemas.microsoft.com/office/drawing/2014/main" id="{2E75DF61-603C-4CB6-B6BC-84E528B2DD73}"/>
+              </a:ext>
+            </a:extLst>
+          </p:cNvPr>
+          <p:cNvSpPr/>
+          <p:nvPr/>
+        </p:nvSpPr>
+        <p:spPr>
+          <a:xfrm>
+            <a:off x="1677971" y="4451021"/>
+            <a:ext cx="9436231" cy="545185"/>
+          </a:xfrm>
+          <a:prstGeom prst="rect">
+            <a:avLst/>
+          </a:prstGeom>
+        </p:spPr>
+        <p:style>
+          <a:lnRef idx="2">
+            <a:schemeClr val="accent6">
+              <a:shade val="50000"/>
+            </a:schemeClr>
+          </a:lnRef>
+          <a:fillRef idx="1">
+            <a:schemeClr val="accent6"/>
+          </a:fillRef>
+          <a:effectRef idx="0">
+            <a:schemeClr val="accent6"/>
+          </a:effectRef>
+          <a:fontRef idx="minor">
+            <a:schemeClr val="lt1"/>
+          </a:fontRef>
+        </p:style>
+        <p:txBody>
+          <a:bodyPr rtlCol="0" anchor="ctr"/>
+          <a:lstStyle/>
+          <a:p>
+            <a:pPr algn="ctr"/>
+            <a:r>
+              <a:rPr lang="en-US" dirty="0"/>
+              <a:t>Docker Engine</a:t>
+            </a:r>
+          </a:p>
+        </p:txBody>
+      </p:sp>
+      <p:sp>
+        <p:nvSpPr>
+          <p:cNvPr id="8" name="Rectangle 7">
+            <a:extLst>
+              <a:ext uri="{FF2B5EF4-FFF2-40B4-BE49-F238E27FC236}">
+                <a16:creationId xmlns:a16="http://schemas.microsoft.com/office/drawing/2014/main" id="{EF68D556-A86D-459A-B895-B90F79999E57}"/>
+              </a:ext>
+            </a:extLst>
+          </p:cNvPr>
+          <p:cNvSpPr/>
+          <p:nvPr/>
+        </p:nvSpPr>
+        <p:spPr>
+          <a:xfrm>
+            <a:off x="7871381" y="1776241"/>
+            <a:ext cx="3242820" cy="2674781"/>
+          </a:xfrm>
+          <a:prstGeom prst="rect">
+            <a:avLst/>
+          </a:prstGeom>
+        </p:spPr>
+        <p:style>
+          <a:lnRef idx="2">
+            <a:schemeClr val="accent5">
+              <a:shade val="50000"/>
+            </a:schemeClr>
+          </a:lnRef>
+          <a:fillRef idx="1">
+            <a:schemeClr val="accent5"/>
+          </a:fillRef>
+          <a:effectRef idx="0">
+            <a:schemeClr val="accent5"/>
+          </a:effectRef>
+          <a:fontRef idx="minor">
+            <a:schemeClr val="lt1"/>
+          </a:fontRef>
+        </p:style>
+        <p:txBody>
+          <a:bodyPr rtlCol="0" anchor="ctr"/>
+          <a:lstStyle/>
+          <a:p>
+            <a:pPr algn="ctr"/>
+            <a:r>
+              <a:rPr lang="en-US" dirty="0"/>
+              <a:t>Docker Container</a:t>
+            </a:r>
+          </a:p>
+        </p:txBody>
+      </p:sp>
+      <p:sp>
+        <p:nvSpPr>
+          <p:cNvPr id="9" name="Rectangle 8">
+            <a:extLst>
+              <a:ext uri="{FF2B5EF4-FFF2-40B4-BE49-F238E27FC236}">
+                <a16:creationId xmlns:a16="http://schemas.microsoft.com/office/drawing/2014/main" id="{AD5D821F-5D19-4B9D-B15B-8C1F0B84B21A}"/>
+              </a:ext>
+            </a:extLst>
+          </p:cNvPr>
+          <p:cNvSpPr/>
+          <p:nvPr/>
+        </p:nvSpPr>
+        <p:spPr>
+          <a:xfrm>
+            <a:off x="8408709" y="3820283"/>
+            <a:ext cx="2246722" cy="545185"/>
+          </a:xfrm>
+          <a:prstGeom prst="rect">
+            <a:avLst/>
+          </a:prstGeom>
+        </p:spPr>
+        <p:style>
+          <a:lnRef idx="2">
+            <a:schemeClr val="accent3">
+              <a:shade val="50000"/>
+            </a:schemeClr>
+          </a:lnRef>
+          <a:fillRef idx="1">
+            <a:schemeClr val="accent3"/>
+          </a:fillRef>
+          <a:effectRef idx="0">
+            <a:schemeClr val="accent3"/>
+          </a:effectRef>
+          <a:fontRef idx="minor">
+            <a:schemeClr val="lt1"/>
+          </a:fontRef>
+        </p:style>
+        <p:txBody>
+          <a:bodyPr rtlCol="0" anchor="ctr"/>
+          <a:lstStyle/>
+          <a:p>
+            <a:pPr algn="ctr"/>
+            <a:r>
+              <a:rPr lang="en-US" dirty="0"/>
+              <a:t>Java 8</a:t>
+            </a:r>
+          </a:p>
+        </p:txBody>
+      </p:sp>
+      <p:sp>
+        <p:nvSpPr>
+          <p:cNvPr id="10" name="Rectangle 9">
+            <a:extLst>
+              <a:ext uri="{FF2B5EF4-FFF2-40B4-BE49-F238E27FC236}">
+                <a16:creationId xmlns:a16="http://schemas.microsoft.com/office/drawing/2014/main" id="{475AD960-BDB4-4D0E-B5A6-C67C3C196094}"/>
+              </a:ext>
+            </a:extLst>
+          </p:cNvPr>
+          <p:cNvSpPr/>
+          <p:nvPr/>
+        </p:nvSpPr>
+        <p:spPr>
+          <a:xfrm>
+            <a:off x="8408709" y="3275098"/>
+            <a:ext cx="2246722" cy="545185"/>
+          </a:xfrm>
+          <a:prstGeom prst="rect">
+            <a:avLst/>
+          </a:prstGeom>
+        </p:spPr>
+        <p:style>
+          <a:lnRef idx="2">
+            <a:schemeClr val="accent4">
+              <a:shade val="50000"/>
+            </a:schemeClr>
+          </a:lnRef>
+          <a:fillRef idx="1">
+            <a:schemeClr val="accent4"/>
+          </a:fillRef>
+          <a:effectRef idx="0">
+            <a:schemeClr val="accent4"/>
+          </a:effectRef>
+          <a:fontRef idx="minor">
+            <a:schemeClr val="lt1"/>
+          </a:fontRef>
+        </p:style>
+        <p:txBody>
+          <a:bodyPr rtlCol="0" anchor="ctr"/>
+          <a:lstStyle/>
+          <a:p>
+            <a:pPr algn="ctr"/>
+            <a:r>
+              <a:rPr lang="en-US" dirty="0"/>
+              <a:t>SB App</a:t>
+            </a:r>
+          </a:p>
+        </p:txBody>
+      </p:sp>
+      <p:sp>
+        <p:nvSpPr>
+          <p:cNvPr id="12" name="Rectangle 11">
+            <a:extLst>
+              <a:ext uri="{FF2B5EF4-FFF2-40B4-BE49-F238E27FC236}">
+                <a16:creationId xmlns:a16="http://schemas.microsoft.com/office/drawing/2014/main" id="{AF59BA78-4FA3-48F2-824B-DAC48AA26965}"/>
+              </a:ext>
+            </a:extLst>
+          </p:cNvPr>
+          <p:cNvSpPr/>
+          <p:nvPr/>
+        </p:nvSpPr>
+        <p:spPr>
+          <a:xfrm>
+            <a:off x="4628560" y="1776241"/>
+            <a:ext cx="3242820" cy="2674781"/>
+          </a:xfrm>
+          <a:prstGeom prst="rect">
+            <a:avLst/>
+          </a:prstGeom>
+        </p:spPr>
+        <p:style>
+          <a:lnRef idx="2">
+            <a:schemeClr val="accent5">
+              <a:shade val="50000"/>
+            </a:schemeClr>
+          </a:lnRef>
+          <a:fillRef idx="1">
+            <a:schemeClr val="accent5"/>
+          </a:fillRef>
+          <a:effectRef idx="0">
+            <a:schemeClr val="accent5"/>
+          </a:effectRef>
+          <a:fontRef idx="minor">
+            <a:schemeClr val="lt1"/>
+          </a:fontRef>
+        </p:style>
+        <p:txBody>
+          <a:bodyPr rtlCol="0" anchor="ctr"/>
+          <a:lstStyle/>
+          <a:p>
+            <a:pPr algn="ctr"/>
+            <a:r>
+              <a:rPr lang="en-US" dirty="0"/>
+              <a:t>Docker Container</a:t>
+            </a:r>
+          </a:p>
+        </p:txBody>
+      </p:sp>
+      <p:sp>
+        <p:nvSpPr>
+          <p:cNvPr id="13" name="Rectangle 12">
+            <a:extLst>
+              <a:ext uri="{FF2B5EF4-FFF2-40B4-BE49-F238E27FC236}">
+                <a16:creationId xmlns:a16="http://schemas.microsoft.com/office/drawing/2014/main" id="{A09309C8-AD8F-413E-B613-65BDA1060F63}"/>
+              </a:ext>
+            </a:extLst>
+          </p:cNvPr>
+          <p:cNvSpPr/>
+          <p:nvPr/>
+        </p:nvSpPr>
+        <p:spPr>
+          <a:xfrm>
+            <a:off x="5165888" y="3820283"/>
+            <a:ext cx="2246722" cy="545185"/>
+          </a:xfrm>
+          <a:prstGeom prst="rect">
+            <a:avLst/>
+          </a:prstGeom>
+        </p:spPr>
+        <p:style>
+          <a:lnRef idx="2">
+            <a:schemeClr val="accent3">
+              <a:shade val="50000"/>
+            </a:schemeClr>
+          </a:lnRef>
+          <a:fillRef idx="1">
+            <a:schemeClr val="accent3"/>
+          </a:fillRef>
+          <a:effectRef idx="0">
+            <a:schemeClr val="accent3"/>
+          </a:effectRef>
+          <a:fontRef idx="minor">
+            <a:schemeClr val="lt1"/>
+          </a:fontRef>
+        </p:style>
+        <p:txBody>
+          <a:bodyPr rtlCol="0" anchor="ctr"/>
+          <a:lstStyle/>
+          <a:p>
+            <a:pPr algn="ctr"/>
+            <a:r>
+              <a:rPr lang="en-US" dirty="0"/>
+              <a:t>Java 8</a:t>
+            </a:r>
+          </a:p>
+        </p:txBody>
+      </p:sp>
+      <p:sp>
+        <p:nvSpPr>
+          <p:cNvPr id="14" name="Rectangle 13">
+            <a:extLst>
+              <a:ext uri="{FF2B5EF4-FFF2-40B4-BE49-F238E27FC236}">
+                <a16:creationId xmlns:a16="http://schemas.microsoft.com/office/drawing/2014/main" id="{D8C82304-3E6A-4054-8551-6EB72869183B}"/>
+              </a:ext>
+            </a:extLst>
+          </p:cNvPr>
+          <p:cNvSpPr/>
+          <p:nvPr/>
+        </p:nvSpPr>
+        <p:spPr>
+          <a:xfrm>
+            <a:off x="5165888" y="3275098"/>
+            <a:ext cx="2246722" cy="545185"/>
+          </a:xfrm>
+          <a:prstGeom prst="rect">
+            <a:avLst/>
+          </a:prstGeom>
+        </p:spPr>
+        <p:style>
+          <a:lnRef idx="2">
+            <a:schemeClr val="accent4">
+              <a:shade val="50000"/>
+            </a:schemeClr>
+          </a:lnRef>
+          <a:fillRef idx="1">
+            <a:schemeClr val="accent4"/>
+          </a:fillRef>
+          <a:effectRef idx="0">
+            <a:schemeClr val="accent4"/>
+          </a:effectRef>
+          <a:fontRef idx="minor">
+            <a:schemeClr val="lt1"/>
+          </a:fontRef>
+        </p:style>
+        <p:txBody>
+          <a:bodyPr rtlCol="0" anchor="ctr"/>
+          <a:lstStyle/>
+          <a:p>
+            <a:pPr algn="ctr"/>
+            <a:r>
+              <a:rPr lang="en-US" dirty="0"/>
+              <a:t>SB App</a:t>
+            </a:r>
+          </a:p>
+        </p:txBody>
+      </p:sp>
+      <p:sp>
+        <p:nvSpPr>
+          <p:cNvPr id="15" name="Rectangle 14">
+            <a:extLst>
+              <a:ext uri="{FF2B5EF4-FFF2-40B4-BE49-F238E27FC236}">
+                <a16:creationId xmlns:a16="http://schemas.microsoft.com/office/drawing/2014/main" id="{A1247BC4-F822-435E-BCB2-DE514F5EF1D3}"/>
+              </a:ext>
+            </a:extLst>
+          </p:cNvPr>
+          <p:cNvSpPr/>
+          <p:nvPr/>
+        </p:nvSpPr>
+        <p:spPr>
+          <a:xfrm>
+            <a:off x="1677970" y="1776239"/>
+            <a:ext cx="2950590" cy="2674781"/>
+          </a:xfrm>
+          <a:prstGeom prst="rect">
+            <a:avLst/>
+          </a:prstGeom>
+        </p:spPr>
+        <p:style>
+          <a:lnRef idx="2">
+            <a:schemeClr val="accent5">
+              <a:shade val="50000"/>
+            </a:schemeClr>
+          </a:lnRef>
+          <a:fillRef idx="1">
+            <a:schemeClr val="accent5"/>
+          </a:fillRef>
+          <a:effectRef idx="0">
+            <a:schemeClr val="accent5"/>
+          </a:effectRef>
+          <a:fontRef idx="minor">
+            <a:schemeClr val="lt1"/>
+          </a:fontRef>
+        </p:style>
+        <p:txBody>
+          <a:bodyPr rtlCol="0" anchor="ctr"/>
+          <a:lstStyle/>
+          <a:p>
+            <a:pPr algn="ctr"/>
+            <a:r>
+              <a:rPr lang="en-US" dirty="0"/>
+              <a:t>Docker Container</a:t>
+            </a:r>
+          </a:p>
+        </p:txBody>
+      </p:sp>
+      <p:sp>
+        <p:nvSpPr>
+          <p:cNvPr id="16" name="Rectangle 15">
+            <a:extLst>
+              <a:ext uri="{FF2B5EF4-FFF2-40B4-BE49-F238E27FC236}">
+                <a16:creationId xmlns:a16="http://schemas.microsoft.com/office/drawing/2014/main" id="{BB850BD2-1F3B-41D6-9F5C-1A8A5400F9F1}"/>
+              </a:ext>
+            </a:extLst>
+          </p:cNvPr>
+          <p:cNvSpPr/>
+          <p:nvPr/>
+        </p:nvSpPr>
+        <p:spPr>
+          <a:xfrm>
+            <a:off x="2125534" y="3820281"/>
+            <a:ext cx="2044256" cy="545185"/>
+          </a:xfrm>
+          <a:prstGeom prst="rect">
+            <a:avLst/>
+          </a:prstGeom>
+        </p:spPr>
+        <p:style>
+          <a:lnRef idx="2">
+            <a:schemeClr val="accent3">
+              <a:shade val="50000"/>
+            </a:schemeClr>
+          </a:lnRef>
+          <a:fillRef idx="1">
+            <a:schemeClr val="accent3"/>
+          </a:fillRef>
+          <a:effectRef idx="0">
+            <a:schemeClr val="accent3"/>
+          </a:effectRef>
+          <a:fontRef idx="minor">
+            <a:schemeClr val="lt1"/>
+          </a:fontRef>
+        </p:style>
+        <p:txBody>
+          <a:bodyPr rtlCol="0" anchor="ctr"/>
+          <a:lstStyle/>
+          <a:p>
+            <a:pPr algn="ctr"/>
+            <a:r>
+              <a:rPr lang="en-US" dirty="0"/>
+              <a:t>Java 8</a:t>
+            </a:r>
+          </a:p>
+        </p:txBody>
+      </p:sp>
+      <p:sp>
+        <p:nvSpPr>
+          <p:cNvPr id="17" name="Rectangle 16">
+            <a:extLst>
+              <a:ext uri="{FF2B5EF4-FFF2-40B4-BE49-F238E27FC236}">
+                <a16:creationId xmlns:a16="http://schemas.microsoft.com/office/drawing/2014/main" id="{290B0820-E3BE-41AC-94A8-E055A6A639EE}"/>
+              </a:ext>
+            </a:extLst>
+          </p:cNvPr>
+          <p:cNvSpPr/>
+          <p:nvPr/>
+        </p:nvSpPr>
+        <p:spPr>
+          <a:xfrm>
+            <a:off x="2125534" y="3275096"/>
+            <a:ext cx="2044256" cy="545185"/>
+          </a:xfrm>
+          <a:prstGeom prst="rect">
+            <a:avLst/>
+          </a:prstGeom>
+        </p:spPr>
+        <p:style>
+          <a:lnRef idx="2">
+            <a:schemeClr val="accent4">
+              <a:shade val="50000"/>
+            </a:schemeClr>
+          </a:lnRef>
+          <a:fillRef idx="1">
+            <a:schemeClr val="accent4"/>
+          </a:fillRef>
+          <a:effectRef idx="0">
+            <a:schemeClr val="accent4"/>
+          </a:effectRef>
+          <a:fontRef idx="minor">
+            <a:schemeClr val="lt1"/>
+          </a:fontRef>
+        </p:style>
+        <p:txBody>
+          <a:bodyPr rtlCol="0" anchor="ctr"/>
+          <a:lstStyle/>
+          <a:p>
+            <a:pPr algn="ctr"/>
+            <a:r>
+              <a:rPr lang="en-US" dirty="0"/>
+              <a:t>SB App</a:t>
+            </a:r>
+          </a:p>
+        </p:txBody>
+      </p:sp>
+    </p:spTree>
+    <p:extLst>
+      <p:ext uri="{BB962C8B-B14F-4D97-AF65-F5344CB8AC3E}">
+        <p14:creationId xmlns:p14="http://schemas.microsoft.com/office/powerpoint/2010/main" val="2327911534"/>
+      </p:ext>
+    </p:extLst>
+  </p:cSld>
+  <p:clrMapOvr>
+    <a:masterClrMapping/>
+  </p:clrMapOvr>
+</p:sld>
+</file>
+
+<file path=ppt/slides/slide27.xml><?xml version="1.0" encoding="utf-8"?>
+<p:sld xmlns:a="http://schemas.openxmlformats.org/drawingml/2006/main" xmlns:r="http://schemas.openxmlformats.org/officeDocument/2006/relationships" xmlns:p="http://schemas.openxmlformats.org/presentationml/2006/main">
+  <p:cSld>
+    <p:spTree>
+      <p:nvGrpSpPr>
+        <p:cNvPr id="1" name=""/>
+        <p:cNvGrpSpPr/>
+        <p:nvPr/>
+      </p:nvGrpSpPr>
+      <p:grpSpPr>
+        <a:xfrm>
+          <a:off x="0" y="0"/>
+          <a:ext cx="0" cy="0"/>
+          <a:chOff x="0" y="0"/>
+          <a:chExt cx="0" cy="0"/>
+        </a:xfrm>
+      </p:grpSpPr>
+      <p:sp>
+        <p:nvSpPr>
+          <p:cNvPr id="2" name="Title 1">
+            <a:extLst>
+              <a:ext uri="{FF2B5EF4-FFF2-40B4-BE49-F238E27FC236}">
+                <a16:creationId xmlns:a16="http://schemas.microsoft.com/office/drawing/2014/main" id="{82E08416-B3B4-421E-B2AB-8347518346BA}"/>
+              </a:ext>
+            </a:extLst>
+          </p:cNvPr>
+          <p:cNvSpPr>
+            <a:spLocks noGrp="1"/>
+          </p:cNvSpPr>
+          <p:nvPr>
+            <p:ph type="title"/>
+          </p:nvPr>
+        </p:nvSpPr>
+        <p:spPr/>
+        <p:txBody>
+          <a:bodyPr/>
+          <a:lstStyle/>
+          <a:p>
+            <a:r>
+              <a:rPr lang="en-US" dirty="0"/>
+              <a:t>Workflow for Docker</a:t>
+            </a:r>
+          </a:p>
+        </p:txBody>
+      </p:sp>
+      <p:sp>
+        <p:nvSpPr>
+          <p:cNvPr id="4" name="Rectangle 3">
+            <a:extLst>
+              <a:ext uri="{FF2B5EF4-FFF2-40B4-BE49-F238E27FC236}">
+                <a16:creationId xmlns:a16="http://schemas.microsoft.com/office/drawing/2014/main" id="{FD51C6E0-9310-4F7D-9003-D452A2E4E145}"/>
+              </a:ext>
+            </a:extLst>
+          </p:cNvPr>
+          <p:cNvSpPr/>
+          <p:nvPr/>
+        </p:nvSpPr>
+        <p:spPr>
+          <a:xfrm>
+            <a:off x="838200" y="4392891"/>
+            <a:ext cx="1140643" cy="914400"/>
+          </a:xfrm>
+          <a:prstGeom prst="rect">
+            <a:avLst/>
+          </a:prstGeom>
+        </p:spPr>
+        <p:style>
+          <a:lnRef idx="2">
+            <a:schemeClr val="accent1">
+              <a:shade val="50000"/>
+            </a:schemeClr>
+          </a:lnRef>
+          <a:fillRef idx="1">
+            <a:schemeClr val="accent1"/>
+          </a:fillRef>
+          <a:effectRef idx="0">
+            <a:schemeClr val="accent1"/>
+          </a:effectRef>
+          <a:fontRef idx="minor">
+            <a:schemeClr val="lt1"/>
+          </a:fontRef>
+        </p:style>
+        <p:txBody>
+          <a:bodyPr rtlCol="0" anchor="ctr"/>
+          <a:lstStyle/>
+          <a:p>
+            <a:pPr algn="ctr"/>
+            <a:r>
+              <a:rPr lang="en-US" dirty="0"/>
+              <a:t>jar</a:t>
+            </a:r>
+          </a:p>
+        </p:txBody>
+      </p:sp>
+      <p:sp>
+        <p:nvSpPr>
+          <p:cNvPr id="5" name="TextBox 4">
+            <a:extLst>
+              <a:ext uri="{FF2B5EF4-FFF2-40B4-BE49-F238E27FC236}">
+                <a16:creationId xmlns:a16="http://schemas.microsoft.com/office/drawing/2014/main" id="{BE7D1894-94B1-467F-B8BA-A76C4E8AF453}"/>
+              </a:ext>
+            </a:extLst>
+          </p:cNvPr>
+          <p:cNvSpPr txBox="1"/>
+          <p:nvPr/>
+        </p:nvSpPr>
+        <p:spPr>
+          <a:xfrm>
+            <a:off x="537328" y="6240544"/>
+            <a:ext cx="3667027" cy="369332"/>
+          </a:xfrm>
+          <a:prstGeom prst="rect">
+            <a:avLst/>
+          </a:prstGeom>
+          <a:noFill/>
+        </p:spPr>
+        <p:txBody>
+          <a:bodyPr wrap="square" rtlCol="0">
+            <a:spAutoFit/>
+          </a:bodyPr>
+          <a:lstStyle/>
+          <a:p>
+            <a:r>
+              <a:rPr lang="en-US" dirty="0"/>
+              <a:t>Java –jar “name-of-jar”</a:t>
+            </a:r>
+          </a:p>
+        </p:txBody>
+      </p:sp>
+      <p:sp>
+        <p:nvSpPr>
+          <p:cNvPr id="6" name="Scroll: Vertical 5">
+            <a:extLst>
+              <a:ext uri="{FF2B5EF4-FFF2-40B4-BE49-F238E27FC236}">
+                <a16:creationId xmlns:a16="http://schemas.microsoft.com/office/drawing/2014/main" id="{06F38DF4-053C-4731-872C-4ACE0CB0CB9D}"/>
+              </a:ext>
+            </a:extLst>
+          </p:cNvPr>
+          <p:cNvSpPr/>
+          <p:nvPr/>
+        </p:nvSpPr>
+        <p:spPr>
+          <a:xfrm>
+            <a:off x="428920" y="1932716"/>
+            <a:ext cx="1941921" cy="2032900"/>
+          </a:xfrm>
+          <a:prstGeom prst="verticalScroll">
+            <a:avLst/>
+          </a:prstGeom>
+        </p:spPr>
+        <p:style>
+          <a:lnRef idx="2">
+            <a:schemeClr val="accent4">
+              <a:shade val="50000"/>
+            </a:schemeClr>
+          </a:lnRef>
+          <a:fillRef idx="1">
+            <a:schemeClr val="accent4"/>
+          </a:fillRef>
+          <a:effectRef idx="0">
+            <a:schemeClr val="accent4"/>
+          </a:effectRef>
+          <a:fontRef idx="minor">
+            <a:schemeClr val="lt1"/>
+          </a:fontRef>
+        </p:style>
+        <p:txBody>
+          <a:bodyPr rtlCol="0" anchor="ctr"/>
+          <a:lstStyle/>
+          <a:p>
+            <a:pPr algn="ctr"/>
+            <a:r>
+              <a:rPr lang="en-US" dirty="0" err="1"/>
+              <a:t>Dockerfile</a:t>
+            </a:r>
+            <a:endParaRPr lang="en-US" dirty="0"/>
+          </a:p>
+        </p:txBody>
+      </p:sp>
+      <p:sp>
+        <p:nvSpPr>
+          <p:cNvPr id="7" name="Arrow: Right 6">
+            <a:extLst>
+              <a:ext uri="{FF2B5EF4-FFF2-40B4-BE49-F238E27FC236}">
+                <a16:creationId xmlns:a16="http://schemas.microsoft.com/office/drawing/2014/main" id="{08EAFC92-EC2E-4016-AEE9-FD4997769D0B}"/>
+              </a:ext>
+            </a:extLst>
+          </p:cNvPr>
+          <p:cNvSpPr/>
+          <p:nvPr/>
+        </p:nvSpPr>
+        <p:spPr>
+          <a:xfrm>
+            <a:off x="2479249" y="3032362"/>
+            <a:ext cx="1725106" cy="933254"/>
+          </a:xfrm>
+          <a:prstGeom prst="rightArrow">
+            <a:avLst/>
+          </a:prstGeom>
+        </p:spPr>
+        <p:style>
+          <a:lnRef idx="2">
+            <a:schemeClr val="accent1">
+              <a:shade val="50000"/>
+            </a:schemeClr>
+          </a:lnRef>
+          <a:fillRef idx="1">
+            <a:schemeClr val="accent1"/>
+          </a:fillRef>
+          <a:effectRef idx="0">
+            <a:schemeClr val="accent1"/>
+          </a:effectRef>
+          <a:fontRef idx="minor">
+            <a:schemeClr val="lt1"/>
+          </a:fontRef>
+        </p:style>
+        <p:txBody>
+          <a:bodyPr rtlCol="0" anchor="ctr"/>
+          <a:lstStyle/>
+          <a:p>
+            <a:pPr algn="ctr"/>
+            <a:r>
+              <a:rPr lang="en-US" dirty="0"/>
+              <a:t>docker build</a:t>
+            </a:r>
+          </a:p>
+        </p:txBody>
+      </p:sp>
+      <p:sp>
+        <p:nvSpPr>
+          <p:cNvPr id="8" name="Oval 7">
+            <a:extLst>
+              <a:ext uri="{FF2B5EF4-FFF2-40B4-BE49-F238E27FC236}">
+                <a16:creationId xmlns:a16="http://schemas.microsoft.com/office/drawing/2014/main" id="{F102448B-1A25-4401-BB38-D2B9F31C9435}"/>
+              </a:ext>
+            </a:extLst>
+          </p:cNvPr>
+          <p:cNvSpPr/>
+          <p:nvPr/>
+        </p:nvSpPr>
+        <p:spPr>
+          <a:xfrm>
+            <a:off x="4312763" y="2326064"/>
+            <a:ext cx="2243579" cy="2205872"/>
+          </a:xfrm>
+          <a:prstGeom prst="ellipse">
+            <a:avLst/>
+          </a:prstGeom>
+        </p:spPr>
+        <p:style>
+          <a:lnRef idx="2">
+            <a:schemeClr val="accent1">
+              <a:shade val="50000"/>
+            </a:schemeClr>
+          </a:lnRef>
+          <a:fillRef idx="1">
+            <a:schemeClr val="accent1"/>
+          </a:fillRef>
+          <a:effectRef idx="0">
+            <a:schemeClr val="accent1"/>
+          </a:effectRef>
+          <a:fontRef idx="minor">
+            <a:schemeClr val="lt1"/>
+          </a:fontRef>
+        </p:style>
+        <p:txBody>
+          <a:bodyPr rtlCol="0" anchor="ctr"/>
+          <a:lstStyle/>
+          <a:p>
+            <a:pPr algn="ctr"/>
+            <a:r>
+              <a:rPr lang="en-US" dirty="0"/>
+              <a:t>Docker Image</a:t>
+            </a:r>
+          </a:p>
+        </p:txBody>
+      </p:sp>
+      <p:sp>
+        <p:nvSpPr>
+          <p:cNvPr id="9" name="Arrow: Right 8">
+            <a:extLst>
+              <a:ext uri="{FF2B5EF4-FFF2-40B4-BE49-F238E27FC236}">
+                <a16:creationId xmlns:a16="http://schemas.microsoft.com/office/drawing/2014/main" id="{8A81C4B3-0EEE-48B6-82EA-5D5666E89F89}"/>
+              </a:ext>
+            </a:extLst>
+          </p:cNvPr>
+          <p:cNvSpPr/>
+          <p:nvPr/>
+        </p:nvSpPr>
+        <p:spPr>
+          <a:xfrm>
+            <a:off x="6773158" y="3032362"/>
+            <a:ext cx="1725106" cy="933254"/>
+          </a:xfrm>
+          <a:prstGeom prst="rightArrow">
+            <a:avLst/>
+          </a:prstGeom>
+        </p:spPr>
+        <p:style>
+          <a:lnRef idx="2">
+            <a:schemeClr val="accent1">
+              <a:shade val="50000"/>
+            </a:schemeClr>
+          </a:lnRef>
+          <a:fillRef idx="1">
+            <a:schemeClr val="accent1"/>
+          </a:fillRef>
+          <a:effectRef idx="0">
+            <a:schemeClr val="accent1"/>
+          </a:effectRef>
+          <a:fontRef idx="minor">
+            <a:schemeClr val="lt1"/>
+          </a:fontRef>
+        </p:style>
+        <p:txBody>
+          <a:bodyPr rtlCol="0" anchor="ctr"/>
+          <a:lstStyle/>
+          <a:p>
+            <a:pPr algn="ctr"/>
+            <a:r>
+              <a:rPr lang="en-US" dirty="0"/>
+              <a:t>docker run</a:t>
+            </a:r>
+          </a:p>
+        </p:txBody>
+      </p:sp>
+      <p:sp>
+        <p:nvSpPr>
+          <p:cNvPr id="10" name="Rectangle 9">
+            <a:extLst>
+              <a:ext uri="{FF2B5EF4-FFF2-40B4-BE49-F238E27FC236}">
+                <a16:creationId xmlns:a16="http://schemas.microsoft.com/office/drawing/2014/main" id="{F67D8B4F-88BC-40B1-B558-C23081102E58}"/>
+              </a:ext>
+            </a:extLst>
+          </p:cNvPr>
+          <p:cNvSpPr/>
+          <p:nvPr/>
+        </p:nvSpPr>
+        <p:spPr>
+          <a:xfrm>
+            <a:off x="8890262" y="2488676"/>
+            <a:ext cx="3119486" cy="1904215"/>
+          </a:xfrm>
+          <a:prstGeom prst="rect">
+            <a:avLst/>
+          </a:prstGeom>
+        </p:spPr>
+        <p:style>
+          <a:lnRef idx="2">
+            <a:schemeClr val="accent5">
+              <a:shade val="50000"/>
+            </a:schemeClr>
+          </a:lnRef>
+          <a:fillRef idx="1">
+            <a:schemeClr val="accent5"/>
+          </a:fillRef>
+          <a:effectRef idx="0">
+            <a:schemeClr val="accent5"/>
+          </a:effectRef>
+          <a:fontRef idx="minor">
+            <a:schemeClr val="lt1"/>
+          </a:fontRef>
+        </p:style>
+        <p:txBody>
+          <a:bodyPr rtlCol="0" anchor="ctr"/>
+          <a:lstStyle/>
+          <a:p>
+            <a:pPr algn="ctr"/>
+            <a:r>
+              <a:rPr lang="en-US" dirty="0"/>
+              <a:t>docker container</a:t>
+            </a:r>
+          </a:p>
+        </p:txBody>
+      </p:sp>
+    </p:spTree>
+    <p:extLst>
+      <p:ext uri="{BB962C8B-B14F-4D97-AF65-F5344CB8AC3E}">
+        <p14:creationId xmlns:p14="http://schemas.microsoft.com/office/powerpoint/2010/main" val="1047611355"/>
+      </p:ext>
+    </p:extLst>
+  </p:cSld>
+  <p:clrMapOvr>
+    <a:masterClrMapping/>
+  </p:clrMapOvr>
+</p:sld>
+</file>
+
+<file path=ppt/slides/slide28.xml><?xml version="1.0" encoding="utf-8"?>
+<p:sld xmlns:a="http://schemas.openxmlformats.org/drawingml/2006/main" xmlns:r="http://schemas.openxmlformats.org/officeDocument/2006/relationships" xmlns:p="http://schemas.openxmlformats.org/presentationml/2006/main">
+  <p:cSld>
+    <p:spTree>
+      <p:nvGrpSpPr>
+        <p:cNvPr id="1" name=""/>
+        <p:cNvGrpSpPr/>
+        <p:nvPr/>
+      </p:nvGrpSpPr>
+      <p:grpSpPr>
+        <a:xfrm>
+          <a:off x="0" y="0"/>
+          <a:ext cx="0" cy="0"/>
+          <a:chOff x="0" y="0"/>
+          <a:chExt cx="0" cy="0"/>
+        </a:xfrm>
+      </p:grpSpPr>
+      <p:sp>
+        <p:nvSpPr>
+          <p:cNvPr id="2" name="Title 1">
+            <a:extLst>
+              <a:ext uri="{FF2B5EF4-FFF2-40B4-BE49-F238E27FC236}">
+                <a16:creationId xmlns:a16="http://schemas.microsoft.com/office/drawing/2014/main" id="{33628432-9799-4BA0-885B-BF4E1DD1EF9C}"/>
+              </a:ext>
+            </a:extLst>
+          </p:cNvPr>
+          <p:cNvSpPr>
+            <a:spLocks noGrp="1"/>
+          </p:cNvSpPr>
+          <p:nvPr>
+            <p:ph type="title"/>
+          </p:nvPr>
+        </p:nvSpPr>
+        <p:spPr/>
+        <p:txBody>
+          <a:bodyPr/>
+          <a:lstStyle/>
+          <a:p>
+            <a:r>
+              <a:rPr lang="en-US" dirty="0"/>
+              <a:t>Pirate server + Docker + Kubernetes</a:t>
+            </a:r>
+          </a:p>
+        </p:txBody>
+      </p:sp>
+      <p:sp>
+        <p:nvSpPr>
+          <p:cNvPr id="4" name="Rectangle: Rounded Corners 3">
+            <a:extLst>
+              <a:ext uri="{FF2B5EF4-FFF2-40B4-BE49-F238E27FC236}">
+                <a16:creationId xmlns:a16="http://schemas.microsoft.com/office/drawing/2014/main" id="{FC0FCD00-DC8C-4E80-948C-49D5A772569E}"/>
+              </a:ext>
+            </a:extLst>
+          </p:cNvPr>
+          <p:cNvSpPr/>
+          <p:nvPr/>
+        </p:nvSpPr>
+        <p:spPr>
+          <a:xfrm>
+            <a:off x="8765085" y="2528576"/>
+            <a:ext cx="2507530" cy="1325563"/>
+          </a:xfrm>
+          <a:prstGeom prst="roundRect">
+            <a:avLst/>
+          </a:prstGeom>
+        </p:spPr>
+        <p:style>
+          <a:lnRef idx="2">
+            <a:schemeClr val="accent1">
+              <a:shade val="50000"/>
+            </a:schemeClr>
+          </a:lnRef>
+          <a:fillRef idx="1">
+            <a:schemeClr val="accent1"/>
+          </a:fillRef>
+          <a:effectRef idx="0">
+            <a:schemeClr val="accent1"/>
+          </a:effectRef>
+          <a:fontRef idx="minor">
+            <a:schemeClr val="lt1"/>
+          </a:fontRef>
+        </p:style>
+        <p:txBody>
+          <a:bodyPr rtlCol="0" anchor="ctr"/>
+          <a:lstStyle/>
+          <a:p>
+            <a:pPr algn="ctr"/>
+            <a:r>
+              <a:rPr lang="en-US" dirty="0"/>
+              <a:t>Pirate Server</a:t>
+            </a:r>
+          </a:p>
+        </p:txBody>
+      </p:sp>
+      <p:sp>
+        <p:nvSpPr>
+          <p:cNvPr id="5" name="Scroll: Vertical 4">
+            <a:extLst>
+              <a:ext uri="{FF2B5EF4-FFF2-40B4-BE49-F238E27FC236}">
+                <a16:creationId xmlns:a16="http://schemas.microsoft.com/office/drawing/2014/main" id="{743350BF-EAB6-4C50-A08E-54FB6B4E50F6}"/>
+              </a:ext>
+            </a:extLst>
+          </p:cNvPr>
+          <p:cNvSpPr/>
+          <p:nvPr/>
+        </p:nvSpPr>
+        <p:spPr>
+          <a:xfrm>
+            <a:off x="169683" y="1784956"/>
+            <a:ext cx="4553146" cy="4138367"/>
+          </a:xfrm>
+          <a:prstGeom prst="verticalScroll">
+            <a:avLst/>
+          </a:prstGeom>
+        </p:spPr>
+        <p:style>
+          <a:lnRef idx="2">
+            <a:schemeClr val="accent4">
+              <a:shade val="50000"/>
+            </a:schemeClr>
+          </a:lnRef>
+          <a:fillRef idx="1">
+            <a:schemeClr val="accent4"/>
+          </a:fillRef>
+          <a:effectRef idx="0">
+            <a:schemeClr val="accent4"/>
+          </a:effectRef>
+          <a:fontRef idx="minor">
+            <a:schemeClr val="lt1"/>
+          </a:fontRef>
+        </p:style>
+        <p:txBody>
+          <a:bodyPr rtlCol="0" anchor="ctr"/>
+          <a:lstStyle/>
+          <a:p>
+            <a:pPr algn="ctr"/>
+            <a:r>
+              <a:rPr lang="en-US" dirty="0" err="1"/>
+              <a:t>Manifest.yaml</a:t>
+            </a:r>
+            <a:endParaRPr lang="en-US" dirty="0"/>
+          </a:p>
+        </p:txBody>
+      </p:sp>
+      <p:sp>
+        <p:nvSpPr>
+          <p:cNvPr id="6" name="Arrow: Right 5">
+            <a:extLst>
+              <a:ext uri="{FF2B5EF4-FFF2-40B4-BE49-F238E27FC236}">
+                <a16:creationId xmlns:a16="http://schemas.microsoft.com/office/drawing/2014/main" id="{9437C1B6-4040-417E-A3F6-526B2030B331}"/>
+              </a:ext>
+            </a:extLst>
+          </p:cNvPr>
+          <p:cNvSpPr/>
+          <p:nvPr/>
+        </p:nvSpPr>
+        <p:spPr>
+          <a:xfrm>
+            <a:off x="3742441" y="3381866"/>
+            <a:ext cx="1253765" cy="857839"/>
+          </a:xfrm>
+          <a:prstGeom prst="rightArrow">
+            <a:avLst/>
+          </a:prstGeom>
+        </p:spPr>
+        <p:style>
+          <a:lnRef idx="2">
+            <a:schemeClr val="accent1">
+              <a:shade val="50000"/>
+            </a:schemeClr>
+          </a:lnRef>
+          <a:fillRef idx="1">
+            <a:schemeClr val="accent1"/>
+          </a:fillRef>
+          <a:effectRef idx="0">
+            <a:schemeClr val="accent1"/>
+          </a:effectRef>
+          <a:fontRef idx="minor">
+            <a:schemeClr val="lt1"/>
+          </a:fontRef>
+        </p:style>
+        <p:txBody>
+          <a:bodyPr rtlCol="0" anchor="ctr"/>
+          <a:lstStyle/>
+          <a:p>
+            <a:pPr algn="ctr"/>
+            <a:endParaRPr lang="en-US"/>
+          </a:p>
+        </p:txBody>
+      </p:sp>
+      <p:pic>
+        <p:nvPicPr>
+          <p:cNvPr id="2050" name="Picture 2" descr="Workshop for SQLSaturday Lisbon 2019: Kubernetes with ...">
+            <a:extLst>
+              <a:ext uri="{FF2B5EF4-FFF2-40B4-BE49-F238E27FC236}">
+                <a16:creationId xmlns:a16="http://schemas.microsoft.com/office/drawing/2014/main" id="{D6DBFED4-D14B-40FE-B449-4D3EBE8ACEF1}"/>
+              </a:ext>
+            </a:extLst>
+          </p:cNvPr>
+          <p:cNvPicPr>
+            <a:picLocks noChangeAspect="1" noChangeArrowheads="1"/>
+          </p:cNvPicPr>
+          <p:nvPr/>
+        </p:nvPicPr>
+        <p:blipFill>
+          <a:blip r:embed="rId2">
+            <a:extLst>
+              <a:ext uri="{28A0092B-C50C-407E-A947-70E740481C1C}">
+                <a14:useLocalDpi xmlns:a14="http://schemas.microsoft.com/office/drawing/2010/main" val="0"/>
+              </a:ext>
+            </a:extLst>
+          </a:blip>
+          <a:srcRect/>
+          <a:stretch>
+            <a:fillRect/>
+          </a:stretch>
+        </p:blipFill>
+        <p:spPr bwMode="auto">
+          <a:xfrm>
+            <a:off x="5148606" y="3222861"/>
+            <a:ext cx="2351694" cy="1175847"/>
+          </a:xfrm>
+          <a:prstGeom prst="rect">
+            <a:avLst/>
+          </a:prstGeom>
+          <a:noFill/>
+          <a:extLst>
+            <a:ext uri="{909E8E84-426E-40DD-AFC4-6F175D3DCCD1}">
+              <a14:hiddenFill xmlns:a14="http://schemas.microsoft.com/office/drawing/2010/main">
+                <a:solidFill>
+                  <a:srgbClr val="FFFFFF"/>
+                </a:solidFill>
+              </a14:hiddenFill>
+            </a:ext>
+          </a:extLst>
+        </p:spPr>
+      </p:pic>
+      <p:sp>
+        <p:nvSpPr>
+          <p:cNvPr id="8" name="Arrow: Right 7">
+            <a:extLst>
+              <a:ext uri="{FF2B5EF4-FFF2-40B4-BE49-F238E27FC236}">
+                <a16:creationId xmlns:a16="http://schemas.microsoft.com/office/drawing/2014/main" id="{BA90A0B1-A6AB-43C4-8109-9323A4DE65EE}"/>
+              </a:ext>
+            </a:extLst>
+          </p:cNvPr>
+          <p:cNvSpPr/>
+          <p:nvPr/>
+        </p:nvSpPr>
+        <p:spPr>
+          <a:xfrm>
+            <a:off x="7711433" y="3320390"/>
+            <a:ext cx="719977" cy="857839"/>
+          </a:xfrm>
+          <a:prstGeom prst="rightArrow">
+            <a:avLst/>
+          </a:prstGeom>
+        </p:spPr>
+        <p:style>
+          <a:lnRef idx="2">
+            <a:schemeClr val="accent1">
+              <a:shade val="50000"/>
+            </a:schemeClr>
+          </a:lnRef>
+          <a:fillRef idx="1">
+            <a:schemeClr val="accent1"/>
+          </a:fillRef>
+          <a:effectRef idx="0">
+            <a:schemeClr val="accent1"/>
+          </a:effectRef>
+          <a:fontRef idx="minor">
+            <a:schemeClr val="lt1"/>
+          </a:fontRef>
+        </p:style>
+        <p:txBody>
+          <a:bodyPr rtlCol="0" anchor="ctr"/>
+          <a:lstStyle/>
+          <a:p>
+            <a:pPr algn="ctr"/>
+            <a:endParaRPr lang="en-US"/>
+          </a:p>
+        </p:txBody>
+      </p:sp>
+      <p:sp>
+        <p:nvSpPr>
+          <p:cNvPr id="9" name="Rectangle: Rounded Corners 8">
+            <a:extLst>
+              <a:ext uri="{FF2B5EF4-FFF2-40B4-BE49-F238E27FC236}">
+                <a16:creationId xmlns:a16="http://schemas.microsoft.com/office/drawing/2014/main" id="{7119C317-9B49-4B12-9E87-7ED5E19A2096}"/>
+              </a:ext>
+            </a:extLst>
+          </p:cNvPr>
+          <p:cNvSpPr/>
+          <p:nvPr/>
+        </p:nvSpPr>
+        <p:spPr>
+          <a:xfrm>
+            <a:off x="8917485" y="2680976"/>
+            <a:ext cx="2507530" cy="1325563"/>
+          </a:xfrm>
+          <a:prstGeom prst="roundRect">
+            <a:avLst/>
+          </a:prstGeom>
+        </p:spPr>
+        <p:style>
+          <a:lnRef idx="2">
+            <a:schemeClr val="accent1">
+              <a:shade val="50000"/>
+            </a:schemeClr>
+          </a:lnRef>
+          <a:fillRef idx="1">
+            <a:schemeClr val="accent1"/>
+          </a:fillRef>
+          <a:effectRef idx="0">
+            <a:schemeClr val="accent1"/>
+          </a:effectRef>
+          <a:fontRef idx="minor">
+            <a:schemeClr val="lt1"/>
+          </a:fontRef>
+        </p:style>
+        <p:txBody>
+          <a:bodyPr rtlCol="0" anchor="ctr"/>
+          <a:lstStyle/>
+          <a:p>
+            <a:pPr algn="ctr"/>
+            <a:r>
+              <a:rPr lang="en-US" dirty="0"/>
+              <a:t>Pirate Server</a:t>
+            </a:r>
+          </a:p>
+        </p:txBody>
+      </p:sp>
+      <p:sp>
+        <p:nvSpPr>
+          <p:cNvPr id="11" name="Rectangle: Rounded Corners 10">
+            <a:extLst>
+              <a:ext uri="{FF2B5EF4-FFF2-40B4-BE49-F238E27FC236}">
+                <a16:creationId xmlns:a16="http://schemas.microsoft.com/office/drawing/2014/main" id="{26F0A9DB-391F-4A24-AB70-DE22A97EBC2A}"/>
+              </a:ext>
+            </a:extLst>
+          </p:cNvPr>
+          <p:cNvSpPr/>
+          <p:nvPr/>
+        </p:nvSpPr>
+        <p:spPr>
+          <a:xfrm>
+            <a:off x="9069885" y="2833376"/>
+            <a:ext cx="2507530" cy="1325563"/>
+          </a:xfrm>
+          <a:prstGeom prst="roundRect">
+            <a:avLst/>
+          </a:prstGeom>
+        </p:spPr>
+        <p:style>
+          <a:lnRef idx="2">
+            <a:schemeClr val="accent1">
+              <a:shade val="50000"/>
+            </a:schemeClr>
+          </a:lnRef>
+          <a:fillRef idx="1">
+            <a:schemeClr val="accent1"/>
+          </a:fillRef>
+          <a:effectRef idx="0">
+            <a:schemeClr val="accent1"/>
+          </a:effectRef>
+          <a:fontRef idx="minor">
+            <a:schemeClr val="lt1"/>
+          </a:fontRef>
+        </p:style>
+        <p:txBody>
+          <a:bodyPr rtlCol="0" anchor="ctr"/>
+          <a:lstStyle/>
+          <a:p>
+            <a:pPr algn="ctr"/>
+            <a:r>
+              <a:rPr lang="en-US" dirty="0"/>
+              <a:t>Pirate Server</a:t>
+            </a:r>
+          </a:p>
+        </p:txBody>
+      </p:sp>
+    </p:spTree>
+    <p:extLst>
+      <p:ext uri="{BB962C8B-B14F-4D97-AF65-F5344CB8AC3E}">
+        <p14:creationId xmlns:p14="http://schemas.microsoft.com/office/powerpoint/2010/main" val="2941149727"/>
       </p:ext>
     </p:extLst>
   </p:cSld>
